--- a/slides/5_DistanceAndSimilarityMeasures.pptx
+++ b/slides/5_DistanceAndSimilarityMeasures.pptx
@@ -5,7 +5,7 @@
     <p:sldMasterId id="2147483648" r:id="rId1"/>
   </p:sldMasterIdLst>
   <p:notesMasterIdLst>
-    <p:notesMasterId r:id="rId42"/>
+    <p:notesMasterId r:id="rId43"/>
   </p:notesMasterIdLst>
   <p:sldIdLst>
     <p:sldId id="719" r:id="rId2"/>
@@ -37,17 +37,18 @@
     <p:sldId id="618" r:id="rId28"/>
     <p:sldId id="641" r:id="rId29"/>
     <p:sldId id="679" r:id="rId30"/>
-    <p:sldId id="685" r:id="rId31"/>
-    <p:sldId id="724" r:id="rId32"/>
-    <p:sldId id="723" r:id="rId33"/>
-    <p:sldId id="682" r:id="rId34"/>
-    <p:sldId id="683" r:id="rId35"/>
-    <p:sldId id="725" r:id="rId36"/>
-    <p:sldId id="726" r:id="rId37"/>
-    <p:sldId id="727" r:id="rId38"/>
-    <p:sldId id="728" r:id="rId39"/>
-    <p:sldId id="729" r:id="rId40"/>
-    <p:sldId id="720" r:id="rId41"/>
+    <p:sldId id="724" r:id="rId31"/>
+    <p:sldId id="723" r:id="rId32"/>
+    <p:sldId id="737" r:id="rId33"/>
+    <p:sldId id="685" r:id="rId34"/>
+    <p:sldId id="682" r:id="rId35"/>
+    <p:sldId id="683" r:id="rId36"/>
+    <p:sldId id="725" r:id="rId37"/>
+    <p:sldId id="726" r:id="rId38"/>
+    <p:sldId id="727" r:id="rId39"/>
+    <p:sldId id="728" r:id="rId40"/>
+    <p:sldId id="729" r:id="rId41"/>
+    <p:sldId id="720" r:id="rId42"/>
   </p:sldIdLst>
   <p:sldSz cx="12192000" cy="6858000"/>
   <p:notesSz cx="6858000" cy="9144000"/>
@@ -236,7 +237,7 @@
           <a:p>
             <a:fld id="{8DD534D1-5B48-49E9-A024-C5EAE54CADD0}" type="datetimeFigureOut">
               <a:rPr lang="en-US" smtClean="0"/>
-              <a:t>6/12/2025</a:t>
+              <a:t>7/6/2025</a:t>
             </a:fld>
             <a:endParaRPr lang="en-US"/>
           </a:p>
@@ -2387,7 +2388,7 @@
     </p:spTree>
     <p:extLst>
       <p:ext uri="{BB962C8B-B14F-4D97-AF65-F5344CB8AC3E}">
-        <p14:creationId xmlns:p14="http://schemas.microsoft.com/office/powerpoint/2010/main" val="744865965"/>
+        <p14:creationId xmlns:p14="http://schemas.microsoft.com/office/powerpoint/2010/main" val="2560398139"/>
       </p:ext>
     </p:extLst>
   </p:cSld>
@@ -2557,7 +2558,7 @@
     </p:spTree>
     <p:extLst>
       <p:ext uri="{BB962C8B-B14F-4D97-AF65-F5344CB8AC3E}">
-        <p14:creationId xmlns:p14="http://schemas.microsoft.com/office/powerpoint/2010/main" val="2560398139"/>
+        <p14:creationId xmlns:p14="http://schemas.microsoft.com/office/powerpoint/2010/main" val="555763951"/>
       </p:ext>
     </p:extLst>
   </p:cSld>
@@ -2572,7 +2573,13 @@
   <p:cSld>
     <p:spTree>
       <p:nvGrpSpPr>
-        <p:cNvPr id="1" name=""/>
+        <p:cNvPr id="1" name="">
+          <a:extLst>
+            <a:ext uri="{FF2B5EF4-FFF2-40B4-BE49-F238E27FC236}">
+              <a16:creationId xmlns:a16="http://schemas.microsoft.com/office/drawing/2014/main" id="{4F735AC6-D7C3-4A45-12C9-4F3BDB675F16}"/>
+            </a:ext>
+          </a:extLst>
+        </p:cNvPr>
         <p:cNvGrpSpPr/>
         <p:nvPr/>
       </p:nvGrpSpPr>
@@ -2586,7 +2593,13 @@
       </p:grpSpPr>
       <p:sp>
         <p:nvSpPr>
-          <p:cNvPr id="2" name="Slide Image Placeholder 1"/>
+          <p:cNvPr id="2" name="Slide Image Placeholder 1">
+            <a:extLst>
+              <a:ext uri="{FF2B5EF4-FFF2-40B4-BE49-F238E27FC236}">
+                <a16:creationId xmlns:a16="http://schemas.microsoft.com/office/drawing/2014/main" id="{7908A115-FD26-C36C-22EC-2D0DF1CE04D6}"/>
+              </a:ext>
+            </a:extLst>
+          </p:cNvPr>
           <p:cNvSpPr>
             <a:spLocks noGrp="1" noRot="1" noChangeAspect="1"/>
           </p:cNvSpPr>
@@ -2598,7 +2611,13 @@
       </p:sp>
       <p:sp>
         <p:nvSpPr>
-          <p:cNvPr id="3" name="Notes Placeholder 2"/>
+          <p:cNvPr id="3" name="Notes Placeholder 2">
+            <a:extLst>
+              <a:ext uri="{FF2B5EF4-FFF2-40B4-BE49-F238E27FC236}">
+                <a16:creationId xmlns:a16="http://schemas.microsoft.com/office/drawing/2014/main" id="{4376CD3D-1DCD-A893-77AC-09CAEB36AF62}"/>
+              </a:ext>
+            </a:extLst>
+          </p:cNvPr>
           <p:cNvSpPr>
             <a:spLocks noGrp="1"/>
           </p:cNvSpPr>
@@ -2617,7 +2636,13 @@
       </p:sp>
       <p:sp>
         <p:nvSpPr>
-          <p:cNvPr id="4" name="Slide Number Placeholder 3"/>
+          <p:cNvPr id="4" name="Slide Number Placeholder 3">
+            <a:extLst>
+              <a:ext uri="{FF2B5EF4-FFF2-40B4-BE49-F238E27FC236}">
+                <a16:creationId xmlns:a16="http://schemas.microsoft.com/office/drawing/2014/main" id="{01E8AFF8-7FDB-815E-4024-E6FAB2B541FA}"/>
+              </a:ext>
+            </a:extLst>
+          </p:cNvPr>
           <p:cNvSpPr>
             <a:spLocks noGrp="1"/>
           </p:cNvSpPr>
@@ -2642,7 +2667,7 @@
     </p:spTree>
     <p:extLst>
       <p:ext uri="{BB962C8B-B14F-4D97-AF65-F5344CB8AC3E}">
-        <p14:creationId xmlns:p14="http://schemas.microsoft.com/office/powerpoint/2010/main" val="555763951"/>
+        <p14:creationId xmlns:p14="http://schemas.microsoft.com/office/powerpoint/2010/main" val="46564637"/>
       </p:ext>
     </p:extLst>
   </p:cSld>
@@ -2727,7 +2752,7 @@
     </p:spTree>
     <p:extLst>
       <p:ext uri="{BB962C8B-B14F-4D97-AF65-F5344CB8AC3E}">
-        <p14:creationId xmlns:p14="http://schemas.microsoft.com/office/powerpoint/2010/main" val="1937406605"/>
+        <p14:creationId xmlns:p14="http://schemas.microsoft.com/office/powerpoint/2010/main" val="744865965"/>
       </p:ext>
     </p:extLst>
   </p:cSld>
@@ -2812,7 +2837,7 @@
     </p:spTree>
     <p:extLst>
       <p:ext uri="{BB962C8B-B14F-4D97-AF65-F5344CB8AC3E}">
-        <p14:creationId xmlns:p14="http://schemas.microsoft.com/office/powerpoint/2010/main" val="1817750170"/>
+        <p14:creationId xmlns:p14="http://schemas.microsoft.com/office/powerpoint/2010/main" val="1937406605"/>
       </p:ext>
     </p:extLst>
   </p:cSld>
@@ -2897,7 +2922,7 @@
     </p:spTree>
     <p:extLst>
       <p:ext uri="{BB962C8B-B14F-4D97-AF65-F5344CB8AC3E}">
-        <p14:creationId xmlns:p14="http://schemas.microsoft.com/office/powerpoint/2010/main" val="4019156545"/>
+        <p14:creationId xmlns:p14="http://schemas.microsoft.com/office/powerpoint/2010/main" val="1817750170"/>
       </p:ext>
     </p:extLst>
   </p:cSld>
@@ -2982,7 +3007,7 @@
     </p:spTree>
     <p:extLst>
       <p:ext uri="{BB962C8B-B14F-4D97-AF65-F5344CB8AC3E}">
-        <p14:creationId xmlns:p14="http://schemas.microsoft.com/office/powerpoint/2010/main" val="3731718061"/>
+        <p14:creationId xmlns:p14="http://schemas.microsoft.com/office/powerpoint/2010/main" val="4019156545"/>
       </p:ext>
     </p:extLst>
   </p:cSld>
@@ -3067,7 +3092,7 @@
     </p:spTree>
     <p:extLst>
       <p:ext uri="{BB962C8B-B14F-4D97-AF65-F5344CB8AC3E}">
-        <p14:creationId xmlns:p14="http://schemas.microsoft.com/office/powerpoint/2010/main" val="1781883727"/>
+        <p14:creationId xmlns:p14="http://schemas.microsoft.com/office/powerpoint/2010/main" val="3731718061"/>
       </p:ext>
     </p:extLst>
   </p:cSld>
@@ -3152,7 +3177,7 @@
     </p:spTree>
     <p:extLst>
       <p:ext uri="{BB962C8B-B14F-4D97-AF65-F5344CB8AC3E}">
-        <p14:creationId xmlns:p14="http://schemas.microsoft.com/office/powerpoint/2010/main" val="3631150544"/>
+        <p14:creationId xmlns:p14="http://schemas.microsoft.com/office/powerpoint/2010/main" val="1781883727"/>
       </p:ext>
     </p:extLst>
   </p:cSld>
@@ -3237,7 +3262,7 @@
     </p:spTree>
     <p:extLst>
       <p:ext uri="{BB962C8B-B14F-4D97-AF65-F5344CB8AC3E}">
-        <p14:creationId xmlns:p14="http://schemas.microsoft.com/office/powerpoint/2010/main" val="139523512"/>
+        <p14:creationId xmlns:p14="http://schemas.microsoft.com/office/powerpoint/2010/main" val="3631150544"/>
       </p:ext>
     </p:extLst>
   </p:cSld>
@@ -3322,7 +3347,7 @@
     </p:spTree>
     <p:extLst>
       <p:ext uri="{BB962C8B-B14F-4D97-AF65-F5344CB8AC3E}">
-        <p14:creationId xmlns:p14="http://schemas.microsoft.com/office/powerpoint/2010/main" val="1415537555"/>
+        <p14:creationId xmlns:p14="http://schemas.microsoft.com/office/powerpoint/2010/main" val="139523512"/>
       </p:ext>
     </p:extLst>
   </p:cSld>
@@ -3408,6 +3433,91 @@
     <p:extLst>
       <p:ext uri="{BB962C8B-B14F-4D97-AF65-F5344CB8AC3E}">
         <p14:creationId xmlns:p14="http://schemas.microsoft.com/office/powerpoint/2010/main" val="1489001693"/>
+      </p:ext>
+    </p:extLst>
+  </p:cSld>
+  <p:clrMapOvr>
+    <a:masterClrMapping/>
+  </p:clrMapOvr>
+</p:notes>
+</file>
+
+<file path=ppt/notesSlides/notesSlide40.xml><?xml version="1.0" encoding="utf-8"?>
+<p:notes xmlns:a="http://schemas.openxmlformats.org/drawingml/2006/main" xmlns:r="http://schemas.openxmlformats.org/officeDocument/2006/relationships" xmlns:p="http://schemas.openxmlformats.org/presentationml/2006/main">
+  <p:cSld>
+    <p:spTree>
+      <p:nvGrpSpPr>
+        <p:cNvPr id="1" name=""/>
+        <p:cNvGrpSpPr/>
+        <p:nvPr/>
+      </p:nvGrpSpPr>
+      <p:grpSpPr>
+        <a:xfrm>
+          <a:off x="0" y="0"/>
+          <a:ext cx="0" cy="0"/>
+          <a:chOff x="0" y="0"/>
+          <a:chExt cx="0" cy="0"/>
+        </a:xfrm>
+      </p:grpSpPr>
+      <p:sp>
+        <p:nvSpPr>
+          <p:cNvPr id="2" name="Slide Image Placeholder 1"/>
+          <p:cNvSpPr>
+            <a:spLocks noGrp="1" noRot="1" noChangeAspect="1"/>
+          </p:cNvSpPr>
+          <p:nvPr>
+            <p:ph type="sldImg"/>
+          </p:nvPr>
+        </p:nvSpPr>
+        <p:spPr/>
+      </p:sp>
+      <p:sp>
+        <p:nvSpPr>
+          <p:cNvPr id="3" name="Notes Placeholder 2"/>
+          <p:cNvSpPr>
+            <a:spLocks noGrp="1"/>
+          </p:cNvSpPr>
+          <p:nvPr>
+            <p:ph type="body" idx="1"/>
+          </p:nvPr>
+        </p:nvSpPr>
+        <p:spPr/>
+        <p:txBody>
+          <a:bodyPr/>
+          <a:lstStyle/>
+          <a:p>
+            <a:endParaRPr lang="en-US" dirty="0"/>
+          </a:p>
+        </p:txBody>
+      </p:sp>
+      <p:sp>
+        <p:nvSpPr>
+          <p:cNvPr id="4" name="Slide Number Placeholder 3"/>
+          <p:cNvSpPr>
+            <a:spLocks noGrp="1"/>
+          </p:cNvSpPr>
+          <p:nvPr>
+            <p:ph type="sldNum" sz="quarter" idx="10"/>
+          </p:nvPr>
+        </p:nvSpPr>
+        <p:spPr/>
+        <p:txBody>
+          <a:bodyPr/>
+          <a:lstStyle/>
+          <a:p>
+            <a:fld id="{4CFD207A-07DF-40AD-A916-9872E089CE7A}" type="slidenum">
+              <a:rPr lang="en-US" smtClean="0"/>
+              <a:pPr/>
+              <a:t>41</a:t>
+            </a:fld>
+            <a:endParaRPr lang="en-US"/>
+          </a:p>
+        </p:txBody>
+      </p:sp>
+    </p:spTree>
+    <p:extLst>
+      <p:ext uri="{BB962C8B-B14F-4D97-AF65-F5344CB8AC3E}">
+        <p14:creationId xmlns:p14="http://schemas.microsoft.com/office/powerpoint/2010/main" val="1415537555"/>
       </p:ext>
     </p:extLst>
   </p:cSld>
@@ -3989,7 +4099,7 @@
           <a:p>
             <a:fld id="{9DC183D5-83EE-4A48-BB2E-1FC30CD8E44A}" type="datetimeFigureOut">
               <a:rPr lang="en-US" smtClean="0"/>
-              <a:t>6/12/2025</a:t>
+              <a:t>7/6/2025</a:t>
             </a:fld>
             <a:endParaRPr lang="en-US"/>
           </a:p>
@@ -4187,7 +4297,7 @@
           <a:p>
             <a:fld id="{9DC183D5-83EE-4A48-BB2E-1FC30CD8E44A}" type="datetimeFigureOut">
               <a:rPr lang="en-US" smtClean="0"/>
-              <a:t>6/12/2025</a:t>
+              <a:t>7/6/2025</a:t>
             </a:fld>
             <a:endParaRPr lang="en-US"/>
           </a:p>
@@ -4395,7 +4505,7 @@
           <a:p>
             <a:fld id="{9DC183D5-83EE-4A48-BB2E-1FC30CD8E44A}" type="datetimeFigureOut">
               <a:rPr lang="en-US" smtClean="0"/>
-              <a:t>6/12/2025</a:t>
+              <a:t>7/6/2025</a:t>
             </a:fld>
             <a:endParaRPr lang="en-US"/>
           </a:p>
@@ -4765,7 +4875,7 @@
           <a:p>
             <a:fld id="{9DC183D5-83EE-4A48-BB2E-1FC30CD8E44A}" type="datetimeFigureOut">
               <a:rPr lang="en-US" smtClean="0"/>
-              <a:t>6/12/2025</a:t>
+              <a:t>7/6/2025</a:t>
             </a:fld>
             <a:endParaRPr lang="en-US"/>
           </a:p>
@@ -5040,7 +5150,7 @@
           <a:p>
             <a:fld id="{9DC183D5-83EE-4A48-BB2E-1FC30CD8E44A}" type="datetimeFigureOut">
               <a:rPr lang="en-US" smtClean="0"/>
-              <a:t>6/12/2025</a:t>
+              <a:t>7/6/2025</a:t>
             </a:fld>
             <a:endParaRPr lang="en-US"/>
           </a:p>
@@ -5305,7 +5415,7 @@
           <a:p>
             <a:fld id="{9DC183D5-83EE-4A48-BB2E-1FC30CD8E44A}" type="datetimeFigureOut">
               <a:rPr lang="en-US" smtClean="0"/>
-              <a:t>6/12/2025</a:t>
+              <a:t>7/6/2025</a:t>
             </a:fld>
             <a:endParaRPr lang="en-US"/>
           </a:p>
@@ -5717,7 +5827,7 @@
           <a:p>
             <a:fld id="{9DC183D5-83EE-4A48-BB2E-1FC30CD8E44A}" type="datetimeFigureOut">
               <a:rPr lang="en-US" smtClean="0"/>
-              <a:t>6/12/2025</a:t>
+              <a:t>7/6/2025</a:t>
             </a:fld>
             <a:endParaRPr lang="en-US"/>
           </a:p>
@@ -5858,7 +5968,7 @@
           <a:p>
             <a:fld id="{9DC183D5-83EE-4A48-BB2E-1FC30CD8E44A}" type="datetimeFigureOut">
               <a:rPr lang="en-US" smtClean="0"/>
-              <a:t>6/12/2025</a:t>
+              <a:t>7/6/2025</a:t>
             </a:fld>
             <a:endParaRPr lang="en-US"/>
           </a:p>
@@ -5971,7 +6081,7 @@
           <a:p>
             <a:fld id="{9DC183D5-83EE-4A48-BB2E-1FC30CD8E44A}" type="datetimeFigureOut">
               <a:rPr lang="en-US" smtClean="0"/>
-              <a:t>6/12/2025</a:t>
+              <a:t>7/6/2025</a:t>
             </a:fld>
             <a:endParaRPr lang="en-US"/>
           </a:p>
@@ -6282,7 +6392,7 @@
           <a:p>
             <a:fld id="{9DC183D5-83EE-4A48-BB2E-1FC30CD8E44A}" type="datetimeFigureOut">
               <a:rPr lang="en-US" smtClean="0"/>
-              <a:t>6/12/2025</a:t>
+              <a:t>7/6/2025</a:t>
             </a:fld>
             <a:endParaRPr lang="en-US"/>
           </a:p>
@@ -6570,7 +6680,7 @@
           <a:p>
             <a:fld id="{9DC183D5-83EE-4A48-BB2E-1FC30CD8E44A}" type="datetimeFigureOut">
               <a:rPr lang="en-US" smtClean="0"/>
-              <a:t>6/12/2025</a:t>
+              <a:t>7/6/2025</a:t>
             </a:fld>
             <a:endParaRPr lang="en-US"/>
           </a:p>
@@ -6811,7 +6921,7 @@
           <a:p>
             <a:fld id="{9DC183D5-83EE-4A48-BB2E-1FC30CD8E44A}" type="datetimeFigureOut">
               <a:rPr lang="en-US" smtClean="0"/>
-              <a:t>6/12/2025</a:t>
+              <a:t>7/6/2025</a:t>
             </a:fld>
             <a:endParaRPr lang="en-US"/>
           </a:p>
@@ -7470,8 +7580,8 @@
           </a:p>
         </p:txBody>
       </p:sp>
-      <mc:AlternateContent xmlns:mc="http://schemas.openxmlformats.org/markup-compatibility/2006">
-        <mc:Choice xmlns:a14="http://schemas.microsoft.com/office/drawing/2010/main" Requires="a14">
+      <mc:AlternateContent xmlns:mc="http://schemas.openxmlformats.org/markup-compatibility/2006" xmlns:a14="http://schemas.microsoft.com/office/drawing/2010/main">
+        <mc:Choice Requires="a14">
           <p:sp>
             <p:nvSpPr>
               <p:cNvPr id="3" name="Content Placeholder 2"/>
@@ -8348,7 +8458,7 @@
             </p:txBody>
           </p:sp>
         </mc:Choice>
-        <mc:Fallback>
+        <mc:Fallback xmlns="">
           <p:sp>
             <p:nvSpPr>
               <p:cNvPr id="3" name="Content Placeholder 2"/>
@@ -13018,8 +13128,8 @@
           </a:p>
         </p:txBody>
       </p:sp>
-      <mc:AlternateContent xmlns:mc="http://schemas.openxmlformats.org/markup-compatibility/2006" xmlns:a14="http://schemas.microsoft.com/office/drawing/2010/main">
-        <mc:Choice Requires="a14">
+      <mc:AlternateContent xmlns:mc="http://schemas.openxmlformats.org/markup-compatibility/2006">
+        <mc:Choice xmlns:a14="http://schemas.microsoft.com/office/drawing/2010/main" Requires="a14">
           <p:sp>
             <p:nvSpPr>
               <p:cNvPr id="3" name="Content Placeholder 2"/>
@@ -13417,7 +13527,27 @@
                   <a:rPr lang="en-US" dirty="0">
                     <a:latin typeface="+mn-lt"/>
                   </a:rPr>
-                  <a:t>, transforms elliptical Normal distribution to spherical distribution </a:t>
+                  <a:t>, transforms elliptical Normal distribution to spherical distribution</a:t>
+                </a:r>
+              </a:p>
+              <a:p>
+                <a:r>
+                  <a:rPr lang="en-US" dirty="0">
+                    <a:latin typeface="+mn-lt"/>
+                  </a:rPr>
+                  <a:t>Transformed space is </a:t>
+                </a:r>
+                <a:r>
+                  <a:rPr lang="en-US" b="1" dirty="0">
+                    <a:latin typeface="+mn-lt"/>
+                  </a:rPr>
+                  <a:t>orthogonal</a:t>
+                </a:r>
+                <a:r>
+                  <a:rPr lang="en-US" dirty="0">
+                    <a:latin typeface="+mn-lt"/>
+                  </a:rPr>
+                  <a:t>  </a:t>
                 </a:r>
               </a:p>
               <a:p>
@@ -13487,7 +13617,7 @@
             </p:txBody>
           </p:sp>
         </mc:Choice>
-        <mc:Fallback xmlns="">
+        <mc:Fallback>
           <p:sp>
             <p:nvSpPr>
               <p:cNvPr id="3" name="Content Placeholder 2"/>
@@ -13670,6 +13800,55 @@
                                           <p:spTgt spid="3">
                                             <p:txEl>
                                               <p:pRg st="6" end="6"/>
+                                            </p:txEl>
+                                          </p:spTgt>
+                                        </p:tgtEl>
+                                        <p:attrNameLst>
+                                          <p:attrName>style.visibility</p:attrName>
+                                        </p:attrNameLst>
+                                      </p:cBhvr>
+                                      <p:to>
+                                        <p:strVal val="visible"/>
+                                      </p:to>
+                                    </p:set>
+                                  </p:childTnLst>
+                                </p:cTn>
+                              </p:par>
+                            </p:childTnLst>
+                          </p:cTn>
+                        </p:par>
+                      </p:childTnLst>
+                    </p:cTn>
+                  </p:par>
+                  <p:par>
+                    <p:cTn id="15" fill="hold">
+                      <p:stCondLst>
+                        <p:cond delay="indefinite"/>
+                      </p:stCondLst>
+                      <p:childTnLst>
+                        <p:par>
+                          <p:cTn id="16" fill="hold">
+                            <p:stCondLst>
+                              <p:cond delay="0"/>
+                            </p:stCondLst>
+                            <p:childTnLst>
+                              <p:par>
+                                <p:cTn id="17" presetID="1" presetClass="entr" presetSubtype="0" fill="hold" nodeType="clickEffect">
+                                  <p:stCondLst>
+                                    <p:cond delay="0"/>
+                                  </p:stCondLst>
+                                  <p:childTnLst>
+                                    <p:set>
+                                      <p:cBhvr>
+                                        <p:cTn id="18" dur="1" fill="hold">
+                                          <p:stCondLst>
+                                            <p:cond delay="0"/>
+                                          </p:stCondLst>
+                                        </p:cTn>
+                                        <p:tgtEl>
+                                          <p:spTgt spid="3">
+                                            <p:txEl>
+                                              <p:pRg st="7" end="7"/>
                                             </p:txEl>
                                           </p:spTgt>
                                         </p:tgtEl>
@@ -22756,7 +22935,7 @@
           <p:nvPr>
             <p:extLst>
               <p:ext uri="{D42A27DB-BD31-4B8C-83A1-F6EECF244321}">
-                <p14:modId xmlns:p14="http://schemas.microsoft.com/office/powerpoint/2010/main" val="3776179880"/>
+                <p14:modId xmlns:p14="http://schemas.microsoft.com/office/powerpoint/2010/main" val="782348863"/>
               </p:ext>
             </p:extLst>
           </p:nvPr>
@@ -22918,20 +23097,12 @@
                     <a:lstStyle/>
                     <a:p>
                       <a:r>
-                        <a:rPr lang="en-US" sz="2400" b="1">
-                          <a:solidFill>
-                            <a:schemeClr val="tx1"/>
-                          </a:solidFill>
-                        </a:rPr>
-                        <a:t>Squared </a:t>
-                      </a:r>
-                      <a:r>
                         <a:rPr lang="en-US" sz="2400" b="1" dirty="0">
                           <a:solidFill>
                             <a:schemeClr val="tx1"/>
                           </a:solidFill>
                         </a:rPr>
-                        <a:t>distance</a:t>
+                        <a:t>Euclidean distance</a:t>
                       </a:r>
                     </a:p>
                   </a:txBody>
@@ -22949,7 +23120,7 @@
                             <a:schemeClr val="tx1"/>
                           </a:solidFill>
                         </a:rPr>
-                        <a:t>0.35</a:t>
+                        <a:t>0.6</a:t>
                       </a:r>
                     </a:p>
                   </a:txBody>
@@ -22967,7 +23138,7 @@
                             <a:schemeClr val="tx1"/>
                           </a:solidFill>
                         </a:rPr>
-                        <a:t>0.085</a:t>
+                        <a:t>0.3</a:t>
                       </a:r>
                     </a:p>
                   </a:txBody>
@@ -25071,6 +25242,14 @@
               <a:rPr lang="en-US" dirty="0">
                 <a:latin typeface="+mn-lt"/>
               </a:rPr>
+              <a:t>RAG algorithms</a:t>
+            </a:r>
+          </a:p>
+          <a:p>
+            <a:r>
+              <a:rPr lang="en-US" dirty="0">
+                <a:latin typeface="+mn-lt"/>
+              </a:rPr>
               <a:t>And many others……………….. </a:t>
             </a:r>
           </a:p>
@@ -25397,1293 +25576,6 @@
                       </p:childTnLst>
                     </p:cTn>
                   </p:par>
-                </p:childTnLst>
-              </p:cTn>
-              <p:prevCondLst>
-                <p:cond evt="onPrev" delay="0">
-                  <p:tgtEl>
-                    <p:sldTgt/>
-                  </p:tgtEl>
-                </p:cond>
-              </p:prevCondLst>
-              <p:nextCondLst>
-                <p:cond evt="onNext" delay="0">
-                  <p:tgtEl>
-                    <p:sldTgt/>
-                  </p:tgtEl>
-                </p:cond>
-              </p:nextCondLst>
-            </p:seq>
-          </p:childTnLst>
-        </p:cTn>
-      </p:par>
-    </p:tnLst>
-  </p:timing>
-</p:sld>
-</file>
-
-<file path=ppt/slides/slide30.xml><?xml version="1.0" encoding="utf-8"?>
-<p:sld xmlns:a="http://schemas.openxmlformats.org/drawingml/2006/main" xmlns:r="http://schemas.openxmlformats.org/officeDocument/2006/relationships" xmlns:p="http://schemas.openxmlformats.org/presentationml/2006/main">
-  <p:cSld>
-    <p:spTree>
-      <p:nvGrpSpPr>
-        <p:cNvPr id="1" name=""/>
-        <p:cNvGrpSpPr/>
-        <p:nvPr/>
-      </p:nvGrpSpPr>
-      <p:grpSpPr>
-        <a:xfrm>
-          <a:off x="0" y="0"/>
-          <a:ext cx="0" cy="0"/>
-          <a:chOff x="0" y="0"/>
-          <a:chExt cx="0" cy="0"/>
-        </a:xfrm>
-      </p:grpSpPr>
-      <p:sp>
-        <p:nvSpPr>
-          <p:cNvPr id="2" name="Title 1"/>
-          <p:cNvSpPr>
-            <a:spLocks noGrp="1"/>
-          </p:cNvSpPr>
-          <p:nvPr>
-            <p:ph type="title"/>
-          </p:nvPr>
-        </p:nvSpPr>
-        <p:spPr>
-          <a:xfrm>
-            <a:off x="584200" y="221992"/>
-            <a:ext cx="10515600" cy="530954"/>
-          </a:xfrm>
-        </p:spPr>
-        <p:txBody>
-          <a:bodyPr>
-            <a:normAutofit fontScale="90000"/>
-          </a:bodyPr>
-          <a:lstStyle/>
-          <a:p>
-            <a:r>
-              <a:rPr lang="en-US" dirty="0"/>
-              <a:t>Measuring Similarity</a:t>
-            </a:r>
-          </a:p>
-        </p:txBody>
-      </p:sp>
-      <mc:AlternateContent xmlns:mc="http://schemas.openxmlformats.org/markup-compatibility/2006" xmlns:a14="http://schemas.microsoft.com/office/drawing/2010/main">
-        <mc:Choice Requires="a14">
-          <p:sp>
-            <p:nvSpPr>
-              <p:cNvPr id="3" name="Content Placeholder 2"/>
-              <p:cNvSpPr>
-                <a:spLocks noGrp="1"/>
-              </p:cNvSpPr>
-              <p:nvPr>
-                <p:ph sz="quarter" idx="10"/>
-              </p:nvPr>
-            </p:nvSpPr>
-            <p:spPr>
-              <a:xfrm>
-                <a:off x="333375" y="896079"/>
-                <a:ext cx="11525250" cy="5698998"/>
-              </a:xfrm>
-            </p:spPr>
-            <p:txBody>
-              <a:bodyPr>
-                <a:normAutofit fontScale="92500"/>
-              </a:bodyPr>
-              <a:lstStyle/>
-              <a:p>
-                <a:pPr marL="0" indent="0">
-                  <a:buNone/>
-                </a:pPr>
-                <a:r>
-                  <a:rPr lang="en-US" dirty="0">
-                    <a:latin typeface="+mn-lt"/>
-                  </a:rPr>
-                  <a:t>Different metrics for similarity can be computed for discretely coded or numeric variables in p dimensions</a:t>
-                </a:r>
-              </a:p>
-              <a:p>
-                <a:r>
-                  <a:rPr lang="en-US" b="1" dirty="0">
-                    <a:latin typeface="+mn-lt"/>
-                    <a:hlinkClick r:id="rId3"/>
-                  </a:rPr>
-                  <a:t>Jaccard Similarity</a:t>
-                </a:r>
-                <a:r>
-                  <a:rPr lang="en-US" b="1" dirty="0">
-                    <a:latin typeface="+mn-lt"/>
-                  </a:rPr>
-                  <a:t>:</a:t>
-                </a:r>
-                <a:r>
-                  <a:rPr lang="en-US" dirty="0">
-                    <a:latin typeface="+mn-lt"/>
-                  </a:rPr>
-                  <a:t> For discretely coded data</a:t>
-                </a:r>
-              </a:p>
-              <a:p>
-                <a:pPr marL="0" indent="0">
-                  <a:buNone/>
-                </a:pPr>
-                <a14:m>
-                  <m:oMathPara xmlns:m="http://schemas.openxmlformats.org/officeDocument/2006/math">
-                    <m:oMathParaPr>
-                      <m:jc m:val="centerGroup"/>
-                    </m:oMathParaPr>
-                    <m:oMath xmlns:m="http://schemas.openxmlformats.org/officeDocument/2006/math">
-                      <m:r>
-                        <a:rPr lang="en-US" b="0" i="1" smtClean="0">
-                          <a:latin typeface="Cambria Math" panose="02040503050406030204" pitchFamily="18" charset="0"/>
-                        </a:rPr>
-                        <m:t>𝑠</m:t>
-                      </m:r>
-                      <m:d>
-                        <m:dPr>
-                          <m:ctrlPr>
-                            <a:rPr lang="en-US" b="0" i="1" smtClean="0">
-                              <a:latin typeface="Cambria Math" panose="02040503050406030204" pitchFamily="18" charset="0"/>
-                            </a:rPr>
-                          </m:ctrlPr>
-                        </m:dPr>
-                        <m:e>
-                          <m:r>
-                            <a:rPr lang="en-US" b="0" i="1" smtClean="0">
-                              <a:latin typeface="Cambria Math" panose="02040503050406030204" pitchFamily="18" charset="0"/>
-                            </a:rPr>
-                            <m:t>𝑥</m:t>
-                          </m:r>
-                          <m:r>
-                            <a:rPr lang="en-US" b="0" i="1" smtClean="0">
-                              <a:latin typeface="Cambria Math" panose="02040503050406030204" pitchFamily="18" charset="0"/>
-                            </a:rPr>
-                            <m:t>,</m:t>
-                          </m:r>
-                          <m:r>
-                            <a:rPr lang="en-US" b="0" i="1" smtClean="0">
-                              <a:latin typeface="Cambria Math" panose="02040503050406030204" pitchFamily="18" charset="0"/>
-                            </a:rPr>
-                            <m:t>𝑥</m:t>
-                          </m:r>
-                          <m:r>
-                            <a:rPr lang="en-US" b="0" i="1" smtClean="0">
-                              <a:latin typeface="Cambria Math" panose="02040503050406030204" pitchFamily="18" charset="0"/>
-                            </a:rPr>
-                            <m:t>′</m:t>
-                          </m:r>
-                        </m:e>
-                      </m:d>
-                      <m:r>
-                        <a:rPr lang="en-US" b="0" i="1" smtClean="0">
-                          <a:latin typeface="Cambria Math" panose="02040503050406030204" pitchFamily="18" charset="0"/>
-                        </a:rPr>
-                        <m:t>= </m:t>
-                      </m:r>
-                      <m:f>
-                        <m:fPr>
-                          <m:ctrlPr>
-                            <a:rPr lang="en-US" b="0" i="1" smtClean="0">
-                              <a:latin typeface="Cambria Math" panose="02040503050406030204" pitchFamily="18" charset="0"/>
-                            </a:rPr>
-                          </m:ctrlPr>
-                        </m:fPr>
-                        <m:num>
-                          <m:r>
-                            <a:rPr lang="en-US" b="0" i="1" smtClean="0">
-                              <a:latin typeface="Cambria Math" panose="02040503050406030204" pitchFamily="18" charset="0"/>
-                            </a:rPr>
-                            <m:t>𝑆𝑖𝑧𝑒</m:t>
-                          </m:r>
-                          <m:r>
-                            <a:rPr lang="en-US" b="0" i="1" smtClean="0">
-                              <a:latin typeface="Cambria Math" panose="02040503050406030204" pitchFamily="18" charset="0"/>
-                            </a:rPr>
-                            <m:t> </m:t>
-                          </m:r>
-                          <m:r>
-                            <a:rPr lang="en-US" b="0" i="1" smtClean="0">
-                              <a:latin typeface="Cambria Math" panose="02040503050406030204" pitchFamily="18" charset="0"/>
-                            </a:rPr>
-                            <m:t>𝑜𝑓</m:t>
-                          </m:r>
-                          <m:r>
-                            <a:rPr lang="en-US" b="0" i="1" smtClean="0">
-                              <a:latin typeface="Cambria Math" panose="02040503050406030204" pitchFamily="18" charset="0"/>
-                            </a:rPr>
-                            <m:t> </m:t>
-                          </m:r>
-                          <m:r>
-                            <a:rPr lang="en-US" b="0" i="1" smtClean="0">
-                              <a:latin typeface="Cambria Math" panose="02040503050406030204" pitchFamily="18" charset="0"/>
-                            </a:rPr>
-                            <m:t>𝐼𝑛𝑡𝑒𝑟𝑠𝑒𝑐𝑡𝑖𝑜𝑛</m:t>
-                          </m:r>
-                          <m:r>
-                            <a:rPr lang="en-US" b="0" i="1" smtClean="0">
-                              <a:latin typeface="Cambria Math" panose="02040503050406030204" pitchFamily="18" charset="0"/>
-                            </a:rPr>
-                            <m:t>(</m:t>
-                          </m:r>
-                          <m:r>
-                            <a:rPr lang="en-US" b="0" i="1" smtClean="0">
-                              <a:latin typeface="Cambria Math" panose="02040503050406030204" pitchFamily="18" charset="0"/>
-                            </a:rPr>
-                            <m:t>𝑥</m:t>
-                          </m:r>
-                          <m:r>
-                            <a:rPr lang="en-US" b="0" i="1" smtClean="0">
-                              <a:latin typeface="Cambria Math" panose="02040503050406030204" pitchFamily="18" charset="0"/>
-                            </a:rPr>
-                            <m:t>,</m:t>
-                          </m:r>
-                          <m:sSup>
-                            <m:sSupPr>
-                              <m:ctrlPr>
-                                <a:rPr lang="en-US" b="0" i="1" smtClean="0">
-                                  <a:latin typeface="Cambria Math" panose="02040503050406030204" pitchFamily="18" charset="0"/>
-                                </a:rPr>
-                              </m:ctrlPr>
-                            </m:sSupPr>
-                            <m:e>
-                              <m:r>
-                                <a:rPr lang="en-US" b="0" i="1" smtClean="0">
-                                  <a:latin typeface="Cambria Math" panose="02040503050406030204" pitchFamily="18" charset="0"/>
-                                </a:rPr>
-                                <m:t>𝑥</m:t>
-                              </m:r>
-                            </m:e>
-                            <m:sup>
-                              <m:r>
-                                <a:rPr lang="en-US" b="0" i="1" smtClean="0">
-                                  <a:latin typeface="Cambria Math" panose="02040503050406030204" pitchFamily="18" charset="0"/>
-                                </a:rPr>
-                                <m:t>′</m:t>
-                              </m:r>
-                            </m:sup>
-                          </m:sSup>
-                          <m:r>
-                            <a:rPr lang="en-US" b="0" i="1" smtClean="0">
-                              <a:latin typeface="Cambria Math" panose="02040503050406030204" pitchFamily="18" charset="0"/>
-                            </a:rPr>
-                            <m:t>)</m:t>
-                          </m:r>
-                        </m:num>
-                        <m:den>
-                          <m:r>
-                            <a:rPr lang="en-US" b="0" i="1" smtClean="0">
-                              <a:latin typeface="Cambria Math" panose="02040503050406030204" pitchFamily="18" charset="0"/>
-                            </a:rPr>
-                            <m:t>𝑆𝑖𝑧𝑒</m:t>
-                          </m:r>
-                          <m:r>
-                            <a:rPr lang="en-US" b="0" i="1" smtClean="0">
-                              <a:latin typeface="Cambria Math" panose="02040503050406030204" pitchFamily="18" charset="0"/>
-                            </a:rPr>
-                            <m:t> </m:t>
-                          </m:r>
-                          <m:r>
-                            <a:rPr lang="en-US" b="0" i="1" smtClean="0">
-                              <a:latin typeface="Cambria Math" panose="02040503050406030204" pitchFamily="18" charset="0"/>
-                            </a:rPr>
-                            <m:t>𝑜𝑓</m:t>
-                          </m:r>
-                          <m:r>
-                            <a:rPr lang="en-US" b="0" i="1" smtClean="0">
-                              <a:latin typeface="Cambria Math" panose="02040503050406030204" pitchFamily="18" charset="0"/>
-                            </a:rPr>
-                            <m:t> </m:t>
-                          </m:r>
-                          <m:r>
-                            <a:rPr lang="en-US" b="0" i="1" smtClean="0">
-                              <a:latin typeface="Cambria Math" panose="02040503050406030204" pitchFamily="18" charset="0"/>
-                            </a:rPr>
-                            <m:t>𝑈𝑛𝑖𝑜𝑛</m:t>
-                          </m:r>
-                          <m:r>
-                            <a:rPr lang="en-US" b="0" i="1" smtClean="0">
-                              <a:latin typeface="Cambria Math" panose="02040503050406030204" pitchFamily="18" charset="0"/>
-                            </a:rPr>
-                            <m:t>(</m:t>
-                          </m:r>
-                          <m:r>
-                            <a:rPr lang="en-US" b="0" i="1" smtClean="0">
-                              <a:latin typeface="Cambria Math" panose="02040503050406030204" pitchFamily="18" charset="0"/>
-                            </a:rPr>
-                            <m:t>𝑥</m:t>
-                          </m:r>
-                          <m:r>
-                            <a:rPr lang="en-US" b="0" i="1" smtClean="0">
-                              <a:latin typeface="Cambria Math" panose="02040503050406030204" pitchFamily="18" charset="0"/>
-                            </a:rPr>
-                            <m:t>,</m:t>
-                          </m:r>
-                          <m:sSup>
-                            <m:sSupPr>
-                              <m:ctrlPr>
-                                <a:rPr lang="en-US" b="0" i="1" smtClean="0">
-                                  <a:latin typeface="Cambria Math" panose="02040503050406030204" pitchFamily="18" charset="0"/>
-                                </a:rPr>
-                              </m:ctrlPr>
-                            </m:sSupPr>
-                            <m:e>
-                              <m:r>
-                                <a:rPr lang="en-US" b="0" i="1" smtClean="0">
-                                  <a:latin typeface="Cambria Math" panose="02040503050406030204" pitchFamily="18" charset="0"/>
-                                </a:rPr>
-                                <m:t>𝑥</m:t>
-                              </m:r>
-                            </m:e>
-                            <m:sup>
-                              <m:r>
-                                <a:rPr lang="en-US" b="0" i="1" smtClean="0">
-                                  <a:latin typeface="Cambria Math" panose="02040503050406030204" pitchFamily="18" charset="0"/>
-                                </a:rPr>
-                                <m:t>′</m:t>
-                              </m:r>
-                            </m:sup>
-                          </m:sSup>
-                          <m:r>
-                            <a:rPr lang="en-US" b="0" i="1" smtClean="0">
-                              <a:latin typeface="Cambria Math" panose="02040503050406030204" pitchFamily="18" charset="0"/>
-                            </a:rPr>
-                            <m:t>)</m:t>
-                          </m:r>
-                        </m:den>
-                      </m:f>
-                      <m:r>
-                        <a:rPr lang="en-US" b="0" i="1" smtClean="0">
-                          <a:latin typeface="Cambria Math" panose="02040503050406030204" pitchFamily="18" charset="0"/>
-                        </a:rPr>
-                        <m:t>=</m:t>
-                      </m:r>
-                      <m:f>
-                        <m:fPr>
-                          <m:ctrlPr>
-                            <a:rPr lang="en-US" b="0" i="1" smtClean="0">
-                              <a:latin typeface="Cambria Math" panose="02040503050406030204" pitchFamily="18" charset="0"/>
-                            </a:rPr>
-                          </m:ctrlPr>
-                        </m:fPr>
-                        <m:num>
-                          <m:d>
-                            <m:dPr>
-                              <m:begChr m:val="|"/>
-                              <m:endChr m:val="|"/>
-                              <m:ctrlPr>
-                                <a:rPr lang="en-US" b="0" i="1" smtClean="0">
-                                  <a:latin typeface="Cambria Math" panose="02040503050406030204" pitchFamily="18" charset="0"/>
-                                </a:rPr>
-                              </m:ctrlPr>
-                            </m:dPr>
-                            <m:e>
-                              <m:r>
-                                <a:rPr lang="en-US" b="0" i="1" smtClean="0">
-                                  <a:latin typeface="Cambria Math" panose="02040503050406030204" pitchFamily="18" charset="0"/>
-                                </a:rPr>
-                                <m:t>𝑥</m:t>
-                              </m:r>
-                              <m:r>
-                                <a:rPr lang="en-US" b="0" i="1" smtClean="0">
-                                  <a:latin typeface="Cambria Math" panose="02040503050406030204" pitchFamily="18" charset="0"/>
-                                  <a:ea typeface="Cambria Math" panose="02040503050406030204" pitchFamily="18" charset="0"/>
-                                </a:rPr>
-                                <m:t>∩</m:t>
-                              </m:r>
-                              <m:r>
-                                <a:rPr lang="en-US" b="0" i="1" smtClean="0">
-                                  <a:latin typeface="Cambria Math" panose="02040503050406030204" pitchFamily="18" charset="0"/>
-                                  <a:ea typeface="Cambria Math" panose="02040503050406030204" pitchFamily="18" charset="0"/>
-                                </a:rPr>
-                                <m:t>𝑥</m:t>
-                              </m:r>
-                              <m:r>
-                                <a:rPr lang="en-US" b="0" i="1" smtClean="0">
-                                  <a:latin typeface="Cambria Math" panose="02040503050406030204" pitchFamily="18" charset="0"/>
-                                  <a:ea typeface="Cambria Math" panose="02040503050406030204" pitchFamily="18" charset="0"/>
-                                </a:rPr>
-                                <m:t>′</m:t>
-                              </m:r>
-                            </m:e>
-                          </m:d>
-                        </m:num>
-                        <m:den>
-                          <m:d>
-                            <m:dPr>
-                              <m:begChr m:val="|"/>
-                              <m:endChr m:val="|"/>
-                              <m:ctrlPr>
-                                <a:rPr lang="en-US" b="0" i="1" smtClean="0">
-                                  <a:latin typeface="Cambria Math" panose="02040503050406030204" pitchFamily="18" charset="0"/>
-                                </a:rPr>
-                              </m:ctrlPr>
-                            </m:dPr>
-                            <m:e>
-                              <m:r>
-                                <a:rPr lang="en-US" b="0" i="1" smtClean="0">
-                                  <a:latin typeface="Cambria Math" panose="02040503050406030204" pitchFamily="18" charset="0"/>
-                                </a:rPr>
-                                <m:t>𝑥</m:t>
-                              </m:r>
-                              <m:r>
-                                <a:rPr lang="en-US" b="0" i="1" smtClean="0">
-                                  <a:latin typeface="Cambria Math" panose="02040503050406030204" pitchFamily="18" charset="0"/>
-                                  <a:ea typeface="Cambria Math" panose="02040503050406030204" pitchFamily="18" charset="0"/>
-                                </a:rPr>
-                                <m:t>∪</m:t>
-                              </m:r>
-                              <m:r>
-                                <a:rPr lang="en-US" b="0" i="1" smtClean="0">
-                                  <a:latin typeface="Cambria Math" panose="02040503050406030204" pitchFamily="18" charset="0"/>
-                                  <a:ea typeface="Cambria Math" panose="02040503050406030204" pitchFamily="18" charset="0"/>
-                                </a:rPr>
-                                <m:t>𝑥</m:t>
-                              </m:r>
-                              <m:r>
-                                <a:rPr lang="en-US" b="0" i="1" smtClean="0">
-                                  <a:latin typeface="Cambria Math" panose="02040503050406030204" pitchFamily="18" charset="0"/>
-                                  <a:ea typeface="Cambria Math" panose="02040503050406030204" pitchFamily="18" charset="0"/>
-                                </a:rPr>
-                                <m:t>′</m:t>
-                              </m:r>
-                            </m:e>
-                          </m:d>
-                        </m:den>
-                      </m:f>
-                    </m:oMath>
-                  </m:oMathPara>
-                </a14:m>
-                <a:endParaRPr lang="en-US" b="0" dirty="0">
-                  <a:latin typeface="+mn-lt"/>
-                </a:endParaRPr>
-              </a:p>
-              <a:p>
-                <a:r>
-                  <a:rPr lang="en-US" dirty="0">
-                    <a:latin typeface="+mn-lt"/>
-                  </a:rPr>
-                  <a:t>Jaccard similarity in range </a:t>
-                </a:r>
-                <a14:m>
-                  <m:oMath xmlns:m="http://schemas.openxmlformats.org/officeDocument/2006/math">
-                    <m:d>
-                      <m:dPr>
-                        <m:begChr m:val="["/>
-                        <m:endChr m:val="]"/>
-                        <m:ctrlPr>
-                          <a:rPr lang="en-US" i="1" smtClean="0">
-                            <a:latin typeface="Cambria Math" panose="02040503050406030204" pitchFamily="18" charset="0"/>
-                          </a:rPr>
-                        </m:ctrlPr>
-                      </m:dPr>
-                      <m:e>
-                        <m:r>
-                          <a:rPr lang="en-US" b="0" i="1" smtClean="0">
-                            <a:latin typeface="Cambria Math" panose="02040503050406030204" pitchFamily="18" charset="0"/>
-                          </a:rPr>
-                          <m:t>0,1</m:t>
-                        </m:r>
-                      </m:e>
-                    </m:d>
-                  </m:oMath>
-                </a14:m>
-                <a:endParaRPr lang="en-US" dirty="0">
-                  <a:latin typeface="+mn-lt"/>
-                </a:endParaRPr>
-              </a:p>
-              <a:p>
-                <a:r>
-                  <a:rPr lang="en-US" dirty="0">
-                    <a:latin typeface="+mn-lt"/>
-                  </a:rPr>
-                  <a:t>Example: consider the following character strings</a:t>
-                </a:r>
-                <a:r>
-                  <a:rPr lang="en-US" sz="2400" dirty="0">
-                    <a:latin typeface="+mn-lt"/>
-                  </a:rPr>
-                  <a:t>:      </a:t>
-                </a:r>
-              </a:p>
-              <a:p>
-                <a:pPr marL="457200" lvl="1" indent="0">
-                  <a:buNone/>
-                </a:pPr>
-                <a:r>
-                  <a:rPr lang="en-US" dirty="0">
-                    <a:latin typeface="+mn-lt"/>
-                  </a:rPr>
-                  <a:t>				x = </a:t>
-                </a:r>
-                <a:r>
-                  <a:rPr lang="en-US" dirty="0" err="1">
-                    <a:latin typeface="+mn-lt"/>
-                  </a:rPr>
-                  <a:t>thisismy</a:t>
-                </a:r>
-                <a:r>
-                  <a:rPr lang="en-US" dirty="0" err="1">
-                    <a:solidFill>
-                      <a:srgbClr val="C00000"/>
-                    </a:solidFill>
-                    <a:latin typeface="+mn-lt"/>
-                  </a:rPr>
-                  <a:t>olddog</a:t>
-                </a:r>
-                <a:endParaRPr lang="en-US" dirty="0">
-                  <a:solidFill>
-                    <a:srgbClr val="C00000"/>
-                  </a:solidFill>
-                  <a:latin typeface="+mn-lt"/>
-                </a:endParaRPr>
-              </a:p>
-              <a:p>
-                <a:pPr marL="457200" lvl="1" indent="0">
-                  <a:buNone/>
-                </a:pPr>
-                <a:r>
-                  <a:rPr lang="en-US" dirty="0">
-                    <a:latin typeface="+mn-lt"/>
-                  </a:rPr>
-                  <a:t>				x’ = </a:t>
-                </a:r>
-                <a:r>
-                  <a:rPr lang="en-US" dirty="0" err="1">
-                    <a:latin typeface="+mn-lt"/>
-                  </a:rPr>
-                  <a:t>thisismy</a:t>
-                </a:r>
-                <a:r>
-                  <a:rPr lang="en-US" dirty="0" err="1">
-                    <a:solidFill>
-                      <a:srgbClr val="C00000"/>
-                    </a:solidFill>
-                    <a:latin typeface="+mn-lt"/>
-                  </a:rPr>
-                  <a:t>cat</a:t>
-                </a:r>
-                <a:endParaRPr lang="en-US" dirty="0">
-                  <a:solidFill>
-                    <a:srgbClr val="C00000"/>
-                  </a:solidFill>
-                  <a:latin typeface="+mn-lt"/>
-                </a:endParaRPr>
-              </a:p>
-              <a:p>
-                <a:pPr marL="457200" lvl="1" indent="0">
-                  <a:buNone/>
-                </a:pPr>
-                <a14:m>
-                  <m:oMathPara xmlns:m="http://schemas.openxmlformats.org/officeDocument/2006/math">
-                    <m:oMathParaPr>
-                      <m:jc m:val="centerGroup"/>
-                    </m:oMathParaPr>
-                    <m:oMath xmlns:m="http://schemas.openxmlformats.org/officeDocument/2006/math">
-                      <m:d>
-                        <m:dPr>
-                          <m:begChr m:val="|"/>
-                          <m:endChr m:val="|"/>
-                          <m:ctrlPr>
-                            <a:rPr lang="en-US" i="1" smtClean="0">
-                              <a:latin typeface="Cambria Math" panose="02040503050406030204" pitchFamily="18" charset="0"/>
-                            </a:rPr>
-                          </m:ctrlPr>
-                        </m:dPr>
-                        <m:e>
-                          <m:r>
-                            <a:rPr lang="en-US" b="0" i="1" smtClean="0">
-                              <a:latin typeface="Cambria Math" panose="02040503050406030204" pitchFamily="18" charset="0"/>
-                            </a:rPr>
-                            <m:t>𝑥</m:t>
-                          </m:r>
-                          <m:r>
-                            <a:rPr lang="en-US" b="0" i="1" smtClean="0">
-                              <a:latin typeface="Cambria Math" panose="02040503050406030204" pitchFamily="18" charset="0"/>
-                            </a:rPr>
-                            <m:t> ∩</m:t>
-                          </m:r>
-                          <m:r>
-                            <a:rPr lang="en-US" b="0" i="1" smtClean="0">
-                              <a:latin typeface="Cambria Math" panose="02040503050406030204" pitchFamily="18" charset="0"/>
-                              <a:ea typeface="Cambria Math" panose="02040503050406030204" pitchFamily="18" charset="0"/>
-                            </a:rPr>
-                            <m:t>𝑥</m:t>
-                          </m:r>
-                          <m:r>
-                            <a:rPr lang="en-US" b="0" i="1" smtClean="0">
-                              <a:latin typeface="Cambria Math" panose="02040503050406030204" pitchFamily="18" charset="0"/>
-                              <a:ea typeface="Cambria Math" panose="02040503050406030204" pitchFamily="18" charset="0"/>
-                            </a:rPr>
-                            <m:t>′</m:t>
-                          </m:r>
-                        </m:e>
-                      </m:d>
-                      <m:r>
-                        <a:rPr lang="en-US" b="0" i="1" smtClean="0">
-                          <a:latin typeface="Cambria Math" panose="02040503050406030204" pitchFamily="18" charset="0"/>
-                        </a:rPr>
-                        <m:t>=</m:t>
-                      </m:r>
-                      <m:d>
-                        <m:dPr>
-                          <m:begChr m:val="|"/>
-                          <m:endChr m:val="|"/>
-                          <m:ctrlPr>
-                            <a:rPr lang="en-US" b="0" i="1" smtClean="0">
-                              <a:latin typeface="Cambria Math" panose="02040503050406030204" pitchFamily="18" charset="0"/>
-                            </a:rPr>
-                          </m:ctrlPr>
-                        </m:dPr>
-                        <m:e>
-                          <m:r>
-                            <a:rPr lang="en-US" b="0" i="1" smtClean="0">
-                              <a:latin typeface="Cambria Math" panose="02040503050406030204" pitchFamily="18" charset="0"/>
-                            </a:rPr>
-                            <m:t>𝑡h𝑖𝑠𝑚𝑦</m:t>
-                          </m:r>
-                        </m:e>
-                      </m:d>
-                      <m:r>
-                        <a:rPr lang="en-US" b="0" i="1" smtClean="0">
-                          <a:latin typeface="Cambria Math" panose="02040503050406030204" pitchFamily="18" charset="0"/>
-                        </a:rPr>
-                        <m:t>=6</m:t>
-                      </m:r>
-                    </m:oMath>
-                  </m:oMathPara>
-                </a14:m>
-                <a:endParaRPr lang="en-US" b="0" dirty="0">
-                  <a:latin typeface="+mn-lt"/>
-                </a:endParaRPr>
-              </a:p>
-              <a:p>
-                <a:pPr marL="457200" lvl="1" indent="0">
-                  <a:buNone/>
-                </a:pPr>
-                <a14:m>
-                  <m:oMathPara xmlns:m="http://schemas.openxmlformats.org/officeDocument/2006/math">
-                    <m:oMathParaPr>
-                      <m:jc m:val="centerGroup"/>
-                    </m:oMathParaPr>
-                    <m:oMath xmlns:m="http://schemas.openxmlformats.org/officeDocument/2006/math">
-                      <m:d>
-                        <m:dPr>
-                          <m:begChr m:val="|"/>
-                          <m:endChr m:val="|"/>
-                          <m:ctrlPr>
-                            <a:rPr lang="en-US" i="1" smtClean="0">
-                              <a:latin typeface="Cambria Math" panose="02040503050406030204" pitchFamily="18" charset="0"/>
-                            </a:rPr>
-                          </m:ctrlPr>
-                        </m:dPr>
-                        <m:e>
-                          <m:r>
-                            <a:rPr lang="en-US" b="0" i="1" smtClean="0">
-                              <a:latin typeface="Cambria Math" panose="02040503050406030204" pitchFamily="18" charset="0"/>
-                            </a:rPr>
-                            <m:t>𝑥</m:t>
-                          </m:r>
-                          <m:r>
-                            <a:rPr lang="en-US" b="0" i="1" smtClean="0">
-                              <a:latin typeface="Cambria Math" panose="02040503050406030204" pitchFamily="18" charset="0"/>
-                              <a:ea typeface="Cambria Math" panose="02040503050406030204" pitchFamily="18" charset="0"/>
-                            </a:rPr>
-                            <m:t>∪</m:t>
-                          </m:r>
-                          <m:r>
-                            <a:rPr lang="en-US" b="0" i="1" smtClean="0">
-                              <a:latin typeface="Cambria Math" panose="02040503050406030204" pitchFamily="18" charset="0"/>
-                              <a:ea typeface="Cambria Math" panose="02040503050406030204" pitchFamily="18" charset="0"/>
-                            </a:rPr>
-                            <m:t>𝑥</m:t>
-                          </m:r>
-                          <m:r>
-                            <a:rPr lang="en-US" b="0" i="1" smtClean="0">
-                              <a:latin typeface="Cambria Math" panose="02040503050406030204" pitchFamily="18" charset="0"/>
-                              <a:ea typeface="Cambria Math" panose="02040503050406030204" pitchFamily="18" charset="0"/>
-                            </a:rPr>
-                            <m:t>′</m:t>
-                          </m:r>
-                        </m:e>
-                      </m:d>
-                      <m:r>
-                        <a:rPr lang="en-US" b="0" i="1" smtClean="0">
-                          <a:latin typeface="Cambria Math" panose="02040503050406030204" pitchFamily="18" charset="0"/>
-                        </a:rPr>
-                        <m:t>=</m:t>
-                      </m:r>
-                      <m:d>
-                        <m:dPr>
-                          <m:begChr m:val="|"/>
-                          <m:endChr m:val="|"/>
-                          <m:ctrlPr>
-                            <a:rPr lang="en-US" b="0" i="1" smtClean="0">
-                              <a:latin typeface="Cambria Math" panose="02040503050406030204" pitchFamily="18" charset="0"/>
-                            </a:rPr>
-                          </m:ctrlPr>
-                        </m:dPr>
-                        <m:e>
-                          <m:r>
-                            <a:rPr lang="en-US" b="0" i="1" smtClean="0">
-                              <a:latin typeface="Cambria Math" panose="02040503050406030204" pitchFamily="18" charset="0"/>
-                            </a:rPr>
-                            <m:t>𝑡h𝑖𝑠𝑚𝑦𝑜𝑙𝑑𝑔𝑐𝑎</m:t>
-                          </m:r>
-                        </m:e>
-                      </m:d>
-                      <m:r>
-                        <a:rPr lang="en-US" b="0" i="1" smtClean="0">
-                          <a:latin typeface="Cambria Math" panose="02040503050406030204" pitchFamily="18" charset="0"/>
-                        </a:rPr>
-                        <m:t>=12</m:t>
-                      </m:r>
-                    </m:oMath>
-                  </m:oMathPara>
-                </a14:m>
-                <a:endParaRPr lang="en-US" b="0" dirty="0">
-                  <a:latin typeface="+mn-lt"/>
-                </a:endParaRPr>
-              </a:p>
-              <a:p>
-                <a:pPr marL="457200" lvl="1" indent="0">
-                  <a:buNone/>
-                </a:pPr>
-                <a14:m>
-                  <m:oMathPara xmlns:m="http://schemas.openxmlformats.org/officeDocument/2006/math">
-                    <m:oMathParaPr>
-                      <m:jc m:val="centerGroup"/>
-                    </m:oMathParaPr>
-                    <m:oMath xmlns:m="http://schemas.openxmlformats.org/officeDocument/2006/math">
-                      <m:sSub>
-                        <m:sSubPr>
-                          <m:ctrlPr>
-                            <a:rPr lang="en-US" i="1" smtClean="0">
-                              <a:latin typeface="Cambria Math" panose="02040503050406030204" pitchFamily="18" charset="0"/>
-                            </a:rPr>
-                          </m:ctrlPr>
-                        </m:sSubPr>
-                        <m:e>
-                          <m:r>
-                            <a:rPr lang="en-US" b="0" i="1" smtClean="0">
-                              <a:latin typeface="Cambria Math" panose="02040503050406030204" pitchFamily="18" charset="0"/>
-                            </a:rPr>
-                            <m:t>𝐽𝑎𝑐𝑐𝑎𝑟𝑑</m:t>
-                          </m:r>
-                          <m:r>
-                            <a:rPr lang="en-US" b="0" i="1" smtClean="0">
-                              <a:latin typeface="Cambria Math" panose="02040503050406030204" pitchFamily="18" charset="0"/>
-                            </a:rPr>
-                            <m:t> </m:t>
-                          </m:r>
-                          <m:r>
-                            <a:rPr lang="en-US" b="0" i="1" smtClean="0">
-                              <a:latin typeface="Cambria Math" panose="02040503050406030204" pitchFamily="18" charset="0"/>
-                            </a:rPr>
-                            <m:t>𝑆𝑖𝑚𝑖𝑙𝑎𝑟𝑖𝑡𝑦</m:t>
-                          </m:r>
-                          <m:r>
-                            <a:rPr lang="en-US" b="0" i="1" smtClean="0">
-                              <a:latin typeface="Cambria Math" panose="02040503050406030204" pitchFamily="18" charset="0"/>
-                            </a:rPr>
-                            <m:t>= </m:t>
-                          </m:r>
-                          <m:r>
-                            <a:rPr lang="en-US" b="0" i="1" smtClean="0">
-                              <a:latin typeface="Cambria Math" panose="02040503050406030204" pitchFamily="18" charset="0"/>
-                            </a:rPr>
-                            <m:t>𝑠</m:t>
-                          </m:r>
-                        </m:e>
-                        <m:sub>
-                          <m:r>
-                            <a:rPr lang="en-US" b="0" i="1" smtClean="0">
-                              <a:latin typeface="Cambria Math" panose="02040503050406030204" pitchFamily="18" charset="0"/>
-                            </a:rPr>
-                            <m:t>𝐽</m:t>
-                          </m:r>
-                        </m:sub>
-                      </m:sSub>
-                      <m:d>
-                        <m:dPr>
-                          <m:ctrlPr>
-                            <a:rPr lang="en-US" i="1">
-                              <a:latin typeface="Cambria Math" panose="02040503050406030204" pitchFamily="18" charset="0"/>
-                            </a:rPr>
-                          </m:ctrlPr>
-                        </m:dPr>
-                        <m:e>
-                          <m:r>
-                            <a:rPr lang="en-US" i="1">
-                              <a:latin typeface="Cambria Math" panose="02040503050406030204" pitchFamily="18" charset="0"/>
-                            </a:rPr>
-                            <m:t>𝑥</m:t>
-                          </m:r>
-                          <m:r>
-                            <a:rPr lang="en-US" i="1">
-                              <a:latin typeface="Cambria Math" panose="02040503050406030204" pitchFamily="18" charset="0"/>
-                            </a:rPr>
-                            <m:t>,</m:t>
-                          </m:r>
-                          <m:r>
-                            <a:rPr lang="en-US" i="1">
-                              <a:latin typeface="Cambria Math" panose="02040503050406030204" pitchFamily="18" charset="0"/>
-                            </a:rPr>
-                            <m:t>𝑥</m:t>
-                          </m:r>
-                          <m:r>
-                            <a:rPr lang="en-US" i="1">
-                              <a:latin typeface="Cambria Math" panose="02040503050406030204" pitchFamily="18" charset="0"/>
-                            </a:rPr>
-                            <m:t>′</m:t>
-                          </m:r>
-                        </m:e>
-                      </m:d>
-                      <m:r>
-                        <a:rPr lang="en-US" i="1">
-                          <a:latin typeface="Cambria Math" panose="02040503050406030204" pitchFamily="18" charset="0"/>
-                        </a:rPr>
-                        <m:t>=</m:t>
-                      </m:r>
-                      <m:f>
-                        <m:fPr>
-                          <m:ctrlPr>
-                            <a:rPr lang="en-US" i="1">
-                              <a:latin typeface="Cambria Math" panose="02040503050406030204" pitchFamily="18" charset="0"/>
-                            </a:rPr>
-                          </m:ctrlPr>
-                        </m:fPr>
-                        <m:num>
-                          <m:r>
-                            <a:rPr lang="en-US" b="0" i="1" smtClean="0">
-                              <a:latin typeface="Cambria Math" panose="02040503050406030204" pitchFamily="18" charset="0"/>
-                            </a:rPr>
-                            <m:t>6</m:t>
-                          </m:r>
-                        </m:num>
-                        <m:den>
-                          <m:r>
-                            <a:rPr lang="en-US" b="0" i="1" smtClean="0">
-                              <a:latin typeface="Cambria Math" panose="02040503050406030204" pitchFamily="18" charset="0"/>
-                              <a:ea typeface="Cambria Math" panose="02040503050406030204" pitchFamily="18" charset="0"/>
-                            </a:rPr>
-                            <m:t>12</m:t>
-                          </m:r>
-                        </m:den>
-                      </m:f>
-                      <m:r>
-                        <a:rPr lang="en-US" b="0" i="1" smtClean="0">
-                          <a:latin typeface="Cambria Math" panose="02040503050406030204" pitchFamily="18" charset="0"/>
-                          <a:ea typeface="Cambria Math" panose="02040503050406030204" pitchFamily="18" charset="0"/>
-                        </a:rPr>
-                        <m:t>=0.5</m:t>
-                      </m:r>
-                    </m:oMath>
-                  </m:oMathPara>
-                </a14:m>
-                <a:endParaRPr lang="en-US" dirty="0">
-                  <a:latin typeface="+mn-lt"/>
-                </a:endParaRPr>
-              </a:p>
-              <a:p>
-                <a:r>
-                  <a:rPr lang="en-US" dirty="0">
-                    <a:latin typeface="+mn-lt"/>
-                  </a:rPr>
-                  <a:t>Jaccard similarity often used for data with many categories like natural languages</a:t>
-                </a:r>
-              </a:p>
-            </p:txBody>
-          </p:sp>
-        </mc:Choice>
-        <mc:Fallback xmlns="">
-          <p:sp>
-            <p:nvSpPr>
-              <p:cNvPr id="3" name="Content Placeholder 2"/>
-              <p:cNvSpPr>
-                <a:spLocks noGrp="1" noRot="1" noChangeAspect="1" noMove="1" noResize="1" noEditPoints="1" noAdjustHandles="1" noChangeArrowheads="1" noChangeShapeType="1" noTextEdit="1"/>
-              </p:cNvSpPr>
-              <p:nvPr>
-                <p:ph sz="quarter" idx="10"/>
-              </p:nvPr>
-            </p:nvSpPr>
-            <p:spPr>
-              <a:xfrm>
-                <a:off x="333375" y="896079"/>
-                <a:ext cx="11525250" cy="5698998"/>
-              </a:xfrm>
-              <a:blipFill>
-                <a:blip r:embed="rId4"/>
-                <a:stretch>
-                  <a:fillRect l="-952" t="-1604" b="-1070"/>
-                </a:stretch>
-              </a:blipFill>
-            </p:spPr>
-            <p:txBody>
-              <a:bodyPr/>
-              <a:lstStyle/>
-              <a:p>
-                <a:r>
-                  <a:rPr lang="en-US">
-                    <a:noFill/>
-                  </a:rPr>
-                  <a:t> </a:t>
-                </a:r>
-              </a:p>
-            </p:txBody>
-          </p:sp>
-        </mc:Fallback>
-      </mc:AlternateContent>
-    </p:spTree>
-    <p:extLst>
-      <p:ext uri="{BB962C8B-B14F-4D97-AF65-F5344CB8AC3E}">
-        <p14:creationId xmlns:p14="http://schemas.microsoft.com/office/powerpoint/2010/main" val="2366237440"/>
-      </p:ext>
-    </p:extLst>
-  </p:cSld>
-  <p:clrMapOvr>
-    <a:masterClrMapping/>
-  </p:clrMapOvr>
-  <p:timing>
-    <p:tnLst>
-      <p:par>
-        <p:cTn id="1" dur="indefinite" restart="never" nodeType="tmRoot">
-          <p:childTnLst>
-            <p:seq concurrent="1" nextAc="seek">
-              <p:cTn id="2" dur="indefinite" nodeType="mainSeq">
-                <p:childTnLst>
-                  <p:par>
-                    <p:cTn id="3" fill="hold">
-                      <p:stCondLst>
-                        <p:cond delay="indefinite"/>
-                      </p:stCondLst>
-                      <p:childTnLst>
-                        <p:par>
-                          <p:cTn id="4" fill="hold">
-                            <p:stCondLst>
-                              <p:cond delay="0"/>
-                            </p:stCondLst>
-                            <p:childTnLst>
-                              <p:par>
-                                <p:cTn id="5" presetID="1" presetClass="entr" presetSubtype="0" fill="hold" nodeType="clickEffect">
-                                  <p:stCondLst>
-                                    <p:cond delay="0"/>
-                                  </p:stCondLst>
-                                  <p:childTnLst>
-                                    <p:set>
-                                      <p:cBhvr>
-                                        <p:cTn id="6" dur="1" fill="hold">
-                                          <p:stCondLst>
-                                            <p:cond delay="0"/>
-                                          </p:stCondLst>
-                                        </p:cTn>
-                                        <p:tgtEl>
-                                          <p:spTgt spid="3">
-                                            <p:txEl>
-                                              <p:pRg st="1" end="1"/>
-                                            </p:txEl>
-                                          </p:spTgt>
-                                        </p:tgtEl>
-                                        <p:attrNameLst>
-                                          <p:attrName>style.visibility</p:attrName>
-                                        </p:attrNameLst>
-                                      </p:cBhvr>
-                                      <p:to>
-                                        <p:strVal val="visible"/>
-                                      </p:to>
-                                    </p:set>
-                                  </p:childTnLst>
-                                </p:cTn>
-                              </p:par>
-                              <p:par>
-                                <p:cTn id="7" presetID="1" presetClass="entr" presetSubtype="0" fill="hold" nodeType="withEffect">
-                                  <p:stCondLst>
-                                    <p:cond delay="0"/>
-                                  </p:stCondLst>
-                                  <p:childTnLst>
-                                    <p:set>
-                                      <p:cBhvr>
-                                        <p:cTn id="8" dur="1" fill="hold">
-                                          <p:stCondLst>
-                                            <p:cond delay="0"/>
-                                          </p:stCondLst>
-                                        </p:cTn>
-                                        <p:tgtEl>
-                                          <p:spTgt spid="3">
-                                            <p:txEl>
-                                              <p:pRg st="2" end="2"/>
-                                            </p:txEl>
-                                          </p:spTgt>
-                                        </p:tgtEl>
-                                        <p:attrNameLst>
-                                          <p:attrName>style.visibility</p:attrName>
-                                        </p:attrNameLst>
-                                      </p:cBhvr>
-                                      <p:to>
-                                        <p:strVal val="visible"/>
-                                      </p:to>
-                                    </p:set>
-                                  </p:childTnLst>
-                                </p:cTn>
-                              </p:par>
-                            </p:childTnLst>
-                          </p:cTn>
-                        </p:par>
-                      </p:childTnLst>
-                    </p:cTn>
-                  </p:par>
-                  <p:par>
-                    <p:cTn id="9" fill="hold">
-                      <p:stCondLst>
-                        <p:cond delay="indefinite"/>
-                      </p:stCondLst>
-                      <p:childTnLst>
-                        <p:par>
-                          <p:cTn id="10" fill="hold">
-                            <p:stCondLst>
-                              <p:cond delay="0"/>
-                            </p:stCondLst>
-                            <p:childTnLst>
-                              <p:par>
-                                <p:cTn id="11" presetID="1" presetClass="entr" presetSubtype="0" fill="hold" nodeType="clickEffect">
-                                  <p:stCondLst>
-                                    <p:cond delay="0"/>
-                                  </p:stCondLst>
-                                  <p:childTnLst>
-                                    <p:set>
-                                      <p:cBhvr>
-                                        <p:cTn id="12" dur="1" fill="hold">
-                                          <p:stCondLst>
-                                            <p:cond delay="0"/>
-                                          </p:stCondLst>
-                                        </p:cTn>
-                                        <p:tgtEl>
-                                          <p:spTgt spid="3">
-                                            <p:txEl>
-                                              <p:pRg st="3" end="3"/>
-                                            </p:txEl>
-                                          </p:spTgt>
-                                        </p:tgtEl>
-                                        <p:attrNameLst>
-                                          <p:attrName>style.visibility</p:attrName>
-                                        </p:attrNameLst>
-                                      </p:cBhvr>
-                                      <p:to>
-                                        <p:strVal val="visible"/>
-                                      </p:to>
-                                    </p:set>
-                                  </p:childTnLst>
-                                </p:cTn>
-                              </p:par>
-                            </p:childTnLst>
-                          </p:cTn>
-                        </p:par>
-                      </p:childTnLst>
-                    </p:cTn>
-                  </p:par>
-                  <p:par>
-                    <p:cTn id="13" fill="hold">
-                      <p:stCondLst>
-                        <p:cond delay="indefinite"/>
-                      </p:stCondLst>
-                      <p:childTnLst>
-                        <p:par>
-                          <p:cTn id="14" fill="hold">
-                            <p:stCondLst>
-                              <p:cond delay="0"/>
-                            </p:stCondLst>
-                            <p:childTnLst>
-                              <p:par>
-                                <p:cTn id="15" presetID="1" presetClass="entr" presetSubtype="0" fill="hold" nodeType="clickEffect">
-                                  <p:stCondLst>
-                                    <p:cond delay="0"/>
-                                  </p:stCondLst>
-                                  <p:childTnLst>
-                                    <p:set>
-                                      <p:cBhvr>
-                                        <p:cTn id="16" dur="1" fill="hold">
-                                          <p:stCondLst>
-                                            <p:cond delay="0"/>
-                                          </p:stCondLst>
-                                        </p:cTn>
-                                        <p:tgtEl>
-                                          <p:spTgt spid="3">
-                                            <p:txEl>
-                                              <p:pRg st="4" end="4"/>
-                                            </p:txEl>
-                                          </p:spTgt>
-                                        </p:tgtEl>
-                                        <p:attrNameLst>
-                                          <p:attrName>style.visibility</p:attrName>
-                                        </p:attrNameLst>
-                                      </p:cBhvr>
-                                      <p:to>
-                                        <p:strVal val="visible"/>
-                                      </p:to>
-                                    </p:set>
-                                  </p:childTnLst>
-                                </p:cTn>
-                              </p:par>
-                              <p:par>
-                                <p:cTn id="17" presetID="1" presetClass="entr" presetSubtype="0" fill="hold" nodeType="withEffect">
-                                  <p:stCondLst>
-                                    <p:cond delay="0"/>
-                                  </p:stCondLst>
-                                  <p:childTnLst>
-                                    <p:set>
-                                      <p:cBhvr>
-                                        <p:cTn id="18" dur="1" fill="hold">
-                                          <p:stCondLst>
-                                            <p:cond delay="0"/>
-                                          </p:stCondLst>
-                                        </p:cTn>
-                                        <p:tgtEl>
-                                          <p:spTgt spid="3">
-                                            <p:txEl>
-                                              <p:pRg st="5" end="5"/>
-                                            </p:txEl>
-                                          </p:spTgt>
-                                        </p:tgtEl>
-                                        <p:attrNameLst>
-                                          <p:attrName>style.visibility</p:attrName>
-                                        </p:attrNameLst>
-                                      </p:cBhvr>
-                                      <p:to>
-                                        <p:strVal val="visible"/>
-                                      </p:to>
-                                    </p:set>
-                                  </p:childTnLst>
-                                </p:cTn>
-                              </p:par>
-                              <p:par>
-                                <p:cTn id="19" presetID="1" presetClass="entr" presetSubtype="0" fill="hold" nodeType="withEffect">
-                                  <p:stCondLst>
-                                    <p:cond delay="0"/>
-                                  </p:stCondLst>
-                                  <p:childTnLst>
-                                    <p:set>
-                                      <p:cBhvr>
-                                        <p:cTn id="20" dur="1" fill="hold">
-                                          <p:stCondLst>
-                                            <p:cond delay="0"/>
-                                          </p:stCondLst>
-                                        </p:cTn>
-                                        <p:tgtEl>
-                                          <p:spTgt spid="3">
-                                            <p:txEl>
-                                              <p:pRg st="6" end="6"/>
-                                            </p:txEl>
-                                          </p:spTgt>
-                                        </p:tgtEl>
-                                        <p:attrNameLst>
-                                          <p:attrName>style.visibility</p:attrName>
-                                        </p:attrNameLst>
-                                      </p:cBhvr>
-                                      <p:to>
-                                        <p:strVal val="visible"/>
-                                      </p:to>
-                                    </p:set>
-                                  </p:childTnLst>
-                                </p:cTn>
-                              </p:par>
-                              <p:par>
-                                <p:cTn id="21" presetID="1" presetClass="entr" presetSubtype="0" fill="hold" nodeType="withEffect">
-                                  <p:stCondLst>
-                                    <p:cond delay="0"/>
-                                  </p:stCondLst>
-                                  <p:childTnLst>
-                                    <p:set>
-                                      <p:cBhvr>
-                                        <p:cTn id="22" dur="1" fill="hold">
-                                          <p:stCondLst>
-                                            <p:cond delay="0"/>
-                                          </p:stCondLst>
-                                        </p:cTn>
-                                        <p:tgtEl>
-                                          <p:spTgt spid="3">
-                                            <p:txEl>
-                                              <p:pRg st="7" end="7"/>
-                                            </p:txEl>
-                                          </p:spTgt>
-                                        </p:tgtEl>
-                                        <p:attrNameLst>
-                                          <p:attrName>style.visibility</p:attrName>
-                                        </p:attrNameLst>
-                                      </p:cBhvr>
-                                      <p:to>
-                                        <p:strVal val="visible"/>
-                                      </p:to>
-                                    </p:set>
-                                  </p:childTnLst>
-                                </p:cTn>
-                              </p:par>
-                              <p:par>
-                                <p:cTn id="23" presetID="1" presetClass="entr" presetSubtype="0" fill="hold" nodeType="withEffect">
-                                  <p:stCondLst>
-                                    <p:cond delay="0"/>
-                                  </p:stCondLst>
-                                  <p:childTnLst>
-                                    <p:set>
-                                      <p:cBhvr>
-                                        <p:cTn id="24" dur="1" fill="hold">
-                                          <p:stCondLst>
-                                            <p:cond delay="0"/>
-                                          </p:stCondLst>
-                                        </p:cTn>
-                                        <p:tgtEl>
-                                          <p:spTgt spid="3">
-                                            <p:txEl>
-                                              <p:pRg st="8" end="8"/>
-                                            </p:txEl>
-                                          </p:spTgt>
-                                        </p:tgtEl>
-                                        <p:attrNameLst>
-                                          <p:attrName>style.visibility</p:attrName>
-                                        </p:attrNameLst>
-                                      </p:cBhvr>
-                                      <p:to>
-                                        <p:strVal val="visible"/>
-                                      </p:to>
-                                    </p:set>
-                                  </p:childTnLst>
-                                </p:cTn>
-                              </p:par>
-                              <p:par>
-                                <p:cTn id="25" presetID="1" presetClass="entr" presetSubtype="0" fill="hold" nodeType="withEffect">
-                                  <p:stCondLst>
-                                    <p:cond delay="0"/>
-                                  </p:stCondLst>
-                                  <p:childTnLst>
-                                    <p:set>
-                                      <p:cBhvr>
-                                        <p:cTn id="26" dur="1" fill="hold">
-                                          <p:stCondLst>
-                                            <p:cond delay="0"/>
-                                          </p:stCondLst>
-                                        </p:cTn>
-                                        <p:tgtEl>
-                                          <p:spTgt spid="3">
-                                            <p:txEl>
-                                              <p:pRg st="9" end="9"/>
-                                            </p:txEl>
-                                          </p:spTgt>
-                                        </p:tgtEl>
-                                        <p:attrNameLst>
-                                          <p:attrName>style.visibility</p:attrName>
-                                        </p:attrNameLst>
-                                      </p:cBhvr>
-                                      <p:to>
-                                        <p:strVal val="visible"/>
-                                      </p:to>
-                                    </p:set>
-                                  </p:childTnLst>
-                                </p:cTn>
-                              </p:par>
-                            </p:childTnLst>
-                          </p:cTn>
-                        </p:par>
-                      </p:childTnLst>
-                    </p:cTn>
-                  </p:par>
                   <p:par>
                     <p:cTn id="27" fill="hold">
                       <p:stCondLst>
@@ -26712,7 +25604,7 @@
                                         <p:tgtEl>
                                           <p:spTgt spid="3">
                                             <p:txEl>
-                                              <p:pRg st="10" end="10"/>
+                                              <p:pRg st="7" end="7"/>
                                             </p:txEl>
                                           </p:spTgt>
                                         </p:tgtEl>
@@ -26758,7 +25650,7 @@
 </p:sld>
 </file>
 
-<file path=ppt/slides/slide31.xml><?xml version="1.0" encoding="utf-8"?>
+<file path=ppt/slides/slide30.xml><?xml version="1.0" encoding="utf-8"?>
 <p:sld xmlns:a="http://schemas.openxmlformats.org/drawingml/2006/main" xmlns:r="http://schemas.openxmlformats.org/officeDocument/2006/relationships" xmlns:p="http://schemas.openxmlformats.org/presentationml/2006/main">
   <p:cSld>
     <p:spTree>
@@ -28616,7 +27508,7 @@
 </p:sld>
 </file>
 
-<file path=ppt/slides/slide32.xml><?xml version="1.0" encoding="utf-8"?>
+<file path=ppt/slides/slide31.xml><?xml version="1.0" encoding="utf-8"?>
 <p:sld xmlns:a="http://schemas.openxmlformats.org/drawingml/2006/main" xmlns:r="http://schemas.openxmlformats.org/officeDocument/2006/relationships" xmlns:p="http://schemas.openxmlformats.org/presentationml/2006/main">
   <p:cSld>
     <p:spTree>
@@ -30527,7 +29419,2238 @@
 </p:sld>
 </file>
 
+<file path=ppt/slides/slide32.xml><?xml version="1.0" encoding="utf-8"?>
+<p:sld xmlns:a="http://schemas.openxmlformats.org/drawingml/2006/main" xmlns:r="http://schemas.openxmlformats.org/officeDocument/2006/relationships" xmlns:p="http://schemas.openxmlformats.org/presentationml/2006/main">
+  <p:cSld>
+    <p:spTree>
+      <p:nvGrpSpPr>
+        <p:cNvPr id="1" name="">
+          <a:extLst>
+            <a:ext uri="{FF2B5EF4-FFF2-40B4-BE49-F238E27FC236}">
+              <a16:creationId xmlns:a16="http://schemas.microsoft.com/office/drawing/2014/main" id="{7FDF10CD-2ACC-6B1E-9524-86AB2729DF59}"/>
+            </a:ext>
+          </a:extLst>
+        </p:cNvPr>
+        <p:cNvGrpSpPr/>
+        <p:nvPr/>
+      </p:nvGrpSpPr>
+      <p:grpSpPr>
+        <a:xfrm>
+          <a:off x="0" y="0"/>
+          <a:ext cx="0" cy="0"/>
+          <a:chOff x="0" y="0"/>
+          <a:chExt cx="0" cy="0"/>
+        </a:xfrm>
+      </p:grpSpPr>
+      <p:sp>
+        <p:nvSpPr>
+          <p:cNvPr id="2" name="Title 1">
+            <a:extLst>
+              <a:ext uri="{FF2B5EF4-FFF2-40B4-BE49-F238E27FC236}">
+                <a16:creationId xmlns:a16="http://schemas.microsoft.com/office/drawing/2014/main" id="{CD051176-3A7B-4E9F-FB87-648BF47F1784}"/>
+              </a:ext>
+            </a:extLst>
+          </p:cNvPr>
+          <p:cNvSpPr>
+            <a:spLocks noGrp="1"/>
+          </p:cNvSpPr>
+          <p:nvPr>
+            <p:ph type="title"/>
+          </p:nvPr>
+        </p:nvSpPr>
+        <p:spPr>
+          <a:xfrm>
+            <a:off x="584200" y="221992"/>
+            <a:ext cx="10515600" cy="530954"/>
+          </a:xfrm>
+        </p:spPr>
+        <p:txBody>
+          <a:bodyPr>
+            <a:normAutofit fontScale="90000"/>
+          </a:bodyPr>
+          <a:lstStyle/>
+          <a:p>
+            <a:r>
+              <a:rPr lang="en-US" dirty="0"/>
+              <a:t>Measuring Similarity</a:t>
+            </a:r>
+          </a:p>
+        </p:txBody>
+      </p:sp>
+      <mc:AlternateContent xmlns:mc="http://schemas.openxmlformats.org/markup-compatibility/2006">
+        <mc:Choice xmlns:a14="http://schemas.microsoft.com/office/drawing/2010/main" Requires="a14">
+          <p:sp>
+            <p:nvSpPr>
+              <p:cNvPr id="3" name="Content Placeholder 2">
+                <a:extLst>
+                  <a:ext uri="{FF2B5EF4-FFF2-40B4-BE49-F238E27FC236}">
+                    <a16:creationId xmlns:a16="http://schemas.microsoft.com/office/drawing/2014/main" id="{85191FB6-AA30-982A-19DE-0E6AAD95EB9B}"/>
+                  </a:ext>
+                </a:extLst>
+              </p:cNvPr>
+              <p:cNvSpPr>
+                <a:spLocks noGrp="1"/>
+              </p:cNvSpPr>
+              <p:nvPr>
+                <p:ph sz="quarter" idx="10"/>
+              </p:nvPr>
+            </p:nvSpPr>
+            <p:spPr>
+              <a:xfrm>
+                <a:off x="333375" y="1159932"/>
+                <a:ext cx="11525250" cy="5363577"/>
+              </a:xfrm>
+            </p:spPr>
+            <p:txBody>
+              <a:bodyPr>
+                <a:normAutofit/>
+              </a:bodyPr>
+              <a:lstStyle/>
+              <a:p>
+                <a:pPr marL="0" indent="0">
+                  <a:buNone/>
+                </a:pPr>
+                <a:r>
+                  <a:rPr lang="en-US" dirty="0">
+                    <a:latin typeface="+mn-lt"/>
+                  </a:rPr>
+                  <a:t>Different metrics for similarity can be computed for numeric variables in p dimensions</a:t>
+                </a:r>
+              </a:p>
+              <a:p>
+                <a:r>
+                  <a:rPr lang="en-US" b="1" dirty="0">
+                    <a:latin typeface="+mn-lt"/>
+                  </a:rPr>
+                  <a:t>Dot product similarity</a:t>
+                </a:r>
+                <a:r>
+                  <a:rPr lang="en-US" dirty="0">
+                    <a:latin typeface="+mn-lt"/>
+                  </a:rPr>
+                  <a:t>, for two vectors of values </a:t>
+                </a:r>
+                <a14:m>
+                  <m:oMath xmlns:m="http://schemas.openxmlformats.org/officeDocument/2006/math">
+                    <m:r>
+                      <a:rPr lang="en-US" b="0" i="1" smtClean="0">
+                        <a:latin typeface="Cambria Math" panose="02040503050406030204" pitchFamily="18" charset="0"/>
+                      </a:rPr>
+                      <m:t>(</m:t>
+                    </m:r>
+                    <m:r>
+                      <a:rPr lang="en-US" b="0" i="1" smtClean="0">
+                        <a:latin typeface="Cambria Math" panose="02040503050406030204" pitchFamily="18" charset="0"/>
+                      </a:rPr>
+                      <m:t>𝑥</m:t>
+                    </m:r>
+                    <m:r>
+                      <a:rPr lang="en-US" b="0" i="1" smtClean="0">
+                        <a:latin typeface="Cambria Math" panose="02040503050406030204" pitchFamily="18" charset="0"/>
+                      </a:rPr>
+                      <m:t>,</m:t>
+                    </m:r>
+                    <m:sSup>
+                      <m:sSupPr>
+                        <m:ctrlPr>
+                          <a:rPr lang="en-US" b="0" i="1" smtClean="0">
+                            <a:latin typeface="Cambria Math" panose="02040503050406030204" pitchFamily="18" charset="0"/>
+                          </a:rPr>
+                        </m:ctrlPr>
+                      </m:sSupPr>
+                      <m:e>
+                        <m:r>
+                          <a:rPr lang="en-US" b="0" i="1" smtClean="0">
+                            <a:latin typeface="Cambria Math" panose="02040503050406030204" pitchFamily="18" charset="0"/>
+                          </a:rPr>
+                          <m:t>𝑥</m:t>
+                        </m:r>
+                      </m:e>
+                      <m:sup>
+                        <m:r>
+                          <a:rPr lang="en-US" b="0" i="1" smtClean="0">
+                            <a:latin typeface="Cambria Math" panose="02040503050406030204" pitchFamily="18" charset="0"/>
+                          </a:rPr>
+                          <m:t>′</m:t>
+                        </m:r>
+                      </m:sup>
+                    </m:sSup>
+                    <m:r>
+                      <a:rPr lang="en-US" b="0" i="1" smtClean="0">
+                        <a:latin typeface="Cambria Math" panose="02040503050406030204" pitchFamily="18" charset="0"/>
+                      </a:rPr>
+                      <m:t>)</m:t>
+                    </m:r>
+                  </m:oMath>
+                </a14:m>
+                <a:endParaRPr lang="en-US" dirty="0">
+                  <a:latin typeface="+mn-lt"/>
+                </a:endParaRPr>
+              </a:p>
+              <a:p>
+                <a:pPr marL="0" indent="0">
+                  <a:buNone/>
+                </a:pPr>
+                <a14:m>
+                  <m:oMathPara xmlns:m="http://schemas.openxmlformats.org/officeDocument/2006/math">
+                    <m:oMathParaPr>
+                      <m:jc m:val="centerGroup"/>
+                    </m:oMathParaPr>
+                    <m:oMath xmlns:m="http://schemas.openxmlformats.org/officeDocument/2006/math">
+                      <m:r>
+                        <a:rPr lang="en-US" b="0" i="1" smtClean="0">
+                          <a:latin typeface="Cambria Math" panose="02040503050406030204" pitchFamily="18" charset="0"/>
+                        </a:rPr>
+                        <m:t>𝑠</m:t>
+                      </m:r>
+                      <m:d>
+                        <m:dPr>
+                          <m:ctrlPr>
+                            <a:rPr lang="en-US" b="0" i="1" smtClean="0">
+                              <a:latin typeface="Cambria Math" panose="02040503050406030204" pitchFamily="18" charset="0"/>
+                            </a:rPr>
+                          </m:ctrlPr>
+                        </m:dPr>
+                        <m:e>
+                          <m:r>
+                            <a:rPr lang="en-US" b="0" i="1" smtClean="0">
+                              <a:latin typeface="Cambria Math" panose="02040503050406030204" pitchFamily="18" charset="0"/>
+                            </a:rPr>
+                            <m:t>𝑥</m:t>
+                          </m:r>
+                          <m:r>
+                            <a:rPr lang="en-US" b="0" i="1" smtClean="0">
+                              <a:latin typeface="Cambria Math" panose="02040503050406030204" pitchFamily="18" charset="0"/>
+                            </a:rPr>
+                            <m:t>,</m:t>
+                          </m:r>
+                          <m:r>
+                            <a:rPr lang="en-US" b="0" i="1" smtClean="0">
+                              <a:latin typeface="Cambria Math" panose="02040503050406030204" pitchFamily="18" charset="0"/>
+                            </a:rPr>
+                            <m:t>𝑥</m:t>
+                          </m:r>
+                          <m:r>
+                            <a:rPr lang="en-US" b="0" i="1" smtClean="0">
+                              <a:latin typeface="Cambria Math" panose="02040503050406030204" pitchFamily="18" charset="0"/>
+                            </a:rPr>
+                            <m:t>′</m:t>
+                          </m:r>
+                        </m:e>
+                      </m:d>
+                      <m:r>
+                        <a:rPr lang="en-US" b="0" i="1" dirty="0" smtClean="0">
+                          <a:latin typeface="Cambria Math" panose="02040503050406030204" pitchFamily="18" charset="0"/>
+                        </a:rPr>
+                        <m:t>=</m:t>
+                      </m:r>
+                      <m:r>
+                        <a:rPr lang="en-US" i="1" dirty="0">
+                          <a:latin typeface="Cambria Math" panose="02040503050406030204" pitchFamily="18" charset="0"/>
+                        </a:rPr>
+                        <m:t>(</m:t>
+                      </m:r>
+                      <m:r>
+                        <a:rPr lang="en-US" i="1" dirty="0">
+                          <a:latin typeface="Cambria Math" panose="02040503050406030204" pitchFamily="18" charset="0"/>
+                        </a:rPr>
+                        <m:t>𝑥</m:t>
+                      </m:r>
+                      <m:r>
+                        <a:rPr lang="en-US" i="1" dirty="0">
+                          <a:latin typeface="Cambria Math" panose="02040503050406030204" pitchFamily="18" charset="0"/>
+                        </a:rPr>
+                        <m:t>−</m:t>
+                      </m:r>
+                      <m:acc>
+                        <m:accPr>
+                          <m:chr m:val="̅"/>
+                          <m:ctrlPr>
+                            <a:rPr lang="en-US" i="1" dirty="0">
+                              <a:latin typeface="Cambria Math" panose="02040503050406030204" pitchFamily="18" charset="0"/>
+                            </a:rPr>
+                          </m:ctrlPr>
+                        </m:accPr>
+                        <m:e>
+                          <m:r>
+                            <a:rPr lang="en-US" i="1" dirty="0">
+                              <a:latin typeface="Cambria Math" panose="02040503050406030204" pitchFamily="18" charset="0"/>
+                            </a:rPr>
+                            <m:t>𝑥</m:t>
+                          </m:r>
+                        </m:e>
+                      </m:acc>
+                      <m:r>
+                        <a:rPr lang="en-US" i="1" dirty="0">
+                          <a:latin typeface="Cambria Math" panose="02040503050406030204" pitchFamily="18" charset="0"/>
+                        </a:rPr>
+                        <m:t>)</m:t>
+                      </m:r>
+                      <m:r>
+                        <a:rPr lang="en-US" i="1" dirty="0" smtClean="0">
+                          <a:latin typeface="Cambria Math" panose="02040503050406030204" pitchFamily="18" charset="0"/>
+                          <a:ea typeface="Cambria Math" panose="02040503050406030204" pitchFamily="18" charset="0"/>
+                        </a:rPr>
+                        <m:t>∙</m:t>
+                      </m:r>
+                      <m:r>
+                        <a:rPr lang="en-US" i="1" dirty="0">
+                          <a:latin typeface="Cambria Math" panose="02040503050406030204" pitchFamily="18" charset="0"/>
+                        </a:rPr>
+                        <m:t>(</m:t>
+                      </m:r>
+                      <m:r>
+                        <a:rPr lang="en-US" i="1" dirty="0">
+                          <a:latin typeface="Cambria Math" panose="02040503050406030204" pitchFamily="18" charset="0"/>
+                        </a:rPr>
+                        <m:t>𝑥</m:t>
+                      </m:r>
+                      <m:r>
+                        <a:rPr lang="en-US" b="0" i="1" dirty="0" smtClean="0">
+                          <a:latin typeface="Cambria Math" panose="02040503050406030204" pitchFamily="18" charset="0"/>
+                        </a:rPr>
+                        <m:t>′</m:t>
+                      </m:r>
+                      <m:r>
+                        <a:rPr lang="en-US" i="1" dirty="0">
+                          <a:latin typeface="Cambria Math" panose="02040503050406030204" pitchFamily="18" charset="0"/>
+                        </a:rPr>
+                        <m:t>−</m:t>
+                      </m:r>
+                      <m:acc>
+                        <m:accPr>
+                          <m:chr m:val="̅"/>
+                          <m:ctrlPr>
+                            <a:rPr lang="en-US" i="1" dirty="0">
+                              <a:latin typeface="Cambria Math" panose="02040503050406030204" pitchFamily="18" charset="0"/>
+                            </a:rPr>
+                          </m:ctrlPr>
+                        </m:accPr>
+                        <m:e>
+                          <m:r>
+                            <a:rPr lang="en-US" i="1" dirty="0">
+                              <a:latin typeface="Cambria Math" panose="02040503050406030204" pitchFamily="18" charset="0"/>
+                            </a:rPr>
+                            <m:t>𝑥</m:t>
+                          </m:r>
+                          <m:r>
+                            <a:rPr lang="en-US" b="0" i="1" dirty="0" smtClean="0">
+                              <a:latin typeface="Cambria Math" panose="02040503050406030204" pitchFamily="18" charset="0"/>
+                            </a:rPr>
+                            <m:t>′</m:t>
+                          </m:r>
+                        </m:e>
+                      </m:acc>
+                      <m:r>
+                        <a:rPr lang="en-US" i="1" dirty="0">
+                          <a:latin typeface="Cambria Math" panose="02040503050406030204" pitchFamily="18" charset="0"/>
+                        </a:rPr>
+                        <m:t>)</m:t>
+                      </m:r>
+                      <m:r>
+                        <a:rPr lang="en-US" b="0" i="0" smtClean="0">
+                          <a:latin typeface="Cambria Math" panose="02040503050406030204" pitchFamily="18" charset="0"/>
+                          <a:ea typeface="Cambria Math" panose="02040503050406030204" pitchFamily="18" charset="0"/>
+                        </a:rPr>
+                        <m:t>=</m:t>
+                      </m:r>
+                      <m:r>
+                        <a:rPr lang="en-US" i="1" dirty="0">
+                          <a:latin typeface="Cambria Math" panose="02040503050406030204" pitchFamily="18" charset="0"/>
+                        </a:rPr>
+                        <m:t>(</m:t>
+                      </m:r>
+                      <m:r>
+                        <a:rPr lang="en-US" i="1" dirty="0">
+                          <a:latin typeface="Cambria Math" panose="02040503050406030204" pitchFamily="18" charset="0"/>
+                        </a:rPr>
+                        <m:t>𝑥</m:t>
+                      </m:r>
+                      <m:r>
+                        <a:rPr lang="en-US" i="1" dirty="0">
+                          <a:latin typeface="Cambria Math" panose="02040503050406030204" pitchFamily="18" charset="0"/>
+                        </a:rPr>
+                        <m:t>−</m:t>
+                      </m:r>
+                      <m:acc>
+                        <m:accPr>
+                          <m:chr m:val="̅"/>
+                          <m:ctrlPr>
+                            <a:rPr lang="en-US" i="1" dirty="0">
+                              <a:latin typeface="Cambria Math" panose="02040503050406030204" pitchFamily="18" charset="0"/>
+                            </a:rPr>
+                          </m:ctrlPr>
+                        </m:accPr>
+                        <m:e>
+                          <m:r>
+                            <a:rPr lang="en-US" i="1" dirty="0">
+                              <a:latin typeface="Cambria Math" panose="02040503050406030204" pitchFamily="18" charset="0"/>
+                            </a:rPr>
+                            <m:t>𝑥</m:t>
+                          </m:r>
+                        </m:e>
+                      </m:acc>
+                      <m:r>
+                        <a:rPr lang="en-US" i="1" dirty="0">
+                          <a:latin typeface="Cambria Math" panose="02040503050406030204" pitchFamily="18" charset="0"/>
+                        </a:rPr>
+                        <m:t>)</m:t>
+                      </m:r>
+                      <m:sSup>
+                        <m:sSupPr>
+                          <m:ctrlPr>
+                            <a:rPr lang="en-US" i="1" dirty="0">
+                              <a:latin typeface="Cambria Math" panose="02040503050406030204" pitchFamily="18" charset="0"/>
+                            </a:rPr>
+                          </m:ctrlPr>
+                        </m:sSupPr>
+                        <m:e>
+                          <m:r>
+                            <a:rPr lang="en-US" i="1" dirty="0">
+                              <a:latin typeface="Cambria Math" panose="02040503050406030204" pitchFamily="18" charset="0"/>
+                            </a:rPr>
+                            <m:t>(</m:t>
+                          </m:r>
+                          <m:r>
+                            <a:rPr lang="en-US" i="1" dirty="0">
+                              <a:latin typeface="Cambria Math" panose="02040503050406030204" pitchFamily="18" charset="0"/>
+                            </a:rPr>
+                            <m:t>𝑥</m:t>
+                          </m:r>
+                          <m:r>
+                            <a:rPr lang="en-US" i="1" dirty="0">
+                              <a:latin typeface="Cambria Math" panose="02040503050406030204" pitchFamily="18" charset="0"/>
+                            </a:rPr>
+                            <m:t>′−</m:t>
+                          </m:r>
+                          <m:acc>
+                            <m:accPr>
+                              <m:chr m:val="̅"/>
+                              <m:ctrlPr>
+                                <a:rPr lang="en-US" i="1" dirty="0">
+                                  <a:latin typeface="Cambria Math" panose="02040503050406030204" pitchFamily="18" charset="0"/>
+                                </a:rPr>
+                              </m:ctrlPr>
+                            </m:accPr>
+                            <m:e>
+                              <m:r>
+                                <a:rPr lang="en-US" i="1" dirty="0">
+                                  <a:latin typeface="Cambria Math" panose="02040503050406030204" pitchFamily="18" charset="0"/>
+                                </a:rPr>
+                                <m:t>𝑥</m:t>
+                              </m:r>
+                              <m:r>
+                                <a:rPr lang="en-US" b="0" i="1" dirty="0" smtClean="0">
+                                  <a:latin typeface="Cambria Math" panose="02040503050406030204" pitchFamily="18" charset="0"/>
+                                </a:rPr>
+                                <m:t>′</m:t>
+                              </m:r>
+                            </m:e>
+                          </m:acc>
+                          <m:r>
+                            <a:rPr lang="en-US" i="1" dirty="0">
+                              <a:latin typeface="Cambria Math" panose="02040503050406030204" pitchFamily="18" charset="0"/>
+                            </a:rPr>
+                            <m:t>)</m:t>
+                          </m:r>
+                        </m:e>
+                        <m:sup>
+                          <m:r>
+                            <a:rPr lang="en-US" i="1" dirty="0">
+                              <a:latin typeface="Cambria Math" panose="02040503050406030204" pitchFamily="18" charset="0"/>
+                            </a:rPr>
+                            <m:t>𝑇</m:t>
+                          </m:r>
+                        </m:sup>
+                      </m:sSup>
+                    </m:oMath>
+                  </m:oMathPara>
+                </a14:m>
+                <a:endParaRPr lang="en-US" dirty="0">
+                  <a:latin typeface="+mn-lt"/>
+                </a:endParaRPr>
+              </a:p>
+              <a:p>
+                <a:r>
+                  <a:rPr lang="en-US" dirty="0">
+                    <a:latin typeface="+mn-lt"/>
+                  </a:rPr>
+                  <a:t>Range is unbounded!</a:t>
+                </a:r>
+              </a:p>
+              <a:p>
+                <a:r>
+                  <a:rPr lang="en-US" dirty="0">
+                    <a:latin typeface="+mn-lt"/>
+                  </a:rPr>
+                  <a:t>But, if </a:t>
+                </a:r>
+                <a14:m>
+                  <m:oMath xmlns:m="http://schemas.openxmlformats.org/officeDocument/2006/math">
+                    <m:r>
+                      <a:rPr lang="en-US" i="1" dirty="0">
+                        <a:latin typeface="Cambria Math" panose="02040503050406030204" pitchFamily="18" charset="0"/>
+                      </a:rPr>
+                      <m:t>𝑥</m:t>
+                    </m:r>
+                  </m:oMath>
+                </a14:m>
+                <a:r>
+                  <a:rPr lang="en-US" dirty="0">
+                    <a:latin typeface="+mn-lt"/>
+                  </a:rPr>
+                  <a:t>, </a:t>
+                </a:r>
+                <a14:m>
+                  <m:oMath xmlns:m="http://schemas.openxmlformats.org/officeDocument/2006/math">
+                    <m:r>
+                      <a:rPr lang="en-US" i="1" dirty="0">
+                        <a:latin typeface="Cambria Math" panose="02040503050406030204" pitchFamily="18" charset="0"/>
+                      </a:rPr>
+                      <m:t>𝑥</m:t>
+                    </m:r>
+                    <m:r>
+                      <a:rPr lang="en-US" b="0" i="1" dirty="0" smtClean="0">
+                        <a:latin typeface="Cambria Math" panose="02040503050406030204" pitchFamily="18" charset="0"/>
+                      </a:rPr>
+                      <m:t>′</m:t>
+                    </m:r>
+                  </m:oMath>
+                </a14:m>
+                <a:r>
+                  <a:rPr lang="en-US" dirty="0">
+                    <a:latin typeface="+mn-lt"/>
+                  </a:rPr>
+                  <a:t> have unit Euclidean norm then is same as Pearson correlation</a:t>
+                </a:r>
+              </a:p>
+              <a:p>
+                <a:r>
+                  <a:rPr lang="en-US" dirty="0">
+                    <a:latin typeface="+mn-lt"/>
+                  </a:rPr>
+                  <a:t>Compute Pearson correlation by taking dot product of zero centered unit variance vectors </a:t>
+                </a:r>
+              </a:p>
+              <a:p>
+                <a:r>
+                  <a:rPr lang="en-US" dirty="0">
+                    <a:latin typeface="+mn-lt"/>
+                  </a:rPr>
+                  <a:t>FAISS only supports dot product similarity</a:t>
+                </a:r>
+              </a:p>
+              <a:p>
+                <a:pPr marL="0" indent="0">
+                  <a:buNone/>
+                </a:pPr>
+                <a:endParaRPr lang="en-US" dirty="0">
+                  <a:latin typeface="+mn-lt"/>
+                </a:endParaRPr>
+              </a:p>
+            </p:txBody>
+          </p:sp>
+        </mc:Choice>
+        <mc:Fallback>
+          <p:sp>
+            <p:nvSpPr>
+              <p:cNvPr id="3" name="Content Placeholder 2">
+                <a:extLst>
+                  <a:ext uri="{FF2B5EF4-FFF2-40B4-BE49-F238E27FC236}">
+                    <a16:creationId xmlns:a16="http://schemas.microsoft.com/office/drawing/2014/main" id="{85191FB6-AA30-982A-19DE-0E6AAD95EB9B}"/>
+                  </a:ext>
+                </a:extLst>
+              </p:cNvPr>
+              <p:cNvSpPr>
+                <a:spLocks noGrp="1" noRot="1" noChangeAspect="1" noMove="1" noResize="1" noEditPoints="1" noAdjustHandles="1" noChangeArrowheads="1" noChangeShapeType="1" noTextEdit="1"/>
+              </p:cNvSpPr>
+              <p:nvPr>
+                <p:ph sz="quarter" idx="10"/>
+              </p:nvPr>
+            </p:nvSpPr>
+            <p:spPr>
+              <a:xfrm>
+                <a:off x="333375" y="1159932"/>
+                <a:ext cx="11525250" cy="5363577"/>
+              </a:xfrm>
+              <a:blipFill>
+                <a:blip r:embed="rId3"/>
+                <a:stretch>
+                  <a:fillRect l="-1111" t="-1818"/>
+                </a:stretch>
+              </a:blipFill>
+            </p:spPr>
+            <p:txBody>
+              <a:bodyPr/>
+              <a:lstStyle/>
+              <a:p>
+                <a:r>
+                  <a:rPr lang="en-US">
+                    <a:noFill/>
+                  </a:rPr>
+                  <a:t> </a:t>
+                </a:r>
+              </a:p>
+            </p:txBody>
+          </p:sp>
+        </mc:Fallback>
+      </mc:AlternateContent>
+    </p:spTree>
+    <p:extLst>
+      <p:ext uri="{BB962C8B-B14F-4D97-AF65-F5344CB8AC3E}">
+        <p14:creationId xmlns:p14="http://schemas.microsoft.com/office/powerpoint/2010/main" val="1356347507"/>
+      </p:ext>
+    </p:extLst>
+  </p:cSld>
+  <p:clrMapOvr>
+    <a:masterClrMapping/>
+  </p:clrMapOvr>
+  <p:timing>
+    <p:tnLst>
+      <p:par>
+        <p:cTn id="1" dur="indefinite" restart="never" nodeType="tmRoot">
+          <p:childTnLst>
+            <p:seq concurrent="1" nextAc="seek">
+              <p:cTn id="2" dur="indefinite" nodeType="mainSeq">
+                <p:childTnLst>
+                  <p:par>
+                    <p:cTn id="3" fill="hold">
+                      <p:stCondLst>
+                        <p:cond delay="indefinite"/>
+                      </p:stCondLst>
+                      <p:childTnLst>
+                        <p:par>
+                          <p:cTn id="4" fill="hold">
+                            <p:stCondLst>
+                              <p:cond delay="0"/>
+                            </p:stCondLst>
+                            <p:childTnLst>
+                              <p:par>
+                                <p:cTn id="5" presetID="1" presetClass="entr" presetSubtype="0" fill="hold" nodeType="clickEffect">
+                                  <p:stCondLst>
+                                    <p:cond delay="0"/>
+                                  </p:stCondLst>
+                                  <p:childTnLst>
+                                    <p:set>
+                                      <p:cBhvr>
+                                        <p:cTn id="6" dur="1" fill="hold">
+                                          <p:stCondLst>
+                                            <p:cond delay="0"/>
+                                          </p:stCondLst>
+                                        </p:cTn>
+                                        <p:tgtEl>
+                                          <p:spTgt spid="3">
+                                            <p:txEl>
+                                              <p:pRg st="1" end="1"/>
+                                            </p:txEl>
+                                          </p:spTgt>
+                                        </p:tgtEl>
+                                        <p:attrNameLst>
+                                          <p:attrName>style.visibility</p:attrName>
+                                        </p:attrNameLst>
+                                      </p:cBhvr>
+                                      <p:to>
+                                        <p:strVal val="visible"/>
+                                      </p:to>
+                                    </p:set>
+                                  </p:childTnLst>
+                                </p:cTn>
+                              </p:par>
+                              <p:par>
+                                <p:cTn id="7" presetID="1" presetClass="entr" presetSubtype="0" fill="hold" nodeType="withEffect">
+                                  <p:stCondLst>
+                                    <p:cond delay="0"/>
+                                  </p:stCondLst>
+                                  <p:childTnLst>
+                                    <p:set>
+                                      <p:cBhvr>
+                                        <p:cTn id="8" dur="1" fill="hold">
+                                          <p:stCondLst>
+                                            <p:cond delay="0"/>
+                                          </p:stCondLst>
+                                        </p:cTn>
+                                        <p:tgtEl>
+                                          <p:spTgt spid="3">
+                                            <p:txEl>
+                                              <p:pRg st="2" end="2"/>
+                                            </p:txEl>
+                                          </p:spTgt>
+                                        </p:tgtEl>
+                                        <p:attrNameLst>
+                                          <p:attrName>style.visibility</p:attrName>
+                                        </p:attrNameLst>
+                                      </p:cBhvr>
+                                      <p:to>
+                                        <p:strVal val="visible"/>
+                                      </p:to>
+                                    </p:set>
+                                  </p:childTnLst>
+                                </p:cTn>
+                              </p:par>
+                            </p:childTnLst>
+                          </p:cTn>
+                        </p:par>
+                      </p:childTnLst>
+                    </p:cTn>
+                  </p:par>
+                  <p:par>
+                    <p:cTn id="9" fill="hold">
+                      <p:stCondLst>
+                        <p:cond delay="indefinite"/>
+                      </p:stCondLst>
+                      <p:childTnLst>
+                        <p:par>
+                          <p:cTn id="10" fill="hold">
+                            <p:stCondLst>
+                              <p:cond delay="0"/>
+                            </p:stCondLst>
+                            <p:childTnLst>
+                              <p:par>
+                                <p:cTn id="11" presetID="1" presetClass="entr" presetSubtype="0" fill="hold" nodeType="clickEffect">
+                                  <p:stCondLst>
+                                    <p:cond delay="0"/>
+                                  </p:stCondLst>
+                                  <p:childTnLst>
+                                    <p:set>
+                                      <p:cBhvr>
+                                        <p:cTn id="12" dur="1" fill="hold">
+                                          <p:stCondLst>
+                                            <p:cond delay="0"/>
+                                          </p:stCondLst>
+                                        </p:cTn>
+                                        <p:tgtEl>
+                                          <p:spTgt spid="3">
+                                            <p:txEl>
+                                              <p:pRg st="3" end="3"/>
+                                            </p:txEl>
+                                          </p:spTgt>
+                                        </p:tgtEl>
+                                        <p:attrNameLst>
+                                          <p:attrName>style.visibility</p:attrName>
+                                        </p:attrNameLst>
+                                      </p:cBhvr>
+                                      <p:to>
+                                        <p:strVal val="visible"/>
+                                      </p:to>
+                                    </p:set>
+                                  </p:childTnLst>
+                                </p:cTn>
+                              </p:par>
+                            </p:childTnLst>
+                          </p:cTn>
+                        </p:par>
+                      </p:childTnLst>
+                    </p:cTn>
+                  </p:par>
+                  <p:par>
+                    <p:cTn id="13" fill="hold">
+                      <p:stCondLst>
+                        <p:cond delay="indefinite"/>
+                      </p:stCondLst>
+                      <p:childTnLst>
+                        <p:par>
+                          <p:cTn id="14" fill="hold">
+                            <p:stCondLst>
+                              <p:cond delay="0"/>
+                            </p:stCondLst>
+                            <p:childTnLst>
+                              <p:par>
+                                <p:cTn id="15" presetID="1" presetClass="entr" presetSubtype="0" fill="hold" nodeType="clickEffect">
+                                  <p:stCondLst>
+                                    <p:cond delay="0"/>
+                                  </p:stCondLst>
+                                  <p:childTnLst>
+                                    <p:set>
+                                      <p:cBhvr>
+                                        <p:cTn id="16" dur="1" fill="hold">
+                                          <p:stCondLst>
+                                            <p:cond delay="0"/>
+                                          </p:stCondLst>
+                                        </p:cTn>
+                                        <p:tgtEl>
+                                          <p:spTgt spid="3">
+                                            <p:txEl>
+                                              <p:pRg st="4" end="4"/>
+                                            </p:txEl>
+                                          </p:spTgt>
+                                        </p:tgtEl>
+                                        <p:attrNameLst>
+                                          <p:attrName>style.visibility</p:attrName>
+                                        </p:attrNameLst>
+                                      </p:cBhvr>
+                                      <p:to>
+                                        <p:strVal val="visible"/>
+                                      </p:to>
+                                    </p:set>
+                                  </p:childTnLst>
+                                </p:cTn>
+                              </p:par>
+                            </p:childTnLst>
+                          </p:cTn>
+                        </p:par>
+                      </p:childTnLst>
+                    </p:cTn>
+                  </p:par>
+                  <p:par>
+                    <p:cTn id="17" fill="hold">
+                      <p:stCondLst>
+                        <p:cond delay="indefinite"/>
+                      </p:stCondLst>
+                      <p:childTnLst>
+                        <p:par>
+                          <p:cTn id="18" fill="hold">
+                            <p:stCondLst>
+                              <p:cond delay="0"/>
+                            </p:stCondLst>
+                            <p:childTnLst>
+                              <p:par>
+                                <p:cTn id="19" presetID="1" presetClass="entr" presetSubtype="0" fill="hold" nodeType="clickEffect">
+                                  <p:stCondLst>
+                                    <p:cond delay="0"/>
+                                  </p:stCondLst>
+                                  <p:childTnLst>
+                                    <p:set>
+                                      <p:cBhvr>
+                                        <p:cTn id="20" dur="1" fill="hold">
+                                          <p:stCondLst>
+                                            <p:cond delay="0"/>
+                                          </p:stCondLst>
+                                        </p:cTn>
+                                        <p:tgtEl>
+                                          <p:spTgt spid="3">
+                                            <p:txEl>
+                                              <p:pRg st="5" end="5"/>
+                                            </p:txEl>
+                                          </p:spTgt>
+                                        </p:tgtEl>
+                                        <p:attrNameLst>
+                                          <p:attrName>style.visibility</p:attrName>
+                                        </p:attrNameLst>
+                                      </p:cBhvr>
+                                      <p:to>
+                                        <p:strVal val="visible"/>
+                                      </p:to>
+                                    </p:set>
+                                  </p:childTnLst>
+                                </p:cTn>
+                              </p:par>
+                            </p:childTnLst>
+                          </p:cTn>
+                        </p:par>
+                      </p:childTnLst>
+                    </p:cTn>
+                  </p:par>
+                  <p:par>
+                    <p:cTn id="21" fill="hold">
+                      <p:stCondLst>
+                        <p:cond delay="indefinite"/>
+                      </p:stCondLst>
+                      <p:childTnLst>
+                        <p:par>
+                          <p:cTn id="22" fill="hold">
+                            <p:stCondLst>
+                              <p:cond delay="0"/>
+                            </p:stCondLst>
+                            <p:childTnLst>
+                              <p:par>
+                                <p:cTn id="23" presetID="1" presetClass="entr" presetSubtype="0" fill="hold" nodeType="clickEffect">
+                                  <p:stCondLst>
+                                    <p:cond delay="0"/>
+                                  </p:stCondLst>
+                                  <p:childTnLst>
+                                    <p:set>
+                                      <p:cBhvr>
+                                        <p:cTn id="24" dur="1" fill="hold">
+                                          <p:stCondLst>
+                                            <p:cond delay="0"/>
+                                          </p:stCondLst>
+                                        </p:cTn>
+                                        <p:tgtEl>
+                                          <p:spTgt spid="3">
+                                            <p:txEl>
+                                              <p:pRg st="6" end="6"/>
+                                            </p:txEl>
+                                          </p:spTgt>
+                                        </p:tgtEl>
+                                        <p:attrNameLst>
+                                          <p:attrName>style.visibility</p:attrName>
+                                        </p:attrNameLst>
+                                      </p:cBhvr>
+                                      <p:to>
+                                        <p:strVal val="visible"/>
+                                      </p:to>
+                                    </p:set>
+                                  </p:childTnLst>
+                                </p:cTn>
+                              </p:par>
+                            </p:childTnLst>
+                          </p:cTn>
+                        </p:par>
+                      </p:childTnLst>
+                    </p:cTn>
+                  </p:par>
+                </p:childTnLst>
+              </p:cTn>
+              <p:prevCondLst>
+                <p:cond evt="onPrev" delay="0">
+                  <p:tgtEl>
+                    <p:sldTgt/>
+                  </p:tgtEl>
+                </p:cond>
+              </p:prevCondLst>
+              <p:nextCondLst>
+                <p:cond evt="onNext" delay="0">
+                  <p:tgtEl>
+                    <p:sldTgt/>
+                  </p:tgtEl>
+                </p:cond>
+              </p:nextCondLst>
+            </p:seq>
+          </p:childTnLst>
+        </p:cTn>
+      </p:par>
+    </p:tnLst>
+  </p:timing>
+</p:sld>
+</file>
+
 <file path=ppt/slides/slide33.xml><?xml version="1.0" encoding="utf-8"?>
+<p:sld xmlns:a="http://schemas.openxmlformats.org/drawingml/2006/main" xmlns:r="http://schemas.openxmlformats.org/officeDocument/2006/relationships" xmlns:p="http://schemas.openxmlformats.org/presentationml/2006/main">
+  <p:cSld>
+    <p:spTree>
+      <p:nvGrpSpPr>
+        <p:cNvPr id="1" name=""/>
+        <p:cNvGrpSpPr/>
+        <p:nvPr/>
+      </p:nvGrpSpPr>
+      <p:grpSpPr>
+        <a:xfrm>
+          <a:off x="0" y="0"/>
+          <a:ext cx="0" cy="0"/>
+          <a:chOff x="0" y="0"/>
+          <a:chExt cx="0" cy="0"/>
+        </a:xfrm>
+      </p:grpSpPr>
+      <p:sp>
+        <p:nvSpPr>
+          <p:cNvPr id="2" name="Title 1"/>
+          <p:cNvSpPr>
+            <a:spLocks noGrp="1"/>
+          </p:cNvSpPr>
+          <p:nvPr>
+            <p:ph type="title"/>
+          </p:nvPr>
+        </p:nvSpPr>
+        <p:spPr>
+          <a:xfrm>
+            <a:off x="584200" y="221992"/>
+            <a:ext cx="10515600" cy="530954"/>
+          </a:xfrm>
+        </p:spPr>
+        <p:txBody>
+          <a:bodyPr>
+            <a:normAutofit fontScale="90000"/>
+          </a:bodyPr>
+          <a:lstStyle/>
+          <a:p>
+            <a:r>
+              <a:rPr lang="en-US" dirty="0"/>
+              <a:t>Measuring Similarity</a:t>
+            </a:r>
+          </a:p>
+        </p:txBody>
+      </p:sp>
+      <mc:AlternateContent xmlns:mc="http://schemas.openxmlformats.org/markup-compatibility/2006" xmlns:a14="http://schemas.microsoft.com/office/drawing/2010/main">
+        <mc:Choice Requires="a14">
+          <p:sp>
+            <p:nvSpPr>
+              <p:cNvPr id="3" name="Content Placeholder 2"/>
+              <p:cNvSpPr>
+                <a:spLocks noGrp="1"/>
+              </p:cNvSpPr>
+              <p:nvPr>
+                <p:ph sz="quarter" idx="10"/>
+              </p:nvPr>
+            </p:nvSpPr>
+            <p:spPr>
+              <a:xfrm>
+                <a:off x="333375" y="896079"/>
+                <a:ext cx="11525250" cy="5698998"/>
+              </a:xfrm>
+            </p:spPr>
+            <p:txBody>
+              <a:bodyPr>
+                <a:normAutofit fontScale="92500"/>
+              </a:bodyPr>
+              <a:lstStyle/>
+              <a:p>
+                <a:pPr marL="0" indent="0">
+                  <a:buNone/>
+                </a:pPr>
+                <a:r>
+                  <a:rPr lang="en-US" dirty="0">
+                    <a:latin typeface="+mn-lt"/>
+                  </a:rPr>
+                  <a:t>Different metrics for similarity can be computed for discretely coded or numeric variables in p dimensions</a:t>
+                </a:r>
+              </a:p>
+              <a:p>
+                <a:r>
+                  <a:rPr lang="en-US" b="1" dirty="0">
+                    <a:latin typeface="+mn-lt"/>
+                    <a:hlinkClick r:id="rId3"/>
+                  </a:rPr>
+                  <a:t>Jaccard Similarity</a:t>
+                </a:r>
+                <a:r>
+                  <a:rPr lang="en-US" b="1" dirty="0">
+                    <a:latin typeface="+mn-lt"/>
+                  </a:rPr>
+                  <a:t>:</a:t>
+                </a:r>
+                <a:r>
+                  <a:rPr lang="en-US" dirty="0">
+                    <a:latin typeface="+mn-lt"/>
+                  </a:rPr>
+                  <a:t> For discretely coded data</a:t>
+                </a:r>
+              </a:p>
+              <a:p>
+                <a:pPr marL="0" indent="0">
+                  <a:buNone/>
+                </a:pPr>
+                <a14:m>
+                  <m:oMathPara xmlns:m="http://schemas.openxmlformats.org/officeDocument/2006/math">
+                    <m:oMathParaPr>
+                      <m:jc m:val="centerGroup"/>
+                    </m:oMathParaPr>
+                    <m:oMath xmlns:m="http://schemas.openxmlformats.org/officeDocument/2006/math">
+                      <m:r>
+                        <a:rPr lang="en-US" b="0" i="1" smtClean="0">
+                          <a:latin typeface="Cambria Math" panose="02040503050406030204" pitchFamily="18" charset="0"/>
+                        </a:rPr>
+                        <m:t>𝑠</m:t>
+                      </m:r>
+                      <m:d>
+                        <m:dPr>
+                          <m:ctrlPr>
+                            <a:rPr lang="en-US" b="0" i="1" smtClean="0">
+                              <a:latin typeface="Cambria Math" panose="02040503050406030204" pitchFamily="18" charset="0"/>
+                            </a:rPr>
+                          </m:ctrlPr>
+                        </m:dPr>
+                        <m:e>
+                          <m:r>
+                            <a:rPr lang="en-US" b="0" i="1" smtClean="0">
+                              <a:latin typeface="Cambria Math" panose="02040503050406030204" pitchFamily="18" charset="0"/>
+                            </a:rPr>
+                            <m:t>𝑥</m:t>
+                          </m:r>
+                          <m:r>
+                            <a:rPr lang="en-US" b="0" i="1" smtClean="0">
+                              <a:latin typeface="Cambria Math" panose="02040503050406030204" pitchFamily="18" charset="0"/>
+                            </a:rPr>
+                            <m:t>,</m:t>
+                          </m:r>
+                          <m:r>
+                            <a:rPr lang="en-US" b="0" i="1" smtClean="0">
+                              <a:latin typeface="Cambria Math" panose="02040503050406030204" pitchFamily="18" charset="0"/>
+                            </a:rPr>
+                            <m:t>𝑥</m:t>
+                          </m:r>
+                          <m:r>
+                            <a:rPr lang="en-US" b="0" i="1" smtClean="0">
+                              <a:latin typeface="Cambria Math" panose="02040503050406030204" pitchFamily="18" charset="0"/>
+                            </a:rPr>
+                            <m:t>′</m:t>
+                          </m:r>
+                        </m:e>
+                      </m:d>
+                      <m:r>
+                        <a:rPr lang="en-US" b="0" i="1" smtClean="0">
+                          <a:latin typeface="Cambria Math" panose="02040503050406030204" pitchFamily="18" charset="0"/>
+                        </a:rPr>
+                        <m:t>= </m:t>
+                      </m:r>
+                      <m:f>
+                        <m:fPr>
+                          <m:ctrlPr>
+                            <a:rPr lang="en-US" b="0" i="1" smtClean="0">
+                              <a:latin typeface="Cambria Math" panose="02040503050406030204" pitchFamily="18" charset="0"/>
+                            </a:rPr>
+                          </m:ctrlPr>
+                        </m:fPr>
+                        <m:num>
+                          <m:r>
+                            <a:rPr lang="en-US" b="0" i="1" smtClean="0">
+                              <a:latin typeface="Cambria Math" panose="02040503050406030204" pitchFamily="18" charset="0"/>
+                            </a:rPr>
+                            <m:t>𝑆𝑖𝑧𝑒</m:t>
+                          </m:r>
+                          <m:r>
+                            <a:rPr lang="en-US" b="0" i="1" smtClean="0">
+                              <a:latin typeface="Cambria Math" panose="02040503050406030204" pitchFamily="18" charset="0"/>
+                            </a:rPr>
+                            <m:t> </m:t>
+                          </m:r>
+                          <m:r>
+                            <a:rPr lang="en-US" b="0" i="1" smtClean="0">
+                              <a:latin typeface="Cambria Math" panose="02040503050406030204" pitchFamily="18" charset="0"/>
+                            </a:rPr>
+                            <m:t>𝑜𝑓</m:t>
+                          </m:r>
+                          <m:r>
+                            <a:rPr lang="en-US" b="0" i="1" smtClean="0">
+                              <a:latin typeface="Cambria Math" panose="02040503050406030204" pitchFamily="18" charset="0"/>
+                            </a:rPr>
+                            <m:t> </m:t>
+                          </m:r>
+                          <m:r>
+                            <a:rPr lang="en-US" b="0" i="1" smtClean="0">
+                              <a:latin typeface="Cambria Math" panose="02040503050406030204" pitchFamily="18" charset="0"/>
+                            </a:rPr>
+                            <m:t>𝐼𝑛𝑡𝑒𝑟𝑠𝑒𝑐𝑡𝑖𝑜𝑛</m:t>
+                          </m:r>
+                          <m:r>
+                            <a:rPr lang="en-US" b="0" i="1" smtClean="0">
+                              <a:latin typeface="Cambria Math" panose="02040503050406030204" pitchFamily="18" charset="0"/>
+                            </a:rPr>
+                            <m:t>(</m:t>
+                          </m:r>
+                          <m:r>
+                            <a:rPr lang="en-US" b="0" i="1" smtClean="0">
+                              <a:latin typeface="Cambria Math" panose="02040503050406030204" pitchFamily="18" charset="0"/>
+                            </a:rPr>
+                            <m:t>𝑥</m:t>
+                          </m:r>
+                          <m:r>
+                            <a:rPr lang="en-US" b="0" i="1" smtClean="0">
+                              <a:latin typeface="Cambria Math" panose="02040503050406030204" pitchFamily="18" charset="0"/>
+                            </a:rPr>
+                            <m:t>,</m:t>
+                          </m:r>
+                          <m:sSup>
+                            <m:sSupPr>
+                              <m:ctrlPr>
+                                <a:rPr lang="en-US" b="0" i="1" smtClean="0">
+                                  <a:latin typeface="Cambria Math" panose="02040503050406030204" pitchFamily="18" charset="0"/>
+                                </a:rPr>
+                              </m:ctrlPr>
+                            </m:sSupPr>
+                            <m:e>
+                              <m:r>
+                                <a:rPr lang="en-US" b="0" i="1" smtClean="0">
+                                  <a:latin typeface="Cambria Math" panose="02040503050406030204" pitchFamily="18" charset="0"/>
+                                </a:rPr>
+                                <m:t>𝑥</m:t>
+                              </m:r>
+                            </m:e>
+                            <m:sup>
+                              <m:r>
+                                <a:rPr lang="en-US" b="0" i="1" smtClean="0">
+                                  <a:latin typeface="Cambria Math" panose="02040503050406030204" pitchFamily="18" charset="0"/>
+                                </a:rPr>
+                                <m:t>′</m:t>
+                              </m:r>
+                            </m:sup>
+                          </m:sSup>
+                          <m:r>
+                            <a:rPr lang="en-US" b="0" i="1" smtClean="0">
+                              <a:latin typeface="Cambria Math" panose="02040503050406030204" pitchFamily="18" charset="0"/>
+                            </a:rPr>
+                            <m:t>)</m:t>
+                          </m:r>
+                        </m:num>
+                        <m:den>
+                          <m:r>
+                            <a:rPr lang="en-US" b="0" i="1" smtClean="0">
+                              <a:latin typeface="Cambria Math" panose="02040503050406030204" pitchFamily="18" charset="0"/>
+                            </a:rPr>
+                            <m:t>𝑆𝑖𝑧𝑒</m:t>
+                          </m:r>
+                          <m:r>
+                            <a:rPr lang="en-US" b="0" i="1" smtClean="0">
+                              <a:latin typeface="Cambria Math" panose="02040503050406030204" pitchFamily="18" charset="0"/>
+                            </a:rPr>
+                            <m:t> </m:t>
+                          </m:r>
+                          <m:r>
+                            <a:rPr lang="en-US" b="0" i="1" smtClean="0">
+                              <a:latin typeface="Cambria Math" panose="02040503050406030204" pitchFamily="18" charset="0"/>
+                            </a:rPr>
+                            <m:t>𝑜𝑓</m:t>
+                          </m:r>
+                          <m:r>
+                            <a:rPr lang="en-US" b="0" i="1" smtClean="0">
+                              <a:latin typeface="Cambria Math" panose="02040503050406030204" pitchFamily="18" charset="0"/>
+                            </a:rPr>
+                            <m:t> </m:t>
+                          </m:r>
+                          <m:r>
+                            <a:rPr lang="en-US" b="0" i="1" smtClean="0">
+                              <a:latin typeface="Cambria Math" panose="02040503050406030204" pitchFamily="18" charset="0"/>
+                            </a:rPr>
+                            <m:t>𝑈𝑛𝑖𝑜𝑛</m:t>
+                          </m:r>
+                          <m:r>
+                            <a:rPr lang="en-US" b="0" i="1" smtClean="0">
+                              <a:latin typeface="Cambria Math" panose="02040503050406030204" pitchFamily="18" charset="0"/>
+                            </a:rPr>
+                            <m:t>(</m:t>
+                          </m:r>
+                          <m:r>
+                            <a:rPr lang="en-US" b="0" i="1" smtClean="0">
+                              <a:latin typeface="Cambria Math" panose="02040503050406030204" pitchFamily="18" charset="0"/>
+                            </a:rPr>
+                            <m:t>𝑥</m:t>
+                          </m:r>
+                          <m:r>
+                            <a:rPr lang="en-US" b="0" i="1" smtClean="0">
+                              <a:latin typeface="Cambria Math" panose="02040503050406030204" pitchFamily="18" charset="0"/>
+                            </a:rPr>
+                            <m:t>,</m:t>
+                          </m:r>
+                          <m:sSup>
+                            <m:sSupPr>
+                              <m:ctrlPr>
+                                <a:rPr lang="en-US" b="0" i="1" smtClean="0">
+                                  <a:latin typeface="Cambria Math" panose="02040503050406030204" pitchFamily="18" charset="0"/>
+                                </a:rPr>
+                              </m:ctrlPr>
+                            </m:sSupPr>
+                            <m:e>
+                              <m:r>
+                                <a:rPr lang="en-US" b="0" i="1" smtClean="0">
+                                  <a:latin typeface="Cambria Math" panose="02040503050406030204" pitchFamily="18" charset="0"/>
+                                </a:rPr>
+                                <m:t>𝑥</m:t>
+                              </m:r>
+                            </m:e>
+                            <m:sup>
+                              <m:r>
+                                <a:rPr lang="en-US" b="0" i="1" smtClean="0">
+                                  <a:latin typeface="Cambria Math" panose="02040503050406030204" pitchFamily="18" charset="0"/>
+                                </a:rPr>
+                                <m:t>′</m:t>
+                              </m:r>
+                            </m:sup>
+                          </m:sSup>
+                          <m:r>
+                            <a:rPr lang="en-US" b="0" i="1" smtClean="0">
+                              <a:latin typeface="Cambria Math" panose="02040503050406030204" pitchFamily="18" charset="0"/>
+                            </a:rPr>
+                            <m:t>)</m:t>
+                          </m:r>
+                        </m:den>
+                      </m:f>
+                      <m:r>
+                        <a:rPr lang="en-US" b="0" i="1" smtClean="0">
+                          <a:latin typeface="Cambria Math" panose="02040503050406030204" pitchFamily="18" charset="0"/>
+                        </a:rPr>
+                        <m:t>=</m:t>
+                      </m:r>
+                      <m:f>
+                        <m:fPr>
+                          <m:ctrlPr>
+                            <a:rPr lang="en-US" b="0" i="1" smtClean="0">
+                              <a:latin typeface="Cambria Math" panose="02040503050406030204" pitchFamily="18" charset="0"/>
+                            </a:rPr>
+                          </m:ctrlPr>
+                        </m:fPr>
+                        <m:num>
+                          <m:d>
+                            <m:dPr>
+                              <m:begChr m:val="|"/>
+                              <m:endChr m:val="|"/>
+                              <m:ctrlPr>
+                                <a:rPr lang="en-US" b="0" i="1" smtClean="0">
+                                  <a:latin typeface="Cambria Math" panose="02040503050406030204" pitchFamily="18" charset="0"/>
+                                </a:rPr>
+                              </m:ctrlPr>
+                            </m:dPr>
+                            <m:e>
+                              <m:r>
+                                <a:rPr lang="en-US" b="0" i="1" smtClean="0">
+                                  <a:latin typeface="Cambria Math" panose="02040503050406030204" pitchFamily="18" charset="0"/>
+                                </a:rPr>
+                                <m:t>𝑥</m:t>
+                              </m:r>
+                              <m:r>
+                                <a:rPr lang="en-US" b="0" i="1" smtClean="0">
+                                  <a:latin typeface="Cambria Math" panose="02040503050406030204" pitchFamily="18" charset="0"/>
+                                  <a:ea typeface="Cambria Math" panose="02040503050406030204" pitchFamily="18" charset="0"/>
+                                </a:rPr>
+                                <m:t>∩</m:t>
+                              </m:r>
+                              <m:r>
+                                <a:rPr lang="en-US" b="0" i="1" smtClean="0">
+                                  <a:latin typeface="Cambria Math" panose="02040503050406030204" pitchFamily="18" charset="0"/>
+                                  <a:ea typeface="Cambria Math" panose="02040503050406030204" pitchFamily="18" charset="0"/>
+                                </a:rPr>
+                                <m:t>𝑥</m:t>
+                              </m:r>
+                              <m:r>
+                                <a:rPr lang="en-US" b="0" i="1" smtClean="0">
+                                  <a:latin typeface="Cambria Math" panose="02040503050406030204" pitchFamily="18" charset="0"/>
+                                  <a:ea typeface="Cambria Math" panose="02040503050406030204" pitchFamily="18" charset="0"/>
+                                </a:rPr>
+                                <m:t>′</m:t>
+                              </m:r>
+                            </m:e>
+                          </m:d>
+                        </m:num>
+                        <m:den>
+                          <m:d>
+                            <m:dPr>
+                              <m:begChr m:val="|"/>
+                              <m:endChr m:val="|"/>
+                              <m:ctrlPr>
+                                <a:rPr lang="en-US" b="0" i="1" smtClean="0">
+                                  <a:latin typeface="Cambria Math" panose="02040503050406030204" pitchFamily="18" charset="0"/>
+                                </a:rPr>
+                              </m:ctrlPr>
+                            </m:dPr>
+                            <m:e>
+                              <m:r>
+                                <a:rPr lang="en-US" b="0" i="1" smtClean="0">
+                                  <a:latin typeface="Cambria Math" panose="02040503050406030204" pitchFamily="18" charset="0"/>
+                                </a:rPr>
+                                <m:t>𝑥</m:t>
+                              </m:r>
+                              <m:r>
+                                <a:rPr lang="en-US" b="0" i="1" smtClean="0">
+                                  <a:latin typeface="Cambria Math" panose="02040503050406030204" pitchFamily="18" charset="0"/>
+                                  <a:ea typeface="Cambria Math" panose="02040503050406030204" pitchFamily="18" charset="0"/>
+                                </a:rPr>
+                                <m:t>∪</m:t>
+                              </m:r>
+                              <m:r>
+                                <a:rPr lang="en-US" b="0" i="1" smtClean="0">
+                                  <a:latin typeface="Cambria Math" panose="02040503050406030204" pitchFamily="18" charset="0"/>
+                                  <a:ea typeface="Cambria Math" panose="02040503050406030204" pitchFamily="18" charset="0"/>
+                                </a:rPr>
+                                <m:t>𝑥</m:t>
+                              </m:r>
+                              <m:r>
+                                <a:rPr lang="en-US" b="0" i="1" smtClean="0">
+                                  <a:latin typeface="Cambria Math" panose="02040503050406030204" pitchFamily="18" charset="0"/>
+                                  <a:ea typeface="Cambria Math" panose="02040503050406030204" pitchFamily="18" charset="0"/>
+                                </a:rPr>
+                                <m:t>′</m:t>
+                              </m:r>
+                            </m:e>
+                          </m:d>
+                        </m:den>
+                      </m:f>
+                    </m:oMath>
+                  </m:oMathPara>
+                </a14:m>
+                <a:endParaRPr lang="en-US" b="0" dirty="0">
+                  <a:latin typeface="+mn-lt"/>
+                </a:endParaRPr>
+              </a:p>
+              <a:p>
+                <a:r>
+                  <a:rPr lang="en-US" dirty="0">
+                    <a:latin typeface="+mn-lt"/>
+                  </a:rPr>
+                  <a:t>Jaccard similarity in range </a:t>
+                </a:r>
+                <a14:m>
+                  <m:oMath xmlns:m="http://schemas.openxmlformats.org/officeDocument/2006/math">
+                    <m:d>
+                      <m:dPr>
+                        <m:begChr m:val="["/>
+                        <m:endChr m:val="]"/>
+                        <m:ctrlPr>
+                          <a:rPr lang="en-US" i="1" smtClean="0">
+                            <a:latin typeface="Cambria Math" panose="02040503050406030204" pitchFamily="18" charset="0"/>
+                          </a:rPr>
+                        </m:ctrlPr>
+                      </m:dPr>
+                      <m:e>
+                        <m:r>
+                          <a:rPr lang="en-US" b="0" i="1" smtClean="0">
+                            <a:latin typeface="Cambria Math" panose="02040503050406030204" pitchFamily="18" charset="0"/>
+                          </a:rPr>
+                          <m:t>0,1</m:t>
+                        </m:r>
+                      </m:e>
+                    </m:d>
+                  </m:oMath>
+                </a14:m>
+                <a:endParaRPr lang="en-US" dirty="0">
+                  <a:latin typeface="+mn-lt"/>
+                </a:endParaRPr>
+              </a:p>
+              <a:p>
+                <a:r>
+                  <a:rPr lang="en-US" dirty="0">
+                    <a:latin typeface="+mn-lt"/>
+                  </a:rPr>
+                  <a:t>Example: consider the following character strings</a:t>
+                </a:r>
+                <a:r>
+                  <a:rPr lang="en-US" sz="2400" dirty="0">
+                    <a:latin typeface="+mn-lt"/>
+                  </a:rPr>
+                  <a:t>:      </a:t>
+                </a:r>
+              </a:p>
+              <a:p>
+                <a:pPr marL="457200" lvl="1" indent="0">
+                  <a:buNone/>
+                </a:pPr>
+                <a:r>
+                  <a:rPr lang="en-US" dirty="0">
+                    <a:latin typeface="+mn-lt"/>
+                  </a:rPr>
+                  <a:t>				x = </a:t>
+                </a:r>
+                <a:r>
+                  <a:rPr lang="en-US" dirty="0" err="1">
+                    <a:latin typeface="+mn-lt"/>
+                  </a:rPr>
+                  <a:t>thisismy</a:t>
+                </a:r>
+                <a:r>
+                  <a:rPr lang="en-US" dirty="0" err="1">
+                    <a:solidFill>
+                      <a:srgbClr val="C00000"/>
+                    </a:solidFill>
+                    <a:latin typeface="+mn-lt"/>
+                  </a:rPr>
+                  <a:t>olddog</a:t>
+                </a:r>
+                <a:endParaRPr lang="en-US" dirty="0">
+                  <a:solidFill>
+                    <a:srgbClr val="C00000"/>
+                  </a:solidFill>
+                  <a:latin typeface="+mn-lt"/>
+                </a:endParaRPr>
+              </a:p>
+              <a:p>
+                <a:pPr marL="457200" lvl="1" indent="0">
+                  <a:buNone/>
+                </a:pPr>
+                <a:r>
+                  <a:rPr lang="en-US" dirty="0">
+                    <a:latin typeface="+mn-lt"/>
+                  </a:rPr>
+                  <a:t>				x’ = </a:t>
+                </a:r>
+                <a:r>
+                  <a:rPr lang="en-US" dirty="0" err="1">
+                    <a:latin typeface="+mn-lt"/>
+                  </a:rPr>
+                  <a:t>thisismy</a:t>
+                </a:r>
+                <a:r>
+                  <a:rPr lang="en-US" dirty="0" err="1">
+                    <a:solidFill>
+                      <a:srgbClr val="C00000"/>
+                    </a:solidFill>
+                    <a:latin typeface="+mn-lt"/>
+                  </a:rPr>
+                  <a:t>cat</a:t>
+                </a:r>
+                <a:endParaRPr lang="en-US" dirty="0">
+                  <a:solidFill>
+                    <a:srgbClr val="C00000"/>
+                  </a:solidFill>
+                  <a:latin typeface="+mn-lt"/>
+                </a:endParaRPr>
+              </a:p>
+              <a:p>
+                <a:pPr marL="457200" lvl="1" indent="0">
+                  <a:buNone/>
+                </a:pPr>
+                <a14:m>
+                  <m:oMathPara xmlns:m="http://schemas.openxmlformats.org/officeDocument/2006/math">
+                    <m:oMathParaPr>
+                      <m:jc m:val="centerGroup"/>
+                    </m:oMathParaPr>
+                    <m:oMath xmlns:m="http://schemas.openxmlformats.org/officeDocument/2006/math">
+                      <m:d>
+                        <m:dPr>
+                          <m:begChr m:val="|"/>
+                          <m:endChr m:val="|"/>
+                          <m:ctrlPr>
+                            <a:rPr lang="en-US" i="1" smtClean="0">
+                              <a:latin typeface="Cambria Math" panose="02040503050406030204" pitchFamily="18" charset="0"/>
+                            </a:rPr>
+                          </m:ctrlPr>
+                        </m:dPr>
+                        <m:e>
+                          <m:r>
+                            <a:rPr lang="en-US" b="0" i="1" smtClean="0">
+                              <a:latin typeface="Cambria Math" panose="02040503050406030204" pitchFamily="18" charset="0"/>
+                            </a:rPr>
+                            <m:t>𝑥</m:t>
+                          </m:r>
+                          <m:r>
+                            <a:rPr lang="en-US" b="0" i="1" smtClean="0">
+                              <a:latin typeface="Cambria Math" panose="02040503050406030204" pitchFamily="18" charset="0"/>
+                            </a:rPr>
+                            <m:t> ∩</m:t>
+                          </m:r>
+                          <m:r>
+                            <a:rPr lang="en-US" b="0" i="1" smtClean="0">
+                              <a:latin typeface="Cambria Math" panose="02040503050406030204" pitchFamily="18" charset="0"/>
+                              <a:ea typeface="Cambria Math" panose="02040503050406030204" pitchFamily="18" charset="0"/>
+                            </a:rPr>
+                            <m:t>𝑥</m:t>
+                          </m:r>
+                          <m:r>
+                            <a:rPr lang="en-US" b="0" i="1" smtClean="0">
+                              <a:latin typeface="Cambria Math" panose="02040503050406030204" pitchFamily="18" charset="0"/>
+                              <a:ea typeface="Cambria Math" panose="02040503050406030204" pitchFamily="18" charset="0"/>
+                            </a:rPr>
+                            <m:t>′</m:t>
+                          </m:r>
+                        </m:e>
+                      </m:d>
+                      <m:r>
+                        <a:rPr lang="en-US" b="0" i="1" smtClean="0">
+                          <a:latin typeface="Cambria Math" panose="02040503050406030204" pitchFamily="18" charset="0"/>
+                        </a:rPr>
+                        <m:t>=</m:t>
+                      </m:r>
+                      <m:d>
+                        <m:dPr>
+                          <m:begChr m:val="|"/>
+                          <m:endChr m:val="|"/>
+                          <m:ctrlPr>
+                            <a:rPr lang="en-US" b="0" i="1" smtClean="0">
+                              <a:latin typeface="Cambria Math" panose="02040503050406030204" pitchFamily="18" charset="0"/>
+                            </a:rPr>
+                          </m:ctrlPr>
+                        </m:dPr>
+                        <m:e>
+                          <m:r>
+                            <a:rPr lang="en-US" b="0" i="1" smtClean="0">
+                              <a:latin typeface="Cambria Math" panose="02040503050406030204" pitchFamily="18" charset="0"/>
+                            </a:rPr>
+                            <m:t>𝑡h𝑖𝑠𝑚𝑦</m:t>
+                          </m:r>
+                        </m:e>
+                      </m:d>
+                      <m:r>
+                        <a:rPr lang="en-US" b="0" i="1" smtClean="0">
+                          <a:latin typeface="Cambria Math" panose="02040503050406030204" pitchFamily="18" charset="0"/>
+                        </a:rPr>
+                        <m:t>=6</m:t>
+                      </m:r>
+                    </m:oMath>
+                  </m:oMathPara>
+                </a14:m>
+                <a:endParaRPr lang="en-US" b="0" dirty="0">
+                  <a:latin typeface="+mn-lt"/>
+                </a:endParaRPr>
+              </a:p>
+              <a:p>
+                <a:pPr marL="457200" lvl="1" indent="0">
+                  <a:buNone/>
+                </a:pPr>
+                <a14:m>
+                  <m:oMathPara xmlns:m="http://schemas.openxmlformats.org/officeDocument/2006/math">
+                    <m:oMathParaPr>
+                      <m:jc m:val="centerGroup"/>
+                    </m:oMathParaPr>
+                    <m:oMath xmlns:m="http://schemas.openxmlformats.org/officeDocument/2006/math">
+                      <m:d>
+                        <m:dPr>
+                          <m:begChr m:val="|"/>
+                          <m:endChr m:val="|"/>
+                          <m:ctrlPr>
+                            <a:rPr lang="en-US" i="1" smtClean="0">
+                              <a:latin typeface="Cambria Math" panose="02040503050406030204" pitchFamily="18" charset="0"/>
+                            </a:rPr>
+                          </m:ctrlPr>
+                        </m:dPr>
+                        <m:e>
+                          <m:r>
+                            <a:rPr lang="en-US" b="0" i="1" smtClean="0">
+                              <a:latin typeface="Cambria Math" panose="02040503050406030204" pitchFamily="18" charset="0"/>
+                            </a:rPr>
+                            <m:t>𝑥</m:t>
+                          </m:r>
+                          <m:r>
+                            <a:rPr lang="en-US" b="0" i="1" smtClean="0">
+                              <a:latin typeface="Cambria Math" panose="02040503050406030204" pitchFamily="18" charset="0"/>
+                              <a:ea typeface="Cambria Math" panose="02040503050406030204" pitchFamily="18" charset="0"/>
+                            </a:rPr>
+                            <m:t>∪</m:t>
+                          </m:r>
+                          <m:r>
+                            <a:rPr lang="en-US" b="0" i="1" smtClean="0">
+                              <a:latin typeface="Cambria Math" panose="02040503050406030204" pitchFamily="18" charset="0"/>
+                              <a:ea typeface="Cambria Math" panose="02040503050406030204" pitchFamily="18" charset="0"/>
+                            </a:rPr>
+                            <m:t>𝑥</m:t>
+                          </m:r>
+                          <m:r>
+                            <a:rPr lang="en-US" b="0" i="1" smtClean="0">
+                              <a:latin typeface="Cambria Math" panose="02040503050406030204" pitchFamily="18" charset="0"/>
+                              <a:ea typeface="Cambria Math" panose="02040503050406030204" pitchFamily="18" charset="0"/>
+                            </a:rPr>
+                            <m:t>′</m:t>
+                          </m:r>
+                        </m:e>
+                      </m:d>
+                      <m:r>
+                        <a:rPr lang="en-US" b="0" i="1" smtClean="0">
+                          <a:latin typeface="Cambria Math" panose="02040503050406030204" pitchFamily="18" charset="0"/>
+                        </a:rPr>
+                        <m:t>=</m:t>
+                      </m:r>
+                      <m:d>
+                        <m:dPr>
+                          <m:begChr m:val="|"/>
+                          <m:endChr m:val="|"/>
+                          <m:ctrlPr>
+                            <a:rPr lang="en-US" b="0" i="1" smtClean="0">
+                              <a:latin typeface="Cambria Math" panose="02040503050406030204" pitchFamily="18" charset="0"/>
+                            </a:rPr>
+                          </m:ctrlPr>
+                        </m:dPr>
+                        <m:e>
+                          <m:r>
+                            <a:rPr lang="en-US" b="0" i="1" smtClean="0">
+                              <a:latin typeface="Cambria Math" panose="02040503050406030204" pitchFamily="18" charset="0"/>
+                            </a:rPr>
+                            <m:t>𝑡h𝑖𝑠𝑚𝑦𝑜𝑙𝑑𝑔𝑐𝑎</m:t>
+                          </m:r>
+                        </m:e>
+                      </m:d>
+                      <m:r>
+                        <a:rPr lang="en-US" b="0" i="1" smtClean="0">
+                          <a:latin typeface="Cambria Math" panose="02040503050406030204" pitchFamily="18" charset="0"/>
+                        </a:rPr>
+                        <m:t>=12</m:t>
+                      </m:r>
+                    </m:oMath>
+                  </m:oMathPara>
+                </a14:m>
+                <a:endParaRPr lang="en-US" b="0" dirty="0">
+                  <a:latin typeface="+mn-lt"/>
+                </a:endParaRPr>
+              </a:p>
+              <a:p>
+                <a:pPr marL="457200" lvl="1" indent="0">
+                  <a:buNone/>
+                </a:pPr>
+                <a14:m>
+                  <m:oMathPara xmlns:m="http://schemas.openxmlformats.org/officeDocument/2006/math">
+                    <m:oMathParaPr>
+                      <m:jc m:val="centerGroup"/>
+                    </m:oMathParaPr>
+                    <m:oMath xmlns:m="http://schemas.openxmlformats.org/officeDocument/2006/math">
+                      <m:sSub>
+                        <m:sSubPr>
+                          <m:ctrlPr>
+                            <a:rPr lang="en-US" i="1" smtClean="0">
+                              <a:latin typeface="Cambria Math" panose="02040503050406030204" pitchFamily="18" charset="0"/>
+                            </a:rPr>
+                          </m:ctrlPr>
+                        </m:sSubPr>
+                        <m:e>
+                          <m:r>
+                            <a:rPr lang="en-US" b="0" i="1" smtClean="0">
+                              <a:latin typeface="Cambria Math" panose="02040503050406030204" pitchFamily="18" charset="0"/>
+                            </a:rPr>
+                            <m:t>𝐽𝑎𝑐𝑐𝑎𝑟𝑑</m:t>
+                          </m:r>
+                          <m:r>
+                            <a:rPr lang="en-US" b="0" i="1" smtClean="0">
+                              <a:latin typeface="Cambria Math" panose="02040503050406030204" pitchFamily="18" charset="0"/>
+                            </a:rPr>
+                            <m:t> </m:t>
+                          </m:r>
+                          <m:r>
+                            <a:rPr lang="en-US" b="0" i="1" smtClean="0">
+                              <a:latin typeface="Cambria Math" panose="02040503050406030204" pitchFamily="18" charset="0"/>
+                            </a:rPr>
+                            <m:t>𝑆𝑖𝑚𝑖𝑙𝑎𝑟𝑖𝑡𝑦</m:t>
+                          </m:r>
+                          <m:r>
+                            <a:rPr lang="en-US" b="0" i="1" smtClean="0">
+                              <a:latin typeface="Cambria Math" panose="02040503050406030204" pitchFamily="18" charset="0"/>
+                            </a:rPr>
+                            <m:t>= </m:t>
+                          </m:r>
+                          <m:r>
+                            <a:rPr lang="en-US" b="0" i="1" smtClean="0">
+                              <a:latin typeface="Cambria Math" panose="02040503050406030204" pitchFamily="18" charset="0"/>
+                            </a:rPr>
+                            <m:t>𝑠</m:t>
+                          </m:r>
+                        </m:e>
+                        <m:sub>
+                          <m:r>
+                            <a:rPr lang="en-US" b="0" i="1" smtClean="0">
+                              <a:latin typeface="Cambria Math" panose="02040503050406030204" pitchFamily="18" charset="0"/>
+                            </a:rPr>
+                            <m:t>𝐽</m:t>
+                          </m:r>
+                        </m:sub>
+                      </m:sSub>
+                      <m:d>
+                        <m:dPr>
+                          <m:ctrlPr>
+                            <a:rPr lang="en-US" i="1">
+                              <a:latin typeface="Cambria Math" panose="02040503050406030204" pitchFamily="18" charset="0"/>
+                            </a:rPr>
+                          </m:ctrlPr>
+                        </m:dPr>
+                        <m:e>
+                          <m:r>
+                            <a:rPr lang="en-US" i="1">
+                              <a:latin typeface="Cambria Math" panose="02040503050406030204" pitchFamily="18" charset="0"/>
+                            </a:rPr>
+                            <m:t>𝑥</m:t>
+                          </m:r>
+                          <m:r>
+                            <a:rPr lang="en-US" i="1">
+                              <a:latin typeface="Cambria Math" panose="02040503050406030204" pitchFamily="18" charset="0"/>
+                            </a:rPr>
+                            <m:t>,</m:t>
+                          </m:r>
+                          <m:r>
+                            <a:rPr lang="en-US" i="1">
+                              <a:latin typeface="Cambria Math" panose="02040503050406030204" pitchFamily="18" charset="0"/>
+                            </a:rPr>
+                            <m:t>𝑥</m:t>
+                          </m:r>
+                          <m:r>
+                            <a:rPr lang="en-US" i="1">
+                              <a:latin typeface="Cambria Math" panose="02040503050406030204" pitchFamily="18" charset="0"/>
+                            </a:rPr>
+                            <m:t>′</m:t>
+                          </m:r>
+                        </m:e>
+                      </m:d>
+                      <m:r>
+                        <a:rPr lang="en-US" i="1">
+                          <a:latin typeface="Cambria Math" panose="02040503050406030204" pitchFamily="18" charset="0"/>
+                        </a:rPr>
+                        <m:t>=</m:t>
+                      </m:r>
+                      <m:f>
+                        <m:fPr>
+                          <m:ctrlPr>
+                            <a:rPr lang="en-US" i="1">
+                              <a:latin typeface="Cambria Math" panose="02040503050406030204" pitchFamily="18" charset="0"/>
+                            </a:rPr>
+                          </m:ctrlPr>
+                        </m:fPr>
+                        <m:num>
+                          <m:r>
+                            <a:rPr lang="en-US" b="0" i="1" smtClean="0">
+                              <a:latin typeface="Cambria Math" panose="02040503050406030204" pitchFamily="18" charset="0"/>
+                            </a:rPr>
+                            <m:t>6</m:t>
+                          </m:r>
+                        </m:num>
+                        <m:den>
+                          <m:r>
+                            <a:rPr lang="en-US" b="0" i="1" smtClean="0">
+                              <a:latin typeface="Cambria Math" panose="02040503050406030204" pitchFamily="18" charset="0"/>
+                              <a:ea typeface="Cambria Math" panose="02040503050406030204" pitchFamily="18" charset="0"/>
+                            </a:rPr>
+                            <m:t>12</m:t>
+                          </m:r>
+                        </m:den>
+                      </m:f>
+                      <m:r>
+                        <a:rPr lang="en-US" b="0" i="1" smtClean="0">
+                          <a:latin typeface="Cambria Math" panose="02040503050406030204" pitchFamily="18" charset="0"/>
+                          <a:ea typeface="Cambria Math" panose="02040503050406030204" pitchFamily="18" charset="0"/>
+                        </a:rPr>
+                        <m:t>=0.5</m:t>
+                      </m:r>
+                    </m:oMath>
+                  </m:oMathPara>
+                </a14:m>
+                <a:endParaRPr lang="en-US" dirty="0">
+                  <a:latin typeface="+mn-lt"/>
+                </a:endParaRPr>
+              </a:p>
+              <a:p>
+                <a:r>
+                  <a:rPr lang="en-US" dirty="0">
+                    <a:latin typeface="+mn-lt"/>
+                  </a:rPr>
+                  <a:t>Jaccard similarity often used for data with many categories like natural languages</a:t>
+                </a:r>
+              </a:p>
+            </p:txBody>
+          </p:sp>
+        </mc:Choice>
+        <mc:Fallback xmlns="">
+          <p:sp>
+            <p:nvSpPr>
+              <p:cNvPr id="3" name="Content Placeholder 2"/>
+              <p:cNvSpPr>
+                <a:spLocks noGrp="1" noRot="1" noChangeAspect="1" noMove="1" noResize="1" noEditPoints="1" noAdjustHandles="1" noChangeArrowheads="1" noChangeShapeType="1" noTextEdit="1"/>
+              </p:cNvSpPr>
+              <p:nvPr>
+                <p:ph sz="quarter" idx="10"/>
+              </p:nvPr>
+            </p:nvSpPr>
+            <p:spPr>
+              <a:xfrm>
+                <a:off x="333375" y="896079"/>
+                <a:ext cx="11525250" cy="5698998"/>
+              </a:xfrm>
+              <a:blipFill>
+                <a:blip r:embed="rId4"/>
+                <a:stretch>
+                  <a:fillRect l="-952" t="-1604" b="-1070"/>
+                </a:stretch>
+              </a:blipFill>
+            </p:spPr>
+            <p:txBody>
+              <a:bodyPr/>
+              <a:lstStyle/>
+              <a:p>
+                <a:r>
+                  <a:rPr lang="en-US">
+                    <a:noFill/>
+                  </a:rPr>
+                  <a:t> </a:t>
+                </a:r>
+              </a:p>
+            </p:txBody>
+          </p:sp>
+        </mc:Fallback>
+      </mc:AlternateContent>
+    </p:spTree>
+    <p:extLst>
+      <p:ext uri="{BB962C8B-B14F-4D97-AF65-F5344CB8AC3E}">
+        <p14:creationId xmlns:p14="http://schemas.microsoft.com/office/powerpoint/2010/main" val="2366237440"/>
+      </p:ext>
+    </p:extLst>
+  </p:cSld>
+  <p:clrMapOvr>
+    <a:masterClrMapping/>
+  </p:clrMapOvr>
+  <p:timing>
+    <p:tnLst>
+      <p:par>
+        <p:cTn id="1" dur="indefinite" restart="never" nodeType="tmRoot">
+          <p:childTnLst>
+            <p:seq concurrent="1" nextAc="seek">
+              <p:cTn id="2" dur="indefinite" nodeType="mainSeq">
+                <p:childTnLst>
+                  <p:par>
+                    <p:cTn id="3" fill="hold">
+                      <p:stCondLst>
+                        <p:cond delay="indefinite"/>
+                      </p:stCondLst>
+                      <p:childTnLst>
+                        <p:par>
+                          <p:cTn id="4" fill="hold">
+                            <p:stCondLst>
+                              <p:cond delay="0"/>
+                            </p:stCondLst>
+                            <p:childTnLst>
+                              <p:par>
+                                <p:cTn id="5" presetID="1" presetClass="entr" presetSubtype="0" fill="hold" nodeType="clickEffect">
+                                  <p:stCondLst>
+                                    <p:cond delay="0"/>
+                                  </p:stCondLst>
+                                  <p:childTnLst>
+                                    <p:set>
+                                      <p:cBhvr>
+                                        <p:cTn id="6" dur="1" fill="hold">
+                                          <p:stCondLst>
+                                            <p:cond delay="0"/>
+                                          </p:stCondLst>
+                                        </p:cTn>
+                                        <p:tgtEl>
+                                          <p:spTgt spid="3">
+                                            <p:txEl>
+                                              <p:pRg st="1" end="1"/>
+                                            </p:txEl>
+                                          </p:spTgt>
+                                        </p:tgtEl>
+                                        <p:attrNameLst>
+                                          <p:attrName>style.visibility</p:attrName>
+                                        </p:attrNameLst>
+                                      </p:cBhvr>
+                                      <p:to>
+                                        <p:strVal val="visible"/>
+                                      </p:to>
+                                    </p:set>
+                                  </p:childTnLst>
+                                </p:cTn>
+                              </p:par>
+                              <p:par>
+                                <p:cTn id="7" presetID="1" presetClass="entr" presetSubtype="0" fill="hold" nodeType="withEffect">
+                                  <p:stCondLst>
+                                    <p:cond delay="0"/>
+                                  </p:stCondLst>
+                                  <p:childTnLst>
+                                    <p:set>
+                                      <p:cBhvr>
+                                        <p:cTn id="8" dur="1" fill="hold">
+                                          <p:stCondLst>
+                                            <p:cond delay="0"/>
+                                          </p:stCondLst>
+                                        </p:cTn>
+                                        <p:tgtEl>
+                                          <p:spTgt spid="3">
+                                            <p:txEl>
+                                              <p:pRg st="2" end="2"/>
+                                            </p:txEl>
+                                          </p:spTgt>
+                                        </p:tgtEl>
+                                        <p:attrNameLst>
+                                          <p:attrName>style.visibility</p:attrName>
+                                        </p:attrNameLst>
+                                      </p:cBhvr>
+                                      <p:to>
+                                        <p:strVal val="visible"/>
+                                      </p:to>
+                                    </p:set>
+                                  </p:childTnLst>
+                                </p:cTn>
+                              </p:par>
+                            </p:childTnLst>
+                          </p:cTn>
+                        </p:par>
+                      </p:childTnLst>
+                    </p:cTn>
+                  </p:par>
+                  <p:par>
+                    <p:cTn id="9" fill="hold">
+                      <p:stCondLst>
+                        <p:cond delay="indefinite"/>
+                      </p:stCondLst>
+                      <p:childTnLst>
+                        <p:par>
+                          <p:cTn id="10" fill="hold">
+                            <p:stCondLst>
+                              <p:cond delay="0"/>
+                            </p:stCondLst>
+                            <p:childTnLst>
+                              <p:par>
+                                <p:cTn id="11" presetID="1" presetClass="entr" presetSubtype="0" fill="hold" nodeType="clickEffect">
+                                  <p:stCondLst>
+                                    <p:cond delay="0"/>
+                                  </p:stCondLst>
+                                  <p:childTnLst>
+                                    <p:set>
+                                      <p:cBhvr>
+                                        <p:cTn id="12" dur="1" fill="hold">
+                                          <p:stCondLst>
+                                            <p:cond delay="0"/>
+                                          </p:stCondLst>
+                                        </p:cTn>
+                                        <p:tgtEl>
+                                          <p:spTgt spid="3">
+                                            <p:txEl>
+                                              <p:pRg st="3" end="3"/>
+                                            </p:txEl>
+                                          </p:spTgt>
+                                        </p:tgtEl>
+                                        <p:attrNameLst>
+                                          <p:attrName>style.visibility</p:attrName>
+                                        </p:attrNameLst>
+                                      </p:cBhvr>
+                                      <p:to>
+                                        <p:strVal val="visible"/>
+                                      </p:to>
+                                    </p:set>
+                                  </p:childTnLst>
+                                </p:cTn>
+                              </p:par>
+                            </p:childTnLst>
+                          </p:cTn>
+                        </p:par>
+                      </p:childTnLst>
+                    </p:cTn>
+                  </p:par>
+                  <p:par>
+                    <p:cTn id="13" fill="hold">
+                      <p:stCondLst>
+                        <p:cond delay="indefinite"/>
+                      </p:stCondLst>
+                      <p:childTnLst>
+                        <p:par>
+                          <p:cTn id="14" fill="hold">
+                            <p:stCondLst>
+                              <p:cond delay="0"/>
+                            </p:stCondLst>
+                            <p:childTnLst>
+                              <p:par>
+                                <p:cTn id="15" presetID="1" presetClass="entr" presetSubtype="0" fill="hold" nodeType="clickEffect">
+                                  <p:stCondLst>
+                                    <p:cond delay="0"/>
+                                  </p:stCondLst>
+                                  <p:childTnLst>
+                                    <p:set>
+                                      <p:cBhvr>
+                                        <p:cTn id="16" dur="1" fill="hold">
+                                          <p:stCondLst>
+                                            <p:cond delay="0"/>
+                                          </p:stCondLst>
+                                        </p:cTn>
+                                        <p:tgtEl>
+                                          <p:spTgt spid="3">
+                                            <p:txEl>
+                                              <p:pRg st="4" end="4"/>
+                                            </p:txEl>
+                                          </p:spTgt>
+                                        </p:tgtEl>
+                                        <p:attrNameLst>
+                                          <p:attrName>style.visibility</p:attrName>
+                                        </p:attrNameLst>
+                                      </p:cBhvr>
+                                      <p:to>
+                                        <p:strVal val="visible"/>
+                                      </p:to>
+                                    </p:set>
+                                  </p:childTnLst>
+                                </p:cTn>
+                              </p:par>
+                              <p:par>
+                                <p:cTn id="17" presetID="1" presetClass="entr" presetSubtype="0" fill="hold" nodeType="withEffect">
+                                  <p:stCondLst>
+                                    <p:cond delay="0"/>
+                                  </p:stCondLst>
+                                  <p:childTnLst>
+                                    <p:set>
+                                      <p:cBhvr>
+                                        <p:cTn id="18" dur="1" fill="hold">
+                                          <p:stCondLst>
+                                            <p:cond delay="0"/>
+                                          </p:stCondLst>
+                                        </p:cTn>
+                                        <p:tgtEl>
+                                          <p:spTgt spid="3">
+                                            <p:txEl>
+                                              <p:pRg st="5" end="5"/>
+                                            </p:txEl>
+                                          </p:spTgt>
+                                        </p:tgtEl>
+                                        <p:attrNameLst>
+                                          <p:attrName>style.visibility</p:attrName>
+                                        </p:attrNameLst>
+                                      </p:cBhvr>
+                                      <p:to>
+                                        <p:strVal val="visible"/>
+                                      </p:to>
+                                    </p:set>
+                                  </p:childTnLst>
+                                </p:cTn>
+                              </p:par>
+                              <p:par>
+                                <p:cTn id="19" presetID="1" presetClass="entr" presetSubtype="0" fill="hold" nodeType="withEffect">
+                                  <p:stCondLst>
+                                    <p:cond delay="0"/>
+                                  </p:stCondLst>
+                                  <p:childTnLst>
+                                    <p:set>
+                                      <p:cBhvr>
+                                        <p:cTn id="20" dur="1" fill="hold">
+                                          <p:stCondLst>
+                                            <p:cond delay="0"/>
+                                          </p:stCondLst>
+                                        </p:cTn>
+                                        <p:tgtEl>
+                                          <p:spTgt spid="3">
+                                            <p:txEl>
+                                              <p:pRg st="6" end="6"/>
+                                            </p:txEl>
+                                          </p:spTgt>
+                                        </p:tgtEl>
+                                        <p:attrNameLst>
+                                          <p:attrName>style.visibility</p:attrName>
+                                        </p:attrNameLst>
+                                      </p:cBhvr>
+                                      <p:to>
+                                        <p:strVal val="visible"/>
+                                      </p:to>
+                                    </p:set>
+                                  </p:childTnLst>
+                                </p:cTn>
+                              </p:par>
+                              <p:par>
+                                <p:cTn id="21" presetID="1" presetClass="entr" presetSubtype="0" fill="hold" nodeType="withEffect">
+                                  <p:stCondLst>
+                                    <p:cond delay="0"/>
+                                  </p:stCondLst>
+                                  <p:childTnLst>
+                                    <p:set>
+                                      <p:cBhvr>
+                                        <p:cTn id="22" dur="1" fill="hold">
+                                          <p:stCondLst>
+                                            <p:cond delay="0"/>
+                                          </p:stCondLst>
+                                        </p:cTn>
+                                        <p:tgtEl>
+                                          <p:spTgt spid="3">
+                                            <p:txEl>
+                                              <p:pRg st="7" end="7"/>
+                                            </p:txEl>
+                                          </p:spTgt>
+                                        </p:tgtEl>
+                                        <p:attrNameLst>
+                                          <p:attrName>style.visibility</p:attrName>
+                                        </p:attrNameLst>
+                                      </p:cBhvr>
+                                      <p:to>
+                                        <p:strVal val="visible"/>
+                                      </p:to>
+                                    </p:set>
+                                  </p:childTnLst>
+                                </p:cTn>
+                              </p:par>
+                              <p:par>
+                                <p:cTn id="23" presetID="1" presetClass="entr" presetSubtype="0" fill="hold" nodeType="withEffect">
+                                  <p:stCondLst>
+                                    <p:cond delay="0"/>
+                                  </p:stCondLst>
+                                  <p:childTnLst>
+                                    <p:set>
+                                      <p:cBhvr>
+                                        <p:cTn id="24" dur="1" fill="hold">
+                                          <p:stCondLst>
+                                            <p:cond delay="0"/>
+                                          </p:stCondLst>
+                                        </p:cTn>
+                                        <p:tgtEl>
+                                          <p:spTgt spid="3">
+                                            <p:txEl>
+                                              <p:pRg st="8" end="8"/>
+                                            </p:txEl>
+                                          </p:spTgt>
+                                        </p:tgtEl>
+                                        <p:attrNameLst>
+                                          <p:attrName>style.visibility</p:attrName>
+                                        </p:attrNameLst>
+                                      </p:cBhvr>
+                                      <p:to>
+                                        <p:strVal val="visible"/>
+                                      </p:to>
+                                    </p:set>
+                                  </p:childTnLst>
+                                </p:cTn>
+                              </p:par>
+                              <p:par>
+                                <p:cTn id="25" presetID="1" presetClass="entr" presetSubtype="0" fill="hold" nodeType="withEffect">
+                                  <p:stCondLst>
+                                    <p:cond delay="0"/>
+                                  </p:stCondLst>
+                                  <p:childTnLst>
+                                    <p:set>
+                                      <p:cBhvr>
+                                        <p:cTn id="26" dur="1" fill="hold">
+                                          <p:stCondLst>
+                                            <p:cond delay="0"/>
+                                          </p:stCondLst>
+                                        </p:cTn>
+                                        <p:tgtEl>
+                                          <p:spTgt spid="3">
+                                            <p:txEl>
+                                              <p:pRg st="9" end="9"/>
+                                            </p:txEl>
+                                          </p:spTgt>
+                                        </p:tgtEl>
+                                        <p:attrNameLst>
+                                          <p:attrName>style.visibility</p:attrName>
+                                        </p:attrNameLst>
+                                      </p:cBhvr>
+                                      <p:to>
+                                        <p:strVal val="visible"/>
+                                      </p:to>
+                                    </p:set>
+                                  </p:childTnLst>
+                                </p:cTn>
+                              </p:par>
+                            </p:childTnLst>
+                          </p:cTn>
+                        </p:par>
+                      </p:childTnLst>
+                    </p:cTn>
+                  </p:par>
+                  <p:par>
+                    <p:cTn id="27" fill="hold">
+                      <p:stCondLst>
+                        <p:cond delay="indefinite"/>
+                      </p:stCondLst>
+                      <p:childTnLst>
+                        <p:par>
+                          <p:cTn id="28" fill="hold">
+                            <p:stCondLst>
+                              <p:cond delay="0"/>
+                            </p:stCondLst>
+                            <p:childTnLst>
+                              <p:par>
+                                <p:cTn id="29" presetID="1" presetClass="entr" presetSubtype="0" fill="hold" nodeType="clickEffect">
+                                  <p:stCondLst>
+                                    <p:cond delay="0"/>
+                                  </p:stCondLst>
+                                  <p:childTnLst>
+                                    <p:set>
+                                      <p:cBhvr>
+                                        <p:cTn id="30" dur="1" fill="hold">
+                                          <p:stCondLst>
+                                            <p:cond delay="0"/>
+                                          </p:stCondLst>
+                                        </p:cTn>
+                                        <p:tgtEl>
+                                          <p:spTgt spid="3">
+                                            <p:txEl>
+                                              <p:pRg st="10" end="10"/>
+                                            </p:txEl>
+                                          </p:spTgt>
+                                        </p:tgtEl>
+                                        <p:attrNameLst>
+                                          <p:attrName>style.visibility</p:attrName>
+                                        </p:attrNameLst>
+                                      </p:cBhvr>
+                                      <p:to>
+                                        <p:strVal val="visible"/>
+                                      </p:to>
+                                    </p:set>
+                                  </p:childTnLst>
+                                </p:cTn>
+                              </p:par>
+                            </p:childTnLst>
+                          </p:cTn>
+                        </p:par>
+                      </p:childTnLst>
+                    </p:cTn>
+                  </p:par>
+                </p:childTnLst>
+              </p:cTn>
+              <p:prevCondLst>
+                <p:cond evt="onPrev" delay="0">
+                  <p:tgtEl>
+                    <p:sldTgt/>
+                  </p:tgtEl>
+                </p:cond>
+              </p:prevCondLst>
+              <p:nextCondLst>
+                <p:cond evt="onNext" delay="0">
+                  <p:tgtEl>
+                    <p:sldTgt/>
+                  </p:tgtEl>
+                </p:cond>
+              </p:nextCondLst>
+            </p:seq>
+          </p:childTnLst>
+        </p:cTn>
+      </p:par>
+    </p:tnLst>
+  </p:timing>
+</p:sld>
+</file>
+
+<file path=ppt/slides/slide34.xml><?xml version="1.0" encoding="utf-8"?>
 <p:sld xmlns:a="http://schemas.openxmlformats.org/drawingml/2006/main" xmlns:r="http://schemas.openxmlformats.org/officeDocument/2006/relationships" xmlns:p="http://schemas.openxmlformats.org/presentationml/2006/main">
   <p:cSld>
     <p:spTree>
@@ -32422,7 +33545,7 @@
 </p:sld>
 </file>
 
-<file path=ppt/slides/slide34.xml><?xml version="1.0" encoding="utf-8"?>
+<file path=ppt/slides/slide35.xml><?xml version="1.0" encoding="utf-8"?>
 <p:sld xmlns:a="http://schemas.openxmlformats.org/drawingml/2006/main" xmlns:r="http://schemas.openxmlformats.org/officeDocument/2006/relationships" xmlns:p="http://schemas.openxmlformats.org/presentationml/2006/main">
   <p:cSld>
     <p:spTree>
@@ -33372,7 +34495,7 @@
 </p:sld>
 </file>
 
-<file path=ppt/slides/slide35.xml><?xml version="1.0" encoding="utf-8"?>
+<file path=ppt/slides/slide36.xml><?xml version="1.0" encoding="utf-8"?>
 <p:sld xmlns:a="http://schemas.openxmlformats.org/drawingml/2006/main" xmlns:r="http://schemas.openxmlformats.org/officeDocument/2006/relationships" xmlns:p="http://schemas.openxmlformats.org/presentationml/2006/main">
   <p:cSld>
     <p:spTree>
@@ -34433,7 +35556,7 @@
 </p:sld>
 </file>
 
-<file path=ppt/slides/slide36.xml><?xml version="1.0" encoding="utf-8"?>
+<file path=ppt/slides/slide37.xml><?xml version="1.0" encoding="utf-8"?>
 <p:sld xmlns:a="http://schemas.openxmlformats.org/drawingml/2006/main" xmlns:r="http://schemas.openxmlformats.org/officeDocument/2006/relationships" xmlns:p="http://schemas.openxmlformats.org/presentationml/2006/main">
   <p:cSld>
     <p:spTree>
@@ -35001,7 +36124,7 @@
 </p:sld>
 </file>
 
-<file path=ppt/slides/slide37.xml><?xml version="1.0" encoding="utf-8"?>
+<file path=ppt/slides/slide38.xml><?xml version="1.0" encoding="utf-8"?>
 <p:sld xmlns:a="http://schemas.openxmlformats.org/drawingml/2006/main" xmlns:r="http://schemas.openxmlformats.org/officeDocument/2006/relationships" xmlns:p="http://schemas.openxmlformats.org/presentationml/2006/main">
   <p:cSld>
     <p:spTree>
@@ -35568,7 +36691,7 @@
 </p:sld>
 </file>
 
-<file path=ppt/slides/slide38.xml><?xml version="1.0" encoding="utf-8"?>
+<file path=ppt/slides/slide39.xml><?xml version="1.0" encoding="utf-8"?>
 <p:sld xmlns:a="http://schemas.openxmlformats.org/drawingml/2006/main" xmlns:r="http://schemas.openxmlformats.org/officeDocument/2006/relationships" xmlns:p="http://schemas.openxmlformats.org/presentationml/2006/main" show="0">
   <p:cSld>
     <p:spTree>
@@ -36417,7 +37540,567 @@
 </p:sld>
 </file>
 
-<file path=ppt/slides/slide39.xml><?xml version="1.0" encoding="utf-8"?>
+<file path=ppt/slides/slide4.xml><?xml version="1.0" encoding="utf-8"?>
+<p:sld xmlns:a="http://schemas.openxmlformats.org/drawingml/2006/main" xmlns:r="http://schemas.openxmlformats.org/officeDocument/2006/relationships" xmlns:p="http://schemas.openxmlformats.org/presentationml/2006/main">
+  <p:cSld>
+    <p:spTree>
+      <p:nvGrpSpPr>
+        <p:cNvPr id="1" name=""/>
+        <p:cNvGrpSpPr/>
+        <p:nvPr/>
+      </p:nvGrpSpPr>
+      <p:grpSpPr>
+        <a:xfrm>
+          <a:off x="0" y="0"/>
+          <a:ext cx="0" cy="0"/>
+          <a:chOff x="0" y="0"/>
+          <a:chExt cx="0" cy="0"/>
+        </a:xfrm>
+      </p:grpSpPr>
+      <p:sp>
+        <p:nvSpPr>
+          <p:cNvPr id="2" name="Title 1"/>
+          <p:cNvSpPr>
+            <a:spLocks noGrp="1"/>
+          </p:cNvSpPr>
+          <p:nvPr>
+            <p:ph type="title"/>
+          </p:nvPr>
+        </p:nvSpPr>
+        <p:spPr>
+          <a:xfrm>
+            <a:off x="584200" y="221992"/>
+            <a:ext cx="10515600" cy="530954"/>
+          </a:xfrm>
+        </p:spPr>
+        <p:txBody>
+          <a:bodyPr>
+            <a:normAutofit fontScale="90000"/>
+          </a:bodyPr>
+          <a:lstStyle/>
+          <a:p>
+            <a:r>
+              <a:rPr lang="en-US" dirty="0"/>
+              <a:t>Measuring similarity and dissimilarity</a:t>
+            </a:r>
+          </a:p>
+        </p:txBody>
+      </p:sp>
+      <p:sp>
+        <p:nvSpPr>
+          <p:cNvPr id="3" name="Content Placeholder 2"/>
+          <p:cNvSpPr>
+            <a:spLocks noGrp="1"/>
+          </p:cNvSpPr>
+          <p:nvPr>
+            <p:ph sz="quarter" idx="10"/>
+          </p:nvPr>
+        </p:nvSpPr>
+        <p:spPr>
+          <a:xfrm>
+            <a:off x="333375" y="896079"/>
+            <a:ext cx="11525250" cy="5290388"/>
+          </a:xfrm>
+        </p:spPr>
+        <p:txBody>
+          <a:bodyPr>
+            <a:normAutofit/>
+          </a:bodyPr>
+          <a:lstStyle/>
+          <a:p>
+            <a:pPr marL="0" indent="0">
+              <a:buNone/>
+            </a:pPr>
+            <a:r>
+              <a:rPr lang="en-US" dirty="0">
+                <a:latin typeface="+mn-lt"/>
+              </a:rPr>
+              <a:t>Measuring similarity and dissimilarity is fundamental to data mining</a:t>
+            </a:r>
+          </a:p>
+          <a:p>
+            <a:r>
+              <a:rPr lang="en-US" dirty="0">
+                <a:latin typeface="+mn-lt"/>
+              </a:rPr>
+              <a:t>Distance and similarity measures are the foundation of unsupervised learning</a:t>
+            </a:r>
+          </a:p>
+          <a:p>
+            <a:r>
+              <a:rPr lang="en-US" dirty="0">
+                <a:latin typeface="+mn-lt"/>
+              </a:rPr>
+              <a:t>A wide range of metrics used in data mining</a:t>
+            </a:r>
+          </a:p>
+          <a:p>
+            <a:r>
+              <a:rPr lang="en-US" dirty="0">
+                <a:latin typeface="+mn-lt"/>
+              </a:rPr>
+              <a:t>The metrics used must fit the nature of the data and the analysis </a:t>
+            </a:r>
+          </a:p>
+          <a:p>
+            <a:pPr lvl="1"/>
+            <a:r>
+              <a:rPr lang="en-US" dirty="0">
+                <a:latin typeface="+mn-lt"/>
+              </a:rPr>
+              <a:t>Binary data</a:t>
+            </a:r>
+          </a:p>
+          <a:p>
+            <a:pPr lvl="1"/>
+            <a:r>
+              <a:rPr lang="en-US" dirty="0">
+                <a:latin typeface="+mn-lt"/>
+              </a:rPr>
+              <a:t>Text strings</a:t>
+            </a:r>
+          </a:p>
+          <a:p>
+            <a:pPr lvl="1"/>
+            <a:r>
+              <a:rPr lang="en-US" dirty="0">
+                <a:latin typeface="+mn-lt"/>
+              </a:rPr>
+              <a:t>Numeric data</a:t>
+            </a:r>
+          </a:p>
+          <a:p>
+            <a:pPr lvl="1"/>
+            <a:r>
+              <a:rPr lang="en-US" dirty="0">
+                <a:latin typeface="+mn-lt"/>
+              </a:rPr>
+              <a:t>Ordinal data; e.g. rankings and ratings </a:t>
+            </a:r>
+          </a:p>
+          <a:p>
+            <a:pPr lvl="1"/>
+            <a:r>
+              <a:rPr lang="en-US" dirty="0">
+                <a:latin typeface="+mn-lt"/>
+              </a:rPr>
+              <a:t>Unordered categorical data</a:t>
+            </a:r>
+          </a:p>
+          <a:p>
+            <a:r>
+              <a:rPr lang="en-US" b="1" dirty="0">
+                <a:latin typeface="+mn-lt"/>
+              </a:rPr>
+              <a:t>There is no one best metric!</a:t>
+            </a:r>
+          </a:p>
+          <a:p>
+            <a:endParaRPr lang="en-US" sz="2800" dirty="0">
+              <a:latin typeface="+mn-lt"/>
+            </a:endParaRPr>
+          </a:p>
+          <a:p>
+            <a:pPr lvl="1"/>
+            <a:endParaRPr lang="en-US" dirty="0"/>
+          </a:p>
+        </p:txBody>
+      </p:sp>
+    </p:spTree>
+    <p:extLst>
+      <p:ext uri="{BB962C8B-B14F-4D97-AF65-F5344CB8AC3E}">
+        <p14:creationId xmlns:p14="http://schemas.microsoft.com/office/powerpoint/2010/main" val="312349696"/>
+      </p:ext>
+    </p:extLst>
+  </p:cSld>
+  <p:clrMapOvr>
+    <a:masterClrMapping/>
+  </p:clrMapOvr>
+  <p:timing>
+    <p:tnLst>
+      <p:par>
+        <p:cTn id="1" dur="indefinite" restart="never" nodeType="tmRoot">
+          <p:childTnLst>
+            <p:seq concurrent="1" nextAc="seek">
+              <p:cTn id="2" dur="indefinite" nodeType="mainSeq">
+                <p:childTnLst>
+                  <p:par>
+                    <p:cTn id="3" fill="hold">
+                      <p:stCondLst>
+                        <p:cond delay="indefinite"/>
+                      </p:stCondLst>
+                      <p:childTnLst>
+                        <p:par>
+                          <p:cTn id="4" fill="hold">
+                            <p:stCondLst>
+                              <p:cond delay="0"/>
+                            </p:stCondLst>
+                            <p:childTnLst>
+                              <p:par>
+                                <p:cTn id="5" presetID="1" presetClass="entr" presetSubtype="0" fill="hold" nodeType="clickEffect">
+                                  <p:stCondLst>
+                                    <p:cond delay="0"/>
+                                  </p:stCondLst>
+                                  <p:childTnLst>
+                                    <p:set>
+                                      <p:cBhvr>
+                                        <p:cTn id="6" dur="1" fill="hold">
+                                          <p:stCondLst>
+                                            <p:cond delay="0"/>
+                                          </p:stCondLst>
+                                        </p:cTn>
+                                        <p:tgtEl>
+                                          <p:spTgt spid="3">
+                                            <p:txEl>
+                                              <p:pRg st="1" end="1"/>
+                                            </p:txEl>
+                                          </p:spTgt>
+                                        </p:tgtEl>
+                                        <p:attrNameLst>
+                                          <p:attrName>style.visibility</p:attrName>
+                                        </p:attrNameLst>
+                                      </p:cBhvr>
+                                      <p:to>
+                                        <p:strVal val="visible"/>
+                                      </p:to>
+                                    </p:set>
+                                  </p:childTnLst>
+                                </p:cTn>
+                              </p:par>
+                            </p:childTnLst>
+                          </p:cTn>
+                        </p:par>
+                      </p:childTnLst>
+                    </p:cTn>
+                  </p:par>
+                  <p:par>
+                    <p:cTn id="7" fill="hold">
+                      <p:stCondLst>
+                        <p:cond delay="indefinite"/>
+                      </p:stCondLst>
+                      <p:childTnLst>
+                        <p:par>
+                          <p:cTn id="8" fill="hold">
+                            <p:stCondLst>
+                              <p:cond delay="0"/>
+                            </p:stCondLst>
+                            <p:childTnLst>
+                              <p:par>
+                                <p:cTn id="9" presetID="1" presetClass="entr" presetSubtype="0" fill="hold" nodeType="clickEffect">
+                                  <p:stCondLst>
+                                    <p:cond delay="0"/>
+                                  </p:stCondLst>
+                                  <p:childTnLst>
+                                    <p:set>
+                                      <p:cBhvr>
+                                        <p:cTn id="10" dur="1" fill="hold">
+                                          <p:stCondLst>
+                                            <p:cond delay="0"/>
+                                          </p:stCondLst>
+                                        </p:cTn>
+                                        <p:tgtEl>
+                                          <p:spTgt spid="3">
+                                            <p:txEl>
+                                              <p:pRg st="2" end="2"/>
+                                            </p:txEl>
+                                          </p:spTgt>
+                                        </p:tgtEl>
+                                        <p:attrNameLst>
+                                          <p:attrName>style.visibility</p:attrName>
+                                        </p:attrNameLst>
+                                      </p:cBhvr>
+                                      <p:to>
+                                        <p:strVal val="visible"/>
+                                      </p:to>
+                                    </p:set>
+                                  </p:childTnLst>
+                                </p:cTn>
+                              </p:par>
+                            </p:childTnLst>
+                          </p:cTn>
+                        </p:par>
+                      </p:childTnLst>
+                    </p:cTn>
+                  </p:par>
+                  <p:par>
+                    <p:cTn id="11" fill="hold">
+                      <p:stCondLst>
+                        <p:cond delay="indefinite"/>
+                      </p:stCondLst>
+                      <p:childTnLst>
+                        <p:par>
+                          <p:cTn id="12" fill="hold">
+                            <p:stCondLst>
+                              <p:cond delay="0"/>
+                            </p:stCondLst>
+                            <p:childTnLst>
+                              <p:par>
+                                <p:cTn id="13" presetID="1" presetClass="entr" presetSubtype="0" fill="hold" nodeType="clickEffect">
+                                  <p:stCondLst>
+                                    <p:cond delay="0"/>
+                                  </p:stCondLst>
+                                  <p:childTnLst>
+                                    <p:set>
+                                      <p:cBhvr>
+                                        <p:cTn id="14" dur="1" fill="hold">
+                                          <p:stCondLst>
+                                            <p:cond delay="0"/>
+                                          </p:stCondLst>
+                                        </p:cTn>
+                                        <p:tgtEl>
+                                          <p:spTgt spid="3">
+                                            <p:txEl>
+                                              <p:pRg st="3" end="3"/>
+                                            </p:txEl>
+                                          </p:spTgt>
+                                        </p:tgtEl>
+                                        <p:attrNameLst>
+                                          <p:attrName>style.visibility</p:attrName>
+                                        </p:attrNameLst>
+                                      </p:cBhvr>
+                                      <p:to>
+                                        <p:strVal val="visible"/>
+                                      </p:to>
+                                    </p:set>
+                                  </p:childTnLst>
+                                </p:cTn>
+                              </p:par>
+                              <p:par>
+                                <p:cTn id="15" presetID="1" presetClass="entr" presetSubtype="0" fill="hold" nodeType="withEffect">
+                                  <p:stCondLst>
+                                    <p:cond delay="0"/>
+                                  </p:stCondLst>
+                                  <p:childTnLst>
+                                    <p:set>
+                                      <p:cBhvr>
+                                        <p:cTn id="16" dur="1" fill="hold">
+                                          <p:stCondLst>
+                                            <p:cond delay="0"/>
+                                          </p:stCondLst>
+                                        </p:cTn>
+                                        <p:tgtEl>
+                                          <p:spTgt spid="3">
+                                            <p:txEl>
+                                              <p:pRg st="4" end="4"/>
+                                            </p:txEl>
+                                          </p:spTgt>
+                                        </p:tgtEl>
+                                        <p:attrNameLst>
+                                          <p:attrName>style.visibility</p:attrName>
+                                        </p:attrNameLst>
+                                      </p:cBhvr>
+                                      <p:to>
+                                        <p:strVal val="visible"/>
+                                      </p:to>
+                                    </p:set>
+                                  </p:childTnLst>
+                                </p:cTn>
+                              </p:par>
+                              <p:par>
+                                <p:cTn id="17" presetID="1" presetClass="entr" presetSubtype="0" fill="hold" nodeType="withEffect">
+                                  <p:stCondLst>
+                                    <p:cond delay="0"/>
+                                  </p:stCondLst>
+                                  <p:childTnLst>
+                                    <p:set>
+                                      <p:cBhvr>
+                                        <p:cTn id="18" dur="1" fill="hold">
+                                          <p:stCondLst>
+                                            <p:cond delay="0"/>
+                                          </p:stCondLst>
+                                        </p:cTn>
+                                        <p:tgtEl>
+                                          <p:spTgt spid="3">
+                                            <p:txEl>
+                                              <p:pRg st="5" end="5"/>
+                                            </p:txEl>
+                                          </p:spTgt>
+                                        </p:tgtEl>
+                                        <p:attrNameLst>
+                                          <p:attrName>style.visibility</p:attrName>
+                                        </p:attrNameLst>
+                                      </p:cBhvr>
+                                      <p:to>
+                                        <p:strVal val="visible"/>
+                                      </p:to>
+                                    </p:set>
+                                  </p:childTnLst>
+                                </p:cTn>
+                              </p:par>
+                              <p:par>
+                                <p:cTn id="19" presetID="1" presetClass="entr" presetSubtype="0" fill="hold" nodeType="withEffect">
+                                  <p:stCondLst>
+                                    <p:cond delay="0"/>
+                                  </p:stCondLst>
+                                  <p:childTnLst>
+                                    <p:set>
+                                      <p:cBhvr>
+                                        <p:cTn id="20" dur="1" fill="hold">
+                                          <p:stCondLst>
+                                            <p:cond delay="0"/>
+                                          </p:stCondLst>
+                                        </p:cTn>
+                                        <p:tgtEl>
+                                          <p:spTgt spid="3">
+                                            <p:txEl>
+                                              <p:pRg st="6" end="6"/>
+                                            </p:txEl>
+                                          </p:spTgt>
+                                        </p:tgtEl>
+                                        <p:attrNameLst>
+                                          <p:attrName>style.visibility</p:attrName>
+                                        </p:attrNameLst>
+                                      </p:cBhvr>
+                                      <p:to>
+                                        <p:strVal val="visible"/>
+                                      </p:to>
+                                    </p:set>
+                                  </p:childTnLst>
+                                </p:cTn>
+                              </p:par>
+                              <p:par>
+                                <p:cTn id="21" presetID="1" presetClass="entr" presetSubtype="0" fill="hold" nodeType="withEffect">
+                                  <p:stCondLst>
+                                    <p:cond delay="0"/>
+                                  </p:stCondLst>
+                                  <p:childTnLst>
+                                    <p:set>
+                                      <p:cBhvr>
+                                        <p:cTn id="22" dur="1" fill="hold">
+                                          <p:stCondLst>
+                                            <p:cond delay="0"/>
+                                          </p:stCondLst>
+                                        </p:cTn>
+                                        <p:tgtEl>
+                                          <p:spTgt spid="3">
+                                            <p:txEl>
+                                              <p:pRg st="7" end="7"/>
+                                            </p:txEl>
+                                          </p:spTgt>
+                                        </p:tgtEl>
+                                        <p:attrNameLst>
+                                          <p:attrName>style.visibility</p:attrName>
+                                        </p:attrNameLst>
+                                      </p:cBhvr>
+                                      <p:to>
+                                        <p:strVal val="visible"/>
+                                      </p:to>
+                                    </p:set>
+                                  </p:childTnLst>
+                                </p:cTn>
+                              </p:par>
+                              <p:par>
+                                <p:cTn id="23" presetID="1" presetClass="entr" presetSubtype="0" fill="hold" nodeType="withEffect">
+                                  <p:stCondLst>
+                                    <p:cond delay="0"/>
+                                  </p:stCondLst>
+                                  <p:childTnLst>
+                                    <p:set>
+                                      <p:cBhvr>
+                                        <p:cTn id="24" dur="1" fill="hold">
+                                          <p:stCondLst>
+                                            <p:cond delay="0"/>
+                                          </p:stCondLst>
+                                        </p:cTn>
+                                        <p:tgtEl>
+                                          <p:spTgt spid="3">
+                                            <p:txEl>
+                                              <p:pRg st="8" end="8"/>
+                                            </p:txEl>
+                                          </p:spTgt>
+                                        </p:tgtEl>
+                                        <p:attrNameLst>
+                                          <p:attrName>style.visibility</p:attrName>
+                                        </p:attrNameLst>
+                                      </p:cBhvr>
+                                      <p:to>
+                                        <p:strVal val="visible"/>
+                                      </p:to>
+                                    </p:set>
+                                  </p:childTnLst>
+                                </p:cTn>
+                              </p:par>
+                            </p:childTnLst>
+                          </p:cTn>
+                        </p:par>
+                      </p:childTnLst>
+                    </p:cTn>
+                  </p:par>
+                  <p:par>
+                    <p:cTn id="25" fill="hold">
+                      <p:stCondLst>
+                        <p:cond delay="indefinite"/>
+                      </p:stCondLst>
+                      <p:childTnLst>
+                        <p:par>
+                          <p:cTn id="26" fill="hold">
+                            <p:stCondLst>
+                              <p:cond delay="0"/>
+                            </p:stCondLst>
+                            <p:childTnLst>
+                              <p:par>
+                                <p:cTn id="27" presetID="1" presetClass="entr" presetSubtype="0" fill="hold" nodeType="clickEffect">
+                                  <p:stCondLst>
+                                    <p:cond delay="0"/>
+                                  </p:stCondLst>
+                                  <p:childTnLst>
+                                    <p:set>
+                                      <p:cBhvr>
+                                        <p:cTn id="28" dur="1" fill="hold">
+                                          <p:stCondLst>
+                                            <p:cond delay="0"/>
+                                          </p:stCondLst>
+                                        </p:cTn>
+                                        <p:tgtEl>
+                                          <p:spTgt spid="3">
+                                            <p:txEl>
+                                              <p:pRg st="9" end="9"/>
+                                            </p:txEl>
+                                          </p:spTgt>
+                                        </p:tgtEl>
+                                        <p:attrNameLst>
+                                          <p:attrName>style.visibility</p:attrName>
+                                        </p:attrNameLst>
+                                      </p:cBhvr>
+                                      <p:to>
+                                        <p:strVal val="visible"/>
+                                      </p:to>
+                                    </p:set>
+                                  </p:childTnLst>
+                                </p:cTn>
+                              </p:par>
+                            </p:childTnLst>
+                          </p:cTn>
+                        </p:par>
+                      </p:childTnLst>
+                    </p:cTn>
+                  </p:par>
+                </p:childTnLst>
+              </p:cTn>
+              <p:prevCondLst>
+                <p:cond evt="onPrev" delay="0">
+                  <p:tgtEl>
+                    <p:sldTgt/>
+                  </p:tgtEl>
+                </p:cond>
+              </p:prevCondLst>
+              <p:nextCondLst>
+                <p:cond evt="onNext" delay="0">
+                  <p:tgtEl>
+                    <p:sldTgt/>
+                  </p:tgtEl>
+                </p:cond>
+              </p:nextCondLst>
+            </p:seq>
+          </p:childTnLst>
+        </p:cTn>
+      </p:par>
+    </p:tnLst>
+  </p:timing>
+</p:sld>
+</file>
+
+<file path=ppt/slides/slide40.xml><?xml version="1.0" encoding="utf-8"?>
 <p:sld xmlns:a="http://schemas.openxmlformats.org/drawingml/2006/main" xmlns:r="http://schemas.openxmlformats.org/officeDocument/2006/relationships" xmlns:p="http://schemas.openxmlformats.org/presentationml/2006/main" show="0">
   <p:cSld>
     <p:spTree>
@@ -37300,567 +38983,7 @@
 </p:sld>
 </file>
 
-<file path=ppt/slides/slide4.xml><?xml version="1.0" encoding="utf-8"?>
-<p:sld xmlns:a="http://schemas.openxmlformats.org/drawingml/2006/main" xmlns:r="http://schemas.openxmlformats.org/officeDocument/2006/relationships" xmlns:p="http://schemas.openxmlformats.org/presentationml/2006/main">
-  <p:cSld>
-    <p:spTree>
-      <p:nvGrpSpPr>
-        <p:cNvPr id="1" name=""/>
-        <p:cNvGrpSpPr/>
-        <p:nvPr/>
-      </p:nvGrpSpPr>
-      <p:grpSpPr>
-        <a:xfrm>
-          <a:off x="0" y="0"/>
-          <a:ext cx="0" cy="0"/>
-          <a:chOff x="0" y="0"/>
-          <a:chExt cx="0" cy="0"/>
-        </a:xfrm>
-      </p:grpSpPr>
-      <p:sp>
-        <p:nvSpPr>
-          <p:cNvPr id="2" name="Title 1"/>
-          <p:cNvSpPr>
-            <a:spLocks noGrp="1"/>
-          </p:cNvSpPr>
-          <p:nvPr>
-            <p:ph type="title"/>
-          </p:nvPr>
-        </p:nvSpPr>
-        <p:spPr>
-          <a:xfrm>
-            <a:off x="584200" y="221992"/>
-            <a:ext cx="10515600" cy="530954"/>
-          </a:xfrm>
-        </p:spPr>
-        <p:txBody>
-          <a:bodyPr>
-            <a:normAutofit fontScale="90000"/>
-          </a:bodyPr>
-          <a:lstStyle/>
-          <a:p>
-            <a:r>
-              <a:rPr lang="en-US" dirty="0"/>
-              <a:t>Measuring similarity and dissimilarity</a:t>
-            </a:r>
-          </a:p>
-        </p:txBody>
-      </p:sp>
-      <p:sp>
-        <p:nvSpPr>
-          <p:cNvPr id="3" name="Content Placeholder 2"/>
-          <p:cNvSpPr>
-            <a:spLocks noGrp="1"/>
-          </p:cNvSpPr>
-          <p:nvPr>
-            <p:ph sz="quarter" idx="10"/>
-          </p:nvPr>
-        </p:nvSpPr>
-        <p:spPr>
-          <a:xfrm>
-            <a:off x="333375" y="896079"/>
-            <a:ext cx="11525250" cy="5290388"/>
-          </a:xfrm>
-        </p:spPr>
-        <p:txBody>
-          <a:bodyPr>
-            <a:normAutofit/>
-          </a:bodyPr>
-          <a:lstStyle/>
-          <a:p>
-            <a:pPr marL="0" indent="0">
-              <a:buNone/>
-            </a:pPr>
-            <a:r>
-              <a:rPr lang="en-US" dirty="0">
-                <a:latin typeface="+mn-lt"/>
-              </a:rPr>
-              <a:t>Measuring similarity and dissimilarity is fundamental to data mining</a:t>
-            </a:r>
-          </a:p>
-          <a:p>
-            <a:r>
-              <a:rPr lang="en-US" dirty="0">
-                <a:latin typeface="+mn-lt"/>
-              </a:rPr>
-              <a:t>Distance and similarity measures are the foundation of unsupervised learning</a:t>
-            </a:r>
-          </a:p>
-          <a:p>
-            <a:r>
-              <a:rPr lang="en-US" dirty="0">
-                <a:latin typeface="+mn-lt"/>
-              </a:rPr>
-              <a:t>A wide range of metrics used in data mining</a:t>
-            </a:r>
-          </a:p>
-          <a:p>
-            <a:r>
-              <a:rPr lang="en-US" dirty="0">
-                <a:latin typeface="+mn-lt"/>
-              </a:rPr>
-              <a:t>The metrics used must fit the nature of the data and the analysis </a:t>
-            </a:r>
-          </a:p>
-          <a:p>
-            <a:pPr lvl="1"/>
-            <a:r>
-              <a:rPr lang="en-US" dirty="0">
-                <a:latin typeface="+mn-lt"/>
-              </a:rPr>
-              <a:t>Binary data</a:t>
-            </a:r>
-          </a:p>
-          <a:p>
-            <a:pPr lvl="1"/>
-            <a:r>
-              <a:rPr lang="en-US" dirty="0">
-                <a:latin typeface="+mn-lt"/>
-              </a:rPr>
-              <a:t>Text strings</a:t>
-            </a:r>
-          </a:p>
-          <a:p>
-            <a:pPr lvl="1"/>
-            <a:r>
-              <a:rPr lang="en-US" dirty="0">
-                <a:latin typeface="+mn-lt"/>
-              </a:rPr>
-              <a:t>Numeric data</a:t>
-            </a:r>
-          </a:p>
-          <a:p>
-            <a:pPr lvl="1"/>
-            <a:r>
-              <a:rPr lang="en-US" dirty="0">
-                <a:latin typeface="+mn-lt"/>
-              </a:rPr>
-              <a:t>Ordinal data; e.g. rankings and ratings </a:t>
-            </a:r>
-          </a:p>
-          <a:p>
-            <a:pPr lvl="1"/>
-            <a:r>
-              <a:rPr lang="en-US" dirty="0">
-                <a:latin typeface="+mn-lt"/>
-              </a:rPr>
-              <a:t>Unordered categorical data</a:t>
-            </a:r>
-          </a:p>
-          <a:p>
-            <a:r>
-              <a:rPr lang="en-US" b="1" dirty="0">
-                <a:latin typeface="+mn-lt"/>
-              </a:rPr>
-              <a:t>There is no one best metric!</a:t>
-            </a:r>
-          </a:p>
-          <a:p>
-            <a:endParaRPr lang="en-US" sz="2800" dirty="0">
-              <a:latin typeface="+mn-lt"/>
-            </a:endParaRPr>
-          </a:p>
-          <a:p>
-            <a:pPr lvl="1"/>
-            <a:endParaRPr lang="en-US" dirty="0"/>
-          </a:p>
-        </p:txBody>
-      </p:sp>
-    </p:spTree>
-    <p:extLst>
-      <p:ext uri="{BB962C8B-B14F-4D97-AF65-F5344CB8AC3E}">
-        <p14:creationId xmlns:p14="http://schemas.microsoft.com/office/powerpoint/2010/main" val="312349696"/>
-      </p:ext>
-    </p:extLst>
-  </p:cSld>
-  <p:clrMapOvr>
-    <a:masterClrMapping/>
-  </p:clrMapOvr>
-  <p:timing>
-    <p:tnLst>
-      <p:par>
-        <p:cTn id="1" dur="indefinite" restart="never" nodeType="tmRoot">
-          <p:childTnLst>
-            <p:seq concurrent="1" nextAc="seek">
-              <p:cTn id="2" dur="indefinite" nodeType="mainSeq">
-                <p:childTnLst>
-                  <p:par>
-                    <p:cTn id="3" fill="hold">
-                      <p:stCondLst>
-                        <p:cond delay="indefinite"/>
-                      </p:stCondLst>
-                      <p:childTnLst>
-                        <p:par>
-                          <p:cTn id="4" fill="hold">
-                            <p:stCondLst>
-                              <p:cond delay="0"/>
-                            </p:stCondLst>
-                            <p:childTnLst>
-                              <p:par>
-                                <p:cTn id="5" presetID="1" presetClass="entr" presetSubtype="0" fill="hold" nodeType="clickEffect">
-                                  <p:stCondLst>
-                                    <p:cond delay="0"/>
-                                  </p:stCondLst>
-                                  <p:childTnLst>
-                                    <p:set>
-                                      <p:cBhvr>
-                                        <p:cTn id="6" dur="1" fill="hold">
-                                          <p:stCondLst>
-                                            <p:cond delay="0"/>
-                                          </p:stCondLst>
-                                        </p:cTn>
-                                        <p:tgtEl>
-                                          <p:spTgt spid="3">
-                                            <p:txEl>
-                                              <p:pRg st="1" end="1"/>
-                                            </p:txEl>
-                                          </p:spTgt>
-                                        </p:tgtEl>
-                                        <p:attrNameLst>
-                                          <p:attrName>style.visibility</p:attrName>
-                                        </p:attrNameLst>
-                                      </p:cBhvr>
-                                      <p:to>
-                                        <p:strVal val="visible"/>
-                                      </p:to>
-                                    </p:set>
-                                  </p:childTnLst>
-                                </p:cTn>
-                              </p:par>
-                            </p:childTnLst>
-                          </p:cTn>
-                        </p:par>
-                      </p:childTnLst>
-                    </p:cTn>
-                  </p:par>
-                  <p:par>
-                    <p:cTn id="7" fill="hold">
-                      <p:stCondLst>
-                        <p:cond delay="indefinite"/>
-                      </p:stCondLst>
-                      <p:childTnLst>
-                        <p:par>
-                          <p:cTn id="8" fill="hold">
-                            <p:stCondLst>
-                              <p:cond delay="0"/>
-                            </p:stCondLst>
-                            <p:childTnLst>
-                              <p:par>
-                                <p:cTn id="9" presetID="1" presetClass="entr" presetSubtype="0" fill="hold" nodeType="clickEffect">
-                                  <p:stCondLst>
-                                    <p:cond delay="0"/>
-                                  </p:stCondLst>
-                                  <p:childTnLst>
-                                    <p:set>
-                                      <p:cBhvr>
-                                        <p:cTn id="10" dur="1" fill="hold">
-                                          <p:stCondLst>
-                                            <p:cond delay="0"/>
-                                          </p:stCondLst>
-                                        </p:cTn>
-                                        <p:tgtEl>
-                                          <p:spTgt spid="3">
-                                            <p:txEl>
-                                              <p:pRg st="2" end="2"/>
-                                            </p:txEl>
-                                          </p:spTgt>
-                                        </p:tgtEl>
-                                        <p:attrNameLst>
-                                          <p:attrName>style.visibility</p:attrName>
-                                        </p:attrNameLst>
-                                      </p:cBhvr>
-                                      <p:to>
-                                        <p:strVal val="visible"/>
-                                      </p:to>
-                                    </p:set>
-                                  </p:childTnLst>
-                                </p:cTn>
-                              </p:par>
-                            </p:childTnLst>
-                          </p:cTn>
-                        </p:par>
-                      </p:childTnLst>
-                    </p:cTn>
-                  </p:par>
-                  <p:par>
-                    <p:cTn id="11" fill="hold">
-                      <p:stCondLst>
-                        <p:cond delay="indefinite"/>
-                      </p:stCondLst>
-                      <p:childTnLst>
-                        <p:par>
-                          <p:cTn id="12" fill="hold">
-                            <p:stCondLst>
-                              <p:cond delay="0"/>
-                            </p:stCondLst>
-                            <p:childTnLst>
-                              <p:par>
-                                <p:cTn id="13" presetID="1" presetClass="entr" presetSubtype="0" fill="hold" nodeType="clickEffect">
-                                  <p:stCondLst>
-                                    <p:cond delay="0"/>
-                                  </p:stCondLst>
-                                  <p:childTnLst>
-                                    <p:set>
-                                      <p:cBhvr>
-                                        <p:cTn id="14" dur="1" fill="hold">
-                                          <p:stCondLst>
-                                            <p:cond delay="0"/>
-                                          </p:stCondLst>
-                                        </p:cTn>
-                                        <p:tgtEl>
-                                          <p:spTgt spid="3">
-                                            <p:txEl>
-                                              <p:pRg st="3" end="3"/>
-                                            </p:txEl>
-                                          </p:spTgt>
-                                        </p:tgtEl>
-                                        <p:attrNameLst>
-                                          <p:attrName>style.visibility</p:attrName>
-                                        </p:attrNameLst>
-                                      </p:cBhvr>
-                                      <p:to>
-                                        <p:strVal val="visible"/>
-                                      </p:to>
-                                    </p:set>
-                                  </p:childTnLst>
-                                </p:cTn>
-                              </p:par>
-                              <p:par>
-                                <p:cTn id="15" presetID="1" presetClass="entr" presetSubtype="0" fill="hold" nodeType="withEffect">
-                                  <p:stCondLst>
-                                    <p:cond delay="0"/>
-                                  </p:stCondLst>
-                                  <p:childTnLst>
-                                    <p:set>
-                                      <p:cBhvr>
-                                        <p:cTn id="16" dur="1" fill="hold">
-                                          <p:stCondLst>
-                                            <p:cond delay="0"/>
-                                          </p:stCondLst>
-                                        </p:cTn>
-                                        <p:tgtEl>
-                                          <p:spTgt spid="3">
-                                            <p:txEl>
-                                              <p:pRg st="4" end="4"/>
-                                            </p:txEl>
-                                          </p:spTgt>
-                                        </p:tgtEl>
-                                        <p:attrNameLst>
-                                          <p:attrName>style.visibility</p:attrName>
-                                        </p:attrNameLst>
-                                      </p:cBhvr>
-                                      <p:to>
-                                        <p:strVal val="visible"/>
-                                      </p:to>
-                                    </p:set>
-                                  </p:childTnLst>
-                                </p:cTn>
-                              </p:par>
-                              <p:par>
-                                <p:cTn id="17" presetID="1" presetClass="entr" presetSubtype="0" fill="hold" nodeType="withEffect">
-                                  <p:stCondLst>
-                                    <p:cond delay="0"/>
-                                  </p:stCondLst>
-                                  <p:childTnLst>
-                                    <p:set>
-                                      <p:cBhvr>
-                                        <p:cTn id="18" dur="1" fill="hold">
-                                          <p:stCondLst>
-                                            <p:cond delay="0"/>
-                                          </p:stCondLst>
-                                        </p:cTn>
-                                        <p:tgtEl>
-                                          <p:spTgt spid="3">
-                                            <p:txEl>
-                                              <p:pRg st="5" end="5"/>
-                                            </p:txEl>
-                                          </p:spTgt>
-                                        </p:tgtEl>
-                                        <p:attrNameLst>
-                                          <p:attrName>style.visibility</p:attrName>
-                                        </p:attrNameLst>
-                                      </p:cBhvr>
-                                      <p:to>
-                                        <p:strVal val="visible"/>
-                                      </p:to>
-                                    </p:set>
-                                  </p:childTnLst>
-                                </p:cTn>
-                              </p:par>
-                              <p:par>
-                                <p:cTn id="19" presetID="1" presetClass="entr" presetSubtype="0" fill="hold" nodeType="withEffect">
-                                  <p:stCondLst>
-                                    <p:cond delay="0"/>
-                                  </p:stCondLst>
-                                  <p:childTnLst>
-                                    <p:set>
-                                      <p:cBhvr>
-                                        <p:cTn id="20" dur="1" fill="hold">
-                                          <p:stCondLst>
-                                            <p:cond delay="0"/>
-                                          </p:stCondLst>
-                                        </p:cTn>
-                                        <p:tgtEl>
-                                          <p:spTgt spid="3">
-                                            <p:txEl>
-                                              <p:pRg st="6" end="6"/>
-                                            </p:txEl>
-                                          </p:spTgt>
-                                        </p:tgtEl>
-                                        <p:attrNameLst>
-                                          <p:attrName>style.visibility</p:attrName>
-                                        </p:attrNameLst>
-                                      </p:cBhvr>
-                                      <p:to>
-                                        <p:strVal val="visible"/>
-                                      </p:to>
-                                    </p:set>
-                                  </p:childTnLst>
-                                </p:cTn>
-                              </p:par>
-                              <p:par>
-                                <p:cTn id="21" presetID="1" presetClass="entr" presetSubtype="0" fill="hold" nodeType="withEffect">
-                                  <p:stCondLst>
-                                    <p:cond delay="0"/>
-                                  </p:stCondLst>
-                                  <p:childTnLst>
-                                    <p:set>
-                                      <p:cBhvr>
-                                        <p:cTn id="22" dur="1" fill="hold">
-                                          <p:stCondLst>
-                                            <p:cond delay="0"/>
-                                          </p:stCondLst>
-                                        </p:cTn>
-                                        <p:tgtEl>
-                                          <p:spTgt spid="3">
-                                            <p:txEl>
-                                              <p:pRg st="7" end="7"/>
-                                            </p:txEl>
-                                          </p:spTgt>
-                                        </p:tgtEl>
-                                        <p:attrNameLst>
-                                          <p:attrName>style.visibility</p:attrName>
-                                        </p:attrNameLst>
-                                      </p:cBhvr>
-                                      <p:to>
-                                        <p:strVal val="visible"/>
-                                      </p:to>
-                                    </p:set>
-                                  </p:childTnLst>
-                                </p:cTn>
-                              </p:par>
-                              <p:par>
-                                <p:cTn id="23" presetID="1" presetClass="entr" presetSubtype="0" fill="hold" nodeType="withEffect">
-                                  <p:stCondLst>
-                                    <p:cond delay="0"/>
-                                  </p:stCondLst>
-                                  <p:childTnLst>
-                                    <p:set>
-                                      <p:cBhvr>
-                                        <p:cTn id="24" dur="1" fill="hold">
-                                          <p:stCondLst>
-                                            <p:cond delay="0"/>
-                                          </p:stCondLst>
-                                        </p:cTn>
-                                        <p:tgtEl>
-                                          <p:spTgt spid="3">
-                                            <p:txEl>
-                                              <p:pRg st="8" end="8"/>
-                                            </p:txEl>
-                                          </p:spTgt>
-                                        </p:tgtEl>
-                                        <p:attrNameLst>
-                                          <p:attrName>style.visibility</p:attrName>
-                                        </p:attrNameLst>
-                                      </p:cBhvr>
-                                      <p:to>
-                                        <p:strVal val="visible"/>
-                                      </p:to>
-                                    </p:set>
-                                  </p:childTnLst>
-                                </p:cTn>
-                              </p:par>
-                            </p:childTnLst>
-                          </p:cTn>
-                        </p:par>
-                      </p:childTnLst>
-                    </p:cTn>
-                  </p:par>
-                  <p:par>
-                    <p:cTn id="25" fill="hold">
-                      <p:stCondLst>
-                        <p:cond delay="indefinite"/>
-                      </p:stCondLst>
-                      <p:childTnLst>
-                        <p:par>
-                          <p:cTn id="26" fill="hold">
-                            <p:stCondLst>
-                              <p:cond delay="0"/>
-                            </p:stCondLst>
-                            <p:childTnLst>
-                              <p:par>
-                                <p:cTn id="27" presetID="1" presetClass="entr" presetSubtype="0" fill="hold" nodeType="clickEffect">
-                                  <p:stCondLst>
-                                    <p:cond delay="0"/>
-                                  </p:stCondLst>
-                                  <p:childTnLst>
-                                    <p:set>
-                                      <p:cBhvr>
-                                        <p:cTn id="28" dur="1" fill="hold">
-                                          <p:stCondLst>
-                                            <p:cond delay="0"/>
-                                          </p:stCondLst>
-                                        </p:cTn>
-                                        <p:tgtEl>
-                                          <p:spTgt spid="3">
-                                            <p:txEl>
-                                              <p:pRg st="9" end="9"/>
-                                            </p:txEl>
-                                          </p:spTgt>
-                                        </p:tgtEl>
-                                        <p:attrNameLst>
-                                          <p:attrName>style.visibility</p:attrName>
-                                        </p:attrNameLst>
-                                      </p:cBhvr>
-                                      <p:to>
-                                        <p:strVal val="visible"/>
-                                      </p:to>
-                                    </p:set>
-                                  </p:childTnLst>
-                                </p:cTn>
-                              </p:par>
-                            </p:childTnLst>
-                          </p:cTn>
-                        </p:par>
-                      </p:childTnLst>
-                    </p:cTn>
-                  </p:par>
-                </p:childTnLst>
-              </p:cTn>
-              <p:prevCondLst>
-                <p:cond evt="onPrev" delay="0">
-                  <p:tgtEl>
-                    <p:sldTgt/>
-                  </p:tgtEl>
-                </p:cond>
-              </p:prevCondLst>
-              <p:nextCondLst>
-                <p:cond evt="onNext" delay="0">
-                  <p:tgtEl>
-                    <p:sldTgt/>
-                  </p:tgtEl>
-                </p:cond>
-              </p:nextCondLst>
-            </p:seq>
-          </p:childTnLst>
-        </p:cTn>
-      </p:par>
-    </p:tnLst>
-  </p:timing>
-</p:sld>
-</file>
-
-<file path=ppt/slides/slide40.xml><?xml version="1.0" encoding="utf-8"?>
+<file path=ppt/slides/slide41.xml><?xml version="1.0" encoding="utf-8"?>
 <p:sld xmlns:a="http://schemas.openxmlformats.org/drawingml/2006/main" xmlns:r="http://schemas.openxmlformats.org/officeDocument/2006/relationships" xmlns:p="http://schemas.openxmlformats.org/presentationml/2006/main">
   <p:cSld>
     <p:spTree>
@@ -41945,8 +43068,8 @@
           </a:p>
         </p:txBody>
       </p:sp>
-      <mc:AlternateContent xmlns:mc="http://schemas.openxmlformats.org/markup-compatibility/2006" xmlns:a14="http://schemas.microsoft.com/office/drawing/2010/main">
-        <mc:Choice Requires="a14">
+      <mc:AlternateContent xmlns:mc="http://schemas.openxmlformats.org/markup-compatibility/2006">
+        <mc:Choice xmlns:a14="http://schemas.microsoft.com/office/drawing/2010/main" Requires="a14">
           <p:sp>
             <p:nvSpPr>
               <p:cNvPr id="3" name="Content Placeholder 2"/>
@@ -42702,13 +43825,13 @@
                   <a:rPr lang="en-US" dirty="0">
                     <a:latin typeface="+mn-lt"/>
                   </a:rPr>
-                  <a:t>But, is a dense and </a:t>
+                  <a:t>Is a </a:t>
                 </a:r>
                 <a:r>
                   <a:rPr lang="en-US" b="1" dirty="0">
                     <a:latin typeface="+mn-lt"/>
                   </a:rPr>
-                  <a:t>memory intensive representation</a:t>
+                  <a:t>dense and memory intensive representation</a:t>
                 </a:r>
                 <a:r>
                   <a:rPr lang="en-US" dirty="0">
@@ -42786,7 +43909,7 @@
             </p:txBody>
           </p:sp>
         </mc:Choice>
-        <mc:Fallback xmlns="">
+        <mc:Fallback>
           <p:sp>
             <p:nvSpPr>
               <p:cNvPr id="3" name="Content Placeholder 2"/>

--- a/slides/5_DistanceAndSimilarityMeasures.pptx
+++ b/slides/5_DistanceAndSimilarityMeasures.pptx
@@ -5,50 +5,55 @@
     <p:sldMasterId id="2147483648" r:id="rId1"/>
   </p:sldMasterIdLst>
   <p:notesMasterIdLst>
-    <p:notesMasterId r:id="rId43"/>
+    <p:notesMasterId r:id="rId48"/>
   </p:notesMasterIdLst>
   <p:sldIdLst>
     <p:sldId id="719" r:id="rId2"/>
     <p:sldId id="604" r:id="rId3"/>
     <p:sldId id="731" r:id="rId4"/>
     <p:sldId id="687" r:id="rId5"/>
-    <p:sldId id="686" r:id="rId6"/>
-    <p:sldId id="672" r:id="rId7"/>
-    <p:sldId id="608" r:id="rId8"/>
-    <p:sldId id="612" r:id="rId9"/>
-    <p:sldId id="722" r:id="rId10"/>
-    <p:sldId id="607" r:id="rId11"/>
-    <p:sldId id="673" r:id="rId12"/>
-    <p:sldId id="674" r:id="rId13"/>
-    <p:sldId id="721" r:id="rId14"/>
-    <p:sldId id="732" r:id="rId15"/>
-    <p:sldId id="734" r:id="rId16"/>
-    <p:sldId id="736" r:id="rId17"/>
-    <p:sldId id="735" r:id="rId18"/>
-    <p:sldId id="680" r:id="rId19"/>
-    <p:sldId id="730" r:id="rId20"/>
-    <p:sldId id="610" r:id="rId21"/>
-    <p:sldId id="611" r:id="rId22"/>
-    <p:sldId id="609" r:id="rId23"/>
-    <p:sldId id="613" r:id="rId24"/>
-    <p:sldId id="616" r:id="rId25"/>
-    <p:sldId id="615" r:id="rId26"/>
-    <p:sldId id="617" r:id="rId27"/>
-    <p:sldId id="618" r:id="rId28"/>
-    <p:sldId id="641" r:id="rId29"/>
-    <p:sldId id="679" r:id="rId30"/>
-    <p:sldId id="724" r:id="rId31"/>
-    <p:sldId id="723" r:id="rId32"/>
-    <p:sldId id="737" r:id="rId33"/>
-    <p:sldId id="685" r:id="rId34"/>
-    <p:sldId id="682" r:id="rId35"/>
-    <p:sldId id="683" r:id="rId36"/>
-    <p:sldId id="725" r:id="rId37"/>
-    <p:sldId id="726" r:id="rId38"/>
-    <p:sldId id="727" r:id="rId39"/>
-    <p:sldId id="728" r:id="rId40"/>
-    <p:sldId id="729" r:id="rId41"/>
-    <p:sldId id="720" r:id="rId42"/>
+    <p:sldId id="778" r:id="rId6"/>
+    <p:sldId id="686" r:id="rId7"/>
+    <p:sldId id="672" r:id="rId8"/>
+    <p:sldId id="608" r:id="rId9"/>
+    <p:sldId id="612" r:id="rId10"/>
+    <p:sldId id="722" r:id="rId11"/>
+    <p:sldId id="779" r:id="rId12"/>
+    <p:sldId id="607" r:id="rId13"/>
+    <p:sldId id="673" r:id="rId14"/>
+    <p:sldId id="674" r:id="rId15"/>
+    <p:sldId id="721" r:id="rId16"/>
+    <p:sldId id="732" r:id="rId17"/>
+    <p:sldId id="734" r:id="rId18"/>
+    <p:sldId id="736" r:id="rId19"/>
+    <p:sldId id="735" r:id="rId20"/>
+    <p:sldId id="680" r:id="rId21"/>
+    <p:sldId id="730" r:id="rId22"/>
+    <p:sldId id="610" r:id="rId23"/>
+    <p:sldId id="611" r:id="rId24"/>
+    <p:sldId id="780" r:id="rId25"/>
+    <p:sldId id="609" r:id="rId26"/>
+    <p:sldId id="613" r:id="rId27"/>
+    <p:sldId id="616" r:id="rId28"/>
+    <p:sldId id="615" r:id="rId29"/>
+    <p:sldId id="617" r:id="rId30"/>
+    <p:sldId id="618" r:id="rId31"/>
+    <p:sldId id="781" r:id="rId32"/>
+    <p:sldId id="641" r:id="rId33"/>
+    <p:sldId id="679" r:id="rId34"/>
+    <p:sldId id="724" r:id="rId35"/>
+    <p:sldId id="723" r:id="rId36"/>
+    <p:sldId id="737" r:id="rId37"/>
+    <p:sldId id="685" r:id="rId38"/>
+    <p:sldId id="682" r:id="rId39"/>
+    <p:sldId id="683" r:id="rId40"/>
+    <p:sldId id="782" r:id="rId41"/>
+    <p:sldId id="725" r:id="rId42"/>
+    <p:sldId id="726" r:id="rId43"/>
+    <p:sldId id="727" r:id="rId44"/>
+    <p:sldId id="728" r:id="rId45"/>
+    <p:sldId id="729" r:id="rId46"/>
+    <p:sldId id="720" r:id="rId47"/>
   </p:sldIdLst>
   <p:sldSz cx="12192000" cy="6858000"/>
   <p:notesSz cx="6858000" cy="9144000"/>
@@ -237,7 +242,7 @@
           <a:p>
             <a:fld id="{8DD534D1-5B48-49E9-A024-C5EAE54CADD0}" type="datetimeFigureOut">
               <a:rPr lang="en-US" smtClean="0"/>
-              <a:t>7/6/2025</a:t>
+              <a:t>7/7/2025</a:t>
             </a:fld>
             <a:endParaRPr lang="en-US"/>
           </a:p>
@@ -655,7 +660,7 @@
             <a:fld id="{4CFD207A-07DF-40AD-A916-9872E089CE7A}" type="slidenum">
               <a:rPr lang="en-US" smtClean="0"/>
               <a:pPr/>
-              <a:t>11</a:t>
+              <a:t>13</a:t>
             </a:fld>
             <a:endParaRPr lang="en-US"/>
           </a:p>
@@ -740,7 +745,7 @@
             <a:fld id="{4CFD207A-07DF-40AD-A916-9872E089CE7A}" type="slidenum">
               <a:rPr lang="en-US" smtClean="0"/>
               <a:pPr/>
-              <a:t>12</a:t>
+              <a:t>14</a:t>
             </a:fld>
             <a:endParaRPr lang="en-US"/>
           </a:p>
@@ -825,7 +830,7 @@
             <a:fld id="{4CFD207A-07DF-40AD-A916-9872E089CE7A}" type="slidenum">
               <a:rPr lang="en-US" smtClean="0"/>
               <a:pPr/>
-              <a:t>13</a:t>
+              <a:t>15</a:t>
             </a:fld>
             <a:endParaRPr lang="en-US"/>
           </a:p>
@@ -910,7 +915,7 @@
             <a:fld id="{4CFD207A-07DF-40AD-A916-9872E089CE7A}" type="slidenum">
               <a:rPr lang="en-US" smtClean="0"/>
               <a:pPr/>
-              <a:t>14</a:t>
+              <a:t>16</a:t>
             </a:fld>
             <a:endParaRPr lang="en-US"/>
           </a:p>
@@ -995,7 +1000,7 @@
             <a:fld id="{4CFD207A-07DF-40AD-A916-9872E089CE7A}" type="slidenum">
               <a:rPr lang="en-US" smtClean="0"/>
               <a:pPr/>
-              <a:t>15</a:t>
+              <a:t>17</a:t>
             </a:fld>
             <a:endParaRPr lang="en-US"/>
           </a:p>
@@ -1080,7 +1085,7 @@
             <a:fld id="{4CFD207A-07DF-40AD-A916-9872E089CE7A}" type="slidenum">
               <a:rPr lang="en-US" smtClean="0"/>
               <a:pPr/>
-              <a:t>16</a:t>
+              <a:t>18</a:t>
             </a:fld>
             <a:endParaRPr lang="en-US"/>
           </a:p>
@@ -1165,7 +1170,7 @@
             <a:fld id="{4CFD207A-07DF-40AD-A916-9872E089CE7A}" type="slidenum">
               <a:rPr lang="en-US" smtClean="0"/>
               <a:pPr/>
-              <a:t>17</a:t>
+              <a:t>19</a:t>
             </a:fld>
             <a:endParaRPr lang="en-US"/>
           </a:p>
@@ -1250,7 +1255,7 @@
             <a:fld id="{4CFD207A-07DF-40AD-A916-9872E089CE7A}" type="slidenum">
               <a:rPr lang="en-US" smtClean="0"/>
               <a:pPr/>
-              <a:t>18</a:t>
+              <a:t>20</a:t>
             </a:fld>
             <a:endParaRPr lang="en-US"/>
           </a:p>
@@ -1359,7 +1364,7 @@
             <a:fld id="{4CFD207A-07DF-40AD-A916-9872E089CE7A}" type="slidenum">
               <a:rPr lang="en-US" smtClean="0"/>
               <a:pPr/>
-              <a:t>19</a:t>
+              <a:t>21</a:t>
             </a:fld>
             <a:endParaRPr lang="en-US"/>
           </a:p>
@@ -1444,7 +1449,7 @@
             <a:fld id="{4CFD207A-07DF-40AD-A916-9872E089CE7A}" type="slidenum">
               <a:rPr lang="en-US" smtClean="0"/>
               <a:pPr/>
-              <a:t>20</a:t>
+              <a:t>22</a:t>
             </a:fld>
             <a:endParaRPr lang="en-US"/>
           </a:p>
@@ -1614,7 +1619,7 @@
             <a:fld id="{4CFD207A-07DF-40AD-A916-9872E089CE7A}" type="slidenum">
               <a:rPr lang="en-US" smtClean="0"/>
               <a:pPr/>
-              <a:t>21</a:t>
+              <a:t>23</a:t>
             </a:fld>
             <a:endParaRPr lang="en-US"/>
           </a:p>
@@ -1699,7 +1704,7 @@
             <a:fld id="{4CFD207A-07DF-40AD-A916-9872E089CE7A}" type="slidenum">
               <a:rPr lang="en-US" smtClean="0"/>
               <a:pPr/>
-              <a:t>22</a:t>
+              <a:t>25</a:t>
             </a:fld>
             <a:endParaRPr lang="en-US"/>
           </a:p>
@@ -1784,7 +1789,7 @@
             <a:fld id="{4CFD207A-07DF-40AD-A916-9872E089CE7A}" type="slidenum">
               <a:rPr lang="en-US" smtClean="0"/>
               <a:pPr/>
-              <a:t>23</a:t>
+              <a:t>26</a:t>
             </a:fld>
             <a:endParaRPr lang="en-US"/>
           </a:p>
@@ -1869,7 +1874,7 @@
             <a:fld id="{4CFD207A-07DF-40AD-A916-9872E089CE7A}" type="slidenum">
               <a:rPr lang="en-US" smtClean="0"/>
               <a:pPr/>
-              <a:t>24</a:t>
+              <a:t>27</a:t>
             </a:fld>
             <a:endParaRPr lang="en-US"/>
           </a:p>
@@ -1954,7 +1959,7 @@
             <a:fld id="{4CFD207A-07DF-40AD-A916-9872E089CE7A}" type="slidenum">
               <a:rPr lang="en-US" smtClean="0"/>
               <a:pPr/>
-              <a:t>25</a:t>
+              <a:t>28</a:t>
             </a:fld>
             <a:endParaRPr lang="en-US"/>
           </a:p>
@@ -2039,7 +2044,7 @@
             <a:fld id="{4CFD207A-07DF-40AD-A916-9872E089CE7A}" type="slidenum">
               <a:rPr lang="en-US" smtClean="0"/>
               <a:pPr/>
-              <a:t>26</a:t>
+              <a:t>29</a:t>
             </a:fld>
             <a:endParaRPr lang="en-US"/>
           </a:p>
@@ -2124,7 +2129,7 @@
             <a:fld id="{4CFD207A-07DF-40AD-A916-9872E089CE7A}" type="slidenum">
               <a:rPr lang="en-US" smtClean="0"/>
               <a:pPr/>
-              <a:t>27</a:t>
+              <a:t>30</a:t>
             </a:fld>
             <a:endParaRPr lang="en-US"/>
           </a:p>
@@ -2209,7 +2214,7 @@
             <a:fld id="{4CFD207A-07DF-40AD-A916-9872E089CE7A}" type="slidenum">
               <a:rPr lang="en-US" smtClean="0"/>
               <a:pPr/>
-              <a:t>28</a:t>
+              <a:t>32</a:t>
             </a:fld>
             <a:endParaRPr lang="en-US"/>
           </a:p>
@@ -2294,7 +2299,7 @@
             <a:fld id="{4CFD207A-07DF-40AD-A916-9872E089CE7A}" type="slidenum">
               <a:rPr lang="en-US" smtClean="0"/>
               <a:pPr/>
-              <a:t>29</a:t>
+              <a:t>33</a:t>
             </a:fld>
             <a:endParaRPr lang="en-US"/>
           </a:p>
@@ -2379,7 +2384,7 @@
             <a:fld id="{4CFD207A-07DF-40AD-A916-9872E089CE7A}" type="slidenum">
               <a:rPr lang="en-US" smtClean="0"/>
               <a:pPr/>
-              <a:t>30</a:t>
+              <a:t>34</a:t>
             </a:fld>
             <a:endParaRPr lang="en-US"/>
           </a:p>
@@ -2549,7 +2554,7 @@
             <a:fld id="{4CFD207A-07DF-40AD-A916-9872E089CE7A}" type="slidenum">
               <a:rPr lang="en-US" smtClean="0"/>
               <a:pPr/>
-              <a:t>31</a:t>
+              <a:t>35</a:t>
             </a:fld>
             <a:endParaRPr lang="en-US"/>
           </a:p>
@@ -2658,7 +2663,7 @@
             <a:fld id="{4CFD207A-07DF-40AD-A916-9872E089CE7A}" type="slidenum">
               <a:rPr lang="en-US" smtClean="0"/>
               <a:pPr/>
-              <a:t>32</a:t>
+              <a:t>36</a:t>
             </a:fld>
             <a:endParaRPr lang="en-US"/>
           </a:p>
@@ -2743,7 +2748,7 @@
             <a:fld id="{4CFD207A-07DF-40AD-A916-9872E089CE7A}" type="slidenum">
               <a:rPr lang="en-US" smtClean="0"/>
               <a:pPr/>
-              <a:t>33</a:t>
+              <a:t>37</a:t>
             </a:fld>
             <a:endParaRPr lang="en-US"/>
           </a:p>
@@ -2828,7 +2833,7 @@
             <a:fld id="{4CFD207A-07DF-40AD-A916-9872E089CE7A}" type="slidenum">
               <a:rPr lang="en-US" smtClean="0"/>
               <a:pPr/>
-              <a:t>34</a:t>
+              <a:t>38</a:t>
             </a:fld>
             <a:endParaRPr lang="en-US"/>
           </a:p>
@@ -2913,7 +2918,7 @@
             <a:fld id="{4CFD207A-07DF-40AD-A916-9872E089CE7A}" type="slidenum">
               <a:rPr lang="en-US" smtClean="0"/>
               <a:pPr/>
-              <a:t>35</a:t>
+              <a:t>39</a:t>
             </a:fld>
             <a:endParaRPr lang="en-US"/>
           </a:p>
@@ -2998,7 +3003,7 @@
             <a:fld id="{4CFD207A-07DF-40AD-A916-9872E089CE7A}" type="slidenum">
               <a:rPr lang="en-US" smtClean="0"/>
               <a:pPr/>
-              <a:t>36</a:t>
+              <a:t>41</a:t>
             </a:fld>
             <a:endParaRPr lang="en-US"/>
           </a:p>
@@ -3083,7 +3088,7 @@
             <a:fld id="{4CFD207A-07DF-40AD-A916-9872E089CE7A}" type="slidenum">
               <a:rPr lang="en-US" smtClean="0"/>
               <a:pPr/>
-              <a:t>37</a:t>
+              <a:t>42</a:t>
             </a:fld>
             <a:endParaRPr lang="en-US"/>
           </a:p>
@@ -3168,7 +3173,7 @@
             <a:fld id="{4CFD207A-07DF-40AD-A916-9872E089CE7A}" type="slidenum">
               <a:rPr lang="en-US" smtClean="0"/>
               <a:pPr/>
-              <a:t>38</a:t>
+              <a:t>43</a:t>
             </a:fld>
             <a:endParaRPr lang="en-US"/>
           </a:p>
@@ -3253,7 +3258,7 @@
             <a:fld id="{4CFD207A-07DF-40AD-A916-9872E089CE7A}" type="slidenum">
               <a:rPr lang="en-US" smtClean="0"/>
               <a:pPr/>
-              <a:t>39</a:t>
+              <a:t>44</a:t>
             </a:fld>
             <a:endParaRPr lang="en-US"/>
           </a:p>
@@ -3338,7 +3343,7 @@
             <a:fld id="{4CFD207A-07DF-40AD-A916-9872E089CE7A}" type="slidenum">
               <a:rPr lang="en-US" smtClean="0"/>
               <a:pPr/>
-              <a:t>40</a:t>
+              <a:t>45</a:t>
             </a:fld>
             <a:endParaRPr lang="en-US"/>
           </a:p>
@@ -3423,7 +3428,7 @@
             <a:fld id="{4CFD207A-07DF-40AD-A916-9872E089CE7A}" type="slidenum">
               <a:rPr lang="en-US" smtClean="0"/>
               <a:pPr/>
-              <a:t>5</a:t>
+              <a:t>6</a:t>
             </a:fld>
             <a:endParaRPr lang="en-US"/>
           </a:p>
@@ -3508,7 +3513,7 @@
             <a:fld id="{4CFD207A-07DF-40AD-A916-9872E089CE7A}" type="slidenum">
               <a:rPr lang="en-US" smtClean="0"/>
               <a:pPr/>
-              <a:t>41</a:t>
+              <a:t>46</a:t>
             </a:fld>
             <a:endParaRPr lang="en-US"/>
           </a:p>
@@ -3593,7 +3598,7 @@
             <a:fld id="{4CFD207A-07DF-40AD-A916-9872E089CE7A}" type="slidenum">
               <a:rPr lang="en-US" smtClean="0"/>
               <a:pPr/>
-              <a:t>6</a:t>
+              <a:t>7</a:t>
             </a:fld>
             <a:endParaRPr lang="en-US"/>
           </a:p>
@@ -3678,7 +3683,7 @@
             <a:fld id="{4CFD207A-07DF-40AD-A916-9872E089CE7A}" type="slidenum">
               <a:rPr lang="en-US" smtClean="0"/>
               <a:pPr/>
-              <a:t>7</a:t>
+              <a:t>8</a:t>
             </a:fld>
             <a:endParaRPr lang="en-US"/>
           </a:p>
@@ -3763,7 +3768,7 @@
             <a:fld id="{4CFD207A-07DF-40AD-A916-9872E089CE7A}" type="slidenum">
               <a:rPr lang="en-US" smtClean="0"/>
               <a:pPr/>
-              <a:t>8</a:t>
+              <a:t>9</a:t>
             </a:fld>
             <a:endParaRPr lang="en-US"/>
           </a:p>
@@ -3848,7 +3853,7 @@
             <a:fld id="{4CFD207A-07DF-40AD-A916-9872E089CE7A}" type="slidenum">
               <a:rPr lang="en-US" smtClean="0"/>
               <a:pPr/>
-              <a:t>9</a:t>
+              <a:t>10</a:t>
             </a:fld>
             <a:endParaRPr lang="en-US"/>
           </a:p>
@@ -3933,7 +3938,7 @@
             <a:fld id="{4CFD207A-07DF-40AD-A916-9872E089CE7A}" type="slidenum">
               <a:rPr lang="en-US" smtClean="0"/>
               <a:pPr/>
-              <a:t>10</a:t>
+              <a:t>12</a:t>
             </a:fld>
             <a:endParaRPr lang="en-US"/>
           </a:p>
@@ -4099,7 +4104,7 @@
           <a:p>
             <a:fld id="{9DC183D5-83EE-4A48-BB2E-1FC30CD8E44A}" type="datetimeFigureOut">
               <a:rPr lang="en-US" smtClean="0"/>
-              <a:t>7/6/2025</a:t>
+              <a:t>7/7/2025</a:t>
             </a:fld>
             <a:endParaRPr lang="en-US"/>
           </a:p>
@@ -4297,7 +4302,7 @@
           <a:p>
             <a:fld id="{9DC183D5-83EE-4A48-BB2E-1FC30CD8E44A}" type="datetimeFigureOut">
               <a:rPr lang="en-US" smtClean="0"/>
-              <a:t>7/6/2025</a:t>
+              <a:t>7/7/2025</a:t>
             </a:fld>
             <a:endParaRPr lang="en-US"/>
           </a:p>
@@ -4505,7 +4510,7 @@
           <a:p>
             <a:fld id="{9DC183D5-83EE-4A48-BB2E-1FC30CD8E44A}" type="datetimeFigureOut">
               <a:rPr lang="en-US" smtClean="0"/>
-              <a:t>7/6/2025</a:t>
+              <a:t>7/7/2025</a:t>
             </a:fld>
             <a:endParaRPr lang="en-US"/>
           </a:p>
@@ -4875,7 +4880,7 @@
           <a:p>
             <a:fld id="{9DC183D5-83EE-4A48-BB2E-1FC30CD8E44A}" type="datetimeFigureOut">
               <a:rPr lang="en-US" smtClean="0"/>
-              <a:t>7/6/2025</a:t>
+              <a:t>7/7/2025</a:t>
             </a:fld>
             <a:endParaRPr lang="en-US"/>
           </a:p>
@@ -5150,7 +5155,7 @@
           <a:p>
             <a:fld id="{9DC183D5-83EE-4A48-BB2E-1FC30CD8E44A}" type="datetimeFigureOut">
               <a:rPr lang="en-US" smtClean="0"/>
-              <a:t>7/6/2025</a:t>
+              <a:t>7/7/2025</a:t>
             </a:fld>
             <a:endParaRPr lang="en-US"/>
           </a:p>
@@ -5415,7 +5420,7 @@
           <a:p>
             <a:fld id="{9DC183D5-83EE-4A48-BB2E-1FC30CD8E44A}" type="datetimeFigureOut">
               <a:rPr lang="en-US" smtClean="0"/>
-              <a:t>7/6/2025</a:t>
+              <a:t>7/7/2025</a:t>
             </a:fld>
             <a:endParaRPr lang="en-US"/>
           </a:p>
@@ -5827,7 +5832,7 @@
           <a:p>
             <a:fld id="{9DC183D5-83EE-4A48-BB2E-1FC30CD8E44A}" type="datetimeFigureOut">
               <a:rPr lang="en-US" smtClean="0"/>
-              <a:t>7/6/2025</a:t>
+              <a:t>7/7/2025</a:t>
             </a:fld>
             <a:endParaRPr lang="en-US"/>
           </a:p>
@@ -5968,7 +5973,7 @@
           <a:p>
             <a:fld id="{9DC183D5-83EE-4A48-BB2E-1FC30CD8E44A}" type="datetimeFigureOut">
               <a:rPr lang="en-US" smtClean="0"/>
-              <a:t>7/6/2025</a:t>
+              <a:t>7/7/2025</a:t>
             </a:fld>
             <a:endParaRPr lang="en-US"/>
           </a:p>
@@ -6081,7 +6086,7 @@
           <a:p>
             <a:fld id="{9DC183D5-83EE-4A48-BB2E-1FC30CD8E44A}" type="datetimeFigureOut">
               <a:rPr lang="en-US" smtClean="0"/>
-              <a:t>7/6/2025</a:t>
+              <a:t>7/7/2025</a:t>
             </a:fld>
             <a:endParaRPr lang="en-US"/>
           </a:p>
@@ -6392,7 +6397,7 @@
           <a:p>
             <a:fld id="{9DC183D5-83EE-4A48-BB2E-1FC30CD8E44A}" type="datetimeFigureOut">
               <a:rPr lang="en-US" smtClean="0"/>
-              <a:t>7/6/2025</a:t>
+              <a:t>7/7/2025</a:t>
             </a:fld>
             <a:endParaRPr lang="en-US"/>
           </a:p>
@@ -6680,7 +6685,7 @@
           <a:p>
             <a:fld id="{9DC183D5-83EE-4A48-BB2E-1FC30CD8E44A}" type="datetimeFigureOut">
               <a:rPr lang="en-US" smtClean="0"/>
-              <a:t>7/6/2025</a:t>
+              <a:t>7/7/2025</a:t>
             </a:fld>
             <a:endParaRPr lang="en-US"/>
           </a:p>
@@ -6921,7 +6926,7 @@
           <a:p>
             <a:fld id="{9DC183D5-83EE-4A48-BB2E-1FC30CD8E44A}" type="datetimeFigureOut">
               <a:rPr lang="en-US" smtClean="0"/>
-              <a:t>7/6/2025</a:t>
+              <a:t>7/7/2025</a:t>
             </a:fld>
             <a:endParaRPr lang="en-US"/>
           </a:p>
@@ -7535,6 +7540,1142 @@
 </file>
 
 <file path=ppt/slides/slide10.xml><?xml version="1.0" encoding="utf-8"?>
+<p:sld xmlns:a="http://schemas.openxmlformats.org/drawingml/2006/main" xmlns:r="http://schemas.openxmlformats.org/officeDocument/2006/relationships" xmlns:p="http://schemas.openxmlformats.org/presentationml/2006/main">
+  <p:cSld>
+    <p:spTree>
+      <p:nvGrpSpPr>
+        <p:cNvPr id="1" name=""/>
+        <p:cNvGrpSpPr/>
+        <p:nvPr/>
+      </p:nvGrpSpPr>
+      <p:grpSpPr>
+        <a:xfrm>
+          <a:off x="0" y="0"/>
+          <a:ext cx="0" cy="0"/>
+          <a:chOff x="0" y="0"/>
+          <a:chExt cx="0" cy="0"/>
+        </a:xfrm>
+      </p:grpSpPr>
+      <p:sp>
+        <p:nvSpPr>
+          <p:cNvPr id="2" name="Title 1"/>
+          <p:cNvSpPr>
+            <a:spLocks noGrp="1"/>
+          </p:cNvSpPr>
+          <p:nvPr>
+            <p:ph type="title"/>
+          </p:nvPr>
+        </p:nvSpPr>
+        <p:spPr>
+          <a:xfrm>
+            <a:off x="584200" y="221992"/>
+            <a:ext cx="10515600" cy="530954"/>
+          </a:xfrm>
+        </p:spPr>
+        <p:txBody>
+          <a:bodyPr>
+            <a:normAutofit fontScale="90000"/>
+          </a:bodyPr>
+          <a:lstStyle/>
+          <a:p>
+            <a:r>
+              <a:rPr lang="en-US" dirty="0"/>
+              <a:t>Measuring distance or dissimilarity</a:t>
+            </a:r>
+          </a:p>
+        </p:txBody>
+      </p:sp>
+      <mc:AlternateContent xmlns:mc="http://schemas.openxmlformats.org/markup-compatibility/2006" xmlns:a14="http://schemas.microsoft.com/office/drawing/2010/main">
+        <mc:Choice Requires="a14">
+          <p:sp>
+            <p:nvSpPr>
+              <p:cNvPr id="3" name="Content Placeholder 2"/>
+              <p:cNvSpPr>
+                <a:spLocks noGrp="1"/>
+              </p:cNvSpPr>
+              <p:nvPr>
+                <p:ph sz="quarter" idx="10"/>
+              </p:nvPr>
+            </p:nvSpPr>
+            <p:spPr>
+              <a:xfrm>
+                <a:off x="333375" y="896078"/>
+                <a:ext cx="11525250" cy="5523771"/>
+              </a:xfrm>
+            </p:spPr>
+            <p:txBody>
+              <a:bodyPr>
+                <a:normAutofit/>
+              </a:bodyPr>
+              <a:lstStyle/>
+              <a:p>
+                <a:pPr marL="0" indent="0">
+                  <a:buNone/>
+                </a:pPr>
+                <a:r>
+                  <a:rPr lang="en-US" dirty="0">
+                    <a:latin typeface="+mn-lt"/>
+                  </a:rPr>
+                  <a:t>A dissimilarity matrix contains the differences between each case </a:t>
+                </a:r>
+                <a:r>
+                  <a:rPr lang="en-US" i="1" dirty="0">
+                    <a:latin typeface="+mn-lt"/>
+                  </a:rPr>
+                  <a:t>x</a:t>
+                </a:r>
+                <a:r>
+                  <a:rPr lang="en-US" i="1" baseline="-25000" dirty="0">
+                    <a:latin typeface="+mn-lt"/>
+                  </a:rPr>
+                  <a:t>i</a:t>
+                </a:r>
+                <a:r>
+                  <a:rPr lang="en-US" dirty="0">
+                    <a:latin typeface="+mn-lt"/>
+                  </a:rPr>
+                  <a:t> and every other case </a:t>
+                </a:r>
+                <a:r>
+                  <a:rPr lang="en-US" i="1" dirty="0" err="1">
+                    <a:latin typeface="+mn-lt"/>
+                  </a:rPr>
+                  <a:t>x’</a:t>
+                </a:r>
+                <a:r>
+                  <a:rPr lang="en-US" i="1" baseline="-25000" dirty="0" err="1">
+                    <a:latin typeface="+mn-lt"/>
+                  </a:rPr>
+                  <a:t>i</a:t>
+                </a:r>
+                <a:r>
+                  <a:rPr lang="en-US" dirty="0">
+                    <a:latin typeface="+mn-lt"/>
+                  </a:rPr>
+                  <a:t>,</a:t>
+                </a:r>
+                <a:r>
+                  <a:rPr lang="en-US" i="1" dirty="0">
+                    <a:latin typeface="+mn-lt"/>
+                  </a:rPr>
+                  <a:t> d(x</a:t>
+                </a:r>
+                <a:r>
+                  <a:rPr lang="en-US" i="1" baseline="-25000" dirty="0">
+                    <a:latin typeface="+mn-lt"/>
+                  </a:rPr>
+                  <a:t>i</a:t>
+                </a:r>
+                <a:r>
+                  <a:rPr lang="en-US" i="1" dirty="0">
+                    <a:latin typeface="+mn-lt"/>
+                  </a:rPr>
+                  <a:t>, </a:t>
+                </a:r>
+                <a:r>
+                  <a:rPr lang="en-US" i="1" dirty="0" err="1">
+                    <a:latin typeface="+mn-lt"/>
+                  </a:rPr>
+                  <a:t>x’</a:t>
+                </a:r>
+                <a:r>
+                  <a:rPr lang="en-US" i="1" baseline="-25000" dirty="0" err="1">
+                    <a:latin typeface="+mn-lt"/>
+                  </a:rPr>
+                  <a:t>i</a:t>
+                </a:r>
+                <a:r>
+                  <a:rPr lang="en-US" i="1" dirty="0">
+                    <a:latin typeface="+mn-lt"/>
+                  </a:rPr>
+                  <a:t>)</a:t>
+                </a:r>
+              </a:p>
+              <a:p>
+                <a:endParaRPr lang="en-US" sz="2800" i="1" baseline="-25000" dirty="0">
+                  <a:latin typeface="+mn-lt"/>
+                </a:endParaRPr>
+              </a:p>
+              <a:p>
+                <a:pPr marL="0" indent="0">
+                  <a:buNone/>
+                </a:pPr>
+                <a14:m>
+                  <m:oMathPara xmlns:m="http://schemas.openxmlformats.org/officeDocument/2006/math">
+                    <m:oMathParaPr>
+                      <m:jc m:val="centerGroup"/>
+                    </m:oMathParaPr>
+                    <m:oMath xmlns:m="http://schemas.openxmlformats.org/officeDocument/2006/math">
+                      <m:r>
+                        <m:rPr>
+                          <m:sty m:val="p"/>
+                        </m:rPr>
+                        <a:rPr lang="en-US" sz="2800" b="0" i="0" smtClean="0">
+                          <a:latin typeface="Cambria Math" panose="02040503050406030204" pitchFamily="18" charset="0"/>
+                        </a:rPr>
+                        <m:t>D</m:t>
+                      </m:r>
+                      <m:d>
+                        <m:dPr>
+                          <m:ctrlPr>
+                            <a:rPr lang="en-US" sz="2800" b="0" i="1" smtClean="0">
+                              <a:latin typeface="Cambria Math" panose="02040503050406030204" pitchFamily="18" charset="0"/>
+                            </a:rPr>
+                          </m:ctrlPr>
+                        </m:dPr>
+                        <m:e>
+                          <m:r>
+                            <m:rPr>
+                              <m:sty m:val="p"/>
+                            </m:rPr>
+                            <a:rPr lang="en-US" sz="2800" b="0" i="0" smtClean="0">
+                              <a:latin typeface="Cambria Math" panose="02040503050406030204" pitchFamily="18" charset="0"/>
+                            </a:rPr>
+                            <m:t>X</m:t>
+                          </m:r>
+                        </m:e>
+                      </m:d>
+                      <m:r>
+                        <a:rPr lang="en-US" sz="2800" b="0" i="0" smtClean="0">
+                          <a:latin typeface="Cambria Math" panose="02040503050406030204" pitchFamily="18" charset="0"/>
+                        </a:rPr>
+                        <m:t>=</m:t>
+                      </m:r>
+                      <m:d>
+                        <m:dPr>
+                          <m:ctrlPr>
+                            <a:rPr lang="en-US" sz="2800" b="0" i="1" smtClean="0">
+                              <a:latin typeface="Cambria Math" panose="02040503050406030204" pitchFamily="18" charset="0"/>
+                            </a:rPr>
+                          </m:ctrlPr>
+                        </m:dPr>
+                        <m:e>
+                          <m:m>
+                            <m:mPr>
+                              <m:mcs>
+                                <m:mc>
+                                  <m:mcPr>
+                                    <m:count m:val="3"/>
+                                    <m:mcJc m:val="center"/>
+                                  </m:mcPr>
+                                </m:mc>
+                              </m:mcs>
+                              <m:ctrlPr>
+                                <a:rPr lang="en-US" sz="2800" b="0" i="1" smtClean="0">
+                                  <a:latin typeface="Cambria Math" panose="02040503050406030204" pitchFamily="18" charset="0"/>
+                                </a:rPr>
+                              </m:ctrlPr>
+                            </m:mPr>
+                            <m:mr>
+                              <m:e>
+                                <m:r>
+                                  <m:rPr>
+                                    <m:brk m:alnAt="7"/>
+                                  </m:rPr>
+                                  <a:rPr lang="en-US" sz="2800" b="0" i="1" smtClean="0">
+                                    <a:latin typeface="Cambria Math" panose="02040503050406030204" pitchFamily="18" charset="0"/>
+                                  </a:rPr>
+                                  <m:t>𝑑</m:t>
+                                </m:r>
+                                <m:d>
+                                  <m:dPr>
+                                    <m:ctrlPr>
+                                      <a:rPr lang="en-US" sz="2800" b="0" i="1" smtClean="0">
+                                        <a:latin typeface="Cambria Math" panose="02040503050406030204" pitchFamily="18" charset="0"/>
+                                      </a:rPr>
+                                    </m:ctrlPr>
+                                  </m:dPr>
+                                  <m:e>
+                                    <m:sSub>
+                                      <m:sSubPr>
+                                        <m:ctrlPr>
+                                          <a:rPr lang="en-US" sz="2800" b="0" i="1" smtClean="0">
+                                            <a:latin typeface="Cambria Math" panose="02040503050406030204" pitchFamily="18" charset="0"/>
+                                          </a:rPr>
+                                        </m:ctrlPr>
+                                      </m:sSubPr>
+                                      <m:e>
+                                        <m:r>
+                                          <a:rPr lang="en-US" sz="2800" b="0" i="1" smtClean="0">
+                                            <a:latin typeface="Cambria Math" panose="02040503050406030204" pitchFamily="18" charset="0"/>
+                                          </a:rPr>
+                                          <m:t>𝑥</m:t>
+                                        </m:r>
+                                      </m:e>
+                                      <m:sub>
+                                        <m:r>
+                                          <a:rPr lang="en-US" sz="2800" b="0" i="1" smtClean="0">
+                                            <a:latin typeface="Cambria Math" panose="02040503050406030204" pitchFamily="18" charset="0"/>
+                                          </a:rPr>
+                                          <m:t>1</m:t>
+                                        </m:r>
+                                      </m:sub>
+                                    </m:sSub>
+                                    <m:r>
+                                      <m:rPr>
+                                        <m:brk m:alnAt="7"/>
+                                      </m:rPr>
+                                      <a:rPr lang="en-US" sz="2800" b="0" i="1" smtClean="0">
+                                        <a:latin typeface="Cambria Math" panose="02040503050406030204" pitchFamily="18" charset="0"/>
+                                      </a:rPr>
+                                      <m:t>,</m:t>
+                                    </m:r>
+                                    <m:sSub>
+                                      <m:sSubPr>
+                                        <m:ctrlPr>
+                                          <a:rPr lang="en-US" sz="2800" b="0" i="1" smtClean="0">
+                                            <a:latin typeface="Cambria Math" panose="02040503050406030204" pitchFamily="18" charset="0"/>
+                                          </a:rPr>
+                                        </m:ctrlPr>
+                                      </m:sSubPr>
+                                      <m:e>
+                                        <m:r>
+                                          <a:rPr lang="en-US" sz="2800" b="0" i="1" smtClean="0">
+                                            <a:latin typeface="Cambria Math" panose="02040503050406030204" pitchFamily="18" charset="0"/>
+                                          </a:rPr>
+                                          <m:t>𝑥</m:t>
+                                        </m:r>
+                                      </m:e>
+                                      <m:sub>
+                                        <m:r>
+                                          <a:rPr lang="en-US" sz="2800" b="0" i="1" smtClean="0">
+                                            <a:latin typeface="Cambria Math" panose="02040503050406030204" pitchFamily="18" charset="0"/>
+                                          </a:rPr>
+                                          <m:t>1</m:t>
+                                        </m:r>
+                                      </m:sub>
+                                    </m:sSub>
+                                  </m:e>
+                                </m:d>
+                                <m:r>
+                                  <m:rPr>
+                                    <m:brk m:alnAt="7"/>
+                                  </m:rPr>
+                                  <a:rPr lang="en-US" i="1">
+                                    <a:latin typeface="Cambria Math" panose="02040503050406030204" pitchFamily="18" charset="0"/>
+                                  </a:rPr>
+                                  <m:t>,</m:t>
+                                </m:r>
+                                <m:r>
+                                  <a:rPr lang="en-US" b="0" i="1" smtClean="0">
+                                    <a:latin typeface="Cambria Math" panose="02040503050406030204" pitchFamily="18" charset="0"/>
+                                  </a:rPr>
+                                  <m:t> </m:t>
+                                </m:r>
+                                <m:r>
+                                  <a:rPr lang="en-US" i="1">
+                                    <a:latin typeface="Cambria Math" panose="02040503050406030204" pitchFamily="18" charset="0"/>
+                                  </a:rPr>
+                                  <m:t>𝑑</m:t>
+                                </m:r>
+                                <m:r>
+                                  <a:rPr lang="en-US" i="1">
+                                    <a:latin typeface="Cambria Math" panose="02040503050406030204" pitchFamily="18" charset="0"/>
+                                  </a:rPr>
+                                  <m:t>(</m:t>
+                                </m:r>
+                                <m:sSub>
+                                  <m:sSubPr>
+                                    <m:ctrlPr>
+                                      <a:rPr lang="en-US" i="1">
+                                        <a:latin typeface="Cambria Math" panose="02040503050406030204" pitchFamily="18" charset="0"/>
+                                      </a:rPr>
+                                    </m:ctrlPr>
+                                  </m:sSubPr>
+                                  <m:e>
+                                    <m:r>
+                                      <a:rPr lang="en-US" i="1">
+                                        <a:latin typeface="Cambria Math" panose="02040503050406030204" pitchFamily="18" charset="0"/>
+                                      </a:rPr>
+                                      <m:t>𝑥</m:t>
+                                    </m:r>
+                                  </m:e>
+                                  <m:sub>
+                                    <m:r>
+                                      <a:rPr lang="en-US" i="1">
+                                        <a:latin typeface="Cambria Math" panose="02040503050406030204" pitchFamily="18" charset="0"/>
+                                      </a:rPr>
+                                      <m:t>1</m:t>
+                                    </m:r>
+                                  </m:sub>
+                                </m:sSub>
+                                <m:r>
+                                  <m:rPr>
+                                    <m:brk m:alnAt="7"/>
+                                  </m:rPr>
+                                  <a:rPr lang="en-US" i="1">
+                                    <a:latin typeface="Cambria Math" panose="02040503050406030204" pitchFamily="18" charset="0"/>
+                                  </a:rPr>
+                                  <m:t>,</m:t>
+                                </m:r>
+                                <m:sSub>
+                                  <m:sSubPr>
+                                    <m:ctrlPr>
+                                      <a:rPr lang="en-US" i="1">
+                                        <a:latin typeface="Cambria Math" panose="02040503050406030204" pitchFamily="18" charset="0"/>
+                                      </a:rPr>
+                                    </m:ctrlPr>
+                                  </m:sSubPr>
+                                  <m:e>
+                                    <m:r>
+                                      <a:rPr lang="en-US" i="1">
+                                        <a:latin typeface="Cambria Math" panose="02040503050406030204" pitchFamily="18" charset="0"/>
+                                      </a:rPr>
+                                      <m:t>𝑥</m:t>
+                                    </m:r>
+                                  </m:e>
+                                  <m:sub>
+                                    <m:r>
+                                      <a:rPr lang="en-US" b="0" i="1" smtClean="0">
+                                        <a:latin typeface="Cambria Math" panose="02040503050406030204" pitchFamily="18" charset="0"/>
+                                      </a:rPr>
+                                      <m:t>2</m:t>
+                                    </m:r>
+                                  </m:sub>
+                                </m:sSub>
+                                <m:r>
+                                  <m:rPr>
+                                    <m:brk m:alnAt="7"/>
+                                  </m:rPr>
+                                  <a:rPr lang="en-US" i="1">
+                                    <a:latin typeface="Cambria Math" panose="02040503050406030204" pitchFamily="18" charset="0"/>
+                                  </a:rPr>
+                                  <m:t>)</m:t>
+                                </m:r>
+                              </m:e>
+                              <m:e>
+                                <m:r>
+                                  <a:rPr lang="en-US" sz="2800" b="0" i="1" smtClean="0">
+                                    <a:latin typeface="Cambria Math" panose="02040503050406030204" pitchFamily="18" charset="0"/>
+                                  </a:rPr>
+                                  <m:t>⋯</m:t>
+                                </m:r>
+                              </m:e>
+                              <m:e>
+                                <m:r>
+                                  <m:rPr>
+                                    <m:brk m:alnAt="7"/>
+                                  </m:rPr>
+                                  <a:rPr lang="en-US" i="1">
+                                    <a:latin typeface="Cambria Math" panose="02040503050406030204" pitchFamily="18" charset="0"/>
+                                  </a:rPr>
+                                  <m:t>𝑑</m:t>
+                                </m:r>
+                                <m:r>
+                                  <a:rPr lang="en-US" i="1">
+                                    <a:latin typeface="Cambria Math" panose="02040503050406030204" pitchFamily="18" charset="0"/>
+                                  </a:rPr>
+                                  <m:t>(</m:t>
+                                </m:r>
+                                <m:sSub>
+                                  <m:sSubPr>
+                                    <m:ctrlPr>
+                                      <a:rPr lang="en-US" i="1">
+                                        <a:latin typeface="Cambria Math" panose="02040503050406030204" pitchFamily="18" charset="0"/>
+                                      </a:rPr>
+                                    </m:ctrlPr>
+                                  </m:sSubPr>
+                                  <m:e>
+                                    <m:r>
+                                      <a:rPr lang="en-US" i="1">
+                                        <a:latin typeface="Cambria Math" panose="02040503050406030204" pitchFamily="18" charset="0"/>
+                                      </a:rPr>
+                                      <m:t>𝑥</m:t>
+                                    </m:r>
+                                  </m:e>
+                                  <m:sub>
+                                    <m:r>
+                                      <a:rPr lang="en-US" i="1">
+                                        <a:latin typeface="Cambria Math" panose="02040503050406030204" pitchFamily="18" charset="0"/>
+                                      </a:rPr>
+                                      <m:t>1</m:t>
+                                    </m:r>
+                                  </m:sub>
+                                </m:sSub>
+                                <m:r>
+                                  <m:rPr>
+                                    <m:brk m:alnAt="7"/>
+                                  </m:rPr>
+                                  <a:rPr lang="en-US" i="1">
+                                    <a:latin typeface="Cambria Math" panose="02040503050406030204" pitchFamily="18" charset="0"/>
+                                  </a:rPr>
+                                  <m:t>,</m:t>
+                                </m:r>
+                                <m:sSub>
+                                  <m:sSubPr>
+                                    <m:ctrlPr>
+                                      <a:rPr lang="en-US" i="1">
+                                        <a:latin typeface="Cambria Math" panose="02040503050406030204" pitchFamily="18" charset="0"/>
+                                      </a:rPr>
+                                    </m:ctrlPr>
+                                  </m:sSubPr>
+                                  <m:e>
+                                    <m:r>
+                                      <a:rPr lang="en-US" i="1">
+                                        <a:latin typeface="Cambria Math" panose="02040503050406030204" pitchFamily="18" charset="0"/>
+                                      </a:rPr>
+                                      <m:t>𝑥</m:t>
+                                    </m:r>
+                                  </m:e>
+                                  <m:sub>
+                                    <m:r>
+                                      <a:rPr lang="en-US" b="0" i="1" smtClean="0">
+                                        <a:latin typeface="Cambria Math" panose="02040503050406030204" pitchFamily="18" charset="0"/>
+                                      </a:rPr>
+                                      <m:t>𝑛</m:t>
+                                    </m:r>
+                                  </m:sub>
+                                </m:sSub>
+                                <m:r>
+                                  <m:rPr>
+                                    <m:brk m:alnAt="7"/>
+                                  </m:rPr>
+                                  <a:rPr lang="en-US" i="1">
+                                    <a:latin typeface="Cambria Math" panose="02040503050406030204" pitchFamily="18" charset="0"/>
+                                  </a:rPr>
+                                  <m:t>)</m:t>
+                                </m:r>
+                              </m:e>
+                            </m:mr>
+                            <m:mr>
+                              <m:e>
+                                <m:r>
+                                  <a:rPr lang="en-US" sz="2800" b="0" i="1" smtClean="0">
+                                    <a:latin typeface="Cambria Math" panose="02040503050406030204" pitchFamily="18" charset="0"/>
+                                  </a:rPr>
+                                  <m:t>⋮</m:t>
+                                </m:r>
+                              </m:e>
+                              <m:e>
+                                <m:r>
+                                  <a:rPr lang="en-US" sz="2800" b="0" i="1" smtClean="0">
+                                    <a:latin typeface="Cambria Math" panose="02040503050406030204" pitchFamily="18" charset="0"/>
+                                  </a:rPr>
+                                  <m:t>⋱</m:t>
+                                </m:r>
+                              </m:e>
+                              <m:e>
+                                <m:r>
+                                  <a:rPr lang="en-US" sz="2800" b="0" i="1" smtClean="0">
+                                    <a:latin typeface="Cambria Math" panose="02040503050406030204" pitchFamily="18" charset="0"/>
+                                  </a:rPr>
+                                  <m:t>⋮</m:t>
+                                </m:r>
+                              </m:e>
+                            </m:mr>
+                            <m:mr>
+                              <m:e>
+                                <m:r>
+                                  <m:rPr>
+                                    <m:brk m:alnAt="7"/>
+                                  </m:rPr>
+                                  <a:rPr lang="en-US" i="1">
+                                    <a:latin typeface="Cambria Math" panose="02040503050406030204" pitchFamily="18" charset="0"/>
+                                  </a:rPr>
+                                  <m:t>𝑑</m:t>
+                                </m:r>
+                                <m:d>
+                                  <m:dPr>
+                                    <m:ctrlPr>
+                                      <a:rPr lang="en-US" i="1">
+                                        <a:latin typeface="Cambria Math" panose="02040503050406030204" pitchFamily="18" charset="0"/>
+                                      </a:rPr>
+                                    </m:ctrlPr>
+                                  </m:dPr>
+                                  <m:e>
+                                    <m:r>
+                                      <a:rPr lang="en-US" b="0" i="1" smtClean="0">
+                                        <a:latin typeface="Cambria Math" panose="02040503050406030204" pitchFamily="18" charset="0"/>
+                                      </a:rPr>
+                                      <m:t>𝑥</m:t>
+                                    </m:r>
+                                    <m:r>
+                                      <m:rPr>
+                                        <m:brk m:alnAt="7"/>
+                                      </m:rPr>
+                                      <a:rPr lang="en-US" b="0" i="1" baseline="-25000" smtClean="0">
+                                        <a:latin typeface="Cambria Math" panose="02040503050406030204" pitchFamily="18" charset="0"/>
+                                      </a:rPr>
+                                      <m:t>𝑛</m:t>
+                                    </m:r>
+                                    <m:r>
+                                      <a:rPr lang="en-US" i="1">
+                                        <a:latin typeface="Cambria Math" panose="02040503050406030204" pitchFamily="18" charset="0"/>
+                                      </a:rPr>
+                                      <m:t>,</m:t>
+                                    </m:r>
+                                    <m:sSub>
+                                      <m:sSubPr>
+                                        <m:ctrlPr>
+                                          <a:rPr lang="en-US" i="1">
+                                            <a:latin typeface="Cambria Math" panose="02040503050406030204" pitchFamily="18" charset="0"/>
+                                          </a:rPr>
+                                        </m:ctrlPr>
+                                      </m:sSubPr>
+                                      <m:e>
+                                        <m:r>
+                                          <a:rPr lang="en-US" i="1">
+                                            <a:latin typeface="Cambria Math" panose="02040503050406030204" pitchFamily="18" charset="0"/>
+                                          </a:rPr>
+                                          <m:t>𝑥</m:t>
+                                        </m:r>
+                                      </m:e>
+                                      <m:sub>
+                                        <m:r>
+                                          <a:rPr lang="en-US" i="1">
+                                            <a:latin typeface="Cambria Math" panose="02040503050406030204" pitchFamily="18" charset="0"/>
+                                          </a:rPr>
+                                          <m:t>1</m:t>
+                                        </m:r>
+                                      </m:sub>
+                                    </m:sSub>
+                                  </m:e>
+                                </m:d>
+                                <m:r>
+                                  <m:rPr>
+                                    <m:brk m:alnAt="7"/>
+                                  </m:rPr>
+                                  <a:rPr lang="en-US" b="0" i="1" smtClean="0">
+                                    <a:latin typeface="Cambria Math" panose="02040503050406030204" pitchFamily="18" charset="0"/>
+                                  </a:rPr>
+                                  <m:t>,</m:t>
+                                </m:r>
+                                <m:r>
+                                  <a:rPr lang="en-US" i="1">
+                                    <a:latin typeface="Cambria Math" panose="02040503050406030204" pitchFamily="18" charset="0"/>
+                                  </a:rPr>
+                                  <m:t>𝑑</m:t>
+                                </m:r>
+                                <m:r>
+                                  <a:rPr lang="en-US" i="1">
+                                    <a:latin typeface="Cambria Math" panose="02040503050406030204" pitchFamily="18" charset="0"/>
+                                  </a:rPr>
+                                  <m:t>(</m:t>
+                                </m:r>
+                                <m:sSub>
+                                  <m:sSubPr>
+                                    <m:ctrlPr>
+                                      <a:rPr lang="en-US" i="1">
+                                        <a:latin typeface="Cambria Math" panose="02040503050406030204" pitchFamily="18" charset="0"/>
+                                      </a:rPr>
+                                    </m:ctrlPr>
+                                  </m:sSubPr>
+                                  <m:e>
+                                    <m:r>
+                                      <a:rPr lang="en-US" i="1">
+                                        <a:latin typeface="Cambria Math" panose="02040503050406030204" pitchFamily="18" charset="0"/>
+                                      </a:rPr>
+                                      <m:t>𝑥</m:t>
+                                    </m:r>
+                                  </m:e>
+                                  <m:sub>
+                                    <m:r>
+                                      <a:rPr lang="en-US" b="0" i="1" smtClean="0">
+                                        <a:latin typeface="Cambria Math" panose="02040503050406030204" pitchFamily="18" charset="0"/>
+                                      </a:rPr>
+                                      <m:t>𝑛</m:t>
+                                    </m:r>
+                                  </m:sub>
+                                </m:sSub>
+                                <m:r>
+                                  <m:rPr>
+                                    <m:brk m:alnAt="7"/>
+                                  </m:rPr>
+                                  <a:rPr lang="en-US" i="1">
+                                    <a:latin typeface="Cambria Math" panose="02040503050406030204" pitchFamily="18" charset="0"/>
+                                  </a:rPr>
+                                  <m:t>,</m:t>
+                                </m:r>
+                                <m:sSub>
+                                  <m:sSubPr>
+                                    <m:ctrlPr>
+                                      <a:rPr lang="en-US" i="1">
+                                        <a:latin typeface="Cambria Math" panose="02040503050406030204" pitchFamily="18" charset="0"/>
+                                      </a:rPr>
+                                    </m:ctrlPr>
+                                  </m:sSubPr>
+                                  <m:e>
+                                    <m:r>
+                                      <a:rPr lang="en-US" i="1">
+                                        <a:latin typeface="Cambria Math" panose="02040503050406030204" pitchFamily="18" charset="0"/>
+                                      </a:rPr>
+                                      <m:t>𝑥</m:t>
+                                    </m:r>
+                                  </m:e>
+                                  <m:sub>
+                                    <m:r>
+                                      <a:rPr lang="en-US" b="0" i="1" smtClean="0">
+                                        <a:latin typeface="Cambria Math" panose="02040503050406030204" pitchFamily="18" charset="0"/>
+                                      </a:rPr>
+                                      <m:t>2</m:t>
+                                    </m:r>
+                                  </m:sub>
+                                </m:sSub>
+                                <m:r>
+                                  <m:rPr>
+                                    <m:brk m:alnAt="7"/>
+                                  </m:rPr>
+                                  <a:rPr lang="en-US" i="1">
+                                    <a:latin typeface="Cambria Math" panose="02040503050406030204" pitchFamily="18" charset="0"/>
+                                  </a:rPr>
+                                  <m:t>)</m:t>
+                                </m:r>
+                              </m:e>
+                              <m:e>
+                                <m:r>
+                                  <a:rPr lang="en-US" sz="2800" b="0" i="1" smtClean="0">
+                                    <a:latin typeface="Cambria Math" panose="02040503050406030204" pitchFamily="18" charset="0"/>
+                                  </a:rPr>
+                                  <m:t>⋯</m:t>
+                                </m:r>
+                              </m:e>
+                              <m:e>
+                                <m:r>
+                                  <m:rPr>
+                                    <m:brk m:alnAt="7"/>
+                                  </m:rPr>
+                                  <a:rPr lang="en-US" i="1">
+                                    <a:latin typeface="Cambria Math" panose="02040503050406030204" pitchFamily="18" charset="0"/>
+                                  </a:rPr>
+                                  <m:t>𝑑</m:t>
+                                </m:r>
+                                <m:r>
+                                  <a:rPr lang="en-US" i="1">
+                                    <a:latin typeface="Cambria Math" panose="02040503050406030204" pitchFamily="18" charset="0"/>
+                                  </a:rPr>
+                                  <m:t>(</m:t>
+                                </m:r>
+                                <m:sSub>
+                                  <m:sSubPr>
+                                    <m:ctrlPr>
+                                      <a:rPr lang="en-US" i="1">
+                                        <a:latin typeface="Cambria Math" panose="02040503050406030204" pitchFamily="18" charset="0"/>
+                                      </a:rPr>
+                                    </m:ctrlPr>
+                                  </m:sSubPr>
+                                  <m:e>
+                                    <m:r>
+                                      <a:rPr lang="en-US" i="1">
+                                        <a:latin typeface="Cambria Math" panose="02040503050406030204" pitchFamily="18" charset="0"/>
+                                      </a:rPr>
+                                      <m:t>𝑥</m:t>
+                                    </m:r>
+                                  </m:e>
+                                  <m:sub>
+                                    <m:r>
+                                      <a:rPr lang="en-US" b="0" i="1" smtClean="0">
+                                        <a:latin typeface="Cambria Math" panose="02040503050406030204" pitchFamily="18" charset="0"/>
+                                      </a:rPr>
+                                      <m:t>𝑛</m:t>
+                                    </m:r>
+                                  </m:sub>
+                                </m:sSub>
+                                <m:r>
+                                  <m:rPr>
+                                    <m:brk m:alnAt="7"/>
+                                  </m:rPr>
+                                  <a:rPr lang="en-US" i="1">
+                                    <a:latin typeface="Cambria Math" panose="02040503050406030204" pitchFamily="18" charset="0"/>
+                                  </a:rPr>
+                                  <m:t>,</m:t>
+                                </m:r>
+                                <m:sSub>
+                                  <m:sSubPr>
+                                    <m:ctrlPr>
+                                      <a:rPr lang="en-US" i="1">
+                                        <a:latin typeface="Cambria Math" panose="02040503050406030204" pitchFamily="18" charset="0"/>
+                                      </a:rPr>
+                                    </m:ctrlPr>
+                                  </m:sSubPr>
+                                  <m:e>
+                                    <m:r>
+                                      <a:rPr lang="en-US" i="1">
+                                        <a:latin typeface="Cambria Math" panose="02040503050406030204" pitchFamily="18" charset="0"/>
+                                      </a:rPr>
+                                      <m:t>𝑥</m:t>
+                                    </m:r>
+                                  </m:e>
+                                  <m:sub>
+                                    <m:r>
+                                      <a:rPr lang="en-US" b="0" i="1" smtClean="0">
+                                        <a:latin typeface="Cambria Math" panose="02040503050406030204" pitchFamily="18" charset="0"/>
+                                      </a:rPr>
+                                      <m:t>𝑛</m:t>
+                                    </m:r>
+                                  </m:sub>
+                                </m:sSub>
+                                <m:r>
+                                  <m:rPr>
+                                    <m:brk m:alnAt="7"/>
+                                  </m:rPr>
+                                  <a:rPr lang="en-US" i="1">
+                                    <a:latin typeface="Cambria Math" panose="02040503050406030204" pitchFamily="18" charset="0"/>
+                                  </a:rPr>
+                                  <m:t>)</m:t>
+                                </m:r>
+                              </m:e>
+                            </m:mr>
+                          </m:m>
+                        </m:e>
+                      </m:d>
+                    </m:oMath>
+                  </m:oMathPara>
+                </a14:m>
+                <a:endParaRPr lang="en-US" sz="2800" dirty="0">
+                  <a:latin typeface="+mn-lt"/>
+                </a:endParaRPr>
+              </a:p>
+              <a:p>
+                <a:pPr lvl="1"/>
+                <a:endParaRPr lang="en-US" dirty="0"/>
+              </a:p>
+              <a:p>
+                <a:r>
+                  <a:rPr lang="en-US" dirty="0">
+                    <a:latin typeface="+mn-lt"/>
+                  </a:rPr>
+                  <a:t>Only need to store upper (or lower) triangular elements of array  </a:t>
+                </a:r>
+              </a:p>
+              <a:p>
+                <a:r>
+                  <a:rPr lang="en-US" dirty="0">
+                    <a:latin typeface="+mn-lt"/>
+                  </a:rPr>
+                  <a:t>Is a </a:t>
+                </a:r>
+                <a:r>
+                  <a:rPr lang="en-US" b="1" dirty="0">
+                    <a:latin typeface="+mn-lt"/>
+                  </a:rPr>
+                  <a:t>dense and memory intensive representation</a:t>
+                </a:r>
+                <a:r>
+                  <a:rPr lang="en-US" dirty="0">
+                    <a:latin typeface="+mn-lt"/>
+                  </a:rPr>
+                  <a:t> requiring </a:t>
+                </a:r>
+                <a14:m>
+                  <m:oMath xmlns:m="http://schemas.openxmlformats.org/officeDocument/2006/math">
+                    <m:r>
+                      <a:rPr lang="en-US" b="1" i="1">
+                        <a:latin typeface="Cambria Math" panose="02040503050406030204" pitchFamily="18" charset="0"/>
+                      </a:rPr>
+                      <m:t>𝑶</m:t>
+                    </m:r>
+                    <m:d>
+                      <m:dPr>
+                        <m:ctrlPr>
+                          <a:rPr lang="en-US" b="1" i="1" smtClean="0">
+                            <a:latin typeface="Cambria Math" panose="02040503050406030204" pitchFamily="18" charset="0"/>
+                          </a:rPr>
+                        </m:ctrlPr>
+                      </m:dPr>
+                      <m:e>
+                        <m:sSup>
+                          <m:sSupPr>
+                            <m:ctrlPr>
+                              <a:rPr lang="en-US" b="1" i="1" smtClean="0">
+                                <a:latin typeface="Cambria Math" panose="02040503050406030204" pitchFamily="18" charset="0"/>
+                              </a:rPr>
+                            </m:ctrlPr>
+                          </m:sSupPr>
+                          <m:e>
+                            <m:r>
+                              <a:rPr lang="en-US" b="1" i="1" smtClean="0">
+                                <a:latin typeface="Cambria Math" panose="02040503050406030204" pitchFamily="18" charset="0"/>
+                              </a:rPr>
+                              <m:t>𝒏</m:t>
+                            </m:r>
+                          </m:e>
+                          <m:sup>
+                            <m:r>
+                              <a:rPr lang="en-US" b="1" i="1" smtClean="0">
+                                <a:latin typeface="Cambria Math" panose="02040503050406030204" pitchFamily="18" charset="0"/>
+                              </a:rPr>
+                              <m:t>𝟐</m:t>
+                            </m:r>
+                          </m:sup>
+                        </m:sSup>
+                      </m:e>
+                    </m:d>
+                  </m:oMath>
+                </a14:m>
+                <a:r>
+                  <a:rPr lang="en-US" b="1" dirty="0">
+                    <a:latin typeface="+mn-lt"/>
+                  </a:rPr>
+                  <a:t>  </a:t>
+                </a:r>
+                <a:r>
+                  <a:rPr lang="en-US" dirty="0">
+                    <a:latin typeface="+mn-lt"/>
+                  </a:rPr>
+                  <a:t>memory</a:t>
+                </a:r>
+              </a:p>
+              <a:p>
+                <a:pPr marL="0" indent="0">
+                  <a:buNone/>
+                </a:pPr>
+                <a:endParaRPr lang="en-US" b="1" dirty="0">
+                  <a:latin typeface="+mn-lt"/>
+                </a:endParaRPr>
+              </a:p>
+            </p:txBody>
+          </p:sp>
+        </mc:Choice>
+        <mc:Fallback xmlns="">
+          <p:sp>
+            <p:nvSpPr>
+              <p:cNvPr id="3" name="Content Placeholder 2"/>
+              <p:cNvSpPr>
+                <a:spLocks noGrp="1" noRot="1" noChangeAspect="1" noMove="1" noResize="1" noEditPoints="1" noAdjustHandles="1" noChangeArrowheads="1" noChangeShapeType="1" noTextEdit="1"/>
+              </p:cNvSpPr>
+              <p:nvPr>
+                <p:ph sz="quarter" idx="10"/>
+              </p:nvPr>
+            </p:nvSpPr>
+            <p:spPr>
+              <a:xfrm>
+                <a:off x="333375" y="896078"/>
+                <a:ext cx="11525250" cy="5523771"/>
+              </a:xfrm>
+              <a:blipFill>
+                <a:blip r:embed="rId3"/>
+                <a:stretch>
+                  <a:fillRect l="-1111" t="-1876" r="-370"/>
+                </a:stretch>
+              </a:blipFill>
+            </p:spPr>
+            <p:txBody>
+              <a:bodyPr/>
+              <a:lstStyle/>
+              <a:p>
+                <a:r>
+                  <a:rPr lang="en-US">
+                    <a:noFill/>
+                  </a:rPr>
+                  <a:t> </a:t>
+                </a:r>
+              </a:p>
+            </p:txBody>
+          </p:sp>
+        </mc:Fallback>
+      </mc:AlternateContent>
+    </p:spTree>
+    <p:extLst>
+      <p:ext uri="{BB962C8B-B14F-4D97-AF65-F5344CB8AC3E}">
+        <p14:creationId xmlns:p14="http://schemas.microsoft.com/office/powerpoint/2010/main" val="1533864591"/>
+      </p:ext>
+    </p:extLst>
+  </p:cSld>
+  <p:clrMapOvr>
+    <a:masterClrMapping/>
+  </p:clrMapOvr>
+  <p:timing>
+    <p:tnLst>
+      <p:par>
+        <p:cTn id="1" dur="indefinite" restart="never" nodeType="tmRoot">
+          <p:childTnLst>
+            <p:seq concurrent="1" nextAc="seek">
+              <p:cTn id="2" dur="indefinite" nodeType="mainSeq">
+                <p:childTnLst>
+                  <p:par>
+                    <p:cTn id="3" fill="hold">
+                      <p:stCondLst>
+                        <p:cond delay="indefinite"/>
+                      </p:stCondLst>
+                      <p:childTnLst>
+                        <p:par>
+                          <p:cTn id="4" fill="hold">
+                            <p:stCondLst>
+                              <p:cond delay="0"/>
+                            </p:stCondLst>
+                            <p:childTnLst>
+                              <p:par>
+                                <p:cTn id="5" presetID="1" presetClass="entr" presetSubtype="0" fill="hold" nodeType="clickEffect">
+                                  <p:stCondLst>
+                                    <p:cond delay="0"/>
+                                  </p:stCondLst>
+                                  <p:childTnLst>
+                                    <p:set>
+                                      <p:cBhvr>
+                                        <p:cTn id="6" dur="1" fill="hold">
+                                          <p:stCondLst>
+                                            <p:cond delay="0"/>
+                                          </p:stCondLst>
+                                        </p:cTn>
+                                        <p:tgtEl>
+                                          <p:spTgt spid="3">
+                                            <p:txEl>
+                                              <p:pRg st="4" end="4"/>
+                                            </p:txEl>
+                                          </p:spTgt>
+                                        </p:tgtEl>
+                                        <p:attrNameLst>
+                                          <p:attrName>style.visibility</p:attrName>
+                                        </p:attrNameLst>
+                                      </p:cBhvr>
+                                      <p:to>
+                                        <p:strVal val="visible"/>
+                                      </p:to>
+                                    </p:set>
+                                  </p:childTnLst>
+                                </p:cTn>
+                              </p:par>
+                            </p:childTnLst>
+                          </p:cTn>
+                        </p:par>
+                      </p:childTnLst>
+                    </p:cTn>
+                  </p:par>
+                  <p:par>
+                    <p:cTn id="7" fill="hold">
+                      <p:stCondLst>
+                        <p:cond delay="indefinite"/>
+                      </p:stCondLst>
+                      <p:childTnLst>
+                        <p:par>
+                          <p:cTn id="8" fill="hold">
+                            <p:stCondLst>
+                              <p:cond delay="0"/>
+                            </p:stCondLst>
+                            <p:childTnLst>
+                              <p:par>
+                                <p:cTn id="9" presetID="1" presetClass="entr" presetSubtype="0" fill="hold" nodeType="clickEffect">
+                                  <p:stCondLst>
+                                    <p:cond delay="0"/>
+                                  </p:stCondLst>
+                                  <p:childTnLst>
+                                    <p:set>
+                                      <p:cBhvr>
+                                        <p:cTn id="10" dur="1" fill="hold">
+                                          <p:stCondLst>
+                                            <p:cond delay="0"/>
+                                          </p:stCondLst>
+                                        </p:cTn>
+                                        <p:tgtEl>
+                                          <p:spTgt spid="3">
+                                            <p:txEl>
+                                              <p:pRg st="5" end="5"/>
+                                            </p:txEl>
+                                          </p:spTgt>
+                                        </p:tgtEl>
+                                        <p:attrNameLst>
+                                          <p:attrName>style.visibility</p:attrName>
+                                        </p:attrNameLst>
+                                      </p:cBhvr>
+                                      <p:to>
+                                        <p:strVal val="visible"/>
+                                      </p:to>
+                                    </p:set>
+                                  </p:childTnLst>
+                                </p:cTn>
+                              </p:par>
+                            </p:childTnLst>
+                          </p:cTn>
+                        </p:par>
+                      </p:childTnLst>
+                    </p:cTn>
+                  </p:par>
+                </p:childTnLst>
+              </p:cTn>
+              <p:prevCondLst>
+                <p:cond evt="onPrev" delay="0">
+                  <p:tgtEl>
+                    <p:sldTgt/>
+                  </p:tgtEl>
+                </p:cond>
+              </p:prevCondLst>
+              <p:nextCondLst>
+                <p:cond evt="onNext" delay="0">
+                  <p:tgtEl>
+                    <p:sldTgt/>
+                  </p:tgtEl>
+                </p:cond>
+              </p:nextCondLst>
+            </p:seq>
+          </p:childTnLst>
+        </p:cTn>
+      </p:par>
+    </p:tnLst>
+  </p:timing>
+</p:sld>
+</file>
+
+<file path=ppt/slides/slide11.xml><?xml version="1.0" encoding="utf-8"?>
+<p:sld xmlns:a="http://schemas.openxmlformats.org/drawingml/2006/main" xmlns:r="http://schemas.openxmlformats.org/officeDocument/2006/relationships" xmlns:p="http://schemas.openxmlformats.org/presentationml/2006/main">
+  <p:cSld>
+    <p:spTree>
+      <p:nvGrpSpPr>
+        <p:cNvPr id="1" name="">
+          <a:extLst>
+            <a:ext uri="{FF2B5EF4-FFF2-40B4-BE49-F238E27FC236}">
+              <a16:creationId xmlns:a16="http://schemas.microsoft.com/office/drawing/2014/main" id="{01B672CC-21A1-D54E-D475-EFA6405D92DB}"/>
+            </a:ext>
+          </a:extLst>
+        </p:cNvPr>
+        <p:cNvGrpSpPr/>
+        <p:nvPr/>
+      </p:nvGrpSpPr>
+      <p:grpSpPr>
+        <a:xfrm>
+          <a:off x="0" y="0"/>
+          <a:ext cx="0" cy="0"/>
+          <a:chOff x="0" y="0"/>
+          <a:chExt cx="0" cy="0"/>
+        </a:xfrm>
+      </p:grpSpPr>
+      <p:sp>
+        <p:nvSpPr>
+          <p:cNvPr id="2" name="Title 1">
+            <a:extLst>
+              <a:ext uri="{FF2B5EF4-FFF2-40B4-BE49-F238E27FC236}">
+                <a16:creationId xmlns:a16="http://schemas.microsoft.com/office/drawing/2014/main" id="{FE845793-B39C-CE61-D1B0-1E4A2293A0BF}"/>
+              </a:ext>
+            </a:extLst>
+          </p:cNvPr>
+          <p:cNvSpPr>
+            <a:spLocks noGrp="1"/>
+          </p:cNvSpPr>
+          <p:nvPr>
+            <p:ph type="title"/>
+          </p:nvPr>
+        </p:nvSpPr>
+        <p:spPr>
+          <a:xfrm>
+            <a:off x="831850" y="1709738"/>
+            <a:ext cx="10515600" cy="2104337"/>
+          </a:xfrm>
+        </p:spPr>
+        <p:txBody>
+          <a:bodyPr/>
+          <a:lstStyle/>
+          <a:p>
+            <a:pPr algn="ctr"/>
+            <a:r>
+              <a:rPr lang="en-US" b="1" dirty="0"/>
+              <a:t>Basic Distance Metrics</a:t>
+            </a:r>
+          </a:p>
+        </p:txBody>
+      </p:sp>
+    </p:spTree>
+    <p:extLst>
+      <p:ext uri="{BB962C8B-B14F-4D97-AF65-F5344CB8AC3E}">
+        <p14:creationId xmlns:p14="http://schemas.microsoft.com/office/powerpoint/2010/main" val="301603255"/>
+      </p:ext>
+    </p:extLst>
+  </p:cSld>
+  <p:clrMapOvr>
+    <a:masterClrMapping/>
+  </p:clrMapOvr>
+</p:sld>
+</file>
+
+<file path=ppt/slides/slide12.xml><?xml version="1.0" encoding="utf-8"?>
 <p:sld xmlns:a="http://schemas.openxmlformats.org/drawingml/2006/main" xmlns:r="http://schemas.openxmlformats.org/officeDocument/2006/relationships" xmlns:p="http://schemas.openxmlformats.org/presentationml/2006/main">
   <p:cSld>
     <p:spTree>
@@ -8779,7 +9920,7 @@
 </p:sld>
 </file>
 
-<file path=ppt/slides/slide11.xml><?xml version="1.0" encoding="utf-8"?>
+<file path=ppt/slides/slide13.xml><?xml version="1.0" encoding="utf-8"?>
 <p:sld xmlns:a="http://schemas.openxmlformats.org/drawingml/2006/main" xmlns:r="http://schemas.openxmlformats.org/officeDocument/2006/relationships" xmlns:p="http://schemas.openxmlformats.org/presentationml/2006/main">
   <p:cSld>
     <p:spTree>
@@ -10661,7 +11802,7 @@
 </p:sld>
 </file>
 
-<file path=ppt/slides/slide12.xml><?xml version="1.0" encoding="utf-8"?>
+<file path=ppt/slides/slide14.xml><?xml version="1.0" encoding="utf-8"?>
 <p:sld xmlns:a="http://schemas.openxmlformats.org/drawingml/2006/main" xmlns:r="http://schemas.openxmlformats.org/officeDocument/2006/relationships" xmlns:p="http://schemas.openxmlformats.org/presentationml/2006/main">
   <p:cSld>
     <p:spTree>
@@ -12201,7 +13342,7 @@
 </p:sld>
 </file>
 
-<file path=ppt/slides/slide13.xml><?xml version="1.0" encoding="utf-8"?>
+<file path=ppt/slides/slide15.xml><?xml version="1.0" encoding="utf-8"?>
 <p:sld xmlns:a="http://schemas.openxmlformats.org/drawingml/2006/main" xmlns:r="http://schemas.openxmlformats.org/officeDocument/2006/relationships" xmlns:p="http://schemas.openxmlformats.org/presentationml/2006/main">
   <p:cSld>
     <p:spTree>
@@ -13082,7 +14223,7 @@
 </p:sld>
 </file>
 
-<file path=ppt/slides/slide14.xml><?xml version="1.0" encoding="utf-8"?>
+<file path=ppt/slides/slide16.xml><?xml version="1.0" encoding="utf-8"?>
 <p:sld xmlns:a="http://schemas.openxmlformats.org/drawingml/2006/main" xmlns:r="http://schemas.openxmlformats.org/officeDocument/2006/relationships" xmlns:p="http://schemas.openxmlformats.org/presentationml/2006/main">
   <p:cSld>
     <p:spTree>
@@ -13128,8 +14269,8 @@
           </a:p>
         </p:txBody>
       </p:sp>
-      <mc:AlternateContent xmlns:mc="http://schemas.openxmlformats.org/markup-compatibility/2006">
-        <mc:Choice xmlns:a14="http://schemas.microsoft.com/office/drawing/2010/main" Requires="a14">
+      <mc:AlternateContent xmlns:mc="http://schemas.openxmlformats.org/markup-compatibility/2006" xmlns:a14="http://schemas.microsoft.com/office/drawing/2010/main">
+        <mc:Choice Requires="a14">
           <p:sp>
             <p:nvSpPr>
               <p:cNvPr id="3" name="Content Placeholder 2"/>
@@ -13617,7 +14758,7 @@
             </p:txBody>
           </p:sp>
         </mc:Choice>
-        <mc:Fallback>
+        <mc:Fallback xmlns="">
           <p:sp>
             <p:nvSpPr>
               <p:cNvPr id="3" name="Content Placeholder 2"/>
@@ -13894,7 +15035,7 @@
 </p:sld>
 </file>
 
-<file path=ppt/slides/slide15.xml><?xml version="1.0" encoding="utf-8"?>
+<file path=ppt/slides/slide17.xml><?xml version="1.0" encoding="utf-8"?>
 <p:sld xmlns:a="http://schemas.openxmlformats.org/drawingml/2006/main" xmlns:r="http://schemas.openxmlformats.org/officeDocument/2006/relationships" xmlns:p="http://schemas.openxmlformats.org/presentationml/2006/main">
   <p:cSld>
     <p:spTree>
@@ -14083,7 +15224,7 @@
 </p:sld>
 </file>
 
-<file path=ppt/slides/slide16.xml><?xml version="1.0" encoding="utf-8"?>
+<file path=ppt/slides/slide18.xml><?xml version="1.0" encoding="utf-8"?>
 <p:sld xmlns:a="http://schemas.openxmlformats.org/drawingml/2006/main" xmlns:r="http://schemas.openxmlformats.org/officeDocument/2006/relationships" xmlns:p="http://schemas.openxmlformats.org/presentationml/2006/main">
   <p:cSld>
     <p:spTree>
@@ -14337,7 +15478,7 @@
 </p:sld>
 </file>
 
-<file path=ppt/slides/slide17.xml><?xml version="1.0" encoding="utf-8"?>
+<file path=ppt/slides/slide19.xml><?xml version="1.0" encoding="utf-8"?>
 <p:sld xmlns:a="http://schemas.openxmlformats.org/drawingml/2006/main" xmlns:r="http://schemas.openxmlformats.org/officeDocument/2006/relationships" xmlns:p="http://schemas.openxmlformats.org/presentationml/2006/main">
   <p:cSld>
     <p:spTree>
@@ -15054,7 +16195,492 @@
 </p:sld>
 </file>
 
-<file path=ppt/slides/slide18.xml><?xml version="1.0" encoding="utf-8"?>
+<file path=ppt/slides/slide2.xml><?xml version="1.0" encoding="utf-8"?>
+<p:sld xmlns:a="http://schemas.openxmlformats.org/drawingml/2006/main" xmlns:r="http://schemas.openxmlformats.org/officeDocument/2006/relationships" xmlns:p="http://schemas.openxmlformats.org/presentationml/2006/main">
+  <p:cSld>
+    <p:spTree>
+      <p:nvGrpSpPr>
+        <p:cNvPr id="1" name=""/>
+        <p:cNvGrpSpPr/>
+        <p:nvPr/>
+      </p:nvGrpSpPr>
+      <p:grpSpPr>
+        <a:xfrm>
+          <a:off x="0" y="0"/>
+          <a:ext cx="0" cy="0"/>
+          <a:chOff x="0" y="0"/>
+          <a:chExt cx="0" cy="0"/>
+        </a:xfrm>
+      </p:grpSpPr>
+      <p:sp>
+        <p:nvSpPr>
+          <p:cNvPr id="2" name="Title 1"/>
+          <p:cNvSpPr>
+            <a:spLocks noGrp="1"/>
+          </p:cNvSpPr>
+          <p:nvPr>
+            <p:ph type="title"/>
+          </p:nvPr>
+        </p:nvSpPr>
+        <p:spPr>
+          <a:xfrm>
+            <a:off x="584200" y="221992"/>
+            <a:ext cx="10515600" cy="530954"/>
+          </a:xfrm>
+        </p:spPr>
+        <p:txBody>
+          <a:bodyPr>
+            <a:normAutofit fontScale="90000"/>
+          </a:bodyPr>
+          <a:lstStyle/>
+          <a:p>
+            <a:r>
+              <a:rPr lang="en-US" dirty="0"/>
+              <a:t>Measuring similarity and dissimilarity</a:t>
+            </a:r>
+          </a:p>
+        </p:txBody>
+      </p:sp>
+      <p:sp>
+        <p:nvSpPr>
+          <p:cNvPr id="3" name="Content Placeholder 2"/>
+          <p:cNvSpPr>
+            <a:spLocks noGrp="1"/>
+          </p:cNvSpPr>
+          <p:nvPr>
+            <p:ph sz="quarter" idx="10"/>
+          </p:nvPr>
+        </p:nvSpPr>
+        <p:spPr>
+          <a:xfrm>
+            <a:off x="333375" y="896079"/>
+            <a:ext cx="11525250" cy="5290388"/>
+          </a:xfrm>
+        </p:spPr>
+        <p:txBody>
+          <a:bodyPr>
+            <a:normAutofit/>
+          </a:bodyPr>
+          <a:lstStyle/>
+          <a:p>
+            <a:pPr marL="0" indent="0">
+              <a:buNone/>
+            </a:pPr>
+            <a:r>
+              <a:rPr lang="en-US" dirty="0">
+                <a:latin typeface="+mn-lt"/>
+              </a:rPr>
+              <a:t>Many data mining algorithms require searching for the most similar or dissimilar cases</a:t>
+            </a:r>
+          </a:p>
+          <a:p>
+            <a:r>
+              <a:rPr lang="en-US" dirty="0">
+                <a:latin typeface="+mn-lt"/>
+              </a:rPr>
+              <a:t>Cluster models  </a:t>
+            </a:r>
+          </a:p>
+          <a:p>
+            <a:r>
+              <a:rPr lang="en-US" dirty="0">
+                <a:latin typeface="+mn-lt"/>
+              </a:rPr>
+              <a:t>Nearest neighbor graph algorithms   </a:t>
+            </a:r>
+          </a:p>
+          <a:p>
+            <a:r>
+              <a:rPr lang="en-US" dirty="0">
+                <a:latin typeface="+mn-lt"/>
+              </a:rPr>
+              <a:t>Recommender systems   </a:t>
+            </a:r>
+          </a:p>
+          <a:p>
+            <a:r>
+              <a:rPr lang="en-US" dirty="0">
+                <a:latin typeface="+mn-lt"/>
+              </a:rPr>
+              <a:t>Dimensionality reduction </a:t>
+            </a:r>
+          </a:p>
+          <a:p>
+            <a:r>
+              <a:rPr lang="en-US" dirty="0">
+                <a:latin typeface="+mn-lt"/>
+              </a:rPr>
+              <a:t>Retrieval augmented generation (RAG)</a:t>
+            </a:r>
+          </a:p>
+          <a:p>
+            <a:r>
+              <a:rPr lang="en-US" dirty="0" err="1">
+                <a:latin typeface="+mn-lt"/>
+              </a:rPr>
+              <a:t>Etc</a:t>
+            </a:r>
+            <a:r>
+              <a:rPr lang="en-US" dirty="0">
+                <a:latin typeface="+mn-lt"/>
+              </a:rPr>
+              <a:t>…     </a:t>
+            </a:r>
+          </a:p>
+          <a:p>
+            <a:endParaRPr lang="en-US" dirty="0">
+              <a:latin typeface="+mn-lt"/>
+            </a:endParaRPr>
+          </a:p>
+          <a:p>
+            <a:endParaRPr lang="en-US" sz="2800" dirty="0">
+              <a:latin typeface="+mn-lt"/>
+            </a:endParaRPr>
+          </a:p>
+          <a:p>
+            <a:pPr lvl="1"/>
+            <a:endParaRPr lang="en-US" dirty="0"/>
+          </a:p>
+        </p:txBody>
+      </p:sp>
+    </p:spTree>
+    <p:extLst>
+      <p:ext uri="{BB962C8B-B14F-4D97-AF65-F5344CB8AC3E}">
+        <p14:creationId xmlns:p14="http://schemas.microsoft.com/office/powerpoint/2010/main" val="92654233"/>
+      </p:ext>
+    </p:extLst>
+  </p:cSld>
+  <p:clrMapOvr>
+    <a:masterClrMapping/>
+  </p:clrMapOvr>
+  <p:timing>
+    <p:tnLst>
+      <p:par>
+        <p:cTn id="1" dur="indefinite" restart="never" nodeType="tmRoot">
+          <p:childTnLst>
+            <p:seq concurrent="1" nextAc="seek">
+              <p:cTn id="2" dur="indefinite" nodeType="mainSeq">
+                <p:childTnLst>
+                  <p:par>
+                    <p:cTn id="3" fill="hold">
+                      <p:stCondLst>
+                        <p:cond delay="indefinite"/>
+                      </p:stCondLst>
+                      <p:childTnLst>
+                        <p:par>
+                          <p:cTn id="4" fill="hold">
+                            <p:stCondLst>
+                              <p:cond delay="0"/>
+                            </p:stCondLst>
+                            <p:childTnLst>
+                              <p:par>
+                                <p:cTn id="5" presetID="1" presetClass="entr" presetSubtype="0" fill="hold" nodeType="clickEffect">
+                                  <p:stCondLst>
+                                    <p:cond delay="0"/>
+                                  </p:stCondLst>
+                                  <p:childTnLst>
+                                    <p:set>
+                                      <p:cBhvr>
+                                        <p:cTn id="6" dur="1" fill="hold">
+                                          <p:stCondLst>
+                                            <p:cond delay="0"/>
+                                          </p:stCondLst>
+                                        </p:cTn>
+                                        <p:tgtEl>
+                                          <p:spTgt spid="3">
+                                            <p:txEl>
+                                              <p:pRg st="1" end="1"/>
+                                            </p:txEl>
+                                          </p:spTgt>
+                                        </p:tgtEl>
+                                        <p:attrNameLst>
+                                          <p:attrName>style.visibility</p:attrName>
+                                        </p:attrNameLst>
+                                      </p:cBhvr>
+                                      <p:to>
+                                        <p:strVal val="visible"/>
+                                      </p:to>
+                                    </p:set>
+                                  </p:childTnLst>
+                                </p:cTn>
+                              </p:par>
+                            </p:childTnLst>
+                          </p:cTn>
+                        </p:par>
+                      </p:childTnLst>
+                    </p:cTn>
+                  </p:par>
+                  <p:par>
+                    <p:cTn id="7" fill="hold">
+                      <p:stCondLst>
+                        <p:cond delay="indefinite"/>
+                      </p:stCondLst>
+                      <p:childTnLst>
+                        <p:par>
+                          <p:cTn id="8" fill="hold">
+                            <p:stCondLst>
+                              <p:cond delay="0"/>
+                            </p:stCondLst>
+                            <p:childTnLst>
+                              <p:par>
+                                <p:cTn id="9" presetID="1" presetClass="entr" presetSubtype="0" fill="hold" nodeType="clickEffect">
+                                  <p:stCondLst>
+                                    <p:cond delay="0"/>
+                                  </p:stCondLst>
+                                  <p:childTnLst>
+                                    <p:set>
+                                      <p:cBhvr>
+                                        <p:cTn id="10" dur="1" fill="hold">
+                                          <p:stCondLst>
+                                            <p:cond delay="0"/>
+                                          </p:stCondLst>
+                                        </p:cTn>
+                                        <p:tgtEl>
+                                          <p:spTgt spid="3">
+                                            <p:txEl>
+                                              <p:pRg st="2" end="2"/>
+                                            </p:txEl>
+                                          </p:spTgt>
+                                        </p:tgtEl>
+                                        <p:attrNameLst>
+                                          <p:attrName>style.visibility</p:attrName>
+                                        </p:attrNameLst>
+                                      </p:cBhvr>
+                                      <p:to>
+                                        <p:strVal val="visible"/>
+                                      </p:to>
+                                    </p:set>
+                                  </p:childTnLst>
+                                </p:cTn>
+                              </p:par>
+                            </p:childTnLst>
+                          </p:cTn>
+                        </p:par>
+                      </p:childTnLst>
+                    </p:cTn>
+                  </p:par>
+                  <p:par>
+                    <p:cTn id="11" fill="hold">
+                      <p:stCondLst>
+                        <p:cond delay="indefinite"/>
+                      </p:stCondLst>
+                      <p:childTnLst>
+                        <p:par>
+                          <p:cTn id="12" fill="hold">
+                            <p:stCondLst>
+                              <p:cond delay="0"/>
+                            </p:stCondLst>
+                            <p:childTnLst>
+                              <p:par>
+                                <p:cTn id="13" presetID="1" presetClass="entr" presetSubtype="0" fill="hold" nodeType="clickEffect">
+                                  <p:stCondLst>
+                                    <p:cond delay="0"/>
+                                  </p:stCondLst>
+                                  <p:childTnLst>
+                                    <p:set>
+                                      <p:cBhvr>
+                                        <p:cTn id="14" dur="1" fill="hold">
+                                          <p:stCondLst>
+                                            <p:cond delay="0"/>
+                                          </p:stCondLst>
+                                        </p:cTn>
+                                        <p:tgtEl>
+                                          <p:spTgt spid="3">
+                                            <p:txEl>
+                                              <p:pRg st="3" end="3"/>
+                                            </p:txEl>
+                                          </p:spTgt>
+                                        </p:tgtEl>
+                                        <p:attrNameLst>
+                                          <p:attrName>style.visibility</p:attrName>
+                                        </p:attrNameLst>
+                                      </p:cBhvr>
+                                      <p:to>
+                                        <p:strVal val="visible"/>
+                                      </p:to>
+                                    </p:set>
+                                  </p:childTnLst>
+                                </p:cTn>
+                              </p:par>
+                            </p:childTnLst>
+                          </p:cTn>
+                        </p:par>
+                      </p:childTnLst>
+                    </p:cTn>
+                  </p:par>
+                  <p:par>
+                    <p:cTn id="15" fill="hold">
+                      <p:stCondLst>
+                        <p:cond delay="indefinite"/>
+                      </p:stCondLst>
+                      <p:childTnLst>
+                        <p:par>
+                          <p:cTn id="16" fill="hold">
+                            <p:stCondLst>
+                              <p:cond delay="0"/>
+                            </p:stCondLst>
+                            <p:childTnLst>
+                              <p:par>
+                                <p:cTn id="17" presetID="1" presetClass="entr" presetSubtype="0" fill="hold" nodeType="clickEffect">
+                                  <p:stCondLst>
+                                    <p:cond delay="0"/>
+                                  </p:stCondLst>
+                                  <p:childTnLst>
+                                    <p:set>
+                                      <p:cBhvr>
+                                        <p:cTn id="18" dur="1" fill="hold">
+                                          <p:stCondLst>
+                                            <p:cond delay="0"/>
+                                          </p:stCondLst>
+                                        </p:cTn>
+                                        <p:tgtEl>
+                                          <p:spTgt spid="3">
+                                            <p:txEl>
+                                              <p:pRg st="4" end="4"/>
+                                            </p:txEl>
+                                          </p:spTgt>
+                                        </p:tgtEl>
+                                        <p:attrNameLst>
+                                          <p:attrName>style.visibility</p:attrName>
+                                        </p:attrNameLst>
+                                      </p:cBhvr>
+                                      <p:to>
+                                        <p:strVal val="visible"/>
+                                      </p:to>
+                                    </p:set>
+                                  </p:childTnLst>
+                                </p:cTn>
+                              </p:par>
+                            </p:childTnLst>
+                          </p:cTn>
+                        </p:par>
+                      </p:childTnLst>
+                    </p:cTn>
+                  </p:par>
+                  <p:par>
+                    <p:cTn id="19" fill="hold">
+                      <p:stCondLst>
+                        <p:cond delay="indefinite"/>
+                      </p:stCondLst>
+                      <p:childTnLst>
+                        <p:par>
+                          <p:cTn id="20" fill="hold">
+                            <p:stCondLst>
+                              <p:cond delay="0"/>
+                            </p:stCondLst>
+                            <p:childTnLst>
+                              <p:par>
+                                <p:cTn id="21" presetID="1" presetClass="entr" presetSubtype="0" fill="hold" nodeType="clickEffect">
+                                  <p:stCondLst>
+                                    <p:cond delay="0"/>
+                                  </p:stCondLst>
+                                  <p:childTnLst>
+                                    <p:set>
+                                      <p:cBhvr>
+                                        <p:cTn id="22" dur="1" fill="hold">
+                                          <p:stCondLst>
+                                            <p:cond delay="0"/>
+                                          </p:stCondLst>
+                                        </p:cTn>
+                                        <p:tgtEl>
+                                          <p:spTgt spid="3">
+                                            <p:txEl>
+                                              <p:pRg st="5" end="5"/>
+                                            </p:txEl>
+                                          </p:spTgt>
+                                        </p:tgtEl>
+                                        <p:attrNameLst>
+                                          <p:attrName>style.visibility</p:attrName>
+                                        </p:attrNameLst>
+                                      </p:cBhvr>
+                                      <p:to>
+                                        <p:strVal val="visible"/>
+                                      </p:to>
+                                    </p:set>
+                                  </p:childTnLst>
+                                </p:cTn>
+                              </p:par>
+                            </p:childTnLst>
+                          </p:cTn>
+                        </p:par>
+                      </p:childTnLst>
+                    </p:cTn>
+                  </p:par>
+                  <p:par>
+                    <p:cTn id="23" fill="hold">
+                      <p:stCondLst>
+                        <p:cond delay="indefinite"/>
+                      </p:stCondLst>
+                      <p:childTnLst>
+                        <p:par>
+                          <p:cTn id="24" fill="hold">
+                            <p:stCondLst>
+                              <p:cond delay="0"/>
+                            </p:stCondLst>
+                            <p:childTnLst>
+                              <p:par>
+                                <p:cTn id="25" presetID="1" presetClass="entr" presetSubtype="0" fill="hold" nodeType="clickEffect">
+                                  <p:stCondLst>
+                                    <p:cond delay="0"/>
+                                  </p:stCondLst>
+                                  <p:childTnLst>
+                                    <p:set>
+                                      <p:cBhvr>
+                                        <p:cTn id="26" dur="1" fill="hold">
+                                          <p:stCondLst>
+                                            <p:cond delay="0"/>
+                                          </p:stCondLst>
+                                        </p:cTn>
+                                        <p:tgtEl>
+                                          <p:spTgt spid="3">
+                                            <p:txEl>
+                                              <p:pRg st="6" end="6"/>
+                                            </p:txEl>
+                                          </p:spTgt>
+                                        </p:tgtEl>
+                                        <p:attrNameLst>
+                                          <p:attrName>style.visibility</p:attrName>
+                                        </p:attrNameLst>
+                                      </p:cBhvr>
+                                      <p:to>
+                                        <p:strVal val="visible"/>
+                                      </p:to>
+                                    </p:set>
+                                  </p:childTnLst>
+                                </p:cTn>
+                              </p:par>
+                            </p:childTnLst>
+                          </p:cTn>
+                        </p:par>
+                      </p:childTnLst>
+                    </p:cTn>
+                  </p:par>
+                </p:childTnLst>
+              </p:cTn>
+              <p:prevCondLst>
+                <p:cond evt="onPrev" delay="0">
+                  <p:tgtEl>
+                    <p:sldTgt/>
+                  </p:tgtEl>
+                </p:cond>
+              </p:prevCondLst>
+              <p:nextCondLst>
+                <p:cond evt="onNext" delay="0">
+                  <p:tgtEl>
+                    <p:sldTgt/>
+                  </p:tgtEl>
+                </p:cond>
+              </p:nextCondLst>
+            </p:seq>
+          </p:childTnLst>
+        </p:cTn>
+      </p:par>
+    </p:tnLst>
+  </p:timing>
+</p:sld>
+</file>
+
+<file path=ppt/slides/slide20.xml><?xml version="1.0" encoding="utf-8"?>
 <p:sld xmlns:a="http://schemas.openxmlformats.org/drawingml/2006/main" xmlns:r="http://schemas.openxmlformats.org/officeDocument/2006/relationships" xmlns:p="http://schemas.openxmlformats.org/presentationml/2006/main" show="0">
   <p:cSld>
     <p:spTree>
@@ -15404,7 +17030,7 @@
 </p:sld>
 </file>
 
-<file path=ppt/slides/slide19.xml><?xml version="1.0" encoding="utf-8"?>
+<file path=ppt/slides/slide21.xml><?xml version="1.0" encoding="utf-8"?>
 <p:sld xmlns:a="http://schemas.openxmlformats.org/drawingml/2006/main" xmlns:r="http://schemas.openxmlformats.org/officeDocument/2006/relationships" xmlns:p="http://schemas.openxmlformats.org/presentationml/2006/main">
   <p:cSld>
     <p:spTree>
@@ -16310,464 +17936,7 @@
 </p:sld>
 </file>
 
-<file path=ppt/slides/slide2.xml><?xml version="1.0" encoding="utf-8"?>
-<p:sld xmlns:a="http://schemas.openxmlformats.org/drawingml/2006/main" xmlns:r="http://schemas.openxmlformats.org/officeDocument/2006/relationships" xmlns:p="http://schemas.openxmlformats.org/presentationml/2006/main">
-  <p:cSld>
-    <p:spTree>
-      <p:nvGrpSpPr>
-        <p:cNvPr id="1" name=""/>
-        <p:cNvGrpSpPr/>
-        <p:nvPr/>
-      </p:nvGrpSpPr>
-      <p:grpSpPr>
-        <a:xfrm>
-          <a:off x="0" y="0"/>
-          <a:ext cx="0" cy="0"/>
-          <a:chOff x="0" y="0"/>
-          <a:chExt cx="0" cy="0"/>
-        </a:xfrm>
-      </p:grpSpPr>
-      <p:sp>
-        <p:nvSpPr>
-          <p:cNvPr id="2" name="Title 1"/>
-          <p:cNvSpPr>
-            <a:spLocks noGrp="1"/>
-          </p:cNvSpPr>
-          <p:nvPr>
-            <p:ph type="title"/>
-          </p:nvPr>
-        </p:nvSpPr>
-        <p:spPr>
-          <a:xfrm>
-            <a:off x="584200" y="221992"/>
-            <a:ext cx="10515600" cy="530954"/>
-          </a:xfrm>
-        </p:spPr>
-        <p:txBody>
-          <a:bodyPr>
-            <a:normAutofit fontScale="90000"/>
-          </a:bodyPr>
-          <a:lstStyle/>
-          <a:p>
-            <a:r>
-              <a:rPr lang="en-US" dirty="0"/>
-              <a:t>Measuring similarity and dissimilarity</a:t>
-            </a:r>
-          </a:p>
-        </p:txBody>
-      </p:sp>
-      <p:sp>
-        <p:nvSpPr>
-          <p:cNvPr id="3" name="Content Placeholder 2"/>
-          <p:cNvSpPr>
-            <a:spLocks noGrp="1"/>
-          </p:cNvSpPr>
-          <p:nvPr>
-            <p:ph sz="quarter" idx="10"/>
-          </p:nvPr>
-        </p:nvSpPr>
-        <p:spPr>
-          <a:xfrm>
-            <a:off x="333375" y="896079"/>
-            <a:ext cx="11525250" cy="5290388"/>
-          </a:xfrm>
-        </p:spPr>
-        <p:txBody>
-          <a:bodyPr>
-            <a:normAutofit/>
-          </a:bodyPr>
-          <a:lstStyle/>
-          <a:p>
-            <a:pPr marL="0" indent="0">
-              <a:buNone/>
-            </a:pPr>
-            <a:r>
-              <a:rPr lang="en-US" dirty="0">
-                <a:latin typeface="+mn-lt"/>
-              </a:rPr>
-              <a:t>Many data mining algorithms search for the most similar or dissimilar cases</a:t>
-            </a:r>
-          </a:p>
-          <a:p>
-            <a:r>
-              <a:rPr lang="en-US" dirty="0">
-                <a:latin typeface="+mn-lt"/>
-              </a:rPr>
-              <a:t>Similarity search is a core data mining method</a:t>
-            </a:r>
-          </a:p>
-          <a:p>
-            <a:r>
-              <a:rPr lang="en-US" dirty="0">
-                <a:latin typeface="+mn-lt"/>
-              </a:rPr>
-              <a:t>Many data mining algorithms rely on similarity (or dissimilarity) search   </a:t>
-            </a:r>
-          </a:p>
-          <a:p>
-            <a:pPr lvl="1"/>
-            <a:r>
-              <a:rPr lang="en-US" dirty="0">
-                <a:latin typeface="+mn-lt"/>
-              </a:rPr>
-              <a:t>Cluster models  </a:t>
-            </a:r>
-          </a:p>
-          <a:p>
-            <a:pPr lvl="1"/>
-            <a:r>
-              <a:rPr lang="en-US" dirty="0">
-                <a:latin typeface="+mn-lt"/>
-              </a:rPr>
-              <a:t>Nearest neighbor graph algorithms   </a:t>
-            </a:r>
-          </a:p>
-          <a:p>
-            <a:pPr lvl="1"/>
-            <a:r>
-              <a:rPr lang="en-US" dirty="0">
-                <a:latin typeface="+mn-lt"/>
-              </a:rPr>
-              <a:t>Recommender systems   </a:t>
-            </a:r>
-          </a:p>
-          <a:p>
-            <a:pPr lvl="1"/>
-            <a:r>
-              <a:rPr lang="en-US" dirty="0">
-                <a:latin typeface="+mn-lt"/>
-              </a:rPr>
-              <a:t>Dimensionality reduction </a:t>
-            </a:r>
-          </a:p>
-          <a:p>
-            <a:pPr lvl="1"/>
-            <a:r>
-              <a:rPr lang="en-US" dirty="0" err="1">
-                <a:latin typeface="+mn-lt"/>
-              </a:rPr>
-              <a:t>Etc</a:t>
-            </a:r>
-            <a:r>
-              <a:rPr lang="en-US" dirty="0">
-                <a:latin typeface="+mn-lt"/>
-              </a:rPr>
-              <a:t>…     </a:t>
-            </a:r>
-          </a:p>
-          <a:p>
-            <a:endParaRPr lang="en-US" dirty="0">
-              <a:latin typeface="+mn-lt"/>
-            </a:endParaRPr>
-          </a:p>
-          <a:p>
-            <a:endParaRPr lang="en-US" sz="2800" dirty="0">
-              <a:latin typeface="+mn-lt"/>
-            </a:endParaRPr>
-          </a:p>
-          <a:p>
-            <a:pPr lvl="1"/>
-            <a:endParaRPr lang="en-US" dirty="0"/>
-          </a:p>
-        </p:txBody>
-      </p:sp>
-    </p:spTree>
-    <p:extLst>
-      <p:ext uri="{BB962C8B-B14F-4D97-AF65-F5344CB8AC3E}">
-        <p14:creationId xmlns:p14="http://schemas.microsoft.com/office/powerpoint/2010/main" val="92654233"/>
-      </p:ext>
-    </p:extLst>
-  </p:cSld>
-  <p:clrMapOvr>
-    <a:masterClrMapping/>
-  </p:clrMapOvr>
-  <p:timing>
-    <p:tnLst>
-      <p:par>
-        <p:cTn id="1" dur="indefinite" restart="never" nodeType="tmRoot">
-          <p:childTnLst>
-            <p:seq concurrent="1" nextAc="seek">
-              <p:cTn id="2" dur="indefinite" nodeType="mainSeq">
-                <p:childTnLst>
-                  <p:par>
-                    <p:cTn id="3" fill="hold">
-                      <p:stCondLst>
-                        <p:cond delay="indefinite"/>
-                      </p:stCondLst>
-                      <p:childTnLst>
-                        <p:par>
-                          <p:cTn id="4" fill="hold">
-                            <p:stCondLst>
-                              <p:cond delay="0"/>
-                            </p:stCondLst>
-                            <p:childTnLst>
-                              <p:par>
-                                <p:cTn id="5" presetID="1" presetClass="entr" presetSubtype="0" fill="hold" nodeType="clickEffect">
-                                  <p:stCondLst>
-                                    <p:cond delay="0"/>
-                                  </p:stCondLst>
-                                  <p:childTnLst>
-                                    <p:set>
-                                      <p:cBhvr>
-                                        <p:cTn id="6" dur="1" fill="hold">
-                                          <p:stCondLst>
-                                            <p:cond delay="0"/>
-                                          </p:stCondLst>
-                                        </p:cTn>
-                                        <p:tgtEl>
-                                          <p:spTgt spid="3">
-                                            <p:txEl>
-                                              <p:pRg st="1" end="1"/>
-                                            </p:txEl>
-                                          </p:spTgt>
-                                        </p:tgtEl>
-                                        <p:attrNameLst>
-                                          <p:attrName>style.visibility</p:attrName>
-                                        </p:attrNameLst>
-                                      </p:cBhvr>
-                                      <p:to>
-                                        <p:strVal val="visible"/>
-                                      </p:to>
-                                    </p:set>
-                                  </p:childTnLst>
-                                </p:cTn>
-                              </p:par>
-                            </p:childTnLst>
-                          </p:cTn>
-                        </p:par>
-                      </p:childTnLst>
-                    </p:cTn>
-                  </p:par>
-                  <p:par>
-                    <p:cTn id="7" fill="hold">
-                      <p:stCondLst>
-                        <p:cond delay="indefinite"/>
-                      </p:stCondLst>
-                      <p:childTnLst>
-                        <p:par>
-                          <p:cTn id="8" fill="hold">
-                            <p:stCondLst>
-                              <p:cond delay="0"/>
-                            </p:stCondLst>
-                            <p:childTnLst>
-                              <p:par>
-                                <p:cTn id="9" presetID="1" presetClass="entr" presetSubtype="0" fill="hold" nodeType="clickEffect">
-                                  <p:stCondLst>
-                                    <p:cond delay="0"/>
-                                  </p:stCondLst>
-                                  <p:childTnLst>
-                                    <p:set>
-                                      <p:cBhvr>
-                                        <p:cTn id="10" dur="1" fill="hold">
-                                          <p:stCondLst>
-                                            <p:cond delay="0"/>
-                                          </p:stCondLst>
-                                        </p:cTn>
-                                        <p:tgtEl>
-                                          <p:spTgt spid="3">
-                                            <p:txEl>
-                                              <p:pRg st="2" end="2"/>
-                                            </p:txEl>
-                                          </p:spTgt>
-                                        </p:tgtEl>
-                                        <p:attrNameLst>
-                                          <p:attrName>style.visibility</p:attrName>
-                                        </p:attrNameLst>
-                                      </p:cBhvr>
-                                      <p:to>
-                                        <p:strVal val="visible"/>
-                                      </p:to>
-                                    </p:set>
-                                  </p:childTnLst>
-                                </p:cTn>
-                              </p:par>
-                              <p:par>
-                                <p:cTn id="11" presetID="1" presetClass="entr" presetSubtype="0" fill="hold" nodeType="withEffect">
-                                  <p:stCondLst>
-                                    <p:cond delay="0"/>
-                                  </p:stCondLst>
-                                  <p:childTnLst>
-                                    <p:set>
-                                      <p:cBhvr>
-                                        <p:cTn id="12" dur="1" fill="hold">
-                                          <p:stCondLst>
-                                            <p:cond delay="0"/>
-                                          </p:stCondLst>
-                                        </p:cTn>
-                                        <p:tgtEl>
-                                          <p:spTgt spid="3">
-                                            <p:txEl>
-                                              <p:pRg st="3" end="3"/>
-                                            </p:txEl>
-                                          </p:spTgt>
-                                        </p:tgtEl>
-                                        <p:attrNameLst>
-                                          <p:attrName>style.visibility</p:attrName>
-                                        </p:attrNameLst>
-                                      </p:cBhvr>
-                                      <p:to>
-                                        <p:strVal val="visible"/>
-                                      </p:to>
-                                    </p:set>
-                                  </p:childTnLst>
-                                </p:cTn>
-                              </p:par>
-                              <p:par>
-                                <p:cTn id="13" presetID="1" presetClass="entr" presetSubtype="0" fill="hold" nodeType="withEffect">
-                                  <p:stCondLst>
-                                    <p:cond delay="0"/>
-                                  </p:stCondLst>
-                                  <p:childTnLst>
-                                    <p:set>
-                                      <p:cBhvr>
-                                        <p:cTn id="14" dur="1" fill="hold">
-                                          <p:stCondLst>
-                                            <p:cond delay="0"/>
-                                          </p:stCondLst>
-                                        </p:cTn>
-                                        <p:tgtEl>
-                                          <p:spTgt spid="3">
-                                            <p:txEl>
-                                              <p:pRg st="4" end="4"/>
-                                            </p:txEl>
-                                          </p:spTgt>
-                                        </p:tgtEl>
-                                        <p:attrNameLst>
-                                          <p:attrName>style.visibility</p:attrName>
-                                        </p:attrNameLst>
-                                      </p:cBhvr>
-                                      <p:to>
-                                        <p:strVal val="visible"/>
-                                      </p:to>
-                                    </p:set>
-                                  </p:childTnLst>
-                                </p:cTn>
-                              </p:par>
-                              <p:par>
-                                <p:cTn id="15" presetID="1" presetClass="entr" presetSubtype="0" fill="hold" nodeType="withEffect">
-                                  <p:stCondLst>
-                                    <p:cond delay="0"/>
-                                  </p:stCondLst>
-                                  <p:childTnLst>
-                                    <p:set>
-                                      <p:cBhvr>
-                                        <p:cTn id="16" dur="1" fill="hold">
-                                          <p:stCondLst>
-                                            <p:cond delay="0"/>
-                                          </p:stCondLst>
-                                        </p:cTn>
-                                        <p:tgtEl>
-                                          <p:spTgt spid="3">
-                                            <p:txEl>
-                                              <p:pRg st="5" end="5"/>
-                                            </p:txEl>
-                                          </p:spTgt>
-                                        </p:tgtEl>
-                                        <p:attrNameLst>
-                                          <p:attrName>style.visibility</p:attrName>
-                                        </p:attrNameLst>
-                                      </p:cBhvr>
-                                      <p:to>
-                                        <p:strVal val="visible"/>
-                                      </p:to>
-                                    </p:set>
-                                  </p:childTnLst>
-                                </p:cTn>
-                              </p:par>
-                              <p:par>
-                                <p:cTn id="17" presetID="1" presetClass="entr" presetSubtype="0" fill="hold" nodeType="withEffect">
-                                  <p:stCondLst>
-                                    <p:cond delay="0"/>
-                                  </p:stCondLst>
-                                  <p:childTnLst>
-                                    <p:set>
-                                      <p:cBhvr>
-                                        <p:cTn id="18" dur="1" fill="hold">
-                                          <p:stCondLst>
-                                            <p:cond delay="0"/>
-                                          </p:stCondLst>
-                                        </p:cTn>
-                                        <p:tgtEl>
-                                          <p:spTgt spid="3">
-                                            <p:txEl>
-                                              <p:pRg st="6" end="6"/>
-                                            </p:txEl>
-                                          </p:spTgt>
-                                        </p:tgtEl>
-                                        <p:attrNameLst>
-                                          <p:attrName>style.visibility</p:attrName>
-                                        </p:attrNameLst>
-                                      </p:cBhvr>
-                                      <p:to>
-                                        <p:strVal val="visible"/>
-                                      </p:to>
-                                    </p:set>
-                                  </p:childTnLst>
-                                </p:cTn>
-                              </p:par>
-                              <p:par>
-                                <p:cTn id="19" presetID="1" presetClass="entr" presetSubtype="0" fill="hold" nodeType="withEffect">
-                                  <p:stCondLst>
-                                    <p:cond delay="0"/>
-                                  </p:stCondLst>
-                                  <p:childTnLst>
-                                    <p:set>
-                                      <p:cBhvr>
-                                        <p:cTn id="20" dur="1" fill="hold">
-                                          <p:stCondLst>
-                                            <p:cond delay="0"/>
-                                          </p:stCondLst>
-                                        </p:cTn>
-                                        <p:tgtEl>
-                                          <p:spTgt spid="3">
-                                            <p:txEl>
-                                              <p:pRg st="7" end="7"/>
-                                            </p:txEl>
-                                          </p:spTgt>
-                                        </p:tgtEl>
-                                        <p:attrNameLst>
-                                          <p:attrName>style.visibility</p:attrName>
-                                        </p:attrNameLst>
-                                      </p:cBhvr>
-                                      <p:to>
-                                        <p:strVal val="visible"/>
-                                      </p:to>
-                                    </p:set>
-                                  </p:childTnLst>
-                                </p:cTn>
-                              </p:par>
-                            </p:childTnLst>
-                          </p:cTn>
-                        </p:par>
-                      </p:childTnLst>
-                    </p:cTn>
-                  </p:par>
-                </p:childTnLst>
-              </p:cTn>
-              <p:prevCondLst>
-                <p:cond evt="onPrev" delay="0">
-                  <p:tgtEl>
-                    <p:sldTgt/>
-                  </p:tgtEl>
-                </p:cond>
-              </p:prevCondLst>
-              <p:nextCondLst>
-                <p:cond evt="onNext" delay="0">
-                  <p:tgtEl>
-                    <p:sldTgt/>
-                  </p:tgtEl>
-                </p:cond>
-              </p:nextCondLst>
-            </p:seq>
-          </p:childTnLst>
-        </p:cTn>
-      </p:par>
-    </p:tnLst>
-  </p:timing>
-</p:sld>
-</file>
-
-<file path=ppt/slides/slide20.xml><?xml version="1.0" encoding="utf-8"?>
+<file path=ppt/slides/slide22.xml><?xml version="1.0" encoding="utf-8"?>
 <p:sld xmlns:a="http://schemas.openxmlformats.org/drawingml/2006/main" xmlns:r="http://schemas.openxmlformats.org/officeDocument/2006/relationships" xmlns:p="http://schemas.openxmlformats.org/presentationml/2006/main" show="0">
   <p:cSld>
     <p:spTree>
@@ -17415,7 +18584,7 @@
 </p:sld>
 </file>
 
-<file path=ppt/slides/slide21.xml><?xml version="1.0" encoding="utf-8"?>
+<file path=ppt/slides/slide23.xml><?xml version="1.0" encoding="utf-8"?>
 <p:sld xmlns:a="http://schemas.openxmlformats.org/drawingml/2006/main" xmlns:r="http://schemas.openxmlformats.org/officeDocument/2006/relationships" xmlns:p="http://schemas.openxmlformats.org/presentationml/2006/main" show="0">
   <p:cSld>
     <p:spTree>
@@ -18393,7 +19562,77 @@
 </p:sld>
 </file>
 
-<file path=ppt/slides/slide22.xml><?xml version="1.0" encoding="utf-8"?>
+<file path=ppt/slides/slide24.xml><?xml version="1.0" encoding="utf-8"?>
+<p:sld xmlns:a="http://schemas.openxmlformats.org/drawingml/2006/main" xmlns:r="http://schemas.openxmlformats.org/officeDocument/2006/relationships" xmlns:p="http://schemas.openxmlformats.org/presentationml/2006/main">
+  <p:cSld>
+    <p:spTree>
+      <p:nvGrpSpPr>
+        <p:cNvPr id="1" name="">
+          <a:extLst>
+            <a:ext uri="{FF2B5EF4-FFF2-40B4-BE49-F238E27FC236}">
+              <a16:creationId xmlns:a16="http://schemas.microsoft.com/office/drawing/2014/main" id="{85EDC5BD-B3A3-C99F-0887-002DA20A2A7B}"/>
+            </a:ext>
+          </a:extLst>
+        </p:cNvPr>
+        <p:cNvGrpSpPr/>
+        <p:nvPr/>
+      </p:nvGrpSpPr>
+      <p:grpSpPr>
+        <a:xfrm>
+          <a:off x="0" y="0"/>
+          <a:ext cx="0" cy="0"/>
+          <a:chOff x="0" y="0"/>
+          <a:chExt cx="0" cy="0"/>
+        </a:xfrm>
+      </p:grpSpPr>
+      <p:sp>
+        <p:nvSpPr>
+          <p:cNvPr id="2" name="Title 1">
+            <a:extLst>
+              <a:ext uri="{FF2B5EF4-FFF2-40B4-BE49-F238E27FC236}">
+                <a16:creationId xmlns:a16="http://schemas.microsoft.com/office/drawing/2014/main" id="{988A6821-C427-2AF4-FA24-400A92C0ADF2}"/>
+              </a:ext>
+            </a:extLst>
+          </p:cNvPr>
+          <p:cNvSpPr>
+            <a:spLocks noGrp="1"/>
+          </p:cNvSpPr>
+          <p:nvPr>
+            <p:ph type="title"/>
+          </p:nvPr>
+        </p:nvSpPr>
+        <p:spPr>
+          <a:xfrm>
+            <a:off x="831850" y="1709738"/>
+            <a:ext cx="10515600" cy="2104337"/>
+          </a:xfrm>
+        </p:spPr>
+        <p:txBody>
+          <a:bodyPr/>
+          <a:lstStyle/>
+          <a:p>
+            <a:pPr algn="ctr"/>
+            <a:r>
+              <a:rPr lang="en-US" b="1" dirty="0"/>
+              <a:t>Distance Metrics with Mixed Variable Types</a:t>
+            </a:r>
+          </a:p>
+        </p:txBody>
+      </p:sp>
+    </p:spTree>
+    <p:extLst>
+      <p:ext uri="{BB962C8B-B14F-4D97-AF65-F5344CB8AC3E}">
+        <p14:creationId xmlns:p14="http://schemas.microsoft.com/office/powerpoint/2010/main" val="2837834947"/>
+      </p:ext>
+    </p:extLst>
+  </p:cSld>
+  <p:clrMapOvr>
+    <a:masterClrMapping/>
+  </p:clrMapOvr>
+</p:sld>
+</file>
+
+<file path=ppt/slides/slide25.xml><?xml version="1.0" encoding="utf-8"?>
 <p:sld xmlns:a="http://schemas.openxmlformats.org/drawingml/2006/main" xmlns:r="http://schemas.openxmlformats.org/officeDocument/2006/relationships" xmlns:p="http://schemas.openxmlformats.org/presentationml/2006/main">
   <p:cSld>
     <p:spTree>
@@ -19313,7 +20552,7 @@
 </p:sld>
 </file>
 
-<file path=ppt/slides/slide23.xml><?xml version="1.0" encoding="utf-8"?>
+<file path=ppt/slides/slide26.xml><?xml version="1.0" encoding="utf-8"?>
 <p:sld xmlns:a="http://schemas.openxmlformats.org/drawingml/2006/main" xmlns:r="http://schemas.openxmlformats.org/officeDocument/2006/relationships" xmlns:p="http://schemas.openxmlformats.org/presentationml/2006/main">
   <p:cSld>
     <p:spTree>
@@ -19859,7 +21098,7 @@
 </p:sld>
 </file>
 
-<file path=ppt/slides/slide24.xml><?xml version="1.0" encoding="utf-8"?>
+<file path=ppt/slides/slide27.xml><?xml version="1.0" encoding="utf-8"?>
 <p:sld xmlns:a="http://schemas.openxmlformats.org/drawingml/2006/main" xmlns:r="http://schemas.openxmlformats.org/officeDocument/2006/relationships" xmlns:p="http://schemas.openxmlformats.org/presentationml/2006/main">
   <p:cSld>
     <p:spTree>
@@ -20361,7 +21600,7 @@
 </p:sld>
 </file>
 
-<file path=ppt/slides/slide25.xml><?xml version="1.0" encoding="utf-8"?>
+<file path=ppt/slides/slide28.xml><?xml version="1.0" encoding="utf-8"?>
 <p:sld xmlns:a="http://schemas.openxmlformats.org/drawingml/2006/main" xmlns:r="http://schemas.openxmlformats.org/officeDocument/2006/relationships" xmlns:p="http://schemas.openxmlformats.org/presentationml/2006/main">
   <p:cSld>
     <p:spTree>
@@ -21560,7 +22799,7 @@
 </p:sld>
 </file>
 
-<file path=ppt/slides/slide26.xml><?xml version="1.0" encoding="utf-8"?>
+<file path=ppt/slides/slide29.xml><?xml version="1.0" encoding="utf-8"?>
 <p:sld xmlns:a="http://schemas.openxmlformats.org/drawingml/2006/main" xmlns:r="http://schemas.openxmlformats.org/officeDocument/2006/relationships" xmlns:p="http://schemas.openxmlformats.org/presentationml/2006/main">
   <p:cSld>
     <p:spTree>
@@ -22791,7 +24030,595 @@
 </p:sld>
 </file>
 
-<file path=ppt/slides/slide27.xml><?xml version="1.0" encoding="utf-8"?>
+<file path=ppt/slides/slide3.xml><?xml version="1.0" encoding="utf-8"?>
+<p:sld xmlns:a="http://schemas.openxmlformats.org/drawingml/2006/main" xmlns:r="http://schemas.openxmlformats.org/officeDocument/2006/relationships" xmlns:p="http://schemas.openxmlformats.org/presentationml/2006/main">
+  <p:cSld>
+    <p:spTree>
+      <p:nvGrpSpPr>
+        <p:cNvPr id="1" name=""/>
+        <p:cNvGrpSpPr/>
+        <p:nvPr/>
+      </p:nvGrpSpPr>
+      <p:grpSpPr>
+        <a:xfrm>
+          <a:off x="0" y="0"/>
+          <a:ext cx="0" cy="0"/>
+          <a:chOff x="0" y="0"/>
+          <a:chExt cx="0" cy="0"/>
+        </a:xfrm>
+      </p:grpSpPr>
+      <p:sp>
+        <p:nvSpPr>
+          <p:cNvPr id="2" name="Title 1"/>
+          <p:cNvSpPr>
+            <a:spLocks noGrp="1"/>
+          </p:cNvSpPr>
+          <p:nvPr>
+            <p:ph type="title"/>
+          </p:nvPr>
+        </p:nvSpPr>
+        <p:spPr>
+          <a:xfrm>
+            <a:off x="584200" y="221992"/>
+            <a:ext cx="10515600" cy="530954"/>
+          </a:xfrm>
+        </p:spPr>
+        <p:txBody>
+          <a:bodyPr>
+            <a:normAutofit fontScale="90000"/>
+          </a:bodyPr>
+          <a:lstStyle/>
+          <a:p>
+            <a:r>
+              <a:rPr lang="en-US" dirty="0"/>
+              <a:t>Measuring similarity and dissimilarity</a:t>
+            </a:r>
+          </a:p>
+        </p:txBody>
+      </p:sp>
+      <p:sp>
+        <p:nvSpPr>
+          <p:cNvPr id="3" name="Content Placeholder 2"/>
+          <p:cNvSpPr>
+            <a:spLocks noGrp="1"/>
+          </p:cNvSpPr>
+          <p:nvPr>
+            <p:ph sz="quarter" idx="10"/>
+          </p:nvPr>
+        </p:nvSpPr>
+        <p:spPr>
+          <a:xfrm>
+            <a:off x="333375" y="896079"/>
+            <a:ext cx="11525250" cy="5290388"/>
+          </a:xfrm>
+        </p:spPr>
+        <p:txBody>
+          <a:bodyPr>
+            <a:normAutofit/>
+          </a:bodyPr>
+          <a:lstStyle/>
+          <a:p>
+            <a:pPr marL="0" indent="0">
+              <a:buNone/>
+            </a:pPr>
+            <a:r>
+              <a:rPr lang="en-US" dirty="0">
+                <a:latin typeface="+mn-lt"/>
+              </a:rPr>
+              <a:t>Many data mining solutions use search for the most similar or dissimilar cases</a:t>
+            </a:r>
+          </a:p>
+          <a:p>
+            <a:r>
+              <a:rPr lang="en-US" dirty="0">
+                <a:latin typeface="+mn-lt"/>
+              </a:rPr>
+              <a:t>Searching for similar documents</a:t>
+            </a:r>
+          </a:p>
+          <a:p>
+            <a:r>
+              <a:rPr lang="en-US" dirty="0">
+                <a:latin typeface="+mn-lt"/>
+              </a:rPr>
+              <a:t>Searching for similar images</a:t>
+            </a:r>
+          </a:p>
+          <a:p>
+            <a:r>
+              <a:rPr lang="en-US" dirty="0">
+                <a:latin typeface="+mn-lt"/>
+              </a:rPr>
+              <a:t>Web search</a:t>
+            </a:r>
+          </a:p>
+          <a:p>
+            <a:r>
+              <a:rPr lang="en-US" dirty="0">
+                <a:latin typeface="+mn-lt"/>
+              </a:rPr>
+              <a:t>Discovering similar mRNA sequences </a:t>
+            </a:r>
+          </a:p>
+          <a:p>
+            <a:r>
+              <a:rPr lang="en-US" dirty="0">
+                <a:latin typeface="+mn-lt"/>
+              </a:rPr>
+              <a:t>Finding the most similar sensor streams </a:t>
+            </a:r>
+          </a:p>
+          <a:p>
+            <a:r>
+              <a:rPr lang="en-US" dirty="0">
+                <a:latin typeface="+mn-lt"/>
+              </a:rPr>
+              <a:t>Finding similar products for recommendation </a:t>
+            </a:r>
+          </a:p>
+          <a:p>
+            <a:r>
+              <a:rPr lang="en-US" dirty="0">
+                <a:latin typeface="+mn-lt"/>
+              </a:rPr>
+              <a:t>Improving LLM responses (RAG)</a:t>
+            </a:r>
+          </a:p>
+          <a:p>
+            <a:r>
+              <a:rPr lang="en-US" dirty="0">
+                <a:latin typeface="+mn-lt"/>
+              </a:rPr>
+              <a:t>And many others……………….. </a:t>
+            </a:r>
+          </a:p>
+          <a:p>
+            <a:endParaRPr lang="en-US" sz="2800" dirty="0">
+              <a:latin typeface="+mn-lt"/>
+            </a:endParaRPr>
+          </a:p>
+          <a:p>
+            <a:pPr lvl="1"/>
+            <a:endParaRPr lang="en-US" dirty="0"/>
+          </a:p>
+        </p:txBody>
+      </p:sp>
+    </p:spTree>
+    <p:extLst>
+      <p:ext uri="{BB962C8B-B14F-4D97-AF65-F5344CB8AC3E}">
+        <p14:creationId xmlns:p14="http://schemas.microsoft.com/office/powerpoint/2010/main" val="3043109730"/>
+      </p:ext>
+    </p:extLst>
+  </p:cSld>
+  <p:clrMapOvr>
+    <a:masterClrMapping/>
+  </p:clrMapOvr>
+  <p:timing>
+    <p:tnLst>
+      <p:par>
+        <p:cTn id="1" dur="indefinite" restart="never" nodeType="tmRoot">
+          <p:childTnLst>
+            <p:seq concurrent="1" nextAc="seek">
+              <p:cTn id="2" dur="indefinite" nodeType="mainSeq">
+                <p:childTnLst>
+                  <p:par>
+                    <p:cTn id="3" fill="hold">
+                      <p:stCondLst>
+                        <p:cond delay="indefinite"/>
+                      </p:stCondLst>
+                      <p:childTnLst>
+                        <p:par>
+                          <p:cTn id="4" fill="hold">
+                            <p:stCondLst>
+                              <p:cond delay="0"/>
+                            </p:stCondLst>
+                            <p:childTnLst>
+                              <p:par>
+                                <p:cTn id="5" presetID="1" presetClass="entr" presetSubtype="0" fill="hold" nodeType="clickEffect">
+                                  <p:stCondLst>
+                                    <p:cond delay="0"/>
+                                  </p:stCondLst>
+                                  <p:childTnLst>
+                                    <p:set>
+                                      <p:cBhvr>
+                                        <p:cTn id="6" dur="1" fill="hold">
+                                          <p:stCondLst>
+                                            <p:cond delay="0"/>
+                                          </p:stCondLst>
+                                        </p:cTn>
+                                        <p:tgtEl>
+                                          <p:spTgt spid="3">
+                                            <p:txEl>
+                                              <p:pRg st="1" end="1"/>
+                                            </p:txEl>
+                                          </p:spTgt>
+                                        </p:tgtEl>
+                                        <p:attrNameLst>
+                                          <p:attrName>style.visibility</p:attrName>
+                                        </p:attrNameLst>
+                                      </p:cBhvr>
+                                      <p:to>
+                                        <p:strVal val="visible"/>
+                                      </p:to>
+                                    </p:set>
+                                  </p:childTnLst>
+                                </p:cTn>
+                              </p:par>
+                            </p:childTnLst>
+                          </p:cTn>
+                        </p:par>
+                      </p:childTnLst>
+                    </p:cTn>
+                  </p:par>
+                  <p:par>
+                    <p:cTn id="7" fill="hold">
+                      <p:stCondLst>
+                        <p:cond delay="indefinite"/>
+                      </p:stCondLst>
+                      <p:childTnLst>
+                        <p:par>
+                          <p:cTn id="8" fill="hold">
+                            <p:stCondLst>
+                              <p:cond delay="0"/>
+                            </p:stCondLst>
+                            <p:childTnLst>
+                              <p:par>
+                                <p:cTn id="9" presetID="1" presetClass="entr" presetSubtype="0" fill="hold" nodeType="clickEffect">
+                                  <p:stCondLst>
+                                    <p:cond delay="0"/>
+                                  </p:stCondLst>
+                                  <p:childTnLst>
+                                    <p:set>
+                                      <p:cBhvr>
+                                        <p:cTn id="10" dur="1" fill="hold">
+                                          <p:stCondLst>
+                                            <p:cond delay="0"/>
+                                          </p:stCondLst>
+                                        </p:cTn>
+                                        <p:tgtEl>
+                                          <p:spTgt spid="3">
+                                            <p:txEl>
+                                              <p:pRg st="2" end="2"/>
+                                            </p:txEl>
+                                          </p:spTgt>
+                                        </p:tgtEl>
+                                        <p:attrNameLst>
+                                          <p:attrName>style.visibility</p:attrName>
+                                        </p:attrNameLst>
+                                      </p:cBhvr>
+                                      <p:to>
+                                        <p:strVal val="visible"/>
+                                      </p:to>
+                                    </p:set>
+                                  </p:childTnLst>
+                                </p:cTn>
+                              </p:par>
+                            </p:childTnLst>
+                          </p:cTn>
+                        </p:par>
+                      </p:childTnLst>
+                    </p:cTn>
+                  </p:par>
+                  <p:par>
+                    <p:cTn id="11" fill="hold">
+                      <p:stCondLst>
+                        <p:cond delay="indefinite"/>
+                      </p:stCondLst>
+                      <p:childTnLst>
+                        <p:par>
+                          <p:cTn id="12" fill="hold">
+                            <p:stCondLst>
+                              <p:cond delay="0"/>
+                            </p:stCondLst>
+                            <p:childTnLst>
+                              <p:par>
+                                <p:cTn id="13" presetID="1" presetClass="entr" presetSubtype="0" fill="hold" nodeType="clickEffect">
+                                  <p:stCondLst>
+                                    <p:cond delay="0"/>
+                                  </p:stCondLst>
+                                  <p:childTnLst>
+                                    <p:set>
+                                      <p:cBhvr>
+                                        <p:cTn id="14" dur="1" fill="hold">
+                                          <p:stCondLst>
+                                            <p:cond delay="0"/>
+                                          </p:stCondLst>
+                                        </p:cTn>
+                                        <p:tgtEl>
+                                          <p:spTgt spid="3">
+                                            <p:txEl>
+                                              <p:pRg st="3" end="3"/>
+                                            </p:txEl>
+                                          </p:spTgt>
+                                        </p:tgtEl>
+                                        <p:attrNameLst>
+                                          <p:attrName>style.visibility</p:attrName>
+                                        </p:attrNameLst>
+                                      </p:cBhvr>
+                                      <p:to>
+                                        <p:strVal val="visible"/>
+                                      </p:to>
+                                    </p:set>
+                                  </p:childTnLst>
+                                </p:cTn>
+                              </p:par>
+                            </p:childTnLst>
+                          </p:cTn>
+                        </p:par>
+                      </p:childTnLst>
+                    </p:cTn>
+                  </p:par>
+                  <p:par>
+                    <p:cTn id="15" fill="hold">
+                      <p:stCondLst>
+                        <p:cond delay="indefinite"/>
+                      </p:stCondLst>
+                      <p:childTnLst>
+                        <p:par>
+                          <p:cTn id="16" fill="hold">
+                            <p:stCondLst>
+                              <p:cond delay="0"/>
+                            </p:stCondLst>
+                            <p:childTnLst>
+                              <p:par>
+                                <p:cTn id="17" presetID="1" presetClass="entr" presetSubtype="0" fill="hold" nodeType="clickEffect">
+                                  <p:stCondLst>
+                                    <p:cond delay="0"/>
+                                  </p:stCondLst>
+                                  <p:childTnLst>
+                                    <p:set>
+                                      <p:cBhvr>
+                                        <p:cTn id="18" dur="1" fill="hold">
+                                          <p:stCondLst>
+                                            <p:cond delay="0"/>
+                                          </p:stCondLst>
+                                        </p:cTn>
+                                        <p:tgtEl>
+                                          <p:spTgt spid="3">
+                                            <p:txEl>
+                                              <p:pRg st="4" end="4"/>
+                                            </p:txEl>
+                                          </p:spTgt>
+                                        </p:tgtEl>
+                                        <p:attrNameLst>
+                                          <p:attrName>style.visibility</p:attrName>
+                                        </p:attrNameLst>
+                                      </p:cBhvr>
+                                      <p:to>
+                                        <p:strVal val="visible"/>
+                                      </p:to>
+                                    </p:set>
+                                  </p:childTnLst>
+                                </p:cTn>
+                              </p:par>
+                            </p:childTnLst>
+                          </p:cTn>
+                        </p:par>
+                      </p:childTnLst>
+                    </p:cTn>
+                  </p:par>
+                  <p:par>
+                    <p:cTn id="19" fill="hold">
+                      <p:stCondLst>
+                        <p:cond delay="indefinite"/>
+                      </p:stCondLst>
+                      <p:childTnLst>
+                        <p:par>
+                          <p:cTn id="20" fill="hold">
+                            <p:stCondLst>
+                              <p:cond delay="0"/>
+                            </p:stCondLst>
+                            <p:childTnLst>
+                              <p:par>
+                                <p:cTn id="21" presetID="1" presetClass="entr" presetSubtype="0" fill="hold" nodeType="clickEffect">
+                                  <p:stCondLst>
+                                    <p:cond delay="0"/>
+                                  </p:stCondLst>
+                                  <p:childTnLst>
+                                    <p:set>
+                                      <p:cBhvr>
+                                        <p:cTn id="22" dur="1" fill="hold">
+                                          <p:stCondLst>
+                                            <p:cond delay="0"/>
+                                          </p:stCondLst>
+                                        </p:cTn>
+                                        <p:tgtEl>
+                                          <p:spTgt spid="3">
+                                            <p:txEl>
+                                              <p:pRg st="5" end="5"/>
+                                            </p:txEl>
+                                          </p:spTgt>
+                                        </p:tgtEl>
+                                        <p:attrNameLst>
+                                          <p:attrName>style.visibility</p:attrName>
+                                        </p:attrNameLst>
+                                      </p:cBhvr>
+                                      <p:to>
+                                        <p:strVal val="visible"/>
+                                      </p:to>
+                                    </p:set>
+                                  </p:childTnLst>
+                                </p:cTn>
+                              </p:par>
+                            </p:childTnLst>
+                          </p:cTn>
+                        </p:par>
+                      </p:childTnLst>
+                    </p:cTn>
+                  </p:par>
+                  <p:par>
+                    <p:cTn id="23" fill="hold">
+                      <p:stCondLst>
+                        <p:cond delay="indefinite"/>
+                      </p:stCondLst>
+                      <p:childTnLst>
+                        <p:par>
+                          <p:cTn id="24" fill="hold">
+                            <p:stCondLst>
+                              <p:cond delay="0"/>
+                            </p:stCondLst>
+                            <p:childTnLst>
+                              <p:par>
+                                <p:cTn id="25" presetID="1" presetClass="entr" presetSubtype="0" fill="hold" nodeType="clickEffect">
+                                  <p:stCondLst>
+                                    <p:cond delay="0"/>
+                                  </p:stCondLst>
+                                  <p:childTnLst>
+                                    <p:set>
+                                      <p:cBhvr>
+                                        <p:cTn id="26" dur="1" fill="hold">
+                                          <p:stCondLst>
+                                            <p:cond delay="0"/>
+                                          </p:stCondLst>
+                                        </p:cTn>
+                                        <p:tgtEl>
+                                          <p:spTgt spid="3">
+                                            <p:txEl>
+                                              <p:pRg st="6" end="6"/>
+                                            </p:txEl>
+                                          </p:spTgt>
+                                        </p:tgtEl>
+                                        <p:attrNameLst>
+                                          <p:attrName>style.visibility</p:attrName>
+                                        </p:attrNameLst>
+                                      </p:cBhvr>
+                                      <p:to>
+                                        <p:strVal val="visible"/>
+                                      </p:to>
+                                    </p:set>
+                                  </p:childTnLst>
+                                </p:cTn>
+                              </p:par>
+                            </p:childTnLst>
+                          </p:cTn>
+                        </p:par>
+                      </p:childTnLst>
+                    </p:cTn>
+                  </p:par>
+                  <p:par>
+                    <p:cTn id="27" fill="hold">
+                      <p:stCondLst>
+                        <p:cond delay="indefinite"/>
+                      </p:stCondLst>
+                      <p:childTnLst>
+                        <p:par>
+                          <p:cTn id="28" fill="hold">
+                            <p:stCondLst>
+                              <p:cond delay="0"/>
+                            </p:stCondLst>
+                            <p:childTnLst>
+                              <p:par>
+                                <p:cTn id="29" presetID="1" presetClass="entr" presetSubtype="0" fill="hold" nodeType="clickEffect">
+                                  <p:stCondLst>
+                                    <p:cond delay="0"/>
+                                  </p:stCondLst>
+                                  <p:childTnLst>
+                                    <p:set>
+                                      <p:cBhvr>
+                                        <p:cTn id="30" dur="1" fill="hold">
+                                          <p:stCondLst>
+                                            <p:cond delay="0"/>
+                                          </p:stCondLst>
+                                        </p:cTn>
+                                        <p:tgtEl>
+                                          <p:spTgt spid="3">
+                                            <p:txEl>
+                                              <p:pRg st="7" end="7"/>
+                                            </p:txEl>
+                                          </p:spTgt>
+                                        </p:tgtEl>
+                                        <p:attrNameLst>
+                                          <p:attrName>style.visibility</p:attrName>
+                                        </p:attrNameLst>
+                                      </p:cBhvr>
+                                      <p:to>
+                                        <p:strVal val="visible"/>
+                                      </p:to>
+                                    </p:set>
+                                  </p:childTnLst>
+                                </p:cTn>
+                              </p:par>
+                            </p:childTnLst>
+                          </p:cTn>
+                        </p:par>
+                      </p:childTnLst>
+                    </p:cTn>
+                  </p:par>
+                  <p:par>
+                    <p:cTn id="31" fill="hold">
+                      <p:stCondLst>
+                        <p:cond delay="indefinite"/>
+                      </p:stCondLst>
+                      <p:childTnLst>
+                        <p:par>
+                          <p:cTn id="32" fill="hold">
+                            <p:stCondLst>
+                              <p:cond delay="0"/>
+                            </p:stCondLst>
+                            <p:childTnLst>
+                              <p:par>
+                                <p:cTn id="33" presetID="1" presetClass="entr" presetSubtype="0" fill="hold" nodeType="clickEffect">
+                                  <p:stCondLst>
+                                    <p:cond delay="0"/>
+                                  </p:stCondLst>
+                                  <p:childTnLst>
+                                    <p:set>
+                                      <p:cBhvr>
+                                        <p:cTn id="34" dur="1" fill="hold">
+                                          <p:stCondLst>
+                                            <p:cond delay="0"/>
+                                          </p:stCondLst>
+                                        </p:cTn>
+                                        <p:tgtEl>
+                                          <p:spTgt spid="3">
+                                            <p:txEl>
+                                              <p:pRg st="8" end="8"/>
+                                            </p:txEl>
+                                          </p:spTgt>
+                                        </p:tgtEl>
+                                        <p:attrNameLst>
+                                          <p:attrName>style.visibility</p:attrName>
+                                        </p:attrNameLst>
+                                      </p:cBhvr>
+                                      <p:to>
+                                        <p:strVal val="visible"/>
+                                      </p:to>
+                                    </p:set>
+                                  </p:childTnLst>
+                                </p:cTn>
+                              </p:par>
+                            </p:childTnLst>
+                          </p:cTn>
+                        </p:par>
+                      </p:childTnLst>
+                    </p:cTn>
+                  </p:par>
+                </p:childTnLst>
+              </p:cTn>
+              <p:prevCondLst>
+                <p:cond evt="onPrev" delay="0">
+                  <p:tgtEl>
+                    <p:sldTgt/>
+                  </p:tgtEl>
+                </p:cond>
+              </p:prevCondLst>
+              <p:nextCondLst>
+                <p:cond evt="onNext" delay="0">
+                  <p:tgtEl>
+                    <p:sldTgt/>
+                  </p:tgtEl>
+                </p:cond>
+              </p:nextCondLst>
+            </p:seq>
+          </p:childTnLst>
+        </p:cTn>
+      </p:par>
+    </p:tnLst>
+  </p:timing>
+</p:sld>
+</file>
+
+<file path=ppt/slides/slide30.xml><?xml version="1.0" encoding="utf-8"?>
 <p:sld xmlns:a="http://schemas.openxmlformats.org/drawingml/2006/main" xmlns:r="http://schemas.openxmlformats.org/officeDocument/2006/relationships" xmlns:p="http://schemas.openxmlformats.org/presentationml/2006/main">
   <p:cSld>
     <p:spTree>
@@ -22902,7 +24729,19 @@
               <a:rPr lang="en-US" dirty="0">
                 <a:latin typeface="+mn-lt"/>
               </a:rPr>
-              <a:t>The squared distance emphasizes larger differences in feature values  </a:t>
+              <a:t>The </a:t>
+            </a:r>
+            <a:r>
+              <a:rPr lang="en-US" dirty="0" err="1">
+                <a:latin typeface="+mn-lt"/>
+              </a:rPr>
+              <a:t>Euclidiean</a:t>
+            </a:r>
+            <a:r>
+              <a:rPr lang="en-US" dirty="0">
+                <a:latin typeface="+mn-lt"/>
+              </a:rPr>
+              <a:t> distance emphasizes larger differences in feature values  </a:t>
             </a:r>
           </a:p>
           <a:p>
@@ -23469,7 +25308,77 @@
 </p:sld>
 </file>
 
-<file path=ppt/slides/slide28.xml><?xml version="1.0" encoding="utf-8"?>
+<file path=ppt/slides/slide31.xml><?xml version="1.0" encoding="utf-8"?>
+<p:sld xmlns:a="http://schemas.openxmlformats.org/drawingml/2006/main" xmlns:r="http://schemas.openxmlformats.org/officeDocument/2006/relationships" xmlns:p="http://schemas.openxmlformats.org/presentationml/2006/main">
+  <p:cSld>
+    <p:spTree>
+      <p:nvGrpSpPr>
+        <p:cNvPr id="1" name="">
+          <a:extLst>
+            <a:ext uri="{FF2B5EF4-FFF2-40B4-BE49-F238E27FC236}">
+              <a16:creationId xmlns:a16="http://schemas.microsoft.com/office/drawing/2014/main" id="{C6E728F5-5F65-F174-2A1A-90A41374062E}"/>
+            </a:ext>
+          </a:extLst>
+        </p:cNvPr>
+        <p:cNvGrpSpPr/>
+        <p:nvPr/>
+      </p:nvGrpSpPr>
+      <p:grpSpPr>
+        <a:xfrm>
+          <a:off x="0" y="0"/>
+          <a:ext cx="0" cy="0"/>
+          <a:chOff x="0" y="0"/>
+          <a:chExt cx="0" cy="0"/>
+        </a:xfrm>
+      </p:grpSpPr>
+      <p:sp>
+        <p:nvSpPr>
+          <p:cNvPr id="2" name="Title 1">
+            <a:extLst>
+              <a:ext uri="{FF2B5EF4-FFF2-40B4-BE49-F238E27FC236}">
+                <a16:creationId xmlns:a16="http://schemas.microsoft.com/office/drawing/2014/main" id="{3B304B82-BDCC-AFBB-B6F0-5B82CE6979F0}"/>
+              </a:ext>
+            </a:extLst>
+          </p:cNvPr>
+          <p:cNvSpPr>
+            <a:spLocks noGrp="1"/>
+          </p:cNvSpPr>
+          <p:nvPr>
+            <p:ph type="title"/>
+          </p:nvPr>
+        </p:nvSpPr>
+        <p:spPr>
+          <a:xfrm>
+            <a:off x="831850" y="1709738"/>
+            <a:ext cx="10515600" cy="2104337"/>
+          </a:xfrm>
+        </p:spPr>
+        <p:txBody>
+          <a:bodyPr/>
+          <a:lstStyle/>
+          <a:p>
+            <a:pPr algn="ctr"/>
+            <a:r>
+              <a:rPr lang="en-US" b="1" dirty="0"/>
+              <a:t>Similarity Metrics</a:t>
+            </a:r>
+          </a:p>
+        </p:txBody>
+      </p:sp>
+    </p:spTree>
+    <p:extLst>
+      <p:ext uri="{BB962C8B-B14F-4D97-AF65-F5344CB8AC3E}">
+        <p14:creationId xmlns:p14="http://schemas.microsoft.com/office/powerpoint/2010/main" val="4056472567"/>
+      </p:ext>
+    </p:extLst>
+  </p:cSld>
+  <p:clrMapOvr>
+    <a:masterClrMapping/>
+  </p:clrMapOvr>
+</p:sld>
+</file>
+
+<file path=ppt/slides/slide32.xml><?xml version="1.0" encoding="utf-8"?>
 <p:sld xmlns:a="http://schemas.openxmlformats.org/drawingml/2006/main" xmlns:r="http://schemas.openxmlformats.org/officeDocument/2006/relationships" xmlns:p="http://schemas.openxmlformats.org/presentationml/2006/main">
   <p:cSld>
     <p:spTree>
@@ -24115,7 +26024,7 @@
 </p:sld>
 </file>
 
-<file path=ppt/slides/slide29.xml><?xml version="1.0" encoding="utf-8"?>
+<file path=ppt/slides/slide33.xml><?xml version="1.0" encoding="utf-8"?>
 <p:sld xmlns:a="http://schemas.openxmlformats.org/drawingml/2006/main" xmlns:r="http://schemas.openxmlformats.org/officeDocument/2006/relationships" xmlns:p="http://schemas.openxmlformats.org/presentationml/2006/main">
   <p:cSld>
     <p:spTree>
@@ -25119,538 +27028,7 @@
 </p:sld>
 </file>
 
-<file path=ppt/slides/slide3.xml><?xml version="1.0" encoding="utf-8"?>
-<p:sld xmlns:a="http://schemas.openxmlformats.org/drawingml/2006/main" xmlns:r="http://schemas.openxmlformats.org/officeDocument/2006/relationships" xmlns:p="http://schemas.openxmlformats.org/presentationml/2006/main">
-  <p:cSld>
-    <p:spTree>
-      <p:nvGrpSpPr>
-        <p:cNvPr id="1" name=""/>
-        <p:cNvGrpSpPr/>
-        <p:nvPr/>
-      </p:nvGrpSpPr>
-      <p:grpSpPr>
-        <a:xfrm>
-          <a:off x="0" y="0"/>
-          <a:ext cx="0" cy="0"/>
-          <a:chOff x="0" y="0"/>
-          <a:chExt cx="0" cy="0"/>
-        </a:xfrm>
-      </p:grpSpPr>
-      <p:sp>
-        <p:nvSpPr>
-          <p:cNvPr id="2" name="Title 1"/>
-          <p:cNvSpPr>
-            <a:spLocks noGrp="1"/>
-          </p:cNvSpPr>
-          <p:nvPr>
-            <p:ph type="title"/>
-          </p:nvPr>
-        </p:nvSpPr>
-        <p:spPr>
-          <a:xfrm>
-            <a:off x="584200" y="221992"/>
-            <a:ext cx="10515600" cy="530954"/>
-          </a:xfrm>
-        </p:spPr>
-        <p:txBody>
-          <a:bodyPr>
-            <a:normAutofit fontScale="90000"/>
-          </a:bodyPr>
-          <a:lstStyle/>
-          <a:p>
-            <a:r>
-              <a:rPr lang="en-US" dirty="0"/>
-              <a:t>Measuring similarity and dissimilarity</a:t>
-            </a:r>
-          </a:p>
-        </p:txBody>
-      </p:sp>
-      <p:sp>
-        <p:nvSpPr>
-          <p:cNvPr id="3" name="Content Placeholder 2"/>
-          <p:cNvSpPr>
-            <a:spLocks noGrp="1"/>
-          </p:cNvSpPr>
-          <p:nvPr>
-            <p:ph sz="quarter" idx="10"/>
-          </p:nvPr>
-        </p:nvSpPr>
-        <p:spPr>
-          <a:xfrm>
-            <a:off x="333375" y="896079"/>
-            <a:ext cx="11525250" cy="5290388"/>
-          </a:xfrm>
-        </p:spPr>
-        <p:txBody>
-          <a:bodyPr>
-            <a:normAutofit/>
-          </a:bodyPr>
-          <a:lstStyle/>
-          <a:p>
-            <a:pPr marL="0" indent="0">
-              <a:buNone/>
-            </a:pPr>
-            <a:r>
-              <a:rPr lang="en-US" dirty="0">
-                <a:latin typeface="+mn-lt"/>
-              </a:rPr>
-              <a:t>Many data mining applications use search for the most similar or dissimilar cases</a:t>
-            </a:r>
-          </a:p>
-          <a:p>
-            <a:r>
-              <a:rPr lang="en-US" dirty="0">
-                <a:latin typeface="+mn-lt"/>
-              </a:rPr>
-              <a:t>Searching for documents with similar content</a:t>
-            </a:r>
-          </a:p>
-          <a:p>
-            <a:r>
-              <a:rPr lang="en-US" dirty="0">
-                <a:latin typeface="+mn-lt"/>
-              </a:rPr>
-              <a:t>Finding customers with similar movie interests </a:t>
-            </a:r>
-          </a:p>
-          <a:p>
-            <a:r>
-              <a:rPr lang="en-US" dirty="0">
-                <a:latin typeface="+mn-lt"/>
-              </a:rPr>
-              <a:t>Discovering similar mRNA sequences </a:t>
-            </a:r>
-          </a:p>
-          <a:p>
-            <a:r>
-              <a:rPr lang="en-US" dirty="0">
-                <a:latin typeface="+mn-lt"/>
-              </a:rPr>
-              <a:t>Finding the most similar sensor streams </a:t>
-            </a:r>
-          </a:p>
-          <a:p>
-            <a:r>
-              <a:rPr lang="en-US" dirty="0">
-                <a:latin typeface="+mn-lt"/>
-              </a:rPr>
-              <a:t>Finding similar products for recommendation </a:t>
-            </a:r>
-          </a:p>
-          <a:p>
-            <a:r>
-              <a:rPr lang="en-US" dirty="0">
-                <a:latin typeface="+mn-lt"/>
-              </a:rPr>
-              <a:t>RAG algorithms</a:t>
-            </a:r>
-          </a:p>
-          <a:p>
-            <a:r>
-              <a:rPr lang="en-US" dirty="0">
-                <a:latin typeface="+mn-lt"/>
-              </a:rPr>
-              <a:t>And many others……………….. </a:t>
-            </a:r>
-          </a:p>
-          <a:p>
-            <a:endParaRPr lang="en-US" sz="2800" dirty="0">
-              <a:latin typeface="+mn-lt"/>
-            </a:endParaRPr>
-          </a:p>
-          <a:p>
-            <a:pPr lvl="1"/>
-            <a:endParaRPr lang="en-US" dirty="0"/>
-          </a:p>
-        </p:txBody>
-      </p:sp>
-    </p:spTree>
-    <p:extLst>
-      <p:ext uri="{BB962C8B-B14F-4D97-AF65-F5344CB8AC3E}">
-        <p14:creationId xmlns:p14="http://schemas.microsoft.com/office/powerpoint/2010/main" val="3043109730"/>
-      </p:ext>
-    </p:extLst>
-  </p:cSld>
-  <p:clrMapOvr>
-    <a:masterClrMapping/>
-  </p:clrMapOvr>
-  <p:timing>
-    <p:tnLst>
-      <p:par>
-        <p:cTn id="1" dur="indefinite" restart="never" nodeType="tmRoot">
-          <p:childTnLst>
-            <p:seq concurrent="1" nextAc="seek">
-              <p:cTn id="2" dur="indefinite" nodeType="mainSeq">
-                <p:childTnLst>
-                  <p:par>
-                    <p:cTn id="3" fill="hold">
-                      <p:stCondLst>
-                        <p:cond delay="indefinite"/>
-                      </p:stCondLst>
-                      <p:childTnLst>
-                        <p:par>
-                          <p:cTn id="4" fill="hold">
-                            <p:stCondLst>
-                              <p:cond delay="0"/>
-                            </p:stCondLst>
-                            <p:childTnLst>
-                              <p:par>
-                                <p:cTn id="5" presetID="1" presetClass="entr" presetSubtype="0" fill="hold" nodeType="clickEffect">
-                                  <p:stCondLst>
-                                    <p:cond delay="0"/>
-                                  </p:stCondLst>
-                                  <p:childTnLst>
-                                    <p:set>
-                                      <p:cBhvr>
-                                        <p:cTn id="6" dur="1" fill="hold">
-                                          <p:stCondLst>
-                                            <p:cond delay="0"/>
-                                          </p:stCondLst>
-                                        </p:cTn>
-                                        <p:tgtEl>
-                                          <p:spTgt spid="3">
-                                            <p:txEl>
-                                              <p:pRg st="1" end="1"/>
-                                            </p:txEl>
-                                          </p:spTgt>
-                                        </p:tgtEl>
-                                        <p:attrNameLst>
-                                          <p:attrName>style.visibility</p:attrName>
-                                        </p:attrNameLst>
-                                      </p:cBhvr>
-                                      <p:to>
-                                        <p:strVal val="visible"/>
-                                      </p:to>
-                                    </p:set>
-                                  </p:childTnLst>
-                                </p:cTn>
-                              </p:par>
-                            </p:childTnLst>
-                          </p:cTn>
-                        </p:par>
-                      </p:childTnLst>
-                    </p:cTn>
-                  </p:par>
-                  <p:par>
-                    <p:cTn id="7" fill="hold">
-                      <p:stCondLst>
-                        <p:cond delay="indefinite"/>
-                      </p:stCondLst>
-                      <p:childTnLst>
-                        <p:par>
-                          <p:cTn id="8" fill="hold">
-                            <p:stCondLst>
-                              <p:cond delay="0"/>
-                            </p:stCondLst>
-                            <p:childTnLst>
-                              <p:par>
-                                <p:cTn id="9" presetID="1" presetClass="entr" presetSubtype="0" fill="hold" nodeType="clickEffect">
-                                  <p:stCondLst>
-                                    <p:cond delay="0"/>
-                                  </p:stCondLst>
-                                  <p:childTnLst>
-                                    <p:set>
-                                      <p:cBhvr>
-                                        <p:cTn id="10" dur="1" fill="hold">
-                                          <p:stCondLst>
-                                            <p:cond delay="0"/>
-                                          </p:stCondLst>
-                                        </p:cTn>
-                                        <p:tgtEl>
-                                          <p:spTgt spid="3">
-                                            <p:txEl>
-                                              <p:pRg st="2" end="2"/>
-                                            </p:txEl>
-                                          </p:spTgt>
-                                        </p:tgtEl>
-                                        <p:attrNameLst>
-                                          <p:attrName>style.visibility</p:attrName>
-                                        </p:attrNameLst>
-                                      </p:cBhvr>
-                                      <p:to>
-                                        <p:strVal val="visible"/>
-                                      </p:to>
-                                    </p:set>
-                                  </p:childTnLst>
-                                </p:cTn>
-                              </p:par>
-                            </p:childTnLst>
-                          </p:cTn>
-                        </p:par>
-                      </p:childTnLst>
-                    </p:cTn>
-                  </p:par>
-                  <p:par>
-                    <p:cTn id="11" fill="hold">
-                      <p:stCondLst>
-                        <p:cond delay="indefinite"/>
-                      </p:stCondLst>
-                      <p:childTnLst>
-                        <p:par>
-                          <p:cTn id="12" fill="hold">
-                            <p:stCondLst>
-                              <p:cond delay="0"/>
-                            </p:stCondLst>
-                            <p:childTnLst>
-                              <p:par>
-                                <p:cTn id="13" presetID="1" presetClass="entr" presetSubtype="0" fill="hold" nodeType="clickEffect">
-                                  <p:stCondLst>
-                                    <p:cond delay="0"/>
-                                  </p:stCondLst>
-                                  <p:childTnLst>
-                                    <p:set>
-                                      <p:cBhvr>
-                                        <p:cTn id="14" dur="1" fill="hold">
-                                          <p:stCondLst>
-                                            <p:cond delay="0"/>
-                                          </p:stCondLst>
-                                        </p:cTn>
-                                        <p:tgtEl>
-                                          <p:spTgt spid="3">
-                                            <p:txEl>
-                                              <p:pRg st="3" end="3"/>
-                                            </p:txEl>
-                                          </p:spTgt>
-                                        </p:tgtEl>
-                                        <p:attrNameLst>
-                                          <p:attrName>style.visibility</p:attrName>
-                                        </p:attrNameLst>
-                                      </p:cBhvr>
-                                      <p:to>
-                                        <p:strVal val="visible"/>
-                                      </p:to>
-                                    </p:set>
-                                  </p:childTnLst>
-                                </p:cTn>
-                              </p:par>
-                            </p:childTnLst>
-                          </p:cTn>
-                        </p:par>
-                      </p:childTnLst>
-                    </p:cTn>
-                  </p:par>
-                  <p:par>
-                    <p:cTn id="15" fill="hold">
-                      <p:stCondLst>
-                        <p:cond delay="indefinite"/>
-                      </p:stCondLst>
-                      <p:childTnLst>
-                        <p:par>
-                          <p:cTn id="16" fill="hold">
-                            <p:stCondLst>
-                              <p:cond delay="0"/>
-                            </p:stCondLst>
-                            <p:childTnLst>
-                              <p:par>
-                                <p:cTn id="17" presetID="1" presetClass="entr" presetSubtype="0" fill="hold" nodeType="clickEffect">
-                                  <p:stCondLst>
-                                    <p:cond delay="0"/>
-                                  </p:stCondLst>
-                                  <p:childTnLst>
-                                    <p:set>
-                                      <p:cBhvr>
-                                        <p:cTn id="18" dur="1" fill="hold">
-                                          <p:stCondLst>
-                                            <p:cond delay="0"/>
-                                          </p:stCondLst>
-                                        </p:cTn>
-                                        <p:tgtEl>
-                                          <p:spTgt spid="3">
-                                            <p:txEl>
-                                              <p:pRg st="4" end="4"/>
-                                            </p:txEl>
-                                          </p:spTgt>
-                                        </p:tgtEl>
-                                        <p:attrNameLst>
-                                          <p:attrName>style.visibility</p:attrName>
-                                        </p:attrNameLst>
-                                      </p:cBhvr>
-                                      <p:to>
-                                        <p:strVal val="visible"/>
-                                      </p:to>
-                                    </p:set>
-                                  </p:childTnLst>
-                                </p:cTn>
-                              </p:par>
-                            </p:childTnLst>
-                          </p:cTn>
-                        </p:par>
-                      </p:childTnLst>
-                    </p:cTn>
-                  </p:par>
-                  <p:par>
-                    <p:cTn id="19" fill="hold">
-                      <p:stCondLst>
-                        <p:cond delay="indefinite"/>
-                      </p:stCondLst>
-                      <p:childTnLst>
-                        <p:par>
-                          <p:cTn id="20" fill="hold">
-                            <p:stCondLst>
-                              <p:cond delay="0"/>
-                            </p:stCondLst>
-                            <p:childTnLst>
-                              <p:par>
-                                <p:cTn id="21" presetID="1" presetClass="entr" presetSubtype="0" fill="hold" nodeType="clickEffect">
-                                  <p:stCondLst>
-                                    <p:cond delay="0"/>
-                                  </p:stCondLst>
-                                  <p:childTnLst>
-                                    <p:set>
-                                      <p:cBhvr>
-                                        <p:cTn id="22" dur="1" fill="hold">
-                                          <p:stCondLst>
-                                            <p:cond delay="0"/>
-                                          </p:stCondLst>
-                                        </p:cTn>
-                                        <p:tgtEl>
-                                          <p:spTgt spid="3">
-                                            <p:txEl>
-                                              <p:pRg st="5" end="5"/>
-                                            </p:txEl>
-                                          </p:spTgt>
-                                        </p:tgtEl>
-                                        <p:attrNameLst>
-                                          <p:attrName>style.visibility</p:attrName>
-                                        </p:attrNameLst>
-                                      </p:cBhvr>
-                                      <p:to>
-                                        <p:strVal val="visible"/>
-                                      </p:to>
-                                    </p:set>
-                                  </p:childTnLst>
-                                </p:cTn>
-                              </p:par>
-                            </p:childTnLst>
-                          </p:cTn>
-                        </p:par>
-                      </p:childTnLst>
-                    </p:cTn>
-                  </p:par>
-                  <p:par>
-                    <p:cTn id="23" fill="hold">
-                      <p:stCondLst>
-                        <p:cond delay="indefinite"/>
-                      </p:stCondLst>
-                      <p:childTnLst>
-                        <p:par>
-                          <p:cTn id="24" fill="hold">
-                            <p:stCondLst>
-                              <p:cond delay="0"/>
-                            </p:stCondLst>
-                            <p:childTnLst>
-                              <p:par>
-                                <p:cTn id="25" presetID="1" presetClass="entr" presetSubtype="0" fill="hold" nodeType="clickEffect">
-                                  <p:stCondLst>
-                                    <p:cond delay="0"/>
-                                  </p:stCondLst>
-                                  <p:childTnLst>
-                                    <p:set>
-                                      <p:cBhvr>
-                                        <p:cTn id="26" dur="1" fill="hold">
-                                          <p:stCondLst>
-                                            <p:cond delay="0"/>
-                                          </p:stCondLst>
-                                        </p:cTn>
-                                        <p:tgtEl>
-                                          <p:spTgt spid="3">
-                                            <p:txEl>
-                                              <p:pRg st="6" end="6"/>
-                                            </p:txEl>
-                                          </p:spTgt>
-                                        </p:tgtEl>
-                                        <p:attrNameLst>
-                                          <p:attrName>style.visibility</p:attrName>
-                                        </p:attrNameLst>
-                                      </p:cBhvr>
-                                      <p:to>
-                                        <p:strVal val="visible"/>
-                                      </p:to>
-                                    </p:set>
-                                  </p:childTnLst>
-                                </p:cTn>
-                              </p:par>
-                            </p:childTnLst>
-                          </p:cTn>
-                        </p:par>
-                      </p:childTnLst>
-                    </p:cTn>
-                  </p:par>
-                  <p:par>
-                    <p:cTn id="27" fill="hold">
-                      <p:stCondLst>
-                        <p:cond delay="indefinite"/>
-                      </p:stCondLst>
-                      <p:childTnLst>
-                        <p:par>
-                          <p:cTn id="28" fill="hold">
-                            <p:stCondLst>
-                              <p:cond delay="0"/>
-                            </p:stCondLst>
-                            <p:childTnLst>
-                              <p:par>
-                                <p:cTn id="29" presetID="1" presetClass="entr" presetSubtype="0" fill="hold" nodeType="clickEffect">
-                                  <p:stCondLst>
-                                    <p:cond delay="0"/>
-                                  </p:stCondLst>
-                                  <p:childTnLst>
-                                    <p:set>
-                                      <p:cBhvr>
-                                        <p:cTn id="30" dur="1" fill="hold">
-                                          <p:stCondLst>
-                                            <p:cond delay="0"/>
-                                          </p:stCondLst>
-                                        </p:cTn>
-                                        <p:tgtEl>
-                                          <p:spTgt spid="3">
-                                            <p:txEl>
-                                              <p:pRg st="7" end="7"/>
-                                            </p:txEl>
-                                          </p:spTgt>
-                                        </p:tgtEl>
-                                        <p:attrNameLst>
-                                          <p:attrName>style.visibility</p:attrName>
-                                        </p:attrNameLst>
-                                      </p:cBhvr>
-                                      <p:to>
-                                        <p:strVal val="visible"/>
-                                      </p:to>
-                                    </p:set>
-                                  </p:childTnLst>
-                                </p:cTn>
-                              </p:par>
-                            </p:childTnLst>
-                          </p:cTn>
-                        </p:par>
-                      </p:childTnLst>
-                    </p:cTn>
-                  </p:par>
-                </p:childTnLst>
-              </p:cTn>
-              <p:prevCondLst>
-                <p:cond evt="onPrev" delay="0">
-                  <p:tgtEl>
-                    <p:sldTgt/>
-                  </p:tgtEl>
-                </p:cond>
-              </p:prevCondLst>
-              <p:nextCondLst>
-                <p:cond evt="onNext" delay="0">
-                  <p:tgtEl>
-                    <p:sldTgt/>
-                  </p:tgtEl>
-                </p:cond>
-              </p:nextCondLst>
-            </p:seq>
-          </p:childTnLst>
-        </p:cTn>
-      </p:par>
-    </p:tnLst>
-  </p:timing>
-</p:sld>
-</file>
-
-<file path=ppt/slides/slide30.xml><?xml version="1.0" encoding="utf-8"?>
+<file path=ppt/slides/slide34.xml><?xml version="1.0" encoding="utf-8"?>
 <p:sld xmlns:a="http://schemas.openxmlformats.org/drawingml/2006/main" xmlns:r="http://schemas.openxmlformats.org/officeDocument/2006/relationships" xmlns:p="http://schemas.openxmlformats.org/presentationml/2006/main">
   <p:cSld>
     <p:spTree>
@@ -27508,7 +28886,7 @@
 </p:sld>
 </file>
 
-<file path=ppt/slides/slide31.xml><?xml version="1.0" encoding="utf-8"?>
+<file path=ppt/slides/slide35.xml><?xml version="1.0" encoding="utf-8"?>
 <p:sld xmlns:a="http://schemas.openxmlformats.org/drawingml/2006/main" xmlns:r="http://schemas.openxmlformats.org/officeDocument/2006/relationships" xmlns:p="http://schemas.openxmlformats.org/presentationml/2006/main">
   <p:cSld>
     <p:spTree>
@@ -29419,7 +30797,7 @@
 </p:sld>
 </file>
 
-<file path=ppt/slides/slide32.xml><?xml version="1.0" encoding="utf-8"?>
+<file path=ppt/slides/slide36.xml><?xml version="1.0" encoding="utf-8"?>
 <p:sld xmlns:a="http://schemas.openxmlformats.org/drawingml/2006/main" xmlns:r="http://schemas.openxmlformats.org/officeDocument/2006/relationships" xmlns:p="http://schemas.openxmlformats.org/presentationml/2006/main">
   <p:cSld>
     <p:spTree>
@@ -29925,11 +31303,24 @@
                 </a:r>
               </a:p>
               <a:p>
+                <a:pPr lvl="1"/>
                 <a:r>
                   <a:rPr lang="en-US" dirty="0">
                     <a:latin typeface="+mn-lt"/>
                   </a:rPr>
-                  <a:t>Compute Pearson correlation by taking dot product of zero centered unit variance vectors </a:t>
+                  <a:t>Compute </a:t>
+                </a:r>
+                <a:r>
+                  <a:rPr lang="en-US" b="1" dirty="0">
+                    <a:latin typeface="+mn-lt"/>
+                  </a:rPr>
+                  <a:t>Pearson correlation </a:t>
+                </a:r>
+                <a:r>
+                  <a:rPr lang="en-US" dirty="0">
+                    <a:latin typeface="+mn-lt"/>
+                  </a:rPr>
+                  <a:t>by taking dot product of zero centered unit variance vectors </a:t>
                 </a:r>
               </a:p>
               <a:p>
@@ -30185,33 +31576,15 @@
                                   </p:childTnLst>
                                 </p:cTn>
                               </p:par>
-                            </p:childTnLst>
-                          </p:cTn>
-                        </p:par>
-                      </p:childTnLst>
-                    </p:cTn>
-                  </p:par>
-                  <p:par>
-                    <p:cTn id="17" fill="hold">
-                      <p:stCondLst>
-                        <p:cond delay="indefinite"/>
-                      </p:stCondLst>
-                      <p:childTnLst>
-                        <p:par>
-                          <p:cTn id="18" fill="hold">
-                            <p:stCondLst>
-                              <p:cond delay="0"/>
-                            </p:stCondLst>
-                            <p:childTnLst>
                               <p:par>
-                                <p:cTn id="19" presetID="1" presetClass="entr" presetSubtype="0" fill="hold" nodeType="clickEffect">
+                                <p:cTn id="17" presetID="1" presetClass="entr" presetSubtype="0" fill="hold" nodeType="withEffect">
                                   <p:stCondLst>
                                     <p:cond delay="0"/>
                                   </p:stCondLst>
                                   <p:childTnLst>
                                     <p:set>
                                       <p:cBhvr>
-                                        <p:cTn id="20" dur="1" fill="hold">
+                                        <p:cTn id="18" dur="1" fill="hold">
                                           <p:stCondLst>
                                             <p:cond delay="0"/>
                                           </p:stCondLst>
@@ -30241,26 +31614,26 @@
                     </p:cTn>
                   </p:par>
                   <p:par>
-                    <p:cTn id="21" fill="hold">
+                    <p:cTn id="19" fill="hold">
                       <p:stCondLst>
                         <p:cond delay="indefinite"/>
                       </p:stCondLst>
                       <p:childTnLst>
                         <p:par>
-                          <p:cTn id="22" fill="hold">
+                          <p:cTn id="20" fill="hold">
                             <p:stCondLst>
                               <p:cond delay="0"/>
                             </p:stCondLst>
                             <p:childTnLst>
                               <p:par>
-                                <p:cTn id="23" presetID="1" presetClass="entr" presetSubtype="0" fill="hold" nodeType="clickEffect">
+                                <p:cTn id="21" presetID="1" presetClass="entr" presetSubtype="0" fill="hold" nodeType="clickEffect">
                                   <p:stCondLst>
                                     <p:cond delay="0"/>
                                   </p:stCondLst>
                                   <p:childTnLst>
                                     <p:set>
                                       <p:cBhvr>
-                                        <p:cTn id="24" dur="1" fill="hold">
+                                        <p:cTn id="22" dur="1" fill="hold">
                                           <p:stCondLst>
                                             <p:cond delay="0"/>
                                           </p:stCondLst>
@@ -30314,7 +31687,7 @@
 </p:sld>
 </file>
 
-<file path=ppt/slides/slide33.xml><?xml version="1.0" encoding="utf-8"?>
+<file path=ppt/slides/slide37.xml><?xml version="1.0" encoding="utf-8"?>
 <p:sld xmlns:a="http://schemas.openxmlformats.org/drawingml/2006/main" xmlns:r="http://schemas.openxmlformats.org/officeDocument/2006/relationships" xmlns:p="http://schemas.openxmlformats.org/presentationml/2006/main">
   <p:cSld>
     <p:spTree>
@@ -31650,7 +33023,7 @@
 </p:sld>
 </file>
 
-<file path=ppt/slides/slide34.xml><?xml version="1.0" encoding="utf-8"?>
+<file path=ppt/slides/slide38.xml><?xml version="1.0" encoding="utf-8"?>
 <p:sld xmlns:a="http://schemas.openxmlformats.org/drawingml/2006/main" xmlns:r="http://schemas.openxmlformats.org/officeDocument/2006/relationships" xmlns:p="http://schemas.openxmlformats.org/presentationml/2006/main">
   <p:cSld>
     <p:spTree>
@@ -33545,7 +34918,7 @@
 </p:sld>
 </file>
 
-<file path=ppt/slides/slide35.xml><?xml version="1.0" encoding="utf-8"?>
+<file path=ppt/slides/slide39.xml><?xml version="1.0" encoding="utf-8"?>
 <p:sld xmlns:a="http://schemas.openxmlformats.org/drawingml/2006/main" xmlns:r="http://schemas.openxmlformats.org/officeDocument/2006/relationships" xmlns:p="http://schemas.openxmlformats.org/presentationml/2006/main">
   <p:cSld>
     <p:spTree>
@@ -34495,7 +35868,637 @@
 </p:sld>
 </file>
 
-<file path=ppt/slides/slide36.xml><?xml version="1.0" encoding="utf-8"?>
+<file path=ppt/slides/slide4.xml><?xml version="1.0" encoding="utf-8"?>
+<p:sld xmlns:a="http://schemas.openxmlformats.org/drawingml/2006/main" xmlns:r="http://schemas.openxmlformats.org/officeDocument/2006/relationships" xmlns:p="http://schemas.openxmlformats.org/presentationml/2006/main">
+  <p:cSld>
+    <p:spTree>
+      <p:nvGrpSpPr>
+        <p:cNvPr id="1" name=""/>
+        <p:cNvGrpSpPr/>
+        <p:nvPr/>
+      </p:nvGrpSpPr>
+      <p:grpSpPr>
+        <a:xfrm>
+          <a:off x="0" y="0"/>
+          <a:ext cx="0" cy="0"/>
+          <a:chOff x="0" y="0"/>
+          <a:chExt cx="0" cy="0"/>
+        </a:xfrm>
+      </p:grpSpPr>
+      <p:sp>
+        <p:nvSpPr>
+          <p:cNvPr id="2" name="Title 1"/>
+          <p:cNvSpPr>
+            <a:spLocks noGrp="1"/>
+          </p:cNvSpPr>
+          <p:nvPr>
+            <p:ph type="title"/>
+          </p:nvPr>
+        </p:nvSpPr>
+        <p:spPr>
+          <a:xfrm>
+            <a:off x="584200" y="221992"/>
+            <a:ext cx="10515600" cy="530954"/>
+          </a:xfrm>
+        </p:spPr>
+        <p:txBody>
+          <a:bodyPr>
+            <a:normAutofit fontScale="90000"/>
+          </a:bodyPr>
+          <a:lstStyle/>
+          <a:p>
+            <a:r>
+              <a:rPr lang="en-US" dirty="0"/>
+              <a:t>Measuring similarity and dissimilarity</a:t>
+            </a:r>
+          </a:p>
+        </p:txBody>
+      </p:sp>
+      <p:sp>
+        <p:nvSpPr>
+          <p:cNvPr id="3" name="Content Placeholder 2"/>
+          <p:cNvSpPr>
+            <a:spLocks noGrp="1"/>
+          </p:cNvSpPr>
+          <p:nvPr>
+            <p:ph sz="quarter" idx="10"/>
+          </p:nvPr>
+        </p:nvSpPr>
+        <p:spPr>
+          <a:xfrm>
+            <a:off x="333375" y="896079"/>
+            <a:ext cx="11525250" cy="5290388"/>
+          </a:xfrm>
+        </p:spPr>
+        <p:txBody>
+          <a:bodyPr>
+            <a:normAutofit/>
+          </a:bodyPr>
+          <a:lstStyle/>
+          <a:p>
+            <a:pPr marL="0" indent="0">
+              <a:buNone/>
+            </a:pPr>
+            <a:r>
+              <a:rPr lang="en-US" dirty="0">
+                <a:latin typeface="+mn-lt"/>
+              </a:rPr>
+              <a:t>Measuring similarity and dissimilarity is fundamental to data mining</a:t>
+            </a:r>
+          </a:p>
+          <a:p>
+            <a:r>
+              <a:rPr lang="en-US" dirty="0">
+                <a:latin typeface="+mn-lt"/>
+              </a:rPr>
+              <a:t>Distance and similarity measures are the foundation of unsupervised learning</a:t>
+            </a:r>
+          </a:p>
+          <a:p>
+            <a:r>
+              <a:rPr lang="en-US" dirty="0">
+                <a:latin typeface="+mn-lt"/>
+              </a:rPr>
+              <a:t>A wide range of metrics used in data mining</a:t>
+            </a:r>
+          </a:p>
+          <a:p>
+            <a:r>
+              <a:rPr lang="en-US" dirty="0">
+                <a:latin typeface="+mn-lt"/>
+              </a:rPr>
+              <a:t>The metrics used must fit the nature of the data and the analysis </a:t>
+            </a:r>
+          </a:p>
+          <a:p>
+            <a:pPr lvl="1"/>
+            <a:r>
+              <a:rPr lang="en-US" dirty="0">
+                <a:latin typeface="+mn-lt"/>
+              </a:rPr>
+              <a:t>Binary data</a:t>
+            </a:r>
+          </a:p>
+          <a:p>
+            <a:pPr lvl="1"/>
+            <a:r>
+              <a:rPr lang="en-US" dirty="0">
+                <a:latin typeface="+mn-lt"/>
+              </a:rPr>
+              <a:t>Text strings</a:t>
+            </a:r>
+          </a:p>
+          <a:p>
+            <a:pPr lvl="1"/>
+            <a:r>
+              <a:rPr lang="en-US" dirty="0">
+                <a:latin typeface="+mn-lt"/>
+              </a:rPr>
+              <a:t>Numeric data</a:t>
+            </a:r>
+          </a:p>
+          <a:p>
+            <a:pPr lvl="1"/>
+            <a:r>
+              <a:rPr lang="en-US" dirty="0">
+                <a:latin typeface="+mn-lt"/>
+              </a:rPr>
+              <a:t>Ordinal data; e.g. rankings and ratings </a:t>
+            </a:r>
+          </a:p>
+          <a:p>
+            <a:pPr lvl="1"/>
+            <a:r>
+              <a:rPr lang="en-US" dirty="0">
+                <a:latin typeface="+mn-lt"/>
+              </a:rPr>
+              <a:t>Unordered categorical data</a:t>
+            </a:r>
+          </a:p>
+          <a:p>
+            <a:r>
+              <a:rPr lang="en-US" b="1" dirty="0">
+                <a:latin typeface="+mn-lt"/>
+              </a:rPr>
+              <a:t>There is no one best metric!</a:t>
+            </a:r>
+          </a:p>
+          <a:p>
+            <a:endParaRPr lang="en-US" sz="2800" dirty="0">
+              <a:latin typeface="+mn-lt"/>
+            </a:endParaRPr>
+          </a:p>
+          <a:p>
+            <a:pPr lvl="1"/>
+            <a:endParaRPr lang="en-US" dirty="0"/>
+          </a:p>
+        </p:txBody>
+      </p:sp>
+    </p:spTree>
+    <p:extLst>
+      <p:ext uri="{BB962C8B-B14F-4D97-AF65-F5344CB8AC3E}">
+        <p14:creationId xmlns:p14="http://schemas.microsoft.com/office/powerpoint/2010/main" val="312349696"/>
+      </p:ext>
+    </p:extLst>
+  </p:cSld>
+  <p:clrMapOvr>
+    <a:masterClrMapping/>
+  </p:clrMapOvr>
+  <p:timing>
+    <p:tnLst>
+      <p:par>
+        <p:cTn id="1" dur="indefinite" restart="never" nodeType="tmRoot">
+          <p:childTnLst>
+            <p:seq concurrent="1" nextAc="seek">
+              <p:cTn id="2" dur="indefinite" nodeType="mainSeq">
+                <p:childTnLst>
+                  <p:par>
+                    <p:cTn id="3" fill="hold">
+                      <p:stCondLst>
+                        <p:cond delay="indefinite"/>
+                      </p:stCondLst>
+                      <p:childTnLst>
+                        <p:par>
+                          <p:cTn id="4" fill="hold">
+                            <p:stCondLst>
+                              <p:cond delay="0"/>
+                            </p:stCondLst>
+                            <p:childTnLst>
+                              <p:par>
+                                <p:cTn id="5" presetID="1" presetClass="entr" presetSubtype="0" fill="hold" nodeType="clickEffect">
+                                  <p:stCondLst>
+                                    <p:cond delay="0"/>
+                                  </p:stCondLst>
+                                  <p:childTnLst>
+                                    <p:set>
+                                      <p:cBhvr>
+                                        <p:cTn id="6" dur="1" fill="hold">
+                                          <p:stCondLst>
+                                            <p:cond delay="0"/>
+                                          </p:stCondLst>
+                                        </p:cTn>
+                                        <p:tgtEl>
+                                          <p:spTgt spid="3">
+                                            <p:txEl>
+                                              <p:pRg st="1" end="1"/>
+                                            </p:txEl>
+                                          </p:spTgt>
+                                        </p:tgtEl>
+                                        <p:attrNameLst>
+                                          <p:attrName>style.visibility</p:attrName>
+                                        </p:attrNameLst>
+                                      </p:cBhvr>
+                                      <p:to>
+                                        <p:strVal val="visible"/>
+                                      </p:to>
+                                    </p:set>
+                                  </p:childTnLst>
+                                </p:cTn>
+                              </p:par>
+                            </p:childTnLst>
+                          </p:cTn>
+                        </p:par>
+                      </p:childTnLst>
+                    </p:cTn>
+                  </p:par>
+                  <p:par>
+                    <p:cTn id="7" fill="hold">
+                      <p:stCondLst>
+                        <p:cond delay="indefinite"/>
+                      </p:stCondLst>
+                      <p:childTnLst>
+                        <p:par>
+                          <p:cTn id="8" fill="hold">
+                            <p:stCondLst>
+                              <p:cond delay="0"/>
+                            </p:stCondLst>
+                            <p:childTnLst>
+                              <p:par>
+                                <p:cTn id="9" presetID="1" presetClass="entr" presetSubtype="0" fill="hold" nodeType="clickEffect">
+                                  <p:stCondLst>
+                                    <p:cond delay="0"/>
+                                  </p:stCondLst>
+                                  <p:childTnLst>
+                                    <p:set>
+                                      <p:cBhvr>
+                                        <p:cTn id="10" dur="1" fill="hold">
+                                          <p:stCondLst>
+                                            <p:cond delay="0"/>
+                                          </p:stCondLst>
+                                        </p:cTn>
+                                        <p:tgtEl>
+                                          <p:spTgt spid="3">
+                                            <p:txEl>
+                                              <p:pRg st="2" end="2"/>
+                                            </p:txEl>
+                                          </p:spTgt>
+                                        </p:tgtEl>
+                                        <p:attrNameLst>
+                                          <p:attrName>style.visibility</p:attrName>
+                                        </p:attrNameLst>
+                                      </p:cBhvr>
+                                      <p:to>
+                                        <p:strVal val="visible"/>
+                                      </p:to>
+                                    </p:set>
+                                  </p:childTnLst>
+                                </p:cTn>
+                              </p:par>
+                            </p:childTnLst>
+                          </p:cTn>
+                        </p:par>
+                      </p:childTnLst>
+                    </p:cTn>
+                  </p:par>
+                  <p:par>
+                    <p:cTn id="11" fill="hold">
+                      <p:stCondLst>
+                        <p:cond delay="indefinite"/>
+                      </p:stCondLst>
+                      <p:childTnLst>
+                        <p:par>
+                          <p:cTn id="12" fill="hold">
+                            <p:stCondLst>
+                              <p:cond delay="0"/>
+                            </p:stCondLst>
+                            <p:childTnLst>
+                              <p:par>
+                                <p:cTn id="13" presetID="1" presetClass="entr" presetSubtype="0" fill="hold" nodeType="clickEffect">
+                                  <p:stCondLst>
+                                    <p:cond delay="0"/>
+                                  </p:stCondLst>
+                                  <p:childTnLst>
+                                    <p:set>
+                                      <p:cBhvr>
+                                        <p:cTn id="14" dur="1" fill="hold">
+                                          <p:stCondLst>
+                                            <p:cond delay="0"/>
+                                          </p:stCondLst>
+                                        </p:cTn>
+                                        <p:tgtEl>
+                                          <p:spTgt spid="3">
+                                            <p:txEl>
+                                              <p:pRg st="3" end="3"/>
+                                            </p:txEl>
+                                          </p:spTgt>
+                                        </p:tgtEl>
+                                        <p:attrNameLst>
+                                          <p:attrName>style.visibility</p:attrName>
+                                        </p:attrNameLst>
+                                      </p:cBhvr>
+                                      <p:to>
+                                        <p:strVal val="visible"/>
+                                      </p:to>
+                                    </p:set>
+                                  </p:childTnLst>
+                                </p:cTn>
+                              </p:par>
+                              <p:par>
+                                <p:cTn id="15" presetID="1" presetClass="entr" presetSubtype="0" fill="hold" nodeType="withEffect">
+                                  <p:stCondLst>
+                                    <p:cond delay="0"/>
+                                  </p:stCondLst>
+                                  <p:childTnLst>
+                                    <p:set>
+                                      <p:cBhvr>
+                                        <p:cTn id="16" dur="1" fill="hold">
+                                          <p:stCondLst>
+                                            <p:cond delay="0"/>
+                                          </p:stCondLst>
+                                        </p:cTn>
+                                        <p:tgtEl>
+                                          <p:spTgt spid="3">
+                                            <p:txEl>
+                                              <p:pRg st="4" end="4"/>
+                                            </p:txEl>
+                                          </p:spTgt>
+                                        </p:tgtEl>
+                                        <p:attrNameLst>
+                                          <p:attrName>style.visibility</p:attrName>
+                                        </p:attrNameLst>
+                                      </p:cBhvr>
+                                      <p:to>
+                                        <p:strVal val="visible"/>
+                                      </p:to>
+                                    </p:set>
+                                  </p:childTnLst>
+                                </p:cTn>
+                              </p:par>
+                              <p:par>
+                                <p:cTn id="17" presetID="1" presetClass="entr" presetSubtype="0" fill="hold" nodeType="withEffect">
+                                  <p:stCondLst>
+                                    <p:cond delay="0"/>
+                                  </p:stCondLst>
+                                  <p:childTnLst>
+                                    <p:set>
+                                      <p:cBhvr>
+                                        <p:cTn id="18" dur="1" fill="hold">
+                                          <p:stCondLst>
+                                            <p:cond delay="0"/>
+                                          </p:stCondLst>
+                                        </p:cTn>
+                                        <p:tgtEl>
+                                          <p:spTgt spid="3">
+                                            <p:txEl>
+                                              <p:pRg st="5" end="5"/>
+                                            </p:txEl>
+                                          </p:spTgt>
+                                        </p:tgtEl>
+                                        <p:attrNameLst>
+                                          <p:attrName>style.visibility</p:attrName>
+                                        </p:attrNameLst>
+                                      </p:cBhvr>
+                                      <p:to>
+                                        <p:strVal val="visible"/>
+                                      </p:to>
+                                    </p:set>
+                                  </p:childTnLst>
+                                </p:cTn>
+                              </p:par>
+                              <p:par>
+                                <p:cTn id="19" presetID="1" presetClass="entr" presetSubtype="0" fill="hold" nodeType="withEffect">
+                                  <p:stCondLst>
+                                    <p:cond delay="0"/>
+                                  </p:stCondLst>
+                                  <p:childTnLst>
+                                    <p:set>
+                                      <p:cBhvr>
+                                        <p:cTn id="20" dur="1" fill="hold">
+                                          <p:stCondLst>
+                                            <p:cond delay="0"/>
+                                          </p:stCondLst>
+                                        </p:cTn>
+                                        <p:tgtEl>
+                                          <p:spTgt spid="3">
+                                            <p:txEl>
+                                              <p:pRg st="6" end="6"/>
+                                            </p:txEl>
+                                          </p:spTgt>
+                                        </p:tgtEl>
+                                        <p:attrNameLst>
+                                          <p:attrName>style.visibility</p:attrName>
+                                        </p:attrNameLst>
+                                      </p:cBhvr>
+                                      <p:to>
+                                        <p:strVal val="visible"/>
+                                      </p:to>
+                                    </p:set>
+                                  </p:childTnLst>
+                                </p:cTn>
+                              </p:par>
+                              <p:par>
+                                <p:cTn id="21" presetID="1" presetClass="entr" presetSubtype="0" fill="hold" nodeType="withEffect">
+                                  <p:stCondLst>
+                                    <p:cond delay="0"/>
+                                  </p:stCondLst>
+                                  <p:childTnLst>
+                                    <p:set>
+                                      <p:cBhvr>
+                                        <p:cTn id="22" dur="1" fill="hold">
+                                          <p:stCondLst>
+                                            <p:cond delay="0"/>
+                                          </p:stCondLst>
+                                        </p:cTn>
+                                        <p:tgtEl>
+                                          <p:spTgt spid="3">
+                                            <p:txEl>
+                                              <p:pRg st="7" end="7"/>
+                                            </p:txEl>
+                                          </p:spTgt>
+                                        </p:tgtEl>
+                                        <p:attrNameLst>
+                                          <p:attrName>style.visibility</p:attrName>
+                                        </p:attrNameLst>
+                                      </p:cBhvr>
+                                      <p:to>
+                                        <p:strVal val="visible"/>
+                                      </p:to>
+                                    </p:set>
+                                  </p:childTnLst>
+                                </p:cTn>
+                              </p:par>
+                              <p:par>
+                                <p:cTn id="23" presetID="1" presetClass="entr" presetSubtype="0" fill="hold" nodeType="withEffect">
+                                  <p:stCondLst>
+                                    <p:cond delay="0"/>
+                                  </p:stCondLst>
+                                  <p:childTnLst>
+                                    <p:set>
+                                      <p:cBhvr>
+                                        <p:cTn id="24" dur="1" fill="hold">
+                                          <p:stCondLst>
+                                            <p:cond delay="0"/>
+                                          </p:stCondLst>
+                                        </p:cTn>
+                                        <p:tgtEl>
+                                          <p:spTgt spid="3">
+                                            <p:txEl>
+                                              <p:pRg st="8" end="8"/>
+                                            </p:txEl>
+                                          </p:spTgt>
+                                        </p:tgtEl>
+                                        <p:attrNameLst>
+                                          <p:attrName>style.visibility</p:attrName>
+                                        </p:attrNameLst>
+                                      </p:cBhvr>
+                                      <p:to>
+                                        <p:strVal val="visible"/>
+                                      </p:to>
+                                    </p:set>
+                                  </p:childTnLst>
+                                </p:cTn>
+                              </p:par>
+                            </p:childTnLst>
+                          </p:cTn>
+                        </p:par>
+                      </p:childTnLst>
+                    </p:cTn>
+                  </p:par>
+                  <p:par>
+                    <p:cTn id="25" fill="hold">
+                      <p:stCondLst>
+                        <p:cond delay="indefinite"/>
+                      </p:stCondLst>
+                      <p:childTnLst>
+                        <p:par>
+                          <p:cTn id="26" fill="hold">
+                            <p:stCondLst>
+                              <p:cond delay="0"/>
+                            </p:stCondLst>
+                            <p:childTnLst>
+                              <p:par>
+                                <p:cTn id="27" presetID="1" presetClass="entr" presetSubtype="0" fill="hold" nodeType="clickEffect">
+                                  <p:stCondLst>
+                                    <p:cond delay="0"/>
+                                  </p:stCondLst>
+                                  <p:childTnLst>
+                                    <p:set>
+                                      <p:cBhvr>
+                                        <p:cTn id="28" dur="1" fill="hold">
+                                          <p:stCondLst>
+                                            <p:cond delay="0"/>
+                                          </p:stCondLst>
+                                        </p:cTn>
+                                        <p:tgtEl>
+                                          <p:spTgt spid="3">
+                                            <p:txEl>
+                                              <p:pRg st="9" end="9"/>
+                                            </p:txEl>
+                                          </p:spTgt>
+                                        </p:tgtEl>
+                                        <p:attrNameLst>
+                                          <p:attrName>style.visibility</p:attrName>
+                                        </p:attrNameLst>
+                                      </p:cBhvr>
+                                      <p:to>
+                                        <p:strVal val="visible"/>
+                                      </p:to>
+                                    </p:set>
+                                  </p:childTnLst>
+                                </p:cTn>
+                              </p:par>
+                            </p:childTnLst>
+                          </p:cTn>
+                        </p:par>
+                      </p:childTnLst>
+                    </p:cTn>
+                  </p:par>
+                </p:childTnLst>
+              </p:cTn>
+              <p:prevCondLst>
+                <p:cond evt="onPrev" delay="0">
+                  <p:tgtEl>
+                    <p:sldTgt/>
+                  </p:tgtEl>
+                </p:cond>
+              </p:prevCondLst>
+              <p:nextCondLst>
+                <p:cond evt="onNext" delay="0">
+                  <p:tgtEl>
+                    <p:sldTgt/>
+                  </p:tgtEl>
+                </p:cond>
+              </p:nextCondLst>
+            </p:seq>
+          </p:childTnLst>
+        </p:cTn>
+      </p:par>
+    </p:tnLst>
+  </p:timing>
+</p:sld>
+</file>
+
+<file path=ppt/slides/slide40.xml><?xml version="1.0" encoding="utf-8"?>
+<p:sld xmlns:a="http://schemas.openxmlformats.org/drawingml/2006/main" xmlns:r="http://schemas.openxmlformats.org/officeDocument/2006/relationships" xmlns:p="http://schemas.openxmlformats.org/presentationml/2006/main">
+  <p:cSld>
+    <p:spTree>
+      <p:nvGrpSpPr>
+        <p:cNvPr id="1" name="">
+          <a:extLst>
+            <a:ext uri="{FF2B5EF4-FFF2-40B4-BE49-F238E27FC236}">
+              <a16:creationId xmlns:a16="http://schemas.microsoft.com/office/drawing/2014/main" id="{D07DECDF-814A-B2D1-F5F0-82FF12F07912}"/>
+            </a:ext>
+          </a:extLst>
+        </p:cNvPr>
+        <p:cNvGrpSpPr/>
+        <p:nvPr/>
+      </p:nvGrpSpPr>
+      <p:grpSpPr>
+        <a:xfrm>
+          <a:off x="0" y="0"/>
+          <a:ext cx="0" cy="0"/>
+          <a:chOff x="0" y="0"/>
+          <a:chExt cx="0" cy="0"/>
+        </a:xfrm>
+      </p:grpSpPr>
+      <p:sp>
+        <p:nvSpPr>
+          <p:cNvPr id="2" name="Title 1">
+            <a:extLst>
+              <a:ext uri="{FF2B5EF4-FFF2-40B4-BE49-F238E27FC236}">
+                <a16:creationId xmlns:a16="http://schemas.microsoft.com/office/drawing/2014/main" id="{CE8266A1-0CB3-712B-C7AA-92B375DAF3B2}"/>
+              </a:ext>
+            </a:extLst>
+          </p:cNvPr>
+          <p:cNvSpPr>
+            <a:spLocks noGrp="1"/>
+          </p:cNvSpPr>
+          <p:nvPr>
+            <p:ph type="title"/>
+          </p:nvPr>
+        </p:nvSpPr>
+        <p:spPr>
+          <a:xfrm>
+            <a:off x="831850" y="1709738"/>
+            <a:ext cx="10515600" cy="2104337"/>
+          </a:xfrm>
+        </p:spPr>
+        <p:txBody>
+          <a:bodyPr/>
+          <a:lstStyle/>
+          <a:p>
+            <a:pPr algn="ctr"/>
+            <a:r>
+              <a:rPr lang="en-US" b="1" dirty="0"/>
+              <a:t>Scaling Distance and Similarity Metrics</a:t>
+            </a:r>
+          </a:p>
+        </p:txBody>
+      </p:sp>
+    </p:spTree>
+    <p:extLst>
+      <p:ext uri="{BB962C8B-B14F-4D97-AF65-F5344CB8AC3E}">
+        <p14:creationId xmlns:p14="http://schemas.microsoft.com/office/powerpoint/2010/main" val="4149067167"/>
+      </p:ext>
+    </p:extLst>
+  </p:cSld>
+  <p:clrMapOvr>
+    <a:masterClrMapping/>
+  </p:clrMapOvr>
+</p:sld>
+</file>
+
+<file path=ppt/slides/slide41.xml><?xml version="1.0" encoding="utf-8"?>
 <p:sld xmlns:a="http://schemas.openxmlformats.org/drawingml/2006/main" xmlns:r="http://schemas.openxmlformats.org/officeDocument/2006/relationships" xmlns:p="http://schemas.openxmlformats.org/presentationml/2006/main">
   <p:cSld>
     <p:spTree>
@@ -35556,7 +37559,7 @@
 </p:sld>
 </file>
 
-<file path=ppt/slides/slide37.xml><?xml version="1.0" encoding="utf-8"?>
+<file path=ppt/slides/slide42.xml><?xml version="1.0" encoding="utf-8"?>
 <p:sld xmlns:a="http://schemas.openxmlformats.org/drawingml/2006/main" xmlns:r="http://schemas.openxmlformats.org/officeDocument/2006/relationships" xmlns:p="http://schemas.openxmlformats.org/presentationml/2006/main">
   <p:cSld>
     <p:spTree>
@@ -36124,7 +38127,7 @@
 </p:sld>
 </file>
 
-<file path=ppt/slides/slide38.xml><?xml version="1.0" encoding="utf-8"?>
+<file path=ppt/slides/slide43.xml><?xml version="1.0" encoding="utf-8"?>
 <p:sld xmlns:a="http://schemas.openxmlformats.org/drawingml/2006/main" xmlns:r="http://schemas.openxmlformats.org/officeDocument/2006/relationships" xmlns:p="http://schemas.openxmlformats.org/presentationml/2006/main">
   <p:cSld>
     <p:spTree>
@@ -36691,7 +38694,7 @@
 </p:sld>
 </file>
 
-<file path=ppt/slides/slide39.xml><?xml version="1.0" encoding="utf-8"?>
+<file path=ppt/slides/slide44.xml><?xml version="1.0" encoding="utf-8"?>
 <p:sld xmlns:a="http://schemas.openxmlformats.org/drawingml/2006/main" xmlns:r="http://schemas.openxmlformats.org/officeDocument/2006/relationships" xmlns:p="http://schemas.openxmlformats.org/presentationml/2006/main" show="0">
   <p:cSld>
     <p:spTree>
@@ -37540,567 +39543,7 @@
 </p:sld>
 </file>
 
-<file path=ppt/slides/slide4.xml><?xml version="1.0" encoding="utf-8"?>
-<p:sld xmlns:a="http://schemas.openxmlformats.org/drawingml/2006/main" xmlns:r="http://schemas.openxmlformats.org/officeDocument/2006/relationships" xmlns:p="http://schemas.openxmlformats.org/presentationml/2006/main">
-  <p:cSld>
-    <p:spTree>
-      <p:nvGrpSpPr>
-        <p:cNvPr id="1" name=""/>
-        <p:cNvGrpSpPr/>
-        <p:nvPr/>
-      </p:nvGrpSpPr>
-      <p:grpSpPr>
-        <a:xfrm>
-          <a:off x="0" y="0"/>
-          <a:ext cx="0" cy="0"/>
-          <a:chOff x="0" y="0"/>
-          <a:chExt cx="0" cy="0"/>
-        </a:xfrm>
-      </p:grpSpPr>
-      <p:sp>
-        <p:nvSpPr>
-          <p:cNvPr id="2" name="Title 1"/>
-          <p:cNvSpPr>
-            <a:spLocks noGrp="1"/>
-          </p:cNvSpPr>
-          <p:nvPr>
-            <p:ph type="title"/>
-          </p:nvPr>
-        </p:nvSpPr>
-        <p:spPr>
-          <a:xfrm>
-            <a:off x="584200" y="221992"/>
-            <a:ext cx="10515600" cy="530954"/>
-          </a:xfrm>
-        </p:spPr>
-        <p:txBody>
-          <a:bodyPr>
-            <a:normAutofit fontScale="90000"/>
-          </a:bodyPr>
-          <a:lstStyle/>
-          <a:p>
-            <a:r>
-              <a:rPr lang="en-US" dirty="0"/>
-              <a:t>Measuring similarity and dissimilarity</a:t>
-            </a:r>
-          </a:p>
-        </p:txBody>
-      </p:sp>
-      <p:sp>
-        <p:nvSpPr>
-          <p:cNvPr id="3" name="Content Placeholder 2"/>
-          <p:cNvSpPr>
-            <a:spLocks noGrp="1"/>
-          </p:cNvSpPr>
-          <p:nvPr>
-            <p:ph sz="quarter" idx="10"/>
-          </p:nvPr>
-        </p:nvSpPr>
-        <p:spPr>
-          <a:xfrm>
-            <a:off x="333375" y="896079"/>
-            <a:ext cx="11525250" cy="5290388"/>
-          </a:xfrm>
-        </p:spPr>
-        <p:txBody>
-          <a:bodyPr>
-            <a:normAutofit/>
-          </a:bodyPr>
-          <a:lstStyle/>
-          <a:p>
-            <a:pPr marL="0" indent="0">
-              <a:buNone/>
-            </a:pPr>
-            <a:r>
-              <a:rPr lang="en-US" dirty="0">
-                <a:latin typeface="+mn-lt"/>
-              </a:rPr>
-              <a:t>Measuring similarity and dissimilarity is fundamental to data mining</a:t>
-            </a:r>
-          </a:p>
-          <a:p>
-            <a:r>
-              <a:rPr lang="en-US" dirty="0">
-                <a:latin typeface="+mn-lt"/>
-              </a:rPr>
-              <a:t>Distance and similarity measures are the foundation of unsupervised learning</a:t>
-            </a:r>
-          </a:p>
-          <a:p>
-            <a:r>
-              <a:rPr lang="en-US" dirty="0">
-                <a:latin typeface="+mn-lt"/>
-              </a:rPr>
-              <a:t>A wide range of metrics used in data mining</a:t>
-            </a:r>
-          </a:p>
-          <a:p>
-            <a:r>
-              <a:rPr lang="en-US" dirty="0">
-                <a:latin typeface="+mn-lt"/>
-              </a:rPr>
-              <a:t>The metrics used must fit the nature of the data and the analysis </a:t>
-            </a:r>
-          </a:p>
-          <a:p>
-            <a:pPr lvl="1"/>
-            <a:r>
-              <a:rPr lang="en-US" dirty="0">
-                <a:latin typeface="+mn-lt"/>
-              </a:rPr>
-              <a:t>Binary data</a:t>
-            </a:r>
-          </a:p>
-          <a:p>
-            <a:pPr lvl="1"/>
-            <a:r>
-              <a:rPr lang="en-US" dirty="0">
-                <a:latin typeface="+mn-lt"/>
-              </a:rPr>
-              <a:t>Text strings</a:t>
-            </a:r>
-          </a:p>
-          <a:p>
-            <a:pPr lvl="1"/>
-            <a:r>
-              <a:rPr lang="en-US" dirty="0">
-                <a:latin typeface="+mn-lt"/>
-              </a:rPr>
-              <a:t>Numeric data</a:t>
-            </a:r>
-          </a:p>
-          <a:p>
-            <a:pPr lvl="1"/>
-            <a:r>
-              <a:rPr lang="en-US" dirty="0">
-                <a:latin typeface="+mn-lt"/>
-              </a:rPr>
-              <a:t>Ordinal data; e.g. rankings and ratings </a:t>
-            </a:r>
-          </a:p>
-          <a:p>
-            <a:pPr lvl="1"/>
-            <a:r>
-              <a:rPr lang="en-US" dirty="0">
-                <a:latin typeface="+mn-lt"/>
-              </a:rPr>
-              <a:t>Unordered categorical data</a:t>
-            </a:r>
-          </a:p>
-          <a:p>
-            <a:r>
-              <a:rPr lang="en-US" b="1" dirty="0">
-                <a:latin typeface="+mn-lt"/>
-              </a:rPr>
-              <a:t>There is no one best metric!</a:t>
-            </a:r>
-          </a:p>
-          <a:p>
-            <a:endParaRPr lang="en-US" sz="2800" dirty="0">
-              <a:latin typeface="+mn-lt"/>
-            </a:endParaRPr>
-          </a:p>
-          <a:p>
-            <a:pPr lvl="1"/>
-            <a:endParaRPr lang="en-US" dirty="0"/>
-          </a:p>
-        </p:txBody>
-      </p:sp>
-    </p:spTree>
-    <p:extLst>
-      <p:ext uri="{BB962C8B-B14F-4D97-AF65-F5344CB8AC3E}">
-        <p14:creationId xmlns:p14="http://schemas.microsoft.com/office/powerpoint/2010/main" val="312349696"/>
-      </p:ext>
-    </p:extLst>
-  </p:cSld>
-  <p:clrMapOvr>
-    <a:masterClrMapping/>
-  </p:clrMapOvr>
-  <p:timing>
-    <p:tnLst>
-      <p:par>
-        <p:cTn id="1" dur="indefinite" restart="never" nodeType="tmRoot">
-          <p:childTnLst>
-            <p:seq concurrent="1" nextAc="seek">
-              <p:cTn id="2" dur="indefinite" nodeType="mainSeq">
-                <p:childTnLst>
-                  <p:par>
-                    <p:cTn id="3" fill="hold">
-                      <p:stCondLst>
-                        <p:cond delay="indefinite"/>
-                      </p:stCondLst>
-                      <p:childTnLst>
-                        <p:par>
-                          <p:cTn id="4" fill="hold">
-                            <p:stCondLst>
-                              <p:cond delay="0"/>
-                            </p:stCondLst>
-                            <p:childTnLst>
-                              <p:par>
-                                <p:cTn id="5" presetID="1" presetClass="entr" presetSubtype="0" fill="hold" nodeType="clickEffect">
-                                  <p:stCondLst>
-                                    <p:cond delay="0"/>
-                                  </p:stCondLst>
-                                  <p:childTnLst>
-                                    <p:set>
-                                      <p:cBhvr>
-                                        <p:cTn id="6" dur="1" fill="hold">
-                                          <p:stCondLst>
-                                            <p:cond delay="0"/>
-                                          </p:stCondLst>
-                                        </p:cTn>
-                                        <p:tgtEl>
-                                          <p:spTgt spid="3">
-                                            <p:txEl>
-                                              <p:pRg st="1" end="1"/>
-                                            </p:txEl>
-                                          </p:spTgt>
-                                        </p:tgtEl>
-                                        <p:attrNameLst>
-                                          <p:attrName>style.visibility</p:attrName>
-                                        </p:attrNameLst>
-                                      </p:cBhvr>
-                                      <p:to>
-                                        <p:strVal val="visible"/>
-                                      </p:to>
-                                    </p:set>
-                                  </p:childTnLst>
-                                </p:cTn>
-                              </p:par>
-                            </p:childTnLst>
-                          </p:cTn>
-                        </p:par>
-                      </p:childTnLst>
-                    </p:cTn>
-                  </p:par>
-                  <p:par>
-                    <p:cTn id="7" fill="hold">
-                      <p:stCondLst>
-                        <p:cond delay="indefinite"/>
-                      </p:stCondLst>
-                      <p:childTnLst>
-                        <p:par>
-                          <p:cTn id="8" fill="hold">
-                            <p:stCondLst>
-                              <p:cond delay="0"/>
-                            </p:stCondLst>
-                            <p:childTnLst>
-                              <p:par>
-                                <p:cTn id="9" presetID="1" presetClass="entr" presetSubtype="0" fill="hold" nodeType="clickEffect">
-                                  <p:stCondLst>
-                                    <p:cond delay="0"/>
-                                  </p:stCondLst>
-                                  <p:childTnLst>
-                                    <p:set>
-                                      <p:cBhvr>
-                                        <p:cTn id="10" dur="1" fill="hold">
-                                          <p:stCondLst>
-                                            <p:cond delay="0"/>
-                                          </p:stCondLst>
-                                        </p:cTn>
-                                        <p:tgtEl>
-                                          <p:spTgt spid="3">
-                                            <p:txEl>
-                                              <p:pRg st="2" end="2"/>
-                                            </p:txEl>
-                                          </p:spTgt>
-                                        </p:tgtEl>
-                                        <p:attrNameLst>
-                                          <p:attrName>style.visibility</p:attrName>
-                                        </p:attrNameLst>
-                                      </p:cBhvr>
-                                      <p:to>
-                                        <p:strVal val="visible"/>
-                                      </p:to>
-                                    </p:set>
-                                  </p:childTnLst>
-                                </p:cTn>
-                              </p:par>
-                            </p:childTnLst>
-                          </p:cTn>
-                        </p:par>
-                      </p:childTnLst>
-                    </p:cTn>
-                  </p:par>
-                  <p:par>
-                    <p:cTn id="11" fill="hold">
-                      <p:stCondLst>
-                        <p:cond delay="indefinite"/>
-                      </p:stCondLst>
-                      <p:childTnLst>
-                        <p:par>
-                          <p:cTn id="12" fill="hold">
-                            <p:stCondLst>
-                              <p:cond delay="0"/>
-                            </p:stCondLst>
-                            <p:childTnLst>
-                              <p:par>
-                                <p:cTn id="13" presetID="1" presetClass="entr" presetSubtype="0" fill="hold" nodeType="clickEffect">
-                                  <p:stCondLst>
-                                    <p:cond delay="0"/>
-                                  </p:stCondLst>
-                                  <p:childTnLst>
-                                    <p:set>
-                                      <p:cBhvr>
-                                        <p:cTn id="14" dur="1" fill="hold">
-                                          <p:stCondLst>
-                                            <p:cond delay="0"/>
-                                          </p:stCondLst>
-                                        </p:cTn>
-                                        <p:tgtEl>
-                                          <p:spTgt spid="3">
-                                            <p:txEl>
-                                              <p:pRg st="3" end="3"/>
-                                            </p:txEl>
-                                          </p:spTgt>
-                                        </p:tgtEl>
-                                        <p:attrNameLst>
-                                          <p:attrName>style.visibility</p:attrName>
-                                        </p:attrNameLst>
-                                      </p:cBhvr>
-                                      <p:to>
-                                        <p:strVal val="visible"/>
-                                      </p:to>
-                                    </p:set>
-                                  </p:childTnLst>
-                                </p:cTn>
-                              </p:par>
-                              <p:par>
-                                <p:cTn id="15" presetID="1" presetClass="entr" presetSubtype="0" fill="hold" nodeType="withEffect">
-                                  <p:stCondLst>
-                                    <p:cond delay="0"/>
-                                  </p:stCondLst>
-                                  <p:childTnLst>
-                                    <p:set>
-                                      <p:cBhvr>
-                                        <p:cTn id="16" dur="1" fill="hold">
-                                          <p:stCondLst>
-                                            <p:cond delay="0"/>
-                                          </p:stCondLst>
-                                        </p:cTn>
-                                        <p:tgtEl>
-                                          <p:spTgt spid="3">
-                                            <p:txEl>
-                                              <p:pRg st="4" end="4"/>
-                                            </p:txEl>
-                                          </p:spTgt>
-                                        </p:tgtEl>
-                                        <p:attrNameLst>
-                                          <p:attrName>style.visibility</p:attrName>
-                                        </p:attrNameLst>
-                                      </p:cBhvr>
-                                      <p:to>
-                                        <p:strVal val="visible"/>
-                                      </p:to>
-                                    </p:set>
-                                  </p:childTnLst>
-                                </p:cTn>
-                              </p:par>
-                              <p:par>
-                                <p:cTn id="17" presetID="1" presetClass="entr" presetSubtype="0" fill="hold" nodeType="withEffect">
-                                  <p:stCondLst>
-                                    <p:cond delay="0"/>
-                                  </p:stCondLst>
-                                  <p:childTnLst>
-                                    <p:set>
-                                      <p:cBhvr>
-                                        <p:cTn id="18" dur="1" fill="hold">
-                                          <p:stCondLst>
-                                            <p:cond delay="0"/>
-                                          </p:stCondLst>
-                                        </p:cTn>
-                                        <p:tgtEl>
-                                          <p:spTgt spid="3">
-                                            <p:txEl>
-                                              <p:pRg st="5" end="5"/>
-                                            </p:txEl>
-                                          </p:spTgt>
-                                        </p:tgtEl>
-                                        <p:attrNameLst>
-                                          <p:attrName>style.visibility</p:attrName>
-                                        </p:attrNameLst>
-                                      </p:cBhvr>
-                                      <p:to>
-                                        <p:strVal val="visible"/>
-                                      </p:to>
-                                    </p:set>
-                                  </p:childTnLst>
-                                </p:cTn>
-                              </p:par>
-                              <p:par>
-                                <p:cTn id="19" presetID="1" presetClass="entr" presetSubtype="0" fill="hold" nodeType="withEffect">
-                                  <p:stCondLst>
-                                    <p:cond delay="0"/>
-                                  </p:stCondLst>
-                                  <p:childTnLst>
-                                    <p:set>
-                                      <p:cBhvr>
-                                        <p:cTn id="20" dur="1" fill="hold">
-                                          <p:stCondLst>
-                                            <p:cond delay="0"/>
-                                          </p:stCondLst>
-                                        </p:cTn>
-                                        <p:tgtEl>
-                                          <p:spTgt spid="3">
-                                            <p:txEl>
-                                              <p:pRg st="6" end="6"/>
-                                            </p:txEl>
-                                          </p:spTgt>
-                                        </p:tgtEl>
-                                        <p:attrNameLst>
-                                          <p:attrName>style.visibility</p:attrName>
-                                        </p:attrNameLst>
-                                      </p:cBhvr>
-                                      <p:to>
-                                        <p:strVal val="visible"/>
-                                      </p:to>
-                                    </p:set>
-                                  </p:childTnLst>
-                                </p:cTn>
-                              </p:par>
-                              <p:par>
-                                <p:cTn id="21" presetID="1" presetClass="entr" presetSubtype="0" fill="hold" nodeType="withEffect">
-                                  <p:stCondLst>
-                                    <p:cond delay="0"/>
-                                  </p:stCondLst>
-                                  <p:childTnLst>
-                                    <p:set>
-                                      <p:cBhvr>
-                                        <p:cTn id="22" dur="1" fill="hold">
-                                          <p:stCondLst>
-                                            <p:cond delay="0"/>
-                                          </p:stCondLst>
-                                        </p:cTn>
-                                        <p:tgtEl>
-                                          <p:spTgt spid="3">
-                                            <p:txEl>
-                                              <p:pRg st="7" end="7"/>
-                                            </p:txEl>
-                                          </p:spTgt>
-                                        </p:tgtEl>
-                                        <p:attrNameLst>
-                                          <p:attrName>style.visibility</p:attrName>
-                                        </p:attrNameLst>
-                                      </p:cBhvr>
-                                      <p:to>
-                                        <p:strVal val="visible"/>
-                                      </p:to>
-                                    </p:set>
-                                  </p:childTnLst>
-                                </p:cTn>
-                              </p:par>
-                              <p:par>
-                                <p:cTn id="23" presetID="1" presetClass="entr" presetSubtype="0" fill="hold" nodeType="withEffect">
-                                  <p:stCondLst>
-                                    <p:cond delay="0"/>
-                                  </p:stCondLst>
-                                  <p:childTnLst>
-                                    <p:set>
-                                      <p:cBhvr>
-                                        <p:cTn id="24" dur="1" fill="hold">
-                                          <p:stCondLst>
-                                            <p:cond delay="0"/>
-                                          </p:stCondLst>
-                                        </p:cTn>
-                                        <p:tgtEl>
-                                          <p:spTgt spid="3">
-                                            <p:txEl>
-                                              <p:pRg st="8" end="8"/>
-                                            </p:txEl>
-                                          </p:spTgt>
-                                        </p:tgtEl>
-                                        <p:attrNameLst>
-                                          <p:attrName>style.visibility</p:attrName>
-                                        </p:attrNameLst>
-                                      </p:cBhvr>
-                                      <p:to>
-                                        <p:strVal val="visible"/>
-                                      </p:to>
-                                    </p:set>
-                                  </p:childTnLst>
-                                </p:cTn>
-                              </p:par>
-                            </p:childTnLst>
-                          </p:cTn>
-                        </p:par>
-                      </p:childTnLst>
-                    </p:cTn>
-                  </p:par>
-                  <p:par>
-                    <p:cTn id="25" fill="hold">
-                      <p:stCondLst>
-                        <p:cond delay="indefinite"/>
-                      </p:stCondLst>
-                      <p:childTnLst>
-                        <p:par>
-                          <p:cTn id="26" fill="hold">
-                            <p:stCondLst>
-                              <p:cond delay="0"/>
-                            </p:stCondLst>
-                            <p:childTnLst>
-                              <p:par>
-                                <p:cTn id="27" presetID="1" presetClass="entr" presetSubtype="0" fill="hold" nodeType="clickEffect">
-                                  <p:stCondLst>
-                                    <p:cond delay="0"/>
-                                  </p:stCondLst>
-                                  <p:childTnLst>
-                                    <p:set>
-                                      <p:cBhvr>
-                                        <p:cTn id="28" dur="1" fill="hold">
-                                          <p:stCondLst>
-                                            <p:cond delay="0"/>
-                                          </p:stCondLst>
-                                        </p:cTn>
-                                        <p:tgtEl>
-                                          <p:spTgt spid="3">
-                                            <p:txEl>
-                                              <p:pRg st="9" end="9"/>
-                                            </p:txEl>
-                                          </p:spTgt>
-                                        </p:tgtEl>
-                                        <p:attrNameLst>
-                                          <p:attrName>style.visibility</p:attrName>
-                                        </p:attrNameLst>
-                                      </p:cBhvr>
-                                      <p:to>
-                                        <p:strVal val="visible"/>
-                                      </p:to>
-                                    </p:set>
-                                  </p:childTnLst>
-                                </p:cTn>
-                              </p:par>
-                            </p:childTnLst>
-                          </p:cTn>
-                        </p:par>
-                      </p:childTnLst>
-                    </p:cTn>
-                  </p:par>
-                </p:childTnLst>
-              </p:cTn>
-              <p:prevCondLst>
-                <p:cond evt="onPrev" delay="0">
-                  <p:tgtEl>
-                    <p:sldTgt/>
-                  </p:tgtEl>
-                </p:cond>
-              </p:prevCondLst>
-              <p:nextCondLst>
-                <p:cond evt="onNext" delay="0">
-                  <p:tgtEl>
-                    <p:sldTgt/>
-                  </p:tgtEl>
-                </p:cond>
-              </p:nextCondLst>
-            </p:seq>
-          </p:childTnLst>
-        </p:cTn>
-      </p:par>
-    </p:tnLst>
-  </p:timing>
-</p:sld>
-</file>
-
-<file path=ppt/slides/slide40.xml><?xml version="1.0" encoding="utf-8"?>
+<file path=ppt/slides/slide45.xml><?xml version="1.0" encoding="utf-8"?>
 <p:sld xmlns:a="http://schemas.openxmlformats.org/drawingml/2006/main" xmlns:r="http://schemas.openxmlformats.org/officeDocument/2006/relationships" xmlns:p="http://schemas.openxmlformats.org/presentationml/2006/main" show="0">
   <p:cSld>
     <p:spTree>
@@ -38983,7 +40426,7 @@
 </p:sld>
 </file>
 
-<file path=ppt/slides/slide41.xml><?xml version="1.0" encoding="utf-8"?>
+<file path=ppt/slides/slide46.xml><?xml version="1.0" encoding="utf-8"?>
 <p:sld xmlns:a="http://schemas.openxmlformats.org/drawingml/2006/main" xmlns:r="http://schemas.openxmlformats.org/officeDocument/2006/relationships" xmlns:p="http://schemas.openxmlformats.org/presentationml/2006/main">
   <p:cSld>
     <p:spTree>
@@ -39182,6 +40625,76 @@
   <p:cSld>
     <p:spTree>
       <p:nvGrpSpPr>
+        <p:cNvPr id="1" name="">
+          <a:extLst>
+            <a:ext uri="{FF2B5EF4-FFF2-40B4-BE49-F238E27FC236}">
+              <a16:creationId xmlns:a16="http://schemas.microsoft.com/office/drawing/2014/main" id="{C8635853-3F71-2F6B-5E06-87812B26D4A2}"/>
+            </a:ext>
+          </a:extLst>
+        </p:cNvPr>
+        <p:cNvGrpSpPr/>
+        <p:nvPr/>
+      </p:nvGrpSpPr>
+      <p:grpSpPr>
+        <a:xfrm>
+          <a:off x="0" y="0"/>
+          <a:ext cx="0" cy="0"/>
+          <a:chOff x="0" y="0"/>
+          <a:chExt cx="0" cy="0"/>
+        </a:xfrm>
+      </p:grpSpPr>
+      <p:sp>
+        <p:nvSpPr>
+          <p:cNvPr id="2" name="Title 1">
+            <a:extLst>
+              <a:ext uri="{FF2B5EF4-FFF2-40B4-BE49-F238E27FC236}">
+                <a16:creationId xmlns:a16="http://schemas.microsoft.com/office/drawing/2014/main" id="{519A469B-973B-CC90-9785-C2ABFBCC7E17}"/>
+              </a:ext>
+            </a:extLst>
+          </p:cNvPr>
+          <p:cNvSpPr>
+            <a:spLocks noGrp="1"/>
+          </p:cNvSpPr>
+          <p:nvPr>
+            <p:ph type="title"/>
+          </p:nvPr>
+        </p:nvSpPr>
+        <p:spPr>
+          <a:xfrm>
+            <a:off x="831850" y="1709738"/>
+            <a:ext cx="10515600" cy="2104337"/>
+          </a:xfrm>
+        </p:spPr>
+        <p:txBody>
+          <a:bodyPr/>
+          <a:lstStyle/>
+          <a:p>
+            <a:pPr algn="ctr"/>
+            <a:r>
+              <a:rPr lang="en-US" b="1" dirty="0"/>
+              <a:t>Properties of Distance Metrics</a:t>
+            </a:r>
+          </a:p>
+        </p:txBody>
+      </p:sp>
+    </p:spTree>
+    <p:extLst>
+      <p:ext uri="{BB962C8B-B14F-4D97-AF65-F5344CB8AC3E}">
+        <p14:creationId xmlns:p14="http://schemas.microsoft.com/office/powerpoint/2010/main" val="3928595702"/>
+      </p:ext>
+    </p:extLst>
+  </p:cSld>
+  <p:clrMapOvr>
+    <a:masterClrMapping/>
+  </p:clrMapOvr>
+</p:sld>
+</file>
+
+<file path=ppt/slides/slide6.xml><?xml version="1.0" encoding="utf-8"?>
+<p:sld xmlns:a="http://schemas.openxmlformats.org/drawingml/2006/main" xmlns:r="http://schemas.openxmlformats.org/officeDocument/2006/relationships" xmlns:p="http://schemas.openxmlformats.org/presentationml/2006/main">
+  <p:cSld>
+    <p:spTree>
+      <p:nvGrpSpPr>
         <p:cNvPr id="1" name=""/>
         <p:cNvGrpSpPr/>
         <p:nvPr/>
@@ -39223,106 +40736,373 @@
           </a:p>
         </p:txBody>
       </p:sp>
-      <p:sp>
-        <p:nvSpPr>
-          <p:cNvPr id="3" name="Content Placeholder 2"/>
-          <p:cNvSpPr>
-            <a:spLocks noGrp="1"/>
-          </p:cNvSpPr>
-          <p:nvPr>
-            <p:ph sz="quarter" idx="10"/>
-          </p:nvPr>
-        </p:nvSpPr>
-        <p:spPr>
-          <a:xfrm>
-            <a:off x="333375" y="896079"/>
-            <a:ext cx="11525250" cy="5290388"/>
-          </a:xfrm>
-        </p:spPr>
-        <p:txBody>
-          <a:bodyPr>
-            <a:normAutofit/>
-          </a:bodyPr>
-          <a:lstStyle/>
-          <a:p>
-            <a:r>
-              <a:rPr lang="en-US" dirty="0">
-                <a:latin typeface="+mn-lt"/>
-              </a:rPr>
-              <a:t>Relationships between variables in a dataset are often based on </a:t>
-            </a:r>
-            <a:r>
-              <a:rPr lang="en-US" b="1" dirty="0">
-                <a:latin typeface="+mn-lt"/>
-              </a:rPr>
-              <a:t>dissimilarity</a:t>
-            </a:r>
-            <a:r>
-              <a:rPr lang="en-US" dirty="0">
-                <a:latin typeface="+mn-lt"/>
-              </a:rPr>
-              <a:t> using a </a:t>
-            </a:r>
-            <a:r>
-              <a:rPr lang="en-US" b="1" dirty="0">
-                <a:latin typeface="+mn-lt"/>
-              </a:rPr>
-              <a:t>distance metric</a:t>
-            </a:r>
-            <a:endParaRPr lang="en-US" sz="2800" b="1" dirty="0">
-              <a:latin typeface="+mn-lt"/>
-            </a:endParaRPr>
-          </a:p>
-          <a:p>
-            <a:r>
-              <a:rPr lang="en-US" sz="2800" dirty="0">
-                <a:latin typeface="+mn-lt"/>
-              </a:rPr>
-              <a:t>The variables or observations </a:t>
-            </a:r>
-            <a:r>
-              <a:rPr lang="en-US" dirty="0">
-                <a:latin typeface="+mn-lt"/>
-              </a:rPr>
-              <a:t>are vector valued</a:t>
-            </a:r>
-          </a:p>
-          <a:p>
-            <a:r>
-              <a:rPr lang="en-US" dirty="0">
-                <a:latin typeface="+mn-lt"/>
-              </a:rPr>
-              <a:t>Distance and similarity are scalar values </a:t>
-            </a:r>
-          </a:p>
-          <a:p>
-            <a:r>
-              <a:rPr lang="en-US" sz="3200" dirty="0">
-                <a:latin typeface="+mn-lt"/>
-              </a:rPr>
-              <a:t>Distance (similarity) metrics map </a:t>
-            </a:r>
-            <a:r>
-              <a:rPr lang="en-US" sz="3200" b="1" dirty="0">
-                <a:latin typeface="+mn-lt"/>
-              </a:rPr>
-              <a:t>two vector valued variables </a:t>
-            </a:r>
-            <a:r>
-              <a:rPr lang="en-US" sz="3200" dirty="0">
-                <a:latin typeface="+mn-lt"/>
-              </a:rPr>
-              <a:t>to a </a:t>
-            </a:r>
-            <a:r>
-              <a:rPr lang="en-US" sz="3200" b="1" dirty="0">
-                <a:latin typeface="+mn-lt"/>
-              </a:rPr>
-              <a:t>real valued scalar</a:t>
-            </a:r>
-          </a:p>
-        </p:txBody>
-      </p:sp>
+      <mc:AlternateContent xmlns:mc="http://schemas.openxmlformats.org/markup-compatibility/2006" xmlns:a14="http://schemas.microsoft.com/office/drawing/2010/main">
+        <mc:Choice Requires="a14">
+          <p:sp>
+            <p:nvSpPr>
+              <p:cNvPr id="3" name="Content Placeholder 2"/>
+              <p:cNvSpPr>
+                <a:spLocks noGrp="1"/>
+              </p:cNvSpPr>
+              <p:nvPr>
+                <p:ph sz="quarter" idx="10"/>
+              </p:nvPr>
+            </p:nvSpPr>
+            <p:spPr>
+              <a:xfrm>
+                <a:off x="333375" y="896079"/>
+                <a:ext cx="11525250" cy="5290388"/>
+              </a:xfrm>
+            </p:spPr>
+            <p:txBody>
+              <a:bodyPr>
+                <a:normAutofit/>
+              </a:bodyPr>
+              <a:lstStyle/>
+              <a:p>
+                <a:pPr marL="0" indent="0">
+                  <a:buNone/>
+                </a:pPr>
+                <a:r>
+                  <a:rPr lang="en-US" dirty="0">
+                    <a:latin typeface="+mn-lt"/>
+                  </a:rPr>
+                  <a:t>Relationships between variables in a dataset are often based on </a:t>
+                </a:r>
+                <a:r>
+                  <a:rPr lang="en-US" b="1" dirty="0">
+                    <a:latin typeface="+mn-lt"/>
+                  </a:rPr>
+                  <a:t>dissimilarity</a:t>
+                </a:r>
+                <a:r>
+                  <a:rPr lang="en-US" dirty="0">
+                    <a:latin typeface="+mn-lt"/>
+                  </a:rPr>
+                  <a:t> using a </a:t>
+                </a:r>
+                <a:r>
+                  <a:rPr lang="en-US" b="1" dirty="0">
+                    <a:latin typeface="+mn-lt"/>
+                  </a:rPr>
+                  <a:t>distance metric</a:t>
+                </a:r>
+                <a:endParaRPr lang="en-US" sz="2800" b="1" dirty="0">
+                  <a:latin typeface="+mn-lt"/>
+                </a:endParaRPr>
+              </a:p>
+              <a:p>
+                <a:r>
+                  <a:rPr lang="en-US" sz="2800" dirty="0">
+                    <a:latin typeface="+mn-lt"/>
+                  </a:rPr>
+                  <a:t>The variables or observations </a:t>
+                </a:r>
+                <a:r>
+                  <a:rPr lang="en-US" dirty="0">
+                    <a:latin typeface="+mn-lt"/>
+                  </a:rPr>
+                  <a:t>are vector valued</a:t>
+                </a:r>
+              </a:p>
+              <a:p>
+                <a:r>
+                  <a:rPr lang="en-US" dirty="0">
+                    <a:latin typeface="+mn-lt"/>
+                  </a:rPr>
+                  <a:t>Distance and similarity are scalar values </a:t>
+                </a:r>
+              </a:p>
+              <a:p>
+                <a:r>
+                  <a:rPr lang="en-US" sz="3200" dirty="0">
+                    <a:latin typeface="+mn-lt"/>
+                  </a:rPr>
+                  <a:t>Distance (similarity) metrics map </a:t>
+                </a:r>
+                <a:r>
+                  <a:rPr lang="en-US" sz="3200" b="1" dirty="0">
+                    <a:latin typeface="+mn-lt"/>
+                  </a:rPr>
+                  <a:t>two vector valued variables </a:t>
+                </a:r>
+                <a:r>
+                  <a:rPr lang="en-US" sz="3200" dirty="0">
+                    <a:latin typeface="+mn-lt"/>
+                  </a:rPr>
+                  <a:t>to a </a:t>
+                </a:r>
+                <a:r>
+                  <a:rPr lang="en-US" sz="3200" b="1" dirty="0">
+                    <a:latin typeface="+mn-lt"/>
+                  </a:rPr>
+                  <a:t>real valued scalar</a:t>
+                </a:r>
+              </a:p>
+              <a:p>
+                <a:pPr marL="0" indent="0">
+                  <a:buNone/>
+                </a:pPr>
+                <a14:m>
+                  <m:oMathPara xmlns:m="http://schemas.openxmlformats.org/officeDocument/2006/math">
+                    <m:oMathParaPr>
+                      <m:jc m:val="centerGroup"/>
+                    </m:oMathParaPr>
+                    <m:oMath xmlns:m="http://schemas.openxmlformats.org/officeDocument/2006/math">
+                      <m:r>
+                        <a:rPr lang="en-US" sz="3200" b="0" i="1" smtClean="0">
+                          <a:latin typeface="Cambria Math" panose="02040503050406030204" pitchFamily="18" charset="0"/>
+                        </a:rPr>
+                        <m:t>𝑑</m:t>
+                      </m:r>
+                      <m:d>
+                        <m:dPr>
+                          <m:ctrlPr>
+                            <a:rPr lang="en-US" sz="3200" i="1" smtClean="0">
+                              <a:latin typeface="Cambria Math" panose="02040503050406030204" pitchFamily="18" charset="0"/>
+                            </a:rPr>
+                          </m:ctrlPr>
+                        </m:dPr>
+                        <m:e>
+                          <m:sSub>
+                            <m:sSubPr>
+                              <m:ctrlPr>
+                                <a:rPr lang="en-US" sz="3200" i="1" smtClean="0">
+                                  <a:latin typeface="Cambria Math" panose="02040503050406030204" pitchFamily="18" charset="0"/>
+                                </a:rPr>
+                              </m:ctrlPr>
+                            </m:sSubPr>
+                            <m:e>
+                              <m:r>
+                                <a:rPr lang="en-US" sz="3200" b="0" i="1" smtClean="0">
+                                  <a:latin typeface="Cambria Math" panose="02040503050406030204" pitchFamily="18" charset="0"/>
+                                </a:rPr>
+                                <m:t>𝑥</m:t>
+                              </m:r>
+                            </m:e>
+                            <m:sub>
+                              <m:r>
+                                <a:rPr lang="en-US" sz="3200" b="0" i="1" smtClean="0">
+                                  <a:latin typeface="Cambria Math" panose="02040503050406030204" pitchFamily="18" charset="0"/>
+                                </a:rPr>
+                                <m:t>𝑖</m:t>
+                              </m:r>
+                            </m:sub>
+                          </m:sSub>
+                          <m:r>
+                            <a:rPr lang="en-US" sz="3200" b="0" i="1" smtClean="0">
+                              <a:latin typeface="Cambria Math" panose="02040503050406030204" pitchFamily="18" charset="0"/>
+                            </a:rPr>
+                            <m:t>,</m:t>
+                          </m:r>
+                          <m:sSub>
+                            <m:sSubPr>
+                              <m:ctrlPr>
+                                <a:rPr lang="en-US" sz="3200" i="1" smtClean="0">
+                                  <a:latin typeface="Cambria Math" panose="02040503050406030204" pitchFamily="18" charset="0"/>
+                                </a:rPr>
+                              </m:ctrlPr>
+                            </m:sSubPr>
+                            <m:e>
+                              <m:r>
+                                <a:rPr lang="en-US" sz="3200" b="0" i="1" smtClean="0">
+                                  <a:latin typeface="Cambria Math" panose="02040503050406030204" pitchFamily="18" charset="0"/>
+                                </a:rPr>
+                                <m:t>𝑥</m:t>
+                              </m:r>
+                            </m:e>
+                            <m:sub>
+                              <m:r>
+                                <a:rPr lang="en-US" sz="3200" b="0" i="1" smtClean="0">
+                                  <a:latin typeface="Cambria Math" panose="02040503050406030204" pitchFamily="18" charset="0"/>
+                                </a:rPr>
+                                <m:t>𝑗</m:t>
+                              </m:r>
+                            </m:sub>
+                          </m:sSub>
+                        </m:e>
+                      </m:d>
+                      <m:r>
+                        <a:rPr lang="en-US" sz="3200" b="0" i="1" smtClean="0">
+                          <a:latin typeface="Cambria Math" panose="02040503050406030204" pitchFamily="18" charset="0"/>
+                          <a:ea typeface="Cambria Math" panose="02040503050406030204" pitchFamily="18" charset="0"/>
+                        </a:rPr>
+                        <m:t>∈</m:t>
+                      </m:r>
+                      <m:sSup>
+                        <m:sSupPr>
+                          <m:ctrlPr>
+                            <a:rPr lang="en-US" sz="3200" i="1" smtClean="0">
+                              <a:latin typeface="Cambria Math" panose="02040503050406030204" pitchFamily="18" charset="0"/>
+                              <a:ea typeface="Cambria Math" panose="02040503050406030204" pitchFamily="18" charset="0"/>
+                            </a:rPr>
+                          </m:ctrlPr>
+                        </m:sSupPr>
+                        <m:e>
+                          <m:r>
+                            <a:rPr lang="en-US" sz="3200" b="0" i="1" smtClean="0">
+                              <a:latin typeface="Cambria Math" panose="02040503050406030204" pitchFamily="18" charset="0"/>
+                              <a:ea typeface="Cambria Math" panose="02040503050406030204" pitchFamily="18" charset="0"/>
+                            </a:rPr>
+                            <m:t>𝑅</m:t>
+                          </m:r>
+                        </m:e>
+                        <m:sup>
+                          <m:r>
+                            <a:rPr lang="en-US" sz="3200" b="0" i="1" smtClean="0">
+                              <a:latin typeface="Cambria Math" panose="02040503050406030204" pitchFamily="18" charset="0"/>
+                              <a:ea typeface="Cambria Math" panose="02040503050406030204" pitchFamily="18" charset="0"/>
+                            </a:rPr>
+                            <m:t> </m:t>
+                          </m:r>
+                        </m:sup>
+                      </m:sSup>
+                      <m:r>
+                        <a:rPr lang="en-US" sz="3200" b="0" i="1" smtClean="0">
+                          <a:latin typeface="Cambria Math" panose="02040503050406030204" pitchFamily="18" charset="0"/>
+                          <a:ea typeface="Cambria Math" panose="02040503050406030204" pitchFamily="18" charset="0"/>
+                        </a:rPr>
+                        <m:t>,   </m:t>
+                      </m:r>
+                      <m:sSub>
+                        <m:sSubPr>
+                          <m:ctrlPr>
+                            <a:rPr lang="en-US" sz="3200" i="1">
+                              <a:latin typeface="Cambria Math" panose="02040503050406030204" pitchFamily="18" charset="0"/>
+                            </a:rPr>
+                          </m:ctrlPr>
+                        </m:sSubPr>
+                        <m:e>
+                          <m:r>
+                            <a:rPr lang="en-US" sz="3200" b="0" i="1">
+                              <a:latin typeface="Cambria Math" panose="02040503050406030204" pitchFamily="18" charset="0"/>
+                            </a:rPr>
+                            <m:t>𝑥</m:t>
+                          </m:r>
+                        </m:e>
+                        <m:sub>
+                          <m:r>
+                            <a:rPr lang="en-US" sz="3200" b="0" i="1">
+                              <a:latin typeface="Cambria Math" panose="02040503050406030204" pitchFamily="18" charset="0"/>
+                            </a:rPr>
+                            <m:t>𝑖</m:t>
+                          </m:r>
+                        </m:sub>
+                      </m:sSub>
+                      <m:r>
+                        <a:rPr lang="en-US" sz="3200" b="0" i="1">
+                          <a:latin typeface="Cambria Math" panose="02040503050406030204" pitchFamily="18" charset="0"/>
+                        </a:rPr>
+                        <m:t>,</m:t>
+                      </m:r>
+                      <m:sSub>
+                        <m:sSubPr>
+                          <m:ctrlPr>
+                            <a:rPr lang="en-US" sz="3200" i="1">
+                              <a:latin typeface="Cambria Math" panose="02040503050406030204" pitchFamily="18" charset="0"/>
+                            </a:rPr>
+                          </m:ctrlPr>
+                        </m:sSubPr>
+                        <m:e>
+                          <m:r>
+                            <a:rPr lang="en-US" sz="3200" b="0" i="1">
+                              <a:latin typeface="Cambria Math" panose="02040503050406030204" pitchFamily="18" charset="0"/>
+                            </a:rPr>
+                            <m:t>𝑥</m:t>
+                          </m:r>
+                        </m:e>
+                        <m:sub>
+                          <m:r>
+                            <a:rPr lang="en-US" sz="3200" b="0" i="1">
+                              <a:latin typeface="Cambria Math" panose="02040503050406030204" pitchFamily="18" charset="0"/>
+                            </a:rPr>
+                            <m:t>𝑗</m:t>
+                          </m:r>
+                        </m:sub>
+                      </m:sSub>
+                      <m:r>
+                        <a:rPr lang="en-US" sz="3200" i="1">
+                          <a:latin typeface="Cambria Math" panose="02040503050406030204" pitchFamily="18" charset="0"/>
+                          <a:ea typeface="Cambria Math" panose="02040503050406030204" pitchFamily="18" charset="0"/>
+                        </a:rPr>
+                        <m:t>∈</m:t>
+                      </m:r>
+                      <m:sSup>
+                        <m:sSupPr>
+                          <m:ctrlPr>
+                            <a:rPr lang="en-US" sz="3200" i="1" smtClean="0">
+                              <a:latin typeface="Cambria Math" panose="02040503050406030204" pitchFamily="18" charset="0"/>
+                              <a:ea typeface="Cambria Math" panose="02040503050406030204" pitchFamily="18" charset="0"/>
+                            </a:rPr>
+                          </m:ctrlPr>
+                        </m:sSupPr>
+                        <m:e>
+                          <m:r>
+                            <a:rPr lang="en-US" sz="3200" b="0" i="1" smtClean="0">
+                              <a:latin typeface="Cambria Math" panose="02040503050406030204" pitchFamily="18" charset="0"/>
+                              <a:ea typeface="Cambria Math" panose="02040503050406030204" pitchFamily="18" charset="0"/>
+                            </a:rPr>
+                            <m:t>𝑅</m:t>
+                          </m:r>
+                        </m:e>
+                        <m:sup>
+                          <m:r>
+                            <a:rPr lang="en-US" sz="3200" b="0" i="1" smtClean="0">
+                              <a:latin typeface="Cambria Math" panose="02040503050406030204" pitchFamily="18" charset="0"/>
+                              <a:ea typeface="Cambria Math" panose="02040503050406030204" pitchFamily="18" charset="0"/>
+                            </a:rPr>
+                            <m:t>𝑛</m:t>
+                          </m:r>
+                        </m:sup>
+                      </m:sSup>
+                    </m:oMath>
+                  </m:oMathPara>
+                </a14:m>
+                <a:endParaRPr lang="en-US" sz="3200" dirty="0">
+                  <a:latin typeface="+mn-lt"/>
+                </a:endParaRPr>
+              </a:p>
+            </p:txBody>
+          </p:sp>
+        </mc:Choice>
+        <mc:Fallback xmlns="">
+          <p:sp>
+            <p:nvSpPr>
+              <p:cNvPr id="3" name="Content Placeholder 2"/>
+              <p:cNvSpPr>
+                <a:spLocks noGrp="1" noRot="1" noChangeAspect="1" noMove="1" noResize="1" noEditPoints="1" noAdjustHandles="1" noChangeArrowheads="1" noChangeShapeType="1" noTextEdit="1"/>
+              </p:cNvSpPr>
+              <p:nvPr>
+                <p:ph sz="quarter" idx="10"/>
+              </p:nvPr>
+            </p:nvSpPr>
+            <p:spPr>
+              <a:xfrm>
+                <a:off x="333375" y="896079"/>
+                <a:ext cx="11525250" cy="5290388"/>
+              </a:xfrm>
+              <a:blipFill>
+                <a:blip r:embed="rId3"/>
+                <a:stretch>
+                  <a:fillRect l="-1217" t="-1959" r="-106"/>
+                </a:stretch>
+              </a:blipFill>
+            </p:spPr>
+            <p:txBody>
+              <a:bodyPr/>
+              <a:lstStyle/>
+              <a:p>
+                <a:r>
+                  <a:rPr lang="en-US">
+                    <a:noFill/>
+                  </a:rPr>
+                  <a:t> </a:t>
+                </a:r>
+              </a:p>
+            </p:txBody>
+          </p:sp>
+        </mc:Fallback>
+      </mc:AlternateContent>
     </p:spTree>
     <p:extLst>
       <p:ext uri="{BB962C8B-B14F-4D97-AF65-F5344CB8AC3E}">
@@ -39482,6 +41262,37 @@
                                   </p:childTnLst>
                                 </p:cTn>
                               </p:par>
+                              <p:par>
+                                <p:cTn id="15" presetID="1" presetClass="entr" presetSubtype="0" fill="hold" nodeType="withEffect">
+                                  <p:stCondLst>
+                                    <p:cond delay="0"/>
+                                  </p:stCondLst>
+                                  <p:childTnLst>
+                                    <p:set>
+                                      <p:cBhvr>
+                                        <p:cTn id="16" dur="1" fill="hold">
+                                          <p:stCondLst>
+                                            <p:cond delay="0"/>
+                                          </p:stCondLst>
+                                        </p:cTn>
+                                        <p:tgtEl>
+                                          <p:spTgt spid="3">
+                                            <p:txEl>
+                                              <p:pRg st="4" end="4"/>
+                                            </p:txEl>
+                                          </p:spTgt>
+                                        </p:tgtEl>
+                                        <p:attrNameLst>
+                                          <p:attrName>style.visibility</p:attrName>
+                                        </p:attrNameLst>
+                                      </p:cBhvr>
+                                      <p:to>
+                                        <p:strVal val="visible"/>
+                                      </p:to>
+                                    </p:set>
+                                  </p:childTnLst>
+                                </p:cTn>
+                              </p:par>
                             </p:childTnLst>
                           </p:cTn>
                         </p:par>
@@ -39513,7 +41324,7 @@
 </p:sld>
 </file>
 
-<file path=ppt/slides/slide6.xml><?xml version="1.0" encoding="utf-8"?>
+<file path=ppt/slides/slide7.xml><?xml version="1.0" encoding="utf-8"?>
 <p:sld xmlns:a="http://schemas.openxmlformats.org/drawingml/2006/main" xmlns:r="http://schemas.openxmlformats.org/officeDocument/2006/relationships" xmlns:p="http://schemas.openxmlformats.org/presentationml/2006/main">
   <p:cSld>
     <p:spTree>
@@ -40652,7 +42463,7 @@
 </p:sld>
 </file>
 
-<file path=ppt/slides/slide7.xml><?xml version="1.0" encoding="utf-8"?>
+<file path=ppt/slides/slide8.xml><?xml version="1.0" encoding="utf-8"?>
 <p:sld xmlns:a="http://schemas.openxmlformats.org/drawingml/2006/main" xmlns:r="http://schemas.openxmlformats.org/officeDocument/2006/relationships" xmlns:p="http://schemas.openxmlformats.org/presentationml/2006/main">
   <p:cSld>
     <p:spTree>
@@ -41726,7 +43537,7 @@
 </p:sld>
 </file>
 
-<file path=ppt/slides/slide8.xml><?xml version="1.0" encoding="utf-8"?>
+<file path=ppt/slides/slide9.xml><?xml version="1.0" encoding="utf-8"?>
 <p:sld xmlns:a="http://schemas.openxmlformats.org/drawingml/2006/main" xmlns:r="http://schemas.openxmlformats.org/officeDocument/2006/relationships" xmlns:p="http://schemas.openxmlformats.org/presentationml/2006/main">
   <p:cSld>
     <p:spTree>
@@ -43022,1072 +44833,6 @@
 </p:sld>
 </file>
 
-<file path=ppt/slides/slide9.xml><?xml version="1.0" encoding="utf-8"?>
-<p:sld xmlns:a="http://schemas.openxmlformats.org/drawingml/2006/main" xmlns:r="http://schemas.openxmlformats.org/officeDocument/2006/relationships" xmlns:p="http://schemas.openxmlformats.org/presentationml/2006/main">
-  <p:cSld>
-    <p:spTree>
-      <p:nvGrpSpPr>
-        <p:cNvPr id="1" name=""/>
-        <p:cNvGrpSpPr/>
-        <p:nvPr/>
-      </p:nvGrpSpPr>
-      <p:grpSpPr>
-        <a:xfrm>
-          <a:off x="0" y="0"/>
-          <a:ext cx="0" cy="0"/>
-          <a:chOff x="0" y="0"/>
-          <a:chExt cx="0" cy="0"/>
-        </a:xfrm>
-      </p:grpSpPr>
-      <p:sp>
-        <p:nvSpPr>
-          <p:cNvPr id="2" name="Title 1"/>
-          <p:cNvSpPr>
-            <a:spLocks noGrp="1"/>
-          </p:cNvSpPr>
-          <p:nvPr>
-            <p:ph type="title"/>
-          </p:nvPr>
-        </p:nvSpPr>
-        <p:spPr>
-          <a:xfrm>
-            <a:off x="584200" y="221992"/>
-            <a:ext cx="10515600" cy="530954"/>
-          </a:xfrm>
-        </p:spPr>
-        <p:txBody>
-          <a:bodyPr>
-            <a:normAutofit fontScale="90000"/>
-          </a:bodyPr>
-          <a:lstStyle/>
-          <a:p>
-            <a:r>
-              <a:rPr lang="en-US" dirty="0"/>
-              <a:t>Measuring distance or dissimilarity</a:t>
-            </a:r>
-          </a:p>
-        </p:txBody>
-      </p:sp>
-      <mc:AlternateContent xmlns:mc="http://schemas.openxmlformats.org/markup-compatibility/2006">
-        <mc:Choice xmlns:a14="http://schemas.microsoft.com/office/drawing/2010/main" Requires="a14">
-          <p:sp>
-            <p:nvSpPr>
-              <p:cNvPr id="3" name="Content Placeholder 2"/>
-              <p:cNvSpPr>
-                <a:spLocks noGrp="1"/>
-              </p:cNvSpPr>
-              <p:nvPr>
-                <p:ph sz="quarter" idx="10"/>
-              </p:nvPr>
-            </p:nvSpPr>
-            <p:spPr>
-              <a:xfrm>
-                <a:off x="333375" y="896078"/>
-                <a:ext cx="11525250" cy="5523771"/>
-              </a:xfrm>
-            </p:spPr>
-            <p:txBody>
-              <a:bodyPr>
-                <a:normAutofit/>
-              </a:bodyPr>
-              <a:lstStyle/>
-              <a:p>
-                <a:pPr marL="0" indent="0">
-                  <a:buNone/>
-                </a:pPr>
-                <a:r>
-                  <a:rPr lang="en-US" dirty="0">
-                    <a:latin typeface="+mn-lt"/>
-                  </a:rPr>
-                  <a:t>A dissimilarity matrix contains the differences between each case </a:t>
-                </a:r>
-                <a:r>
-                  <a:rPr lang="en-US" i="1" dirty="0">
-                    <a:latin typeface="+mn-lt"/>
-                  </a:rPr>
-                  <a:t>x</a:t>
-                </a:r>
-                <a:r>
-                  <a:rPr lang="en-US" i="1" baseline="-25000" dirty="0">
-                    <a:latin typeface="+mn-lt"/>
-                  </a:rPr>
-                  <a:t>i</a:t>
-                </a:r>
-                <a:r>
-                  <a:rPr lang="en-US" dirty="0">
-                    <a:latin typeface="+mn-lt"/>
-                  </a:rPr>
-                  <a:t> and every other case </a:t>
-                </a:r>
-                <a:r>
-                  <a:rPr lang="en-US" i="1" dirty="0" err="1">
-                    <a:latin typeface="+mn-lt"/>
-                  </a:rPr>
-                  <a:t>x’</a:t>
-                </a:r>
-                <a:r>
-                  <a:rPr lang="en-US" i="1" baseline="-25000" dirty="0" err="1">
-                    <a:latin typeface="+mn-lt"/>
-                  </a:rPr>
-                  <a:t>i</a:t>
-                </a:r>
-                <a:r>
-                  <a:rPr lang="en-US" dirty="0">
-                    <a:latin typeface="+mn-lt"/>
-                  </a:rPr>
-                  <a:t>,</a:t>
-                </a:r>
-                <a:r>
-                  <a:rPr lang="en-US" i="1" dirty="0">
-                    <a:latin typeface="+mn-lt"/>
-                  </a:rPr>
-                  <a:t> d(x</a:t>
-                </a:r>
-                <a:r>
-                  <a:rPr lang="en-US" i="1" baseline="-25000" dirty="0">
-                    <a:latin typeface="+mn-lt"/>
-                  </a:rPr>
-                  <a:t>i</a:t>
-                </a:r>
-                <a:r>
-                  <a:rPr lang="en-US" i="1" dirty="0">
-                    <a:latin typeface="+mn-lt"/>
-                  </a:rPr>
-                  <a:t>, </a:t>
-                </a:r>
-                <a:r>
-                  <a:rPr lang="en-US" i="1" dirty="0" err="1">
-                    <a:latin typeface="+mn-lt"/>
-                  </a:rPr>
-                  <a:t>x’</a:t>
-                </a:r>
-                <a:r>
-                  <a:rPr lang="en-US" i="1" baseline="-25000" dirty="0" err="1">
-                    <a:latin typeface="+mn-lt"/>
-                  </a:rPr>
-                  <a:t>i</a:t>
-                </a:r>
-                <a:r>
-                  <a:rPr lang="en-US" i="1" dirty="0">
-                    <a:latin typeface="+mn-lt"/>
-                  </a:rPr>
-                  <a:t>)</a:t>
-                </a:r>
-              </a:p>
-              <a:p>
-                <a:endParaRPr lang="en-US" sz="2800" i="1" baseline="-25000" dirty="0">
-                  <a:latin typeface="+mn-lt"/>
-                </a:endParaRPr>
-              </a:p>
-              <a:p>
-                <a:pPr marL="0" indent="0">
-                  <a:buNone/>
-                </a:pPr>
-                <a14:m>
-                  <m:oMathPara xmlns:m="http://schemas.openxmlformats.org/officeDocument/2006/math">
-                    <m:oMathParaPr>
-                      <m:jc m:val="centerGroup"/>
-                    </m:oMathParaPr>
-                    <m:oMath xmlns:m="http://schemas.openxmlformats.org/officeDocument/2006/math">
-                      <m:r>
-                        <m:rPr>
-                          <m:sty m:val="p"/>
-                        </m:rPr>
-                        <a:rPr lang="en-US" sz="2800" b="0" i="0" smtClean="0">
-                          <a:latin typeface="Cambria Math" panose="02040503050406030204" pitchFamily="18" charset="0"/>
-                        </a:rPr>
-                        <m:t>D</m:t>
-                      </m:r>
-                      <m:d>
-                        <m:dPr>
-                          <m:ctrlPr>
-                            <a:rPr lang="en-US" sz="2800" b="0" i="1" smtClean="0">
-                              <a:latin typeface="Cambria Math" panose="02040503050406030204" pitchFamily="18" charset="0"/>
-                            </a:rPr>
-                          </m:ctrlPr>
-                        </m:dPr>
-                        <m:e>
-                          <m:r>
-                            <m:rPr>
-                              <m:sty m:val="p"/>
-                            </m:rPr>
-                            <a:rPr lang="en-US" sz="2800" b="0" i="0" smtClean="0">
-                              <a:latin typeface="Cambria Math" panose="02040503050406030204" pitchFamily="18" charset="0"/>
-                            </a:rPr>
-                            <m:t>X</m:t>
-                          </m:r>
-                        </m:e>
-                      </m:d>
-                      <m:r>
-                        <a:rPr lang="en-US" sz="2800" b="0" i="0" smtClean="0">
-                          <a:latin typeface="Cambria Math" panose="02040503050406030204" pitchFamily="18" charset="0"/>
-                        </a:rPr>
-                        <m:t>=</m:t>
-                      </m:r>
-                      <m:d>
-                        <m:dPr>
-                          <m:ctrlPr>
-                            <a:rPr lang="en-US" sz="2800" b="0" i="1" smtClean="0">
-                              <a:latin typeface="Cambria Math" panose="02040503050406030204" pitchFamily="18" charset="0"/>
-                            </a:rPr>
-                          </m:ctrlPr>
-                        </m:dPr>
-                        <m:e>
-                          <m:m>
-                            <m:mPr>
-                              <m:mcs>
-                                <m:mc>
-                                  <m:mcPr>
-                                    <m:count m:val="3"/>
-                                    <m:mcJc m:val="center"/>
-                                  </m:mcPr>
-                                </m:mc>
-                              </m:mcs>
-                              <m:ctrlPr>
-                                <a:rPr lang="en-US" sz="2800" b="0" i="1" smtClean="0">
-                                  <a:latin typeface="Cambria Math" panose="02040503050406030204" pitchFamily="18" charset="0"/>
-                                </a:rPr>
-                              </m:ctrlPr>
-                            </m:mPr>
-                            <m:mr>
-                              <m:e>
-                                <m:r>
-                                  <m:rPr>
-                                    <m:brk m:alnAt="7"/>
-                                  </m:rPr>
-                                  <a:rPr lang="en-US" sz="2800" b="0" i="1" smtClean="0">
-                                    <a:latin typeface="Cambria Math" panose="02040503050406030204" pitchFamily="18" charset="0"/>
-                                  </a:rPr>
-                                  <m:t>𝑑</m:t>
-                                </m:r>
-                                <m:d>
-                                  <m:dPr>
-                                    <m:ctrlPr>
-                                      <a:rPr lang="en-US" sz="2800" b="0" i="1" smtClean="0">
-                                        <a:latin typeface="Cambria Math" panose="02040503050406030204" pitchFamily="18" charset="0"/>
-                                      </a:rPr>
-                                    </m:ctrlPr>
-                                  </m:dPr>
-                                  <m:e>
-                                    <m:sSub>
-                                      <m:sSubPr>
-                                        <m:ctrlPr>
-                                          <a:rPr lang="en-US" sz="2800" b="0" i="1" smtClean="0">
-                                            <a:latin typeface="Cambria Math" panose="02040503050406030204" pitchFamily="18" charset="0"/>
-                                          </a:rPr>
-                                        </m:ctrlPr>
-                                      </m:sSubPr>
-                                      <m:e>
-                                        <m:r>
-                                          <a:rPr lang="en-US" sz="2800" b="0" i="1" smtClean="0">
-                                            <a:latin typeface="Cambria Math" panose="02040503050406030204" pitchFamily="18" charset="0"/>
-                                          </a:rPr>
-                                          <m:t>𝑥</m:t>
-                                        </m:r>
-                                      </m:e>
-                                      <m:sub>
-                                        <m:r>
-                                          <a:rPr lang="en-US" sz="2800" b="0" i="1" smtClean="0">
-                                            <a:latin typeface="Cambria Math" panose="02040503050406030204" pitchFamily="18" charset="0"/>
-                                          </a:rPr>
-                                          <m:t>1</m:t>
-                                        </m:r>
-                                      </m:sub>
-                                    </m:sSub>
-                                    <m:r>
-                                      <m:rPr>
-                                        <m:brk m:alnAt="7"/>
-                                      </m:rPr>
-                                      <a:rPr lang="en-US" sz="2800" b="0" i="1" smtClean="0">
-                                        <a:latin typeface="Cambria Math" panose="02040503050406030204" pitchFamily="18" charset="0"/>
-                                      </a:rPr>
-                                      <m:t>,</m:t>
-                                    </m:r>
-                                    <m:sSub>
-                                      <m:sSubPr>
-                                        <m:ctrlPr>
-                                          <a:rPr lang="en-US" sz="2800" b="0" i="1" smtClean="0">
-                                            <a:latin typeface="Cambria Math" panose="02040503050406030204" pitchFamily="18" charset="0"/>
-                                          </a:rPr>
-                                        </m:ctrlPr>
-                                      </m:sSubPr>
-                                      <m:e>
-                                        <m:r>
-                                          <a:rPr lang="en-US" sz="2800" b="0" i="1" smtClean="0">
-                                            <a:latin typeface="Cambria Math" panose="02040503050406030204" pitchFamily="18" charset="0"/>
-                                          </a:rPr>
-                                          <m:t>𝑥</m:t>
-                                        </m:r>
-                                      </m:e>
-                                      <m:sub>
-                                        <m:r>
-                                          <a:rPr lang="en-US" sz="2800" b="0" i="1" smtClean="0">
-                                            <a:latin typeface="Cambria Math" panose="02040503050406030204" pitchFamily="18" charset="0"/>
-                                          </a:rPr>
-                                          <m:t>1</m:t>
-                                        </m:r>
-                                      </m:sub>
-                                    </m:sSub>
-                                  </m:e>
-                                </m:d>
-                                <m:r>
-                                  <m:rPr>
-                                    <m:brk m:alnAt="7"/>
-                                  </m:rPr>
-                                  <a:rPr lang="en-US" i="1">
-                                    <a:latin typeface="Cambria Math" panose="02040503050406030204" pitchFamily="18" charset="0"/>
-                                  </a:rPr>
-                                  <m:t>,</m:t>
-                                </m:r>
-                                <m:r>
-                                  <a:rPr lang="en-US" b="0" i="1" smtClean="0">
-                                    <a:latin typeface="Cambria Math" panose="02040503050406030204" pitchFamily="18" charset="0"/>
-                                  </a:rPr>
-                                  <m:t> </m:t>
-                                </m:r>
-                                <m:r>
-                                  <a:rPr lang="en-US" i="1">
-                                    <a:latin typeface="Cambria Math" panose="02040503050406030204" pitchFamily="18" charset="0"/>
-                                  </a:rPr>
-                                  <m:t>𝑑</m:t>
-                                </m:r>
-                                <m:r>
-                                  <a:rPr lang="en-US" i="1">
-                                    <a:latin typeface="Cambria Math" panose="02040503050406030204" pitchFamily="18" charset="0"/>
-                                  </a:rPr>
-                                  <m:t>(</m:t>
-                                </m:r>
-                                <m:sSub>
-                                  <m:sSubPr>
-                                    <m:ctrlPr>
-                                      <a:rPr lang="en-US" i="1">
-                                        <a:latin typeface="Cambria Math" panose="02040503050406030204" pitchFamily="18" charset="0"/>
-                                      </a:rPr>
-                                    </m:ctrlPr>
-                                  </m:sSubPr>
-                                  <m:e>
-                                    <m:r>
-                                      <a:rPr lang="en-US" i="1">
-                                        <a:latin typeface="Cambria Math" panose="02040503050406030204" pitchFamily="18" charset="0"/>
-                                      </a:rPr>
-                                      <m:t>𝑥</m:t>
-                                    </m:r>
-                                  </m:e>
-                                  <m:sub>
-                                    <m:r>
-                                      <a:rPr lang="en-US" i="1">
-                                        <a:latin typeface="Cambria Math" panose="02040503050406030204" pitchFamily="18" charset="0"/>
-                                      </a:rPr>
-                                      <m:t>1</m:t>
-                                    </m:r>
-                                  </m:sub>
-                                </m:sSub>
-                                <m:r>
-                                  <m:rPr>
-                                    <m:brk m:alnAt="7"/>
-                                  </m:rPr>
-                                  <a:rPr lang="en-US" i="1">
-                                    <a:latin typeface="Cambria Math" panose="02040503050406030204" pitchFamily="18" charset="0"/>
-                                  </a:rPr>
-                                  <m:t>,</m:t>
-                                </m:r>
-                                <m:sSub>
-                                  <m:sSubPr>
-                                    <m:ctrlPr>
-                                      <a:rPr lang="en-US" i="1">
-                                        <a:latin typeface="Cambria Math" panose="02040503050406030204" pitchFamily="18" charset="0"/>
-                                      </a:rPr>
-                                    </m:ctrlPr>
-                                  </m:sSubPr>
-                                  <m:e>
-                                    <m:r>
-                                      <a:rPr lang="en-US" i="1">
-                                        <a:latin typeface="Cambria Math" panose="02040503050406030204" pitchFamily="18" charset="0"/>
-                                      </a:rPr>
-                                      <m:t>𝑥</m:t>
-                                    </m:r>
-                                  </m:e>
-                                  <m:sub>
-                                    <m:r>
-                                      <a:rPr lang="en-US" b="0" i="1" smtClean="0">
-                                        <a:latin typeface="Cambria Math" panose="02040503050406030204" pitchFamily="18" charset="0"/>
-                                      </a:rPr>
-                                      <m:t>2</m:t>
-                                    </m:r>
-                                  </m:sub>
-                                </m:sSub>
-                                <m:r>
-                                  <m:rPr>
-                                    <m:brk m:alnAt="7"/>
-                                  </m:rPr>
-                                  <a:rPr lang="en-US" i="1">
-                                    <a:latin typeface="Cambria Math" panose="02040503050406030204" pitchFamily="18" charset="0"/>
-                                  </a:rPr>
-                                  <m:t>)</m:t>
-                                </m:r>
-                              </m:e>
-                              <m:e>
-                                <m:r>
-                                  <a:rPr lang="en-US" sz="2800" b="0" i="1" smtClean="0">
-                                    <a:latin typeface="Cambria Math" panose="02040503050406030204" pitchFamily="18" charset="0"/>
-                                  </a:rPr>
-                                  <m:t>⋯</m:t>
-                                </m:r>
-                              </m:e>
-                              <m:e>
-                                <m:r>
-                                  <m:rPr>
-                                    <m:brk m:alnAt="7"/>
-                                  </m:rPr>
-                                  <a:rPr lang="en-US" i="1">
-                                    <a:latin typeface="Cambria Math" panose="02040503050406030204" pitchFamily="18" charset="0"/>
-                                  </a:rPr>
-                                  <m:t>𝑑</m:t>
-                                </m:r>
-                                <m:r>
-                                  <a:rPr lang="en-US" i="1">
-                                    <a:latin typeface="Cambria Math" panose="02040503050406030204" pitchFamily="18" charset="0"/>
-                                  </a:rPr>
-                                  <m:t>(</m:t>
-                                </m:r>
-                                <m:sSub>
-                                  <m:sSubPr>
-                                    <m:ctrlPr>
-                                      <a:rPr lang="en-US" i="1">
-                                        <a:latin typeface="Cambria Math" panose="02040503050406030204" pitchFamily="18" charset="0"/>
-                                      </a:rPr>
-                                    </m:ctrlPr>
-                                  </m:sSubPr>
-                                  <m:e>
-                                    <m:r>
-                                      <a:rPr lang="en-US" i="1">
-                                        <a:latin typeface="Cambria Math" panose="02040503050406030204" pitchFamily="18" charset="0"/>
-                                      </a:rPr>
-                                      <m:t>𝑥</m:t>
-                                    </m:r>
-                                  </m:e>
-                                  <m:sub>
-                                    <m:r>
-                                      <a:rPr lang="en-US" i="1">
-                                        <a:latin typeface="Cambria Math" panose="02040503050406030204" pitchFamily="18" charset="0"/>
-                                      </a:rPr>
-                                      <m:t>1</m:t>
-                                    </m:r>
-                                  </m:sub>
-                                </m:sSub>
-                                <m:r>
-                                  <m:rPr>
-                                    <m:brk m:alnAt="7"/>
-                                  </m:rPr>
-                                  <a:rPr lang="en-US" i="1">
-                                    <a:latin typeface="Cambria Math" panose="02040503050406030204" pitchFamily="18" charset="0"/>
-                                  </a:rPr>
-                                  <m:t>,</m:t>
-                                </m:r>
-                                <m:sSub>
-                                  <m:sSubPr>
-                                    <m:ctrlPr>
-                                      <a:rPr lang="en-US" i="1">
-                                        <a:latin typeface="Cambria Math" panose="02040503050406030204" pitchFamily="18" charset="0"/>
-                                      </a:rPr>
-                                    </m:ctrlPr>
-                                  </m:sSubPr>
-                                  <m:e>
-                                    <m:r>
-                                      <a:rPr lang="en-US" i="1">
-                                        <a:latin typeface="Cambria Math" panose="02040503050406030204" pitchFamily="18" charset="0"/>
-                                      </a:rPr>
-                                      <m:t>𝑥</m:t>
-                                    </m:r>
-                                  </m:e>
-                                  <m:sub>
-                                    <m:r>
-                                      <a:rPr lang="en-US" b="0" i="1" smtClean="0">
-                                        <a:latin typeface="Cambria Math" panose="02040503050406030204" pitchFamily="18" charset="0"/>
-                                      </a:rPr>
-                                      <m:t>𝑛</m:t>
-                                    </m:r>
-                                  </m:sub>
-                                </m:sSub>
-                                <m:r>
-                                  <m:rPr>
-                                    <m:brk m:alnAt="7"/>
-                                  </m:rPr>
-                                  <a:rPr lang="en-US" i="1">
-                                    <a:latin typeface="Cambria Math" panose="02040503050406030204" pitchFamily="18" charset="0"/>
-                                  </a:rPr>
-                                  <m:t>)</m:t>
-                                </m:r>
-                              </m:e>
-                            </m:mr>
-                            <m:mr>
-                              <m:e>
-                                <m:r>
-                                  <a:rPr lang="en-US" sz="2800" b="0" i="1" smtClean="0">
-                                    <a:latin typeface="Cambria Math" panose="02040503050406030204" pitchFamily="18" charset="0"/>
-                                  </a:rPr>
-                                  <m:t>⋮</m:t>
-                                </m:r>
-                              </m:e>
-                              <m:e>
-                                <m:r>
-                                  <a:rPr lang="en-US" sz="2800" b="0" i="1" smtClean="0">
-                                    <a:latin typeface="Cambria Math" panose="02040503050406030204" pitchFamily="18" charset="0"/>
-                                  </a:rPr>
-                                  <m:t>⋱</m:t>
-                                </m:r>
-                              </m:e>
-                              <m:e>
-                                <m:r>
-                                  <a:rPr lang="en-US" sz="2800" b="0" i="1" smtClean="0">
-                                    <a:latin typeface="Cambria Math" panose="02040503050406030204" pitchFamily="18" charset="0"/>
-                                  </a:rPr>
-                                  <m:t>⋮</m:t>
-                                </m:r>
-                              </m:e>
-                            </m:mr>
-                            <m:mr>
-                              <m:e>
-                                <m:r>
-                                  <m:rPr>
-                                    <m:brk m:alnAt="7"/>
-                                  </m:rPr>
-                                  <a:rPr lang="en-US" i="1">
-                                    <a:latin typeface="Cambria Math" panose="02040503050406030204" pitchFamily="18" charset="0"/>
-                                  </a:rPr>
-                                  <m:t>𝑑</m:t>
-                                </m:r>
-                                <m:d>
-                                  <m:dPr>
-                                    <m:ctrlPr>
-                                      <a:rPr lang="en-US" i="1">
-                                        <a:latin typeface="Cambria Math" panose="02040503050406030204" pitchFamily="18" charset="0"/>
-                                      </a:rPr>
-                                    </m:ctrlPr>
-                                  </m:dPr>
-                                  <m:e>
-                                    <m:r>
-                                      <a:rPr lang="en-US" b="0" i="1" smtClean="0">
-                                        <a:latin typeface="Cambria Math" panose="02040503050406030204" pitchFamily="18" charset="0"/>
-                                      </a:rPr>
-                                      <m:t>𝑥</m:t>
-                                    </m:r>
-                                    <m:r>
-                                      <m:rPr>
-                                        <m:brk m:alnAt="7"/>
-                                      </m:rPr>
-                                      <a:rPr lang="en-US" b="0" i="1" baseline="-25000" smtClean="0">
-                                        <a:latin typeface="Cambria Math" panose="02040503050406030204" pitchFamily="18" charset="0"/>
-                                      </a:rPr>
-                                      <m:t>𝑛</m:t>
-                                    </m:r>
-                                    <m:r>
-                                      <a:rPr lang="en-US" i="1">
-                                        <a:latin typeface="Cambria Math" panose="02040503050406030204" pitchFamily="18" charset="0"/>
-                                      </a:rPr>
-                                      <m:t>,</m:t>
-                                    </m:r>
-                                    <m:sSub>
-                                      <m:sSubPr>
-                                        <m:ctrlPr>
-                                          <a:rPr lang="en-US" i="1">
-                                            <a:latin typeface="Cambria Math" panose="02040503050406030204" pitchFamily="18" charset="0"/>
-                                          </a:rPr>
-                                        </m:ctrlPr>
-                                      </m:sSubPr>
-                                      <m:e>
-                                        <m:r>
-                                          <a:rPr lang="en-US" i="1">
-                                            <a:latin typeface="Cambria Math" panose="02040503050406030204" pitchFamily="18" charset="0"/>
-                                          </a:rPr>
-                                          <m:t>𝑥</m:t>
-                                        </m:r>
-                                      </m:e>
-                                      <m:sub>
-                                        <m:r>
-                                          <a:rPr lang="en-US" i="1">
-                                            <a:latin typeface="Cambria Math" panose="02040503050406030204" pitchFamily="18" charset="0"/>
-                                          </a:rPr>
-                                          <m:t>1</m:t>
-                                        </m:r>
-                                      </m:sub>
-                                    </m:sSub>
-                                  </m:e>
-                                </m:d>
-                                <m:r>
-                                  <m:rPr>
-                                    <m:brk m:alnAt="7"/>
-                                  </m:rPr>
-                                  <a:rPr lang="en-US" b="0" i="1" smtClean="0">
-                                    <a:latin typeface="Cambria Math" panose="02040503050406030204" pitchFamily="18" charset="0"/>
-                                  </a:rPr>
-                                  <m:t>,</m:t>
-                                </m:r>
-                                <m:r>
-                                  <a:rPr lang="en-US" i="1">
-                                    <a:latin typeface="Cambria Math" panose="02040503050406030204" pitchFamily="18" charset="0"/>
-                                  </a:rPr>
-                                  <m:t>𝑑</m:t>
-                                </m:r>
-                                <m:r>
-                                  <a:rPr lang="en-US" i="1">
-                                    <a:latin typeface="Cambria Math" panose="02040503050406030204" pitchFamily="18" charset="0"/>
-                                  </a:rPr>
-                                  <m:t>(</m:t>
-                                </m:r>
-                                <m:sSub>
-                                  <m:sSubPr>
-                                    <m:ctrlPr>
-                                      <a:rPr lang="en-US" i="1">
-                                        <a:latin typeface="Cambria Math" panose="02040503050406030204" pitchFamily="18" charset="0"/>
-                                      </a:rPr>
-                                    </m:ctrlPr>
-                                  </m:sSubPr>
-                                  <m:e>
-                                    <m:r>
-                                      <a:rPr lang="en-US" i="1">
-                                        <a:latin typeface="Cambria Math" panose="02040503050406030204" pitchFamily="18" charset="0"/>
-                                      </a:rPr>
-                                      <m:t>𝑥</m:t>
-                                    </m:r>
-                                  </m:e>
-                                  <m:sub>
-                                    <m:r>
-                                      <a:rPr lang="en-US" b="0" i="1" smtClean="0">
-                                        <a:latin typeface="Cambria Math" panose="02040503050406030204" pitchFamily="18" charset="0"/>
-                                      </a:rPr>
-                                      <m:t>𝑛</m:t>
-                                    </m:r>
-                                  </m:sub>
-                                </m:sSub>
-                                <m:r>
-                                  <m:rPr>
-                                    <m:brk m:alnAt="7"/>
-                                  </m:rPr>
-                                  <a:rPr lang="en-US" i="1">
-                                    <a:latin typeface="Cambria Math" panose="02040503050406030204" pitchFamily="18" charset="0"/>
-                                  </a:rPr>
-                                  <m:t>,</m:t>
-                                </m:r>
-                                <m:sSub>
-                                  <m:sSubPr>
-                                    <m:ctrlPr>
-                                      <a:rPr lang="en-US" i="1">
-                                        <a:latin typeface="Cambria Math" panose="02040503050406030204" pitchFamily="18" charset="0"/>
-                                      </a:rPr>
-                                    </m:ctrlPr>
-                                  </m:sSubPr>
-                                  <m:e>
-                                    <m:r>
-                                      <a:rPr lang="en-US" i="1">
-                                        <a:latin typeface="Cambria Math" panose="02040503050406030204" pitchFamily="18" charset="0"/>
-                                      </a:rPr>
-                                      <m:t>𝑥</m:t>
-                                    </m:r>
-                                  </m:e>
-                                  <m:sub>
-                                    <m:r>
-                                      <a:rPr lang="en-US" b="0" i="1" smtClean="0">
-                                        <a:latin typeface="Cambria Math" panose="02040503050406030204" pitchFamily="18" charset="0"/>
-                                      </a:rPr>
-                                      <m:t>2</m:t>
-                                    </m:r>
-                                  </m:sub>
-                                </m:sSub>
-                                <m:r>
-                                  <m:rPr>
-                                    <m:brk m:alnAt="7"/>
-                                  </m:rPr>
-                                  <a:rPr lang="en-US" i="1">
-                                    <a:latin typeface="Cambria Math" panose="02040503050406030204" pitchFamily="18" charset="0"/>
-                                  </a:rPr>
-                                  <m:t>)</m:t>
-                                </m:r>
-                              </m:e>
-                              <m:e>
-                                <m:r>
-                                  <a:rPr lang="en-US" sz="2800" b="0" i="1" smtClean="0">
-                                    <a:latin typeface="Cambria Math" panose="02040503050406030204" pitchFamily="18" charset="0"/>
-                                  </a:rPr>
-                                  <m:t>⋯</m:t>
-                                </m:r>
-                              </m:e>
-                              <m:e>
-                                <m:r>
-                                  <m:rPr>
-                                    <m:brk m:alnAt="7"/>
-                                  </m:rPr>
-                                  <a:rPr lang="en-US" i="1">
-                                    <a:latin typeface="Cambria Math" panose="02040503050406030204" pitchFamily="18" charset="0"/>
-                                  </a:rPr>
-                                  <m:t>𝑑</m:t>
-                                </m:r>
-                                <m:r>
-                                  <a:rPr lang="en-US" i="1">
-                                    <a:latin typeface="Cambria Math" panose="02040503050406030204" pitchFamily="18" charset="0"/>
-                                  </a:rPr>
-                                  <m:t>(</m:t>
-                                </m:r>
-                                <m:sSub>
-                                  <m:sSubPr>
-                                    <m:ctrlPr>
-                                      <a:rPr lang="en-US" i="1">
-                                        <a:latin typeface="Cambria Math" panose="02040503050406030204" pitchFamily="18" charset="0"/>
-                                      </a:rPr>
-                                    </m:ctrlPr>
-                                  </m:sSubPr>
-                                  <m:e>
-                                    <m:r>
-                                      <a:rPr lang="en-US" i="1">
-                                        <a:latin typeface="Cambria Math" panose="02040503050406030204" pitchFamily="18" charset="0"/>
-                                      </a:rPr>
-                                      <m:t>𝑥</m:t>
-                                    </m:r>
-                                  </m:e>
-                                  <m:sub>
-                                    <m:r>
-                                      <a:rPr lang="en-US" b="0" i="1" smtClean="0">
-                                        <a:latin typeface="Cambria Math" panose="02040503050406030204" pitchFamily="18" charset="0"/>
-                                      </a:rPr>
-                                      <m:t>𝑛</m:t>
-                                    </m:r>
-                                  </m:sub>
-                                </m:sSub>
-                                <m:r>
-                                  <m:rPr>
-                                    <m:brk m:alnAt="7"/>
-                                  </m:rPr>
-                                  <a:rPr lang="en-US" i="1">
-                                    <a:latin typeface="Cambria Math" panose="02040503050406030204" pitchFamily="18" charset="0"/>
-                                  </a:rPr>
-                                  <m:t>,</m:t>
-                                </m:r>
-                                <m:sSub>
-                                  <m:sSubPr>
-                                    <m:ctrlPr>
-                                      <a:rPr lang="en-US" i="1">
-                                        <a:latin typeface="Cambria Math" panose="02040503050406030204" pitchFamily="18" charset="0"/>
-                                      </a:rPr>
-                                    </m:ctrlPr>
-                                  </m:sSubPr>
-                                  <m:e>
-                                    <m:r>
-                                      <a:rPr lang="en-US" i="1">
-                                        <a:latin typeface="Cambria Math" panose="02040503050406030204" pitchFamily="18" charset="0"/>
-                                      </a:rPr>
-                                      <m:t>𝑥</m:t>
-                                    </m:r>
-                                  </m:e>
-                                  <m:sub>
-                                    <m:r>
-                                      <a:rPr lang="en-US" b="0" i="1" smtClean="0">
-                                        <a:latin typeface="Cambria Math" panose="02040503050406030204" pitchFamily="18" charset="0"/>
-                                      </a:rPr>
-                                      <m:t>𝑛</m:t>
-                                    </m:r>
-                                  </m:sub>
-                                </m:sSub>
-                                <m:r>
-                                  <m:rPr>
-                                    <m:brk m:alnAt="7"/>
-                                  </m:rPr>
-                                  <a:rPr lang="en-US" i="1">
-                                    <a:latin typeface="Cambria Math" panose="02040503050406030204" pitchFamily="18" charset="0"/>
-                                  </a:rPr>
-                                  <m:t>)</m:t>
-                                </m:r>
-                              </m:e>
-                            </m:mr>
-                          </m:m>
-                        </m:e>
-                      </m:d>
-                    </m:oMath>
-                  </m:oMathPara>
-                </a14:m>
-                <a:endParaRPr lang="en-US" sz="2800" dirty="0">
-                  <a:latin typeface="+mn-lt"/>
-                </a:endParaRPr>
-              </a:p>
-              <a:p>
-                <a:pPr lvl="1"/>
-                <a:endParaRPr lang="en-US" dirty="0"/>
-              </a:p>
-              <a:p>
-                <a:r>
-                  <a:rPr lang="en-US" dirty="0">
-                    <a:latin typeface="+mn-lt"/>
-                  </a:rPr>
-                  <a:t>Only need to store upper (or lower) triangular elements of array  </a:t>
-                </a:r>
-              </a:p>
-              <a:p>
-                <a:r>
-                  <a:rPr lang="en-US" dirty="0">
-                    <a:latin typeface="+mn-lt"/>
-                  </a:rPr>
-                  <a:t>Is a </a:t>
-                </a:r>
-                <a:r>
-                  <a:rPr lang="en-US" b="1" dirty="0">
-                    <a:latin typeface="+mn-lt"/>
-                  </a:rPr>
-                  <a:t>dense and memory intensive representation</a:t>
-                </a:r>
-                <a:r>
-                  <a:rPr lang="en-US" dirty="0">
-                    <a:latin typeface="+mn-lt"/>
-                  </a:rPr>
-                  <a:t> requiring </a:t>
-                </a:r>
-                <a14:m>
-                  <m:oMath xmlns:m="http://schemas.openxmlformats.org/officeDocument/2006/math">
-                    <m:r>
-                      <a:rPr lang="en-US" b="1" i="1">
-                        <a:latin typeface="Cambria Math" panose="02040503050406030204" pitchFamily="18" charset="0"/>
-                      </a:rPr>
-                      <m:t>𝑶</m:t>
-                    </m:r>
-                    <m:d>
-                      <m:dPr>
-                        <m:ctrlPr>
-                          <a:rPr lang="en-US" b="1" i="1" smtClean="0">
-                            <a:latin typeface="Cambria Math" panose="02040503050406030204" pitchFamily="18" charset="0"/>
-                          </a:rPr>
-                        </m:ctrlPr>
-                      </m:dPr>
-                      <m:e>
-                        <m:sSup>
-                          <m:sSupPr>
-                            <m:ctrlPr>
-                              <a:rPr lang="en-US" b="1" i="1" smtClean="0">
-                                <a:latin typeface="Cambria Math" panose="02040503050406030204" pitchFamily="18" charset="0"/>
-                              </a:rPr>
-                            </m:ctrlPr>
-                          </m:sSupPr>
-                          <m:e>
-                            <m:r>
-                              <a:rPr lang="en-US" b="1" i="1" smtClean="0">
-                                <a:latin typeface="Cambria Math" panose="02040503050406030204" pitchFamily="18" charset="0"/>
-                              </a:rPr>
-                              <m:t>𝒏</m:t>
-                            </m:r>
-                          </m:e>
-                          <m:sup>
-                            <m:r>
-                              <a:rPr lang="en-US" b="1" i="1" smtClean="0">
-                                <a:latin typeface="Cambria Math" panose="02040503050406030204" pitchFamily="18" charset="0"/>
-                              </a:rPr>
-                              <m:t>𝟐</m:t>
-                            </m:r>
-                          </m:sup>
-                        </m:sSup>
-                      </m:e>
-                    </m:d>
-                  </m:oMath>
-                </a14:m>
-                <a:r>
-                  <a:rPr lang="en-US" b="1" dirty="0">
-                    <a:latin typeface="+mn-lt"/>
-                  </a:rPr>
-                  <a:t>  </a:t>
-                </a:r>
-                <a:r>
-                  <a:rPr lang="en-US" dirty="0">
-                    <a:latin typeface="+mn-lt"/>
-                  </a:rPr>
-                  <a:t>memory</a:t>
-                </a:r>
-              </a:p>
-              <a:p>
-                <a:pPr marL="0" indent="0">
-                  <a:buNone/>
-                </a:pPr>
-                <a:endParaRPr lang="en-US" b="1" dirty="0">
-                  <a:latin typeface="+mn-lt"/>
-                </a:endParaRPr>
-              </a:p>
-            </p:txBody>
-          </p:sp>
-        </mc:Choice>
-        <mc:Fallback>
-          <p:sp>
-            <p:nvSpPr>
-              <p:cNvPr id="3" name="Content Placeholder 2"/>
-              <p:cNvSpPr>
-                <a:spLocks noGrp="1" noRot="1" noChangeAspect="1" noMove="1" noResize="1" noEditPoints="1" noAdjustHandles="1" noChangeArrowheads="1" noChangeShapeType="1" noTextEdit="1"/>
-              </p:cNvSpPr>
-              <p:nvPr>
-                <p:ph sz="quarter" idx="10"/>
-              </p:nvPr>
-            </p:nvSpPr>
-            <p:spPr>
-              <a:xfrm>
-                <a:off x="333375" y="896078"/>
-                <a:ext cx="11525250" cy="5523771"/>
-              </a:xfrm>
-              <a:blipFill>
-                <a:blip r:embed="rId3"/>
-                <a:stretch>
-                  <a:fillRect l="-1111" t="-1876" r="-370"/>
-                </a:stretch>
-              </a:blipFill>
-            </p:spPr>
-            <p:txBody>
-              <a:bodyPr/>
-              <a:lstStyle/>
-              <a:p>
-                <a:r>
-                  <a:rPr lang="en-US">
-                    <a:noFill/>
-                  </a:rPr>
-                  <a:t> </a:t>
-                </a:r>
-              </a:p>
-            </p:txBody>
-          </p:sp>
-        </mc:Fallback>
-      </mc:AlternateContent>
-    </p:spTree>
-    <p:extLst>
-      <p:ext uri="{BB962C8B-B14F-4D97-AF65-F5344CB8AC3E}">
-        <p14:creationId xmlns:p14="http://schemas.microsoft.com/office/powerpoint/2010/main" val="1533864591"/>
-      </p:ext>
-    </p:extLst>
-  </p:cSld>
-  <p:clrMapOvr>
-    <a:masterClrMapping/>
-  </p:clrMapOvr>
-  <p:timing>
-    <p:tnLst>
-      <p:par>
-        <p:cTn id="1" dur="indefinite" restart="never" nodeType="tmRoot">
-          <p:childTnLst>
-            <p:seq concurrent="1" nextAc="seek">
-              <p:cTn id="2" dur="indefinite" nodeType="mainSeq">
-                <p:childTnLst>
-                  <p:par>
-                    <p:cTn id="3" fill="hold">
-                      <p:stCondLst>
-                        <p:cond delay="indefinite"/>
-                      </p:stCondLst>
-                      <p:childTnLst>
-                        <p:par>
-                          <p:cTn id="4" fill="hold">
-                            <p:stCondLst>
-                              <p:cond delay="0"/>
-                            </p:stCondLst>
-                            <p:childTnLst>
-                              <p:par>
-                                <p:cTn id="5" presetID="1" presetClass="entr" presetSubtype="0" fill="hold" nodeType="clickEffect">
-                                  <p:stCondLst>
-                                    <p:cond delay="0"/>
-                                  </p:stCondLst>
-                                  <p:childTnLst>
-                                    <p:set>
-                                      <p:cBhvr>
-                                        <p:cTn id="6" dur="1" fill="hold">
-                                          <p:stCondLst>
-                                            <p:cond delay="0"/>
-                                          </p:stCondLst>
-                                        </p:cTn>
-                                        <p:tgtEl>
-                                          <p:spTgt spid="3">
-                                            <p:txEl>
-                                              <p:pRg st="4" end="4"/>
-                                            </p:txEl>
-                                          </p:spTgt>
-                                        </p:tgtEl>
-                                        <p:attrNameLst>
-                                          <p:attrName>style.visibility</p:attrName>
-                                        </p:attrNameLst>
-                                      </p:cBhvr>
-                                      <p:to>
-                                        <p:strVal val="visible"/>
-                                      </p:to>
-                                    </p:set>
-                                  </p:childTnLst>
-                                </p:cTn>
-                              </p:par>
-                            </p:childTnLst>
-                          </p:cTn>
-                        </p:par>
-                      </p:childTnLst>
-                    </p:cTn>
-                  </p:par>
-                  <p:par>
-                    <p:cTn id="7" fill="hold">
-                      <p:stCondLst>
-                        <p:cond delay="indefinite"/>
-                      </p:stCondLst>
-                      <p:childTnLst>
-                        <p:par>
-                          <p:cTn id="8" fill="hold">
-                            <p:stCondLst>
-                              <p:cond delay="0"/>
-                            </p:stCondLst>
-                            <p:childTnLst>
-                              <p:par>
-                                <p:cTn id="9" presetID="1" presetClass="entr" presetSubtype="0" fill="hold" nodeType="clickEffect">
-                                  <p:stCondLst>
-                                    <p:cond delay="0"/>
-                                  </p:stCondLst>
-                                  <p:childTnLst>
-                                    <p:set>
-                                      <p:cBhvr>
-                                        <p:cTn id="10" dur="1" fill="hold">
-                                          <p:stCondLst>
-                                            <p:cond delay="0"/>
-                                          </p:stCondLst>
-                                        </p:cTn>
-                                        <p:tgtEl>
-                                          <p:spTgt spid="3">
-                                            <p:txEl>
-                                              <p:pRg st="5" end="5"/>
-                                            </p:txEl>
-                                          </p:spTgt>
-                                        </p:tgtEl>
-                                        <p:attrNameLst>
-                                          <p:attrName>style.visibility</p:attrName>
-                                        </p:attrNameLst>
-                                      </p:cBhvr>
-                                      <p:to>
-                                        <p:strVal val="visible"/>
-                                      </p:to>
-                                    </p:set>
-                                  </p:childTnLst>
-                                </p:cTn>
-                              </p:par>
-                            </p:childTnLst>
-                          </p:cTn>
-                        </p:par>
-                      </p:childTnLst>
-                    </p:cTn>
-                  </p:par>
-                </p:childTnLst>
-              </p:cTn>
-              <p:prevCondLst>
-                <p:cond evt="onPrev" delay="0">
-                  <p:tgtEl>
-                    <p:sldTgt/>
-                  </p:tgtEl>
-                </p:cond>
-              </p:prevCondLst>
-              <p:nextCondLst>
-                <p:cond evt="onNext" delay="0">
-                  <p:tgtEl>
-                    <p:sldTgt/>
-                  </p:tgtEl>
-                </p:cond>
-              </p:nextCondLst>
-            </p:seq>
-          </p:childTnLst>
-        </p:cTn>
-      </p:par>
-    </p:tnLst>
-  </p:timing>
-</p:sld>
-</file>
-
 <file path=ppt/theme/theme1.xml><?xml version="1.0" encoding="utf-8"?>
 <a:theme xmlns:a="http://schemas.openxmlformats.org/drawingml/2006/main" name="Office Theme">
   <a:themeElements>

--- a/slides/5_DistanceAndSimilarityMeasures.pptx
+++ b/slides/5_DistanceAndSimilarityMeasures.pptx
@@ -26070,8 +26070,8 @@
           </a:p>
         </p:txBody>
       </p:sp>
-      <mc:AlternateContent xmlns:mc="http://schemas.openxmlformats.org/markup-compatibility/2006" xmlns:a14="http://schemas.microsoft.com/office/drawing/2010/main">
-        <mc:Choice Requires="a14">
+      <mc:AlternateContent xmlns:mc="http://schemas.openxmlformats.org/markup-compatibility/2006">
+        <mc:Choice xmlns:a14="http://schemas.microsoft.com/office/drawing/2010/main" Requires="a14">
           <p:sp>
             <p:nvSpPr>
               <p:cNvPr id="3" name="Content Placeholder 2"/>
@@ -26109,7 +26109,7 @@
                   <a:rPr lang="en-US" b="1" dirty="0">
                     <a:latin typeface="+mn-lt"/>
                   </a:rPr>
-                  <a:t>Pearson distance correlation</a:t>
+                  <a:t>Pearson correlation</a:t>
                 </a:r>
                 <a:r>
                   <a:rPr lang="en-US" dirty="0">
@@ -26707,7 +26707,7 @@
             </p:txBody>
           </p:sp>
         </mc:Choice>
-        <mc:Fallback xmlns="">
+        <mc:Fallback>
           <p:sp>
             <p:nvSpPr>
               <p:cNvPr id="3" name="Content Placeholder 2"/>
